--- a/Blind_Date/slides.pptx
+++ b/Blind_Date/slides.pptx
@@ -2,14 +2,17 @@
 <file path=ppt/presentation.xml><?xml version="1.0" encoding="utf-8"?>
 <p:presentation xmlns:a="http://schemas.openxmlformats.org/drawingml/2006/main" xmlns:r="http://schemas.openxmlformats.org/officeDocument/2006/relationships" xmlns:p="http://schemas.openxmlformats.org/presentationml/2006/main" saveSubsetFonts="1">
   <p:sldMasterIdLst>
-    <p:sldMasterId id="2147483760" r:id="rId1"/>
+    <p:sldMasterId id="2147483940" r:id="rId1"/>
   </p:sldMasterIdLst>
   <p:sldIdLst>
     <p:sldId id="256" r:id="rId2"/>
     <p:sldId id="257" r:id="rId3"/>
-    <p:sldId id="258" r:id="rId4"/>
-    <p:sldId id="259" r:id="rId5"/>
-    <p:sldId id="260" r:id="rId6"/>
+    <p:sldId id="267" r:id="rId4"/>
+    <p:sldId id="268" r:id="rId5"/>
+    <p:sldId id="270" r:id="rId6"/>
+    <p:sldId id="271" r:id="rId7"/>
+    <p:sldId id="272" r:id="rId8"/>
+    <p:sldId id="273" r:id="rId9"/>
   </p:sldIdLst>
   <p:sldSz cx="12192000" cy="6858000"/>
   <p:notesSz cx="6858000" cy="9144000"/>
@@ -108,22 +111,43 @@
       </a:defRPr>
     </a:lvl9pPr>
   </p:defaultTextStyle>
+  <p:extLst>
+    <p:ext uri="{EFAFB233-063F-42B5-8137-9DF3F51BA10A}">
+      <p15:sldGuideLst xmlns:p15="http://schemas.microsoft.com/office/powerpoint/2012/main"/>
+    </p:ext>
+  </p:extLst>
 </p:presentation>
 </file>
 
+<file path=ppt/commentAuthors.xml><?xml version="1.0" encoding="utf-8"?>
+<p:cmAuthorLst xmlns:a="http://schemas.openxmlformats.org/drawingml/2006/main" xmlns:r="http://schemas.openxmlformats.org/officeDocument/2006/relationships" xmlns:p="http://schemas.openxmlformats.org/presentationml/2006/main">
+  <p:cmAuthor id="1" name="Ewaël" initials="E" lastIdx="1" clrIdx="0">
+    <p:extLst>
+      <p:ext uri="{19B8F6BF-5375-455C-9EA6-DF929625EA0E}">
+        <p15:presenceInfo xmlns:p15="http://schemas.microsoft.com/office/powerpoint/2012/main" userId="Ewaël" providerId="None"/>
+      </p:ext>
+    </p:extLst>
+  </p:cmAuthor>
+</p:cmAuthorLst>
+</file>
+
+<file path=ppt/comments/comment1.xml><?xml version="1.0" encoding="utf-8"?>
+<p:cmLst xmlns:a="http://schemas.openxmlformats.org/drawingml/2006/main" xmlns:r="http://schemas.openxmlformats.org/officeDocument/2006/relationships" xmlns:p="http://schemas.openxmlformats.org/presentationml/2006/main">
+  <p:cm authorId="1" dt="2021-11-04T01:13:45.171" idx="1">
+    <p:pos x="10" y="10"/>
+    <p:text/>
+    <p:extLst>
+      <p:ext uri="{C676402C-5697-4E1C-873F-D02D1690AC5C}">
+        <p15:threadingInfo xmlns:p15="http://schemas.microsoft.com/office/powerpoint/2012/main" timeZoneBias="-60"/>
+      </p:ext>
+    </p:extLst>
+  </p:cm>
+</p:cmLst>
+</file>
+
 <file path=ppt/slideLayouts/slideLayout1.xml><?xml version="1.0" encoding="utf-8"?>
-<p:sldLayout xmlns:a="http://schemas.openxmlformats.org/drawingml/2006/main" xmlns:r="http://schemas.openxmlformats.org/officeDocument/2006/relationships" xmlns:p="http://schemas.openxmlformats.org/presentationml/2006/main" showMasterSp="0" type="title" preserve="1">
+<p:sldLayout xmlns:a="http://schemas.openxmlformats.org/drawingml/2006/main" xmlns:r="http://schemas.openxmlformats.org/officeDocument/2006/relationships" xmlns:p="http://schemas.openxmlformats.org/presentationml/2006/main" type="title" preserve="1">
   <p:cSld name="Title Slide">
-    <p:bg>
-      <p:bgPr>
-        <a:solidFill>
-          <a:schemeClr val="bg2">
-            <a:lumMod val="75000"/>
-          </a:schemeClr>
-        </a:solidFill>
-        <a:effectLst/>
-      </p:bgPr>
-    </p:bg>
     <p:spTree>
       <p:nvGrpSpPr>
         <p:cNvPr id="1" name=""/>
@@ -202,7 +226,7 @@
           <a:lstStyle>
             <a:lvl1pPr marL="0" indent="0" algn="l">
               <a:buNone/>
-              <a:defRPr sz="2200" baseline="0">
+              <a:defRPr sz="2200" spc="30" baseline="0">
                 <a:solidFill>
                   <a:schemeClr val="tx1">
                     <a:lumMod val="75000"/>
@@ -254,101 +278,6 @@
       </p:sp>
       <p:sp>
         <p:nvSpPr>
-          <p:cNvPr id="4" name="Date Placeholder 3"/>
-          <p:cNvSpPr>
-            <a:spLocks noGrp="1"/>
-          </p:cNvSpPr>
-          <p:nvPr>
-            <p:ph type="dt" sz="half" idx="10"/>
-          </p:nvPr>
-        </p:nvSpPr>
-        <p:spPr/>
-        <p:txBody>
-          <a:bodyPr/>
-          <a:lstStyle>
-            <a:lvl1pPr>
-              <a:defRPr>
-                <a:solidFill>
-                  <a:schemeClr val="tx1">
-                    <a:lumMod val="50000"/>
-                  </a:schemeClr>
-                </a:solidFill>
-              </a:defRPr>
-            </a:lvl1pPr>
-          </a:lstStyle>
-          <a:p>
-            <a:fld id="{463966CE-DF10-4377-80DD-15DF6AA88448}" type="datetimeFigureOut">
-              <a:rPr lang="en-US" smtClean="0"/>
-              <a:t>11/3/2021</a:t>
-            </a:fld>
-            <a:endParaRPr lang="en-US"/>
-          </a:p>
-        </p:txBody>
-      </p:sp>
-      <p:sp>
-        <p:nvSpPr>
-          <p:cNvPr id="5" name="Footer Placeholder 4"/>
-          <p:cNvSpPr>
-            <a:spLocks noGrp="1"/>
-          </p:cNvSpPr>
-          <p:nvPr>
-            <p:ph type="ftr" sz="quarter" idx="11"/>
-          </p:nvPr>
-        </p:nvSpPr>
-        <p:spPr/>
-        <p:txBody>
-          <a:bodyPr/>
-          <a:lstStyle>
-            <a:lvl1pPr>
-              <a:defRPr>
-                <a:solidFill>
-                  <a:schemeClr val="tx1">
-                    <a:lumMod val="65000"/>
-                  </a:schemeClr>
-                </a:solidFill>
-              </a:defRPr>
-            </a:lvl1pPr>
-          </a:lstStyle>
-          <a:p>
-            <a:endParaRPr lang="en-US"/>
-          </a:p>
-        </p:txBody>
-      </p:sp>
-      <p:sp>
-        <p:nvSpPr>
-          <p:cNvPr id="6" name="Slide Number Placeholder 5"/>
-          <p:cNvSpPr>
-            <a:spLocks noGrp="1"/>
-          </p:cNvSpPr>
-          <p:nvPr>
-            <p:ph type="sldNum" sz="quarter" idx="12"/>
-          </p:nvPr>
-        </p:nvSpPr>
-        <p:spPr/>
-        <p:txBody>
-          <a:bodyPr/>
-          <a:lstStyle>
-            <a:lvl1pPr>
-              <a:defRPr>
-                <a:solidFill>
-                  <a:schemeClr val="tx1">
-                    <a:lumMod val="65000"/>
-                  </a:schemeClr>
-                </a:solidFill>
-              </a:defRPr>
-            </a:lvl1pPr>
-          </a:lstStyle>
-          <a:p>
-            <a:fld id="{66A31F61-11AA-43AF-9288-57585CB88560}" type="slidenum">
-              <a:rPr lang="en-US" smtClean="0"/>
-              <a:t>‹#›</a:t>
-            </a:fld>
-            <a:endParaRPr lang="en-US"/>
-          </a:p>
-        </p:txBody>
-      </p:sp>
-      <p:sp>
-        <p:nvSpPr>
           <p:cNvPr id="7" name="Rectangle 6"/>
           <p:cNvSpPr/>
           <p:nvPr/>
@@ -362,7 +291,10 @@
             <a:avLst/>
           </a:prstGeom>
           <a:solidFill>
-            <a:schemeClr val="accent1"/>
+            <a:schemeClr val="bg2">
+              <a:lumMod val="60000"/>
+              <a:lumOff val="40000"/>
+            </a:schemeClr>
           </a:solidFill>
           <a:ln>
             <a:noFill/>
@@ -385,10 +317,75 @@
           </a:fontRef>
         </p:style>
       </p:sp>
+      <p:sp>
+        <p:nvSpPr>
+          <p:cNvPr id="8" name="Date Placeholder 7"/>
+          <p:cNvSpPr>
+            <a:spLocks noGrp="1"/>
+          </p:cNvSpPr>
+          <p:nvPr>
+            <p:ph type="dt" sz="half" idx="10"/>
+          </p:nvPr>
+        </p:nvSpPr>
+        <p:spPr/>
+        <p:txBody>
+          <a:bodyPr/>
+          <a:lstStyle/>
+          <a:p>
+            <a:fld id="{463966CE-DF10-4377-80DD-15DF6AA88448}" type="datetimeFigureOut">
+              <a:rPr lang="en-US" smtClean="0"/>
+              <a:t>11/4/2021</a:t>
+            </a:fld>
+            <a:endParaRPr lang="en-US"/>
+          </a:p>
+        </p:txBody>
+      </p:sp>
+      <p:sp>
+        <p:nvSpPr>
+          <p:cNvPr id="9" name="Footer Placeholder 8"/>
+          <p:cNvSpPr>
+            <a:spLocks noGrp="1"/>
+          </p:cNvSpPr>
+          <p:nvPr>
+            <p:ph type="ftr" sz="quarter" idx="11"/>
+          </p:nvPr>
+        </p:nvSpPr>
+        <p:spPr/>
+        <p:txBody>
+          <a:bodyPr/>
+          <a:lstStyle/>
+          <a:p>
+            <a:endParaRPr lang="en-US"/>
+          </a:p>
+        </p:txBody>
+      </p:sp>
+      <p:sp>
+        <p:nvSpPr>
+          <p:cNvPr id="10" name="Slide Number Placeholder 9"/>
+          <p:cNvSpPr>
+            <a:spLocks noGrp="1"/>
+          </p:cNvSpPr>
+          <p:nvPr>
+            <p:ph type="sldNum" sz="quarter" idx="12"/>
+          </p:nvPr>
+        </p:nvSpPr>
+        <p:spPr/>
+        <p:txBody>
+          <a:bodyPr/>
+          <a:lstStyle/>
+          <a:p>
+            <a:fld id="{66A31F61-11AA-43AF-9288-57585CB88560}" type="slidenum">
+              <a:rPr lang="en-US" smtClean="0"/>
+              <a:t>‹#›</a:t>
+            </a:fld>
+            <a:endParaRPr lang="en-US"/>
+          </a:p>
+        </p:txBody>
+      </p:sp>
     </p:spTree>
     <p:extLst>
       <p:ext uri="{BB962C8B-B14F-4D97-AF65-F5344CB8AC3E}">
-        <p14:creationId xmlns:p14="http://schemas.microsoft.com/office/powerpoint/2010/main" val="931874998"/>
+        <p14:creationId xmlns:p14="http://schemas.microsoft.com/office/powerpoint/2010/main" val="1510268546"/>
       </p:ext>
     </p:extLst>
   </p:cSld>
@@ -512,7 +509,7 @@
           <a:p>
             <a:fld id="{463966CE-DF10-4377-80DD-15DF6AA88448}" type="datetimeFigureOut">
               <a:rPr lang="en-US" smtClean="0"/>
-              <a:t>11/3/2021</a:t>
+              <a:t>11/4/2021</a:t>
             </a:fld>
             <a:endParaRPr lang="en-US"/>
           </a:p>
@@ -560,10 +557,51 @@
           </a:p>
         </p:txBody>
       </p:sp>
+      <p:sp>
+        <p:nvSpPr>
+          <p:cNvPr id="7" name="Rectangle 6"/>
+          <p:cNvSpPr/>
+          <p:nvPr/>
+        </p:nvSpPr>
+        <p:spPr>
+          <a:xfrm>
+            <a:off x="0" y="0"/>
+            <a:ext cx="457200" cy="6858000"/>
+          </a:xfrm>
+          <a:prstGeom prst="rect">
+            <a:avLst/>
+          </a:prstGeom>
+          <a:solidFill>
+            <a:schemeClr val="tx2">
+              <a:lumMod val="60000"/>
+              <a:lumOff val="40000"/>
+            </a:schemeClr>
+          </a:solidFill>
+          <a:ln>
+            <a:noFill/>
+          </a:ln>
+        </p:spPr>
+        <p:style>
+          <a:lnRef idx="2">
+            <a:schemeClr val="accent1">
+              <a:shade val="50000"/>
+            </a:schemeClr>
+          </a:lnRef>
+          <a:fillRef idx="1">
+            <a:schemeClr val="accent1"/>
+          </a:fillRef>
+          <a:effectRef idx="0">
+            <a:schemeClr val="accent1"/>
+          </a:effectRef>
+          <a:fontRef idx="minor">
+            <a:schemeClr val="lt1"/>
+          </a:fontRef>
+        </p:style>
+      </p:sp>
     </p:spTree>
     <p:extLst>
       <p:ext uri="{BB962C8B-B14F-4D97-AF65-F5344CB8AC3E}">
-        <p14:creationId xmlns:p14="http://schemas.microsoft.com/office/powerpoint/2010/main" val="2122184304"/>
+        <p14:creationId xmlns:p14="http://schemas.microsoft.com/office/powerpoint/2010/main" val="3009700543"/>
       </p:ext>
     </p:extLst>
   </p:cSld>
@@ -692,7 +730,7 @@
           <a:p>
             <a:fld id="{463966CE-DF10-4377-80DD-15DF6AA88448}" type="datetimeFigureOut">
               <a:rPr lang="en-US" smtClean="0"/>
-              <a:t>11/3/2021</a:t>
+              <a:t>11/4/2021</a:t>
             </a:fld>
             <a:endParaRPr lang="en-US"/>
           </a:p>
@@ -740,10 +778,51 @@
           </a:p>
         </p:txBody>
       </p:sp>
+      <p:sp>
+        <p:nvSpPr>
+          <p:cNvPr id="7" name="Rectangle 6"/>
+          <p:cNvSpPr/>
+          <p:nvPr/>
+        </p:nvSpPr>
+        <p:spPr>
+          <a:xfrm>
+            <a:off x="0" y="0"/>
+            <a:ext cx="457200" cy="6858000"/>
+          </a:xfrm>
+          <a:prstGeom prst="rect">
+            <a:avLst/>
+          </a:prstGeom>
+          <a:solidFill>
+            <a:schemeClr val="tx2">
+              <a:lumMod val="60000"/>
+              <a:lumOff val="40000"/>
+            </a:schemeClr>
+          </a:solidFill>
+          <a:ln>
+            <a:noFill/>
+          </a:ln>
+        </p:spPr>
+        <p:style>
+          <a:lnRef idx="2">
+            <a:schemeClr val="accent1">
+              <a:shade val="50000"/>
+            </a:schemeClr>
+          </a:lnRef>
+          <a:fillRef idx="1">
+            <a:schemeClr val="accent1"/>
+          </a:fillRef>
+          <a:effectRef idx="0">
+            <a:schemeClr val="accent1"/>
+          </a:effectRef>
+          <a:fontRef idx="minor">
+            <a:schemeClr val="lt1"/>
+          </a:fontRef>
+        </p:style>
+      </p:sp>
     </p:spTree>
     <p:extLst>
       <p:ext uri="{BB962C8B-B14F-4D97-AF65-F5344CB8AC3E}">
-        <p14:creationId xmlns:p14="http://schemas.microsoft.com/office/powerpoint/2010/main" val="1010465500"/>
+        <p14:creationId xmlns:p14="http://schemas.microsoft.com/office/powerpoint/2010/main" val="4044565049"/>
       </p:ext>
     </p:extLst>
   </p:cSld>
@@ -862,7 +941,7 @@
           <a:p>
             <a:fld id="{463966CE-DF10-4377-80DD-15DF6AA88448}" type="datetimeFigureOut">
               <a:rPr lang="en-US" smtClean="0"/>
-              <a:t>11/3/2021</a:t>
+              <a:t>11/4/2021</a:t>
             </a:fld>
             <a:endParaRPr lang="en-US"/>
           </a:p>
@@ -910,10 +989,51 @@
           </a:p>
         </p:txBody>
       </p:sp>
+      <p:sp>
+        <p:nvSpPr>
+          <p:cNvPr id="8" name="Rectangle 7"/>
+          <p:cNvSpPr/>
+          <p:nvPr/>
+        </p:nvSpPr>
+        <p:spPr>
+          <a:xfrm>
+            <a:off x="0" y="0"/>
+            <a:ext cx="457200" cy="6858000"/>
+          </a:xfrm>
+          <a:prstGeom prst="rect">
+            <a:avLst/>
+          </a:prstGeom>
+          <a:solidFill>
+            <a:schemeClr val="tx2">
+              <a:lumMod val="60000"/>
+              <a:lumOff val="40000"/>
+            </a:schemeClr>
+          </a:solidFill>
+          <a:ln>
+            <a:noFill/>
+          </a:ln>
+        </p:spPr>
+        <p:style>
+          <a:lnRef idx="2">
+            <a:schemeClr val="accent1">
+              <a:shade val="50000"/>
+            </a:schemeClr>
+          </a:lnRef>
+          <a:fillRef idx="1">
+            <a:schemeClr val="accent1"/>
+          </a:fillRef>
+          <a:effectRef idx="0">
+            <a:schemeClr val="accent1"/>
+          </a:effectRef>
+          <a:fontRef idx="minor">
+            <a:schemeClr val="lt1"/>
+          </a:fontRef>
+        </p:style>
+      </p:sp>
     </p:spTree>
     <p:extLst>
       <p:ext uri="{BB962C8B-B14F-4D97-AF65-F5344CB8AC3E}">
-        <p14:creationId xmlns:p14="http://schemas.microsoft.com/office/powerpoint/2010/main" val="3432788765"/>
+        <p14:creationId xmlns:p14="http://schemas.microsoft.com/office/powerpoint/2010/main" val="2666516503"/>
       </p:ext>
     </p:extLst>
   </p:cSld>
@@ -965,7 +1085,7 @@
               <a:lnSpc>
                 <a:spcPct val="85000"/>
               </a:lnSpc>
-              <a:defRPr sz="7200" b="0"/>
+              <a:defRPr sz="7200" b="1"/>
             </a:lvl1pPr>
           </a:lstStyle>
           <a:p>
@@ -1000,11 +1120,11 @@
           <a:lstStyle>
             <a:lvl1pPr marL="0" indent="0">
               <a:buNone/>
-              <a:defRPr sz="2200">
+              <a:defRPr sz="2200" spc="30" baseline="0">
                 <a:solidFill>
                   <a:schemeClr val="tx1">
-                    <a:lumMod val="65000"/>
-                    <a:lumOff val="35000"/>
+                    <a:lumMod val="50000"/>
+                    <a:lumOff val="50000"/>
                   </a:schemeClr>
                 </a:solidFill>
               </a:defRPr>
@@ -1116,7 +1236,7 @@
           <a:p>
             <a:fld id="{463966CE-DF10-4377-80DD-15DF6AA88448}" type="datetimeFigureOut">
               <a:rPr lang="en-US" smtClean="0"/>
-              <a:t>11/3/2021</a:t>
+              <a:t>11/4/2021</a:t>
             </a:fld>
             <a:endParaRPr lang="en-US"/>
           </a:p>
@@ -1166,7 +1286,7 @@
       </p:sp>
       <p:sp>
         <p:nvSpPr>
-          <p:cNvPr id="7" name="Rectangle 6"/>
+          <p:cNvPr id="8" name="Rectangle 7"/>
           <p:cNvSpPr/>
           <p:nvPr/>
         </p:nvSpPr>
@@ -1179,7 +1299,10 @@
             <a:avLst/>
           </a:prstGeom>
           <a:solidFill>
-            <a:schemeClr val="accent1"/>
+            <a:schemeClr val="tx2">
+              <a:lumMod val="60000"/>
+              <a:lumOff val="40000"/>
+            </a:schemeClr>
           </a:solidFill>
           <a:ln>
             <a:noFill/>
@@ -1205,7 +1328,7 @@
     </p:spTree>
     <p:extLst>
       <p:ext uri="{BB962C8B-B14F-4D97-AF65-F5344CB8AC3E}">
-        <p14:creationId xmlns:p14="http://schemas.microsoft.com/office/powerpoint/2010/main" val="3406220796"/>
+        <p14:creationId xmlns:p14="http://schemas.microsoft.com/office/powerpoint/2010/main" val="2996160453"/>
       </p:ext>
     </p:extLst>
   </p:cSld>
@@ -1275,13 +1398,13 @@
           <a:bodyPr/>
           <a:lstStyle>
             <a:lvl1pPr>
-              <a:defRPr sz="1800"/>
+              <a:defRPr sz="2000"/>
             </a:lvl1pPr>
             <a:lvl2pPr>
-              <a:defRPr sz="1600"/>
+              <a:defRPr sz="1800"/>
             </a:lvl2pPr>
             <a:lvl3pPr>
-              <a:defRPr sz="1400"/>
+              <a:defRPr sz="1600"/>
             </a:lvl3pPr>
             <a:lvl4pPr>
               <a:defRPr sz="1400"/>
@@ -1360,13 +1483,13 @@
           <a:bodyPr/>
           <a:lstStyle>
             <a:lvl1pPr>
-              <a:defRPr sz="1800"/>
+              <a:defRPr sz="2000"/>
             </a:lvl1pPr>
             <a:lvl2pPr>
-              <a:defRPr sz="1600"/>
+              <a:defRPr sz="1800"/>
             </a:lvl2pPr>
             <a:lvl3pPr>
-              <a:defRPr sz="1400"/>
+              <a:defRPr sz="1600"/>
             </a:lvl3pPr>
             <a:lvl4pPr>
               <a:defRPr sz="1400"/>
@@ -1442,7 +1565,7 @@
           <a:p>
             <a:fld id="{463966CE-DF10-4377-80DD-15DF6AA88448}" type="datetimeFigureOut">
               <a:rPr lang="en-US" smtClean="0"/>
-              <a:t>11/3/2021</a:t>
+              <a:t>11/4/2021</a:t>
             </a:fld>
             <a:endParaRPr lang="en-US"/>
           </a:p>
@@ -1490,10 +1613,51 @@
           </a:p>
         </p:txBody>
       </p:sp>
+      <p:sp>
+        <p:nvSpPr>
+          <p:cNvPr id="8" name="Rectangle 7"/>
+          <p:cNvSpPr/>
+          <p:nvPr/>
+        </p:nvSpPr>
+        <p:spPr>
+          <a:xfrm>
+            <a:off x="0" y="0"/>
+            <a:ext cx="457200" cy="6858000"/>
+          </a:xfrm>
+          <a:prstGeom prst="rect">
+            <a:avLst/>
+          </a:prstGeom>
+          <a:solidFill>
+            <a:schemeClr val="tx2">
+              <a:lumMod val="60000"/>
+              <a:lumOff val="40000"/>
+            </a:schemeClr>
+          </a:solidFill>
+          <a:ln>
+            <a:noFill/>
+          </a:ln>
+        </p:spPr>
+        <p:style>
+          <a:lnRef idx="2">
+            <a:schemeClr val="accent1">
+              <a:shade val="50000"/>
+            </a:schemeClr>
+          </a:lnRef>
+          <a:fillRef idx="1">
+            <a:schemeClr val="accent1"/>
+          </a:fillRef>
+          <a:effectRef idx="0">
+            <a:schemeClr val="accent1"/>
+          </a:effectRef>
+          <a:fontRef idx="minor">
+            <a:schemeClr val="lt1"/>
+          </a:fontRef>
+        </p:style>
+      </p:sp>
     </p:spTree>
     <p:extLst>
       <p:ext uri="{BB962C8B-B14F-4D97-AF65-F5344CB8AC3E}">
-        <p14:creationId xmlns:p14="http://schemas.microsoft.com/office/powerpoint/2010/main" val="3458989874"/>
+        <p14:creationId xmlns:p14="http://schemas.microsoft.com/office/powerpoint/2010/main" val="3176402314"/>
       </p:ext>
     </p:extLst>
   </p:cSld>
@@ -1898,7 +2062,7 @@
           <a:p>
             <a:fld id="{463966CE-DF10-4377-80DD-15DF6AA88448}" type="datetimeFigureOut">
               <a:rPr lang="en-US" smtClean="0"/>
-              <a:t>11/3/2021</a:t>
+              <a:t>11/4/2021</a:t>
             </a:fld>
             <a:endParaRPr lang="en-US"/>
           </a:p>
@@ -1946,10 +2110,51 @@
           </a:p>
         </p:txBody>
       </p:sp>
+      <p:sp>
+        <p:nvSpPr>
+          <p:cNvPr id="11" name="Rectangle 10"/>
+          <p:cNvSpPr/>
+          <p:nvPr/>
+        </p:nvSpPr>
+        <p:spPr>
+          <a:xfrm>
+            <a:off x="0" y="0"/>
+            <a:ext cx="457200" cy="6858000"/>
+          </a:xfrm>
+          <a:prstGeom prst="rect">
+            <a:avLst/>
+          </a:prstGeom>
+          <a:solidFill>
+            <a:schemeClr val="tx2">
+              <a:lumMod val="60000"/>
+              <a:lumOff val="40000"/>
+            </a:schemeClr>
+          </a:solidFill>
+          <a:ln>
+            <a:noFill/>
+          </a:ln>
+        </p:spPr>
+        <p:style>
+          <a:lnRef idx="2">
+            <a:schemeClr val="accent1">
+              <a:shade val="50000"/>
+            </a:schemeClr>
+          </a:lnRef>
+          <a:fillRef idx="1">
+            <a:schemeClr val="accent1"/>
+          </a:fillRef>
+          <a:effectRef idx="0">
+            <a:schemeClr val="accent1"/>
+          </a:effectRef>
+          <a:fontRef idx="minor">
+            <a:schemeClr val="lt1"/>
+          </a:fontRef>
+        </p:style>
+      </p:sp>
     </p:spTree>
     <p:extLst>
       <p:ext uri="{BB962C8B-B14F-4D97-AF65-F5344CB8AC3E}">
-        <p14:creationId xmlns:p14="http://schemas.microsoft.com/office/powerpoint/2010/main" val="307486715"/>
+        <p14:creationId xmlns:p14="http://schemas.microsoft.com/office/powerpoint/2010/main" val="917646027"/>
       </p:ext>
     </p:extLst>
   </p:cSld>
@@ -2021,7 +2226,7 @@
           <a:p>
             <a:fld id="{463966CE-DF10-4377-80DD-15DF6AA88448}" type="datetimeFigureOut">
               <a:rPr lang="en-US" smtClean="0"/>
-              <a:t>11/3/2021</a:t>
+              <a:t>11/4/2021</a:t>
             </a:fld>
             <a:endParaRPr lang="en-US"/>
           </a:p>
@@ -2069,10 +2274,51 @@
           </a:p>
         </p:txBody>
       </p:sp>
+      <p:sp>
+        <p:nvSpPr>
+          <p:cNvPr id="7" name="Rectangle 6"/>
+          <p:cNvSpPr/>
+          <p:nvPr/>
+        </p:nvSpPr>
+        <p:spPr>
+          <a:xfrm>
+            <a:off x="0" y="0"/>
+            <a:ext cx="457200" cy="6858000"/>
+          </a:xfrm>
+          <a:prstGeom prst="rect">
+            <a:avLst/>
+          </a:prstGeom>
+          <a:solidFill>
+            <a:schemeClr val="tx2">
+              <a:lumMod val="60000"/>
+              <a:lumOff val="40000"/>
+            </a:schemeClr>
+          </a:solidFill>
+          <a:ln>
+            <a:noFill/>
+          </a:ln>
+        </p:spPr>
+        <p:style>
+          <a:lnRef idx="2">
+            <a:schemeClr val="accent1">
+              <a:shade val="50000"/>
+            </a:schemeClr>
+          </a:lnRef>
+          <a:fillRef idx="1">
+            <a:schemeClr val="accent1"/>
+          </a:fillRef>
+          <a:effectRef idx="0">
+            <a:schemeClr val="accent1"/>
+          </a:effectRef>
+          <a:fontRef idx="minor">
+            <a:schemeClr val="lt1"/>
+          </a:fontRef>
+        </p:style>
+      </p:sp>
     </p:spTree>
     <p:extLst>
       <p:ext uri="{BB962C8B-B14F-4D97-AF65-F5344CB8AC3E}">
-        <p14:creationId xmlns:p14="http://schemas.microsoft.com/office/powerpoint/2010/main" val="2942888887"/>
+        <p14:creationId xmlns:p14="http://schemas.microsoft.com/office/powerpoint/2010/main" val="2500532524"/>
       </p:ext>
     </p:extLst>
   </p:cSld>
@@ -2116,7 +2362,7 @@
           <a:p>
             <a:fld id="{463966CE-DF10-4377-80DD-15DF6AA88448}" type="datetimeFigureOut">
               <a:rPr lang="en-US" smtClean="0"/>
-              <a:t>11/3/2021</a:t>
+              <a:t>11/4/2021</a:t>
             </a:fld>
             <a:endParaRPr lang="en-US"/>
           </a:p>
@@ -2164,10 +2410,51 @@
           </a:p>
         </p:txBody>
       </p:sp>
+      <p:sp>
+        <p:nvSpPr>
+          <p:cNvPr id="5" name="Rectangle 4"/>
+          <p:cNvSpPr/>
+          <p:nvPr/>
+        </p:nvSpPr>
+        <p:spPr>
+          <a:xfrm>
+            <a:off x="0" y="0"/>
+            <a:ext cx="457200" cy="6858000"/>
+          </a:xfrm>
+          <a:prstGeom prst="rect">
+            <a:avLst/>
+          </a:prstGeom>
+          <a:solidFill>
+            <a:schemeClr val="tx2">
+              <a:lumMod val="60000"/>
+              <a:lumOff val="40000"/>
+            </a:schemeClr>
+          </a:solidFill>
+          <a:ln>
+            <a:noFill/>
+          </a:ln>
+        </p:spPr>
+        <p:style>
+          <a:lnRef idx="2">
+            <a:schemeClr val="accent1">
+              <a:shade val="50000"/>
+            </a:schemeClr>
+          </a:lnRef>
+          <a:fillRef idx="1">
+            <a:schemeClr val="accent1"/>
+          </a:fillRef>
+          <a:effectRef idx="0">
+            <a:schemeClr val="accent1"/>
+          </a:effectRef>
+          <a:fontRef idx="minor">
+            <a:schemeClr val="lt1"/>
+          </a:fontRef>
+        </p:style>
+      </p:sp>
     </p:spTree>
     <p:extLst>
       <p:ext uri="{BB962C8B-B14F-4D97-AF65-F5344CB8AC3E}">
-        <p14:creationId xmlns:p14="http://schemas.microsoft.com/office/powerpoint/2010/main" val="428311935"/>
+        <p14:creationId xmlns:p14="http://schemas.microsoft.com/office/powerpoint/2010/main" val="1976305033"/>
       </p:ext>
     </p:extLst>
   </p:cSld>
@@ -2221,7 +2508,7 @@
           </a:bodyPr>
           <a:lstStyle>
             <a:lvl1pPr>
-              <a:defRPr sz="3200" b="0" baseline="0"/>
+              <a:defRPr sz="2800" b="1" baseline="0"/>
             </a:lvl1pPr>
           </a:lstStyle>
           <a:p>
@@ -2347,7 +2634,7 @@
                 <a:spcPts val="800"/>
               </a:spcBef>
               <a:buNone/>
-              <a:defRPr sz="1300"/>
+              <a:defRPr sz="1400"/>
             </a:lvl1pPr>
             <a:lvl2pPr marL="457200" indent="0">
               <a:buNone/>
@@ -2408,7 +2695,7 @@
           <a:p>
             <a:fld id="{463966CE-DF10-4377-80DD-15DF6AA88448}" type="datetimeFigureOut">
               <a:rPr lang="en-US" smtClean="0"/>
-              <a:t>11/3/2021</a:t>
+              <a:t>11/4/2021</a:t>
             </a:fld>
             <a:endParaRPr lang="en-US"/>
           </a:p>
@@ -2459,7 +2746,7 @@
     </p:spTree>
     <p:extLst>
       <p:ext uri="{BB962C8B-B14F-4D97-AF65-F5344CB8AC3E}">
-        <p14:creationId xmlns:p14="http://schemas.microsoft.com/office/powerpoint/2010/main" val="1390436174"/>
+        <p14:creationId xmlns:p14="http://schemas.microsoft.com/office/powerpoint/2010/main" val="840969690"/>
       </p:ext>
     </p:extLst>
   </p:cSld>
@@ -2506,7 +2793,7 @@
             <a:avLst/>
           </a:prstGeom>
           <a:solidFill>
-            <a:srgbClr val="000000"/>
+            <a:schemeClr val="tx2"/>
           </a:solidFill>
           <a:ln>
             <a:noFill/>
@@ -2551,7 +2838,7 @@
           </a:bodyPr>
           <a:lstStyle>
             <a:lvl1pPr>
-              <a:defRPr sz="2800" b="0">
+              <a:defRPr sz="2800" b="1">
                 <a:solidFill>
                   <a:schemeClr val="bg1"/>
                 </a:solidFill>
@@ -2582,20 +2869,13 @@
             <a:off x="0" y="0"/>
             <a:ext cx="11292840" cy="5128923"/>
           </a:xfrm>
-          <a:solidFill>
-            <a:schemeClr val="accent1"/>
-          </a:solidFill>
         </p:spPr>
         <p:txBody>
           <a:bodyPr anchor="t"/>
           <a:lstStyle>
             <a:lvl1pPr marL="0" indent="0">
               <a:buNone/>
-              <a:defRPr sz="3200">
-                <a:solidFill>
-                  <a:schemeClr val="bg1"/>
-                </a:solidFill>
-              </a:defRPr>
+              <a:defRPr sz="3200"/>
             </a:lvl1pPr>
             <a:lvl2pPr marL="457200" indent="0">
               <a:buNone/>
@@ -2668,10 +2948,10 @@
                 <a:spcPts val="800"/>
               </a:spcBef>
               <a:buNone/>
-              <a:defRPr sz="1300">
+              <a:defRPr sz="1400" baseline="0">
                 <a:solidFill>
                   <a:schemeClr val="bg1">
-                    <a:lumMod val="85000"/>
+                    <a:lumMod val="75000"/>
                   </a:schemeClr>
                 </a:solidFill>
               </a:defRPr>
@@ -2735,7 +3015,7 @@
           <a:p>
             <a:fld id="{463966CE-DF10-4377-80DD-15DF6AA88448}" type="datetimeFigureOut">
               <a:rPr lang="en-US" smtClean="0"/>
-              <a:t>11/3/2021</a:t>
+              <a:t>11/4/2021</a:t>
             </a:fld>
             <a:endParaRPr lang="en-US"/>
           </a:p>
@@ -2786,7 +3066,7 @@
     </p:spTree>
     <p:extLst>
       <p:ext uri="{BB962C8B-B14F-4D97-AF65-F5344CB8AC3E}">
-        <p14:creationId xmlns:p14="http://schemas.microsoft.com/office/powerpoint/2010/main" val="1302067423"/>
+        <p14:creationId xmlns:p14="http://schemas.microsoft.com/office/powerpoint/2010/main" val="3788825352"/>
       </p:ext>
     </p:extLst>
   </p:cSld>
@@ -2800,9 +3080,39 @@
 <p:sldMaster xmlns:a="http://schemas.openxmlformats.org/drawingml/2006/main" xmlns:r="http://schemas.openxmlformats.org/officeDocument/2006/relationships" xmlns:p="http://schemas.openxmlformats.org/presentationml/2006/main">
   <p:cSld>
     <p:bg>
-      <p:bgRef idx="1001">
-        <a:schemeClr val="bg1"/>
-      </p:bgRef>
+      <p:bgPr>
+        <a:gradFill flip="none" rotWithShape="1">
+          <a:gsLst>
+            <a:gs pos="0">
+              <a:schemeClr val="accent1">
+                <a:lumMod val="5000"/>
+                <a:lumOff val="95000"/>
+              </a:schemeClr>
+            </a:gs>
+            <a:gs pos="83000">
+              <a:schemeClr val="accent1">
+                <a:lumMod val="45000"/>
+                <a:lumOff val="55000"/>
+              </a:schemeClr>
+            </a:gs>
+            <a:gs pos="68000">
+              <a:schemeClr val="accent1">
+                <a:lumMod val="45000"/>
+                <a:lumOff val="55000"/>
+              </a:schemeClr>
+            </a:gs>
+            <a:gs pos="100000">
+              <a:schemeClr val="accent1">
+                <a:lumMod val="30000"/>
+                <a:lumOff val="70000"/>
+              </a:schemeClr>
+            </a:gs>
+          </a:gsLst>
+          <a:lin ang="5400000" scaled="1"/>
+          <a:tileRect/>
+        </a:gradFill>
+        <a:effectLst/>
+      </p:bgPr>
     </p:bg>
     <p:spTree>
       <p:nvGrpSpPr>
@@ -2833,9 +3143,7 @@
             <a:avLst/>
           </a:prstGeom>
           <a:solidFill>
-            <a:schemeClr val="tx2">
-              <a:lumMod val="75000"/>
-            </a:schemeClr>
+            <a:schemeClr val="accent1"/>
           </a:solidFill>
           <a:ln>
             <a:noFill/>
@@ -2870,15 +3178,15 @@
         </p:nvSpPr>
         <p:spPr>
           <a:xfrm>
-            <a:off x="1261872" y="365760"/>
-            <a:ext cx="9692640" cy="1325562"/>
+            <a:off x="1261872" y="294198"/>
+            <a:ext cx="9692640" cy="1397124"/>
           </a:xfrm>
           <a:prstGeom prst="rect">
             <a:avLst/>
           </a:prstGeom>
         </p:spPr>
         <p:txBody>
-          <a:bodyPr vert="horz" lIns="91440" tIns="45720" rIns="91440" bIns="45720" rtlCol="0" anchor="b">
+          <a:bodyPr vert="horz" lIns="91440" tIns="27432" rIns="91440" bIns="45720" rtlCol="0" anchor="b">
             <a:normAutofit/>
           </a:bodyPr>
           <a:lstStyle/>
@@ -2978,9 +3286,9 @@
             <a:lvl1pPr algn="r">
               <a:defRPr sz="1050" b="0">
                 <a:solidFill>
-                  <a:schemeClr val="tx2">
-                    <a:lumMod val="20000"/>
-                    <a:lumOff val="80000"/>
+                  <a:schemeClr val="accent1">
+                    <a:lumMod val="40000"/>
+                    <a:lumOff val="60000"/>
                   </a:schemeClr>
                 </a:solidFill>
               </a:defRPr>
@@ -2989,7 +3297,7 @@
           <a:p>
             <a:fld id="{463966CE-DF10-4377-80DD-15DF6AA88448}" type="datetimeFigureOut">
               <a:rPr lang="en-US" smtClean="0"/>
-              <a:t>11/3/2021</a:t>
+              <a:t>11/4/2021</a:t>
             </a:fld>
             <a:endParaRPr lang="en-US"/>
           </a:p>
@@ -3020,9 +3328,9 @@
             <a:lvl1pPr algn="l">
               <a:defRPr sz="1050">
                 <a:solidFill>
-                  <a:schemeClr val="tx2">
-                    <a:lumMod val="20000"/>
-                    <a:lumOff val="80000"/>
+                  <a:schemeClr val="accent1">
+                    <a:lumMod val="40000"/>
+                    <a:lumOff val="60000"/>
                   </a:schemeClr>
                 </a:solidFill>
               </a:defRPr>
@@ -3060,11 +3368,12 @@
             <a:lvl1pPr algn="ctr">
               <a:defRPr sz="3600">
                 <a:solidFill>
-                  <a:schemeClr val="tx2">
+                  <a:schemeClr val="accent1">
                     <a:lumMod val="60000"/>
                     <a:lumOff val="40000"/>
                   </a:schemeClr>
                 </a:solidFill>
+                <a:latin typeface="+mj-lt"/>
               </a:defRPr>
             </a:lvl1pPr>
           </a:lstStyle>
@@ -3080,23 +3389,23 @@
     </p:spTree>
     <p:extLst>
       <p:ext uri="{BB962C8B-B14F-4D97-AF65-F5344CB8AC3E}">
-        <p14:creationId xmlns:p14="http://schemas.microsoft.com/office/powerpoint/2010/main" val="1910587876"/>
+        <p14:creationId xmlns:p14="http://schemas.microsoft.com/office/powerpoint/2010/main" val="3297597425"/>
       </p:ext>
     </p:extLst>
   </p:cSld>
   <p:clrMap bg1="lt1" tx1="dk1" bg2="lt2" tx2="dk2" accent1="accent1" accent2="accent2" accent3="accent3" accent4="accent4" accent5="accent5" accent6="accent6" hlink="hlink" folHlink="folHlink"/>
   <p:sldLayoutIdLst>
-    <p:sldLayoutId id="2147483761" r:id="rId1"/>
-    <p:sldLayoutId id="2147483762" r:id="rId2"/>
-    <p:sldLayoutId id="2147483763" r:id="rId3"/>
-    <p:sldLayoutId id="2147483764" r:id="rId4"/>
-    <p:sldLayoutId id="2147483765" r:id="rId5"/>
-    <p:sldLayoutId id="2147483766" r:id="rId6"/>
-    <p:sldLayoutId id="2147483767" r:id="rId7"/>
-    <p:sldLayoutId id="2147483768" r:id="rId8"/>
-    <p:sldLayoutId id="2147483769" r:id="rId9"/>
-    <p:sldLayoutId id="2147483770" r:id="rId10"/>
-    <p:sldLayoutId id="2147483771" r:id="rId11"/>
+    <p:sldLayoutId id="2147483941" r:id="rId1"/>
+    <p:sldLayoutId id="2147483942" r:id="rId2"/>
+    <p:sldLayoutId id="2147483943" r:id="rId3"/>
+    <p:sldLayoutId id="2147483944" r:id="rId4"/>
+    <p:sldLayoutId id="2147483945" r:id="rId5"/>
+    <p:sldLayoutId id="2147483946" r:id="rId6"/>
+    <p:sldLayoutId id="2147483947" r:id="rId7"/>
+    <p:sldLayoutId id="2147483948" r:id="rId8"/>
+    <p:sldLayoutId id="2147483949" r:id="rId9"/>
+    <p:sldLayoutId id="2147483950" r:id="rId10"/>
+    <p:sldLayoutId id="2147483951" r:id="rId11"/>
   </p:sldLayoutIdLst>
   <p:txStyles>
     <p:titleStyle>
@@ -3108,9 +3417,9 @@
           <a:spcPct val="0"/>
         </a:spcBef>
         <a:buNone/>
-        <a:defRPr sz="4400" kern="1200" spc="-50" baseline="0">
+        <a:defRPr sz="4400" b="1" kern="1200" spc="-50" baseline="0">
           <a:solidFill>
-            <a:schemeClr val="tx1"/>
+            <a:schemeClr val="accent1"/>
           </a:solidFill>
           <a:latin typeface="+mj-lt"/>
           <a:ea typeface="+mj-ea"/>
@@ -3135,9 +3444,12 @@
         <a:buSzPct val="80000"/>
         <a:buFont typeface="Arial" pitchFamily="34" charset="0"/>
         <a:buChar char="•"/>
-        <a:defRPr sz="1800" kern="1200" spc="10" baseline="0">
+        <a:defRPr sz="2000" kern="1200" spc="10" baseline="0">
           <a:solidFill>
-            <a:schemeClr val="tx1"/>
+            <a:schemeClr val="tx1">
+              <a:lumMod val="65000"/>
+              <a:lumOff val="35000"/>
+            </a:schemeClr>
           </a:solidFill>
           <a:latin typeface="+mn-lt"/>
           <a:ea typeface="+mn-ea"/>
@@ -3159,11 +3471,11 @@
         </a:buClr>
         <a:buFont typeface="Wingdings 2" pitchFamily="18" charset="2"/>
         <a:buChar char=""/>
-        <a:defRPr sz="1600" kern="1200">
+        <a:defRPr sz="1800" kern="1200">
           <a:solidFill>
             <a:schemeClr val="tx1">
-              <a:lumMod val="85000"/>
-              <a:lumOff val="15000"/>
+              <a:lumMod val="65000"/>
+              <a:lumOff val="35000"/>
             </a:schemeClr>
           </a:solidFill>
           <a:latin typeface="+mn-lt"/>
@@ -3186,11 +3498,11 @@
         </a:buClr>
         <a:buFont typeface="Wingdings 2" pitchFamily="18" charset="2"/>
         <a:buChar char=""/>
-        <a:defRPr sz="1400" kern="1200">
+        <a:defRPr sz="1600" kern="1200">
           <a:solidFill>
             <a:schemeClr val="tx1">
-              <a:lumMod val="85000"/>
-              <a:lumOff val="15000"/>
+              <a:lumMod val="65000"/>
+              <a:lumOff val="35000"/>
             </a:schemeClr>
           </a:solidFill>
           <a:latin typeface="+mn-lt"/>
@@ -3216,8 +3528,8 @@
         <a:defRPr sz="1400" kern="1200">
           <a:solidFill>
             <a:schemeClr val="tx1">
-              <a:lumMod val="85000"/>
-              <a:lumOff val="15000"/>
+              <a:lumMod val="65000"/>
+              <a:lumOff val="35000"/>
             </a:schemeClr>
           </a:solidFill>
           <a:latin typeface="+mn-lt"/>
@@ -3243,8 +3555,8 @@
         <a:defRPr sz="1400" kern="1200">
           <a:solidFill>
             <a:schemeClr val="tx1">
-              <a:lumMod val="85000"/>
-              <a:lumOff val="15000"/>
+              <a:lumMod val="65000"/>
+              <a:lumOff val="35000"/>
             </a:schemeClr>
           </a:solidFill>
           <a:latin typeface="+mn-lt"/>
@@ -3270,8 +3582,8 @@
         <a:defRPr sz="1400" kern="1200">
           <a:solidFill>
             <a:schemeClr val="tx1">
-              <a:lumMod val="85000"/>
-              <a:lumOff val="15000"/>
+              <a:lumMod val="65000"/>
+              <a:lumOff val="35000"/>
             </a:schemeClr>
           </a:solidFill>
           <a:latin typeface="+mn-lt"/>
@@ -3297,8 +3609,8 @@
         <a:defRPr sz="1400" kern="1200">
           <a:solidFill>
             <a:schemeClr val="tx1">
-              <a:lumMod val="85000"/>
-              <a:lumOff val="15000"/>
+              <a:lumMod val="65000"/>
+              <a:lumOff val="35000"/>
             </a:schemeClr>
           </a:solidFill>
           <a:latin typeface="+mn-lt"/>
@@ -3324,8 +3636,8 @@
         <a:defRPr sz="1400" kern="1200">
           <a:solidFill>
             <a:schemeClr val="tx1">
-              <a:lumMod val="85000"/>
-              <a:lumOff val="15000"/>
+              <a:lumMod val="65000"/>
+              <a:lumOff val="35000"/>
             </a:schemeClr>
           </a:solidFill>
           <a:latin typeface="+mn-lt"/>
@@ -3351,8 +3663,8 @@
         <a:defRPr sz="1400" kern="1200">
           <a:solidFill>
             <a:schemeClr val="tx1">
-              <a:lumMod val="85000"/>
-              <a:lumOff val="15000"/>
+              <a:lumMod val="65000"/>
+              <a:lumOff val="35000"/>
             </a:schemeClr>
           </a:solidFill>
           <a:latin typeface="+mn-lt"/>
@@ -3468,6 +3780,14 @@
 <file path=ppt/slides/slide1.xml><?xml version="1.0" encoding="utf-8"?>
 <p:sld xmlns:a="http://schemas.openxmlformats.org/drawingml/2006/main" xmlns:r="http://schemas.openxmlformats.org/officeDocument/2006/relationships" xmlns:p="http://schemas.openxmlformats.org/presentationml/2006/main">
   <p:cSld>
+    <p:bg>
+      <p:bgPr>
+        <a:solidFill>
+          <a:schemeClr val="bg2"/>
+        </a:solidFill>
+        <a:effectLst/>
+      </p:bgPr>
+    </p:bg>
     <p:spTree>
       <p:nvGrpSpPr>
         <p:cNvPr id="1" name=""/>
@@ -3630,79 +3950,36 @@
           </a:p>
         </p:txBody>
       </p:sp>
-      <p:grpSp>
-        <p:nvGrpSpPr>
-          <p:cNvPr id="20" name="Group 19"/>
-          <p:cNvGrpSpPr/>
+      <p:pic>
+        <p:nvPicPr>
+          <p:cNvPr id="4" name="Picture 3"/>
+          <p:cNvPicPr>
+            <a:picLocks noChangeAspect="1"/>
+          </p:cNvPicPr>
           <p:nvPr/>
-        </p:nvGrpSpPr>
-        <p:grpSpPr>
-          <a:xfrm>
-            <a:off x="4889503" y="3564790"/>
-            <a:ext cx="2686050" cy="2428875"/>
-            <a:chOff x="1323975" y="3771898"/>
-            <a:chExt cx="2686050" cy="2428875"/>
-          </a:xfrm>
-        </p:grpSpPr>
-        <p:pic>
-          <p:nvPicPr>
-            <p:cNvPr id="18" name="Picture 17"/>
-            <p:cNvPicPr>
-              <a:picLocks noChangeAspect="1"/>
-            </p:cNvPicPr>
-            <p:nvPr/>
-          </p:nvPicPr>
-          <p:blipFill rotWithShape="1">
-            <a:blip r:embed="rId2">
-              <a:extLst>
-                <a:ext uri="{28A0092B-C50C-407E-A947-70E740481C1C}">
-                  <a14:useLocalDpi xmlns:a14="http://schemas.microsoft.com/office/drawing/2010/main" val="0"/>
-                </a:ext>
-              </a:extLst>
-            </a:blip>
-            <a:srcRect l="36086" t="16340" r="35407" b="32378"/>
-            <a:stretch/>
-          </p:blipFill>
-          <p:spPr>
-            <a:xfrm>
-              <a:off x="1323975" y="3771898"/>
-              <a:ext cx="2400300" cy="2428875"/>
-            </a:xfrm>
-            <a:prstGeom prst="rect">
-              <a:avLst/>
-            </a:prstGeom>
-          </p:spPr>
-        </p:pic>
-        <p:pic>
-          <p:nvPicPr>
-            <p:cNvPr id="19" name="Picture 18"/>
-            <p:cNvPicPr>
-              <a:picLocks noChangeAspect="1"/>
-            </p:cNvPicPr>
-            <p:nvPr/>
-          </p:nvPicPr>
-          <p:blipFill rotWithShape="1">
-            <a:blip r:embed="rId3">
-              <a:extLst>
-                <a:ext uri="{28A0092B-C50C-407E-A947-70E740481C1C}">
-                  <a14:useLocalDpi xmlns:a14="http://schemas.microsoft.com/office/drawing/2010/main" val="0"/>
-                </a:ext>
-              </a:extLst>
-            </a:blip>
-            <a:srcRect t="3099"/>
-            <a:stretch/>
-          </p:blipFill>
-          <p:spPr>
-            <a:xfrm>
-              <a:off x="1990594" y="4538629"/>
-              <a:ext cx="2019431" cy="968434"/>
-            </a:xfrm>
-            <a:prstGeom prst="rect">
-              <a:avLst/>
-            </a:prstGeom>
-          </p:spPr>
-        </p:pic>
-      </p:grpSp>
+        </p:nvPicPr>
+        <p:blipFill>
+          <a:blip r:embed="rId2">
+            <a:extLst>
+              <a:ext uri="{28A0092B-C50C-407E-A947-70E740481C1C}">
+                <a14:useLocalDpi xmlns:a14="http://schemas.microsoft.com/office/drawing/2010/main" val="0"/>
+              </a:ext>
+            </a:extLst>
+          </a:blip>
+          <a:stretch>
+            <a:fillRect/>
+          </a:stretch>
+        </p:blipFill>
+        <p:spPr>
+          <a:xfrm>
+            <a:off x="4857724" y="3564789"/>
+            <a:ext cx="2756260" cy="2325801"/>
+          </a:xfrm>
+          <a:prstGeom prst="rect">
+            <a:avLst/>
+          </a:prstGeom>
+        </p:spPr>
+      </p:pic>
     </p:spTree>
     <p:extLst>
       <p:ext uri="{BB962C8B-B14F-4D97-AF65-F5344CB8AC3E}">
@@ -3733,79 +4010,6 @@
           <a:chExt cx="0" cy="0"/>
         </a:xfrm>
       </p:grpSpPr>
-      <p:grpSp>
-        <p:nvGrpSpPr>
-          <p:cNvPr id="5" name="Group 4"/>
-          <p:cNvGrpSpPr/>
-          <p:nvPr/>
-        </p:nvGrpSpPr>
-        <p:grpSpPr>
-          <a:xfrm>
-            <a:off x="11334750" y="85725"/>
-            <a:ext cx="790575" cy="742950"/>
-            <a:chOff x="1323975" y="3771898"/>
-            <a:chExt cx="2686050" cy="2428875"/>
-          </a:xfrm>
-        </p:grpSpPr>
-        <p:pic>
-          <p:nvPicPr>
-            <p:cNvPr id="6" name="Picture 5"/>
-            <p:cNvPicPr>
-              <a:picLocks noChangeAspect="1"/>
-            </p:cNvPicPr>
-            <p:nvPr/>
-          </p:nvPicPr>
-          <p:blipFill rotWithShape="1">
-            <a:blip r:embed="rId2" cstate="print">
-              <a:extLst>
-                <a:ext uri="{28A0092B-C50C-407E-A947-70E740481C1C}">
-                  <a14:useLocalDpi xmlns:a14="http://schemas.microsoft.com/office/drawing/2010/main" val="0"/>
-                </a:ext>
-              </a:extLst>
-            </a:blip>
-            <a:srcRect l="36086" t="16340" r="35407" b="32378"/>
-            <a:stretch/>
-          </p:blipFill>
-          <p:spPr>
-            <a:xfrm>
-              <a:off x="1323975" y="3771898"/>
-              <a:ext cx="2400300" cy="2428875"/>
-            </a:xfrm>
-            <a:prstGeom prst="rect">
-              <a:avLst/>
-            </a:prstGeom>
-          </p:spPr>
-        </p:pic>
-        <p:pic>
-          <p:nvPicPr>
-            <p:cNvPr id="7" name="Picture 6"/>
-            <p:cNvPicPr>
-              <a:picLocks noChangeAspect="1"/>
-            </p:cNvPicPr>
-            <p:nvPr/>
-          </p:nvPicPr>
-          <p:blipFill rotWithShape="1">
-            <a:blip r:embed="rId3" cstate="print">
-              <a:extLst>
-                <a:ext uri="{28A0092B-C50C-407E-A947-70E740481C1C}">
-                  <a14:useLocalDpi xmlns:a14="http://schemas.microsoft.com/office/drawing/2010/main" val="0"/>
-                </a:ext>
-              </a:extLst>
-            </a:blip>
-            <a:srcRect t="3099"/>
-            <a:stretch/>
-          </p:blipFill>
-          <p:spPr>
-            <a:xfrm>
-              <a:off x="1990594" y="4538629"/>
-              <a:ext cx="2019431" cy="968434"/>
-            </a:xfrm>
-            <a:prstGeom prst="rect">
-              <a:avLst/>
-            </a:prstGeom>
-          </p:spPr>
-        </p:pic>
-      </p:grpSp>
       <p:sp>
         <p:nvSpPr>
           <p:cNvPr id="8" name="TextBox 7"/>
@@ -3814,15 +4018,16 @@
         </p:nvSpPr>
         <p:spPr>
           <a:xfrm>
-            <a:off x="2267759" y="468367"/>
+            <a:off x="2619361" y="1119693"/>
             <a:ext cx="6543676" cy="3046988"/>
           </a:xfrm>
           <a:prstGeom prst="rect">
             <a:avLst/>
           </a:prstGeom>
           <a:solidFill>
-            <a:schemeClr val="bg1">
-              <a:lumMod val="85000"/>
+            <a:schemeClr val="accent2">
+              <a:lumMod val="20000"/>
+              <a:lumOff val="80000"/>
             </a:schemeClr>
           </a:solidFill>
           <a:ln>
@@ -3863,8 +4068,8 @@
         </p:nvSpPr>
         <p:spPr>
           <a:xfrm>
-            <a:off x="1352549" y="4448175"/>
-            <a:ext cx="7962901" cy="1631216"/>
+            <a:off x="2619361" y="4657725"/>
+            <a:ext cx="6543676" cy="1631216"/>
           </a:xfrm>
           <a:prstGeom prst="rect">
             <a:avLst/>
@@ -3923,6 +4128,131 @@
           </a:p>
         </p:txBody>
       </p:sp>
+      <p:sp>
+        <p:nvSpPr>
+          <p:cNvPr id="12" name="Rectangle 11"/>
+          <p:cNvSpPr/>
+          <p:nvPr/>
+        </p:nvSpPr>
+        <p:spPr>
+          <a:xfrm>
+            <a:off x="457199" y="0"/>
+            <a:ext cx="10839451" cy="628649"/>
+          </a:xfrm>
+          <a:prstGeom prst="rect">
+            <a:avLst/>
+          </a:prstGeom>
+          <a:gradFill flip="none" rotWithShape="1">
+            <a:gsLst>
+              <a:gs pos="52000">
+                <a:schemeClr val="accent1">
+                  <a:lumMod val="60000"/>
+                  <a:lumOff val="40000"/>
+                </a:schemeClr>
+              </a:gs>
+              <a:gs pos="100000">
+                <a:schemeClr val="tx2">
+                  <a:lumMod val="60000"/>
+                  <a:lumOff val="40000"/>
+                </a:schemeClr>
+              </a:gs>
+              <a:gs pos="0">
+                <a:schemeClr val="accent1"/>
+              </a:gs>
+            </a:gsLst>
+            <a:lin ang="10800000" scaled="1"/>
+            <a:tileRect/>
+          </a:gradFill>
+          <a:ln>
+            <a:noFill/>
+          </a:ln>
+        </p:spPr>
+        <p:style>
+          <a:lnRef idx="2">
+            <a:schemeClr val="accent1">
+              <a:shade val="50000"/>
+            </a:schemeClr>
+          </a:lnRef>
+          <a:fillRef idx="1">
+            <a:schemeClr val="accent1"/>
+          </a:fillRef>
+          <a:effectRef idx="0">
+            <a:schemeClr val="accent1"/>
+          </a:effectRef>
+          <a:fontRef idx="minor">
+            <a:schemeClr val="lt1"/>
+          </a:fontRef>
+        </p:style>
+        <p:txBody>
+          <a:bodyPr rtlCol="0" anchor="ctr"/>
+          <a:lstStyle/>
+          <a:p>
+            <a:pPr algn="ctr"/>
+            <a:endParaRPr lang="en-US" sz="3200"/>
+          </a:p>
+        </p:txBody>
+      </p:sp>
+      <p:sp>
+        <p:nvSpPr>
+          <p:cNvPr id="3" name="TextBox 2"/>
+          <p:cNvSpPr txBox="1"/>
+          <p:nvPr/>
+        </p:nvSpPr>
+        <p:spPr>
+          <a:xfrm>
+            <a:off x="3995736" y="21936"/>
+            <a:ext cx="3762375" cy="584775"/>
+          </a:xfrm>
+          <a:prstGeom prst="rect">
+            <a:avLst/>
+          </a:prstGeom>
+          <a:noFill/>
+        </p:spPr>
+        <p:txBody>
+          <a:bodyPr wrap="square" rtlCol="0">
+            <a:spAutoFit/>
+          </a:bodyPr>
+          <a:lstStyle/>
+          <a:p>
+            <a:pPr algn="ctr"/>
+            <a:r>
+              <a:rPr lang="en-US" sz="3200" dirty="0" smtClean="0"/>
+              <a:t>The challenge</a:t>
+            </a:r>
+            <a:endParaRPr lang="en-US" sz="3200" dirty="0"/>
+          </a:p>
+        </p:txBody>
+      </p:sp>
+      <p:pic>
+        <p:nvPicPr>
+          <p:cNvPr id="10" name="Picture 9"/>
+          <p:cNvPicPr>
+            <a:picLocks noChangeAspect="1"/>
+          </p:cNvPicPr>
+          <p:nvPr/>
+        </p:nvPicPr>
+        <p:blipFill>
+          <a:blip r:embed="rId2" cstate="print">
+            <a:extLst>
+              <a:ext uri="{28A0092B-C50C-407E-A947-70E740481C1C}">
+                <a14:useLocalDpi xmlns:a14="http://schemas.microsoft.com/office/drawing/2010/main" val="0"/>
+              </a:ext>
+            </a:extLst>
+          </a:blip>
+          <a:stretch>
+            <a:fillRect/>
+          </a:stretch>
+        </p:blipFill>
+        <p:spPr>
+          <a:xfrm>
+            <a:off x="11325199" y="116740"/>
+            <a:ext cx="866801" cy="731428"/>
+          </a:xfrm>
+          <a:prstGeom prst="rect">
+            <a:avLst/>
+          </a:prstGeom>
+        </p:spPr>
+      </p:pic>
     </p:spTree>
     <p:extLst>
       <p:ext uri="{BB962C8B-B14F-4D97-AF65-F5344CB8AC3E}">
@@ -3953,83 +4283,225 @@
           <a:chExt cx="0" cy="0"/>
         </a:xfrm>
       </p:grpSpPr>
-      <p:grpSp>
-        <p:nvGrpSpPr>
-          <p:cNvPr id="5" name="Group 4"/>
-          <p:cNvGrpSpPr/>
+      <p:sp>
+        <p:nvSpPr>
+          <p:cNvPr id="12" name="Rectangle 11"/>
+          <p:cNvSpPr/>
           <p:nvPr/>
-        </p:nvGrpSpPr>
-        <p:grpSpPr>
-          <a:xfrm>
-            <a:off x="11334750" y="85725"/>
-            <a:ext cx="790575" cy="742950"/>
-            <a:chOff x="1323975" y="3771898"/>
-            <a:chExt cx="2686050" cy="2428875"/>
-          </a:xfrm>
-        </p:grpSpPr>
-        <p:pic>
-          <p:nvPicPr>
-            <p:cNvPr id="6" name="Picture 5"/>
-            <p:cNvPicPr>
-              <a:picLocks noChangeAspect="1"/>
-            </p:cNvPicPr>
-            <p:nvPr/>
-          </p:nvPicPr>
-          <p:blipFill rotWithShape="1">
-            <a:blip r:embed="rId2" cstate="print">
-              <a:extLst>
-                <a:ext uri="{28A0092B-C50C-407E-A947-70E740481C1C}">
-                  <a14:useLocalDpi xmlns:a14="http://schemas.microsoft.com/office/drawing/2010/main" val="0"/>
-                </a:ext>
-              </a:extLst>
-            </a:blip>
-            <a:srcRect l="36086" t="16340" r="35407" b="32378"/>
-            <a:stretch/>
-          </p:blipFill>
-          <p:spPr>
-            <a:xfrm>
-              <a:off x="1323975" y="3771898"/>
-              <a:ext cx="2400300" cy="2428875"/>
-            </a:xfrm>
-            <a:prstGeom prst="rect">
-              <a:avLst/>
-            </a:prstGeom>
-          </p:spPr>
-        </p:pic>
-        <p:pic>
-          <p:nvPicPr>
-            <p:cNvPr id="7" name="Picture 6"/>
-            <p:cNvPicPr>
-              <a:picLocks noChangeAspect="1"/>
-            </p:cNvPicPr>
-            <p:nvPr/>
-          </p:nvPicPr>
-          <p:blipFill rotWithShape="1">
-            <a:blip r:embed="rId3" cstate="print">
-              <a:extLst>
-                <a:ext uri="{28A0092B-C50C-407E-A947-70E740481C1C}">
-                  <a14:useLocalDpi xmlns:a14="http://schemas.microsoft.com/office/drawing/2010/main" val="0"/>
-                </a:ext>
-              </a:extLst>
-            </a:blip>
-            <a:srcRect t="3099"/>
-            <a:stretch/>
-          </p:blipFill>
-          <p:spPr>
-            <a:xfrm>
-              <a:off x="1990594" y="4538629"/>
-              <a:ext cx="2019431" cy="968434"/>
-            </a:xfrm>
-            <a:prstGeom prst="rect">
-              <a:avLst/>
-            </a:prstGeom>
-          </p:spPr>
-        </p:pic>
-      </p:grpSp>
+        </p:nvSpPr>
+        <p:spPr>
+          <a:xfrm>
+            <a:off x="457199" y="0"/>
+            <a:ext cx="10839451" cy="628649"/>
+          </a:xfrm>
+          <a:prstGeom prst="rect">
+            <a:avLst/>
+          </a:prstGeom>
+          <a:gradFill flip="none" rotWithShape="1">
+            <a:gsLst>
+              <a:gs pos="52000">
+                <a:schemeClr val="accent1">
+                  <a:lumMod val="60000"/>
+                  <a:lumOff val="40000"/>
+                </a:schemeClr>
+              </a:gs>
+              <a:gs pos="100000">
+                <a:schemeClr val="tx2">
+                  <a:lumMod val="60000"/>
+                  <a:lumOff val="40000"/>
+                </a:schemeClr>
+              </a:gs>
+              <a:gs pos="0">
+                <a:schemeClr val="accent1"/>
+              </a:gs>
+            </a:gsLst>
+            <a:lin ang="10800000" scaled="1"/>
+            <a:tileRect/>
+          </a:gradFill>
+          <a:ln>
+            <a:noFill/>
+          </a:ln>
+        </p:spPr>
+        <p:style>
+          <a:lnRef idx="2">
+            <a:schemeClr val="accent1">
+              <a:shade val="50000"/>
+            </a:schemeClr>
+          </a:lnRef>
+          <a:fillRef idx="1">
+            <a:schemeClr val="accent1"/>
+          </a:fillRef>
+          <a:effectRef idx="0">
+            <a:schemeClr val="accent1"/>
+          </a:effectRef>
+          <a:fontRef idx="minor">
+            <a:schemeClr val="lt1"/>
+          </a:fontRef>
+        </p:style>
+        <p:txBody>
+          <a:bodyPr rtlCol="0" anchor="ctr"/>
+          <a:lstStyle/>
+          <a:p>
+            <a:pPr algn="ctr"/>
+            <a:endParaRPr lang="en-US" sz="3200"/>
+          </a:p>
+        </p:txBody>
+      </p:sp>
+      <p:sp>
+        <p:nvSpPr>
+          <p:cNvPr id="3" name="TextBox 2"/>
+          <p:cNvSpPr txBox="1"/>
+          <p:nvPr/>
+        </p:nvSpPr>
+        <p:spPr>
+          <a:xfrm>
+            <a:off x="3995736" y="21936"/>
+            <a:ext cx="3762375" cy="584775"/>
+          </a:xfrm>
+          <a:prstGeom prst="rect">
+            <a:avLst/>
+          </a:prstGeom>
+          <a:noFill/>
+        </p:spPr>
+        <p:txBody>
+          <a:bodyPr wrap="square" rtlCol="0">
+            <a:spAutoFit/>
+          </a:bodyPr>
+          <a:lstStyle/>
+          <a:p>
+            <a:pPr algn="ctr"/>
+            <a:r>
+              <a:rPr lang="en-US" sz="3200" dirty="0" smtClean="0"/>
+              <a:t>Recon</a:t>
+            </a:r>
+            <a:endParaRPr lang="en-US" sz="3200" dirty="0"/>
+          </a:p>
+        </p:txBody>
+      </p:sp>
+      <p:pic>
+        <p:nvPicPr>
+          <p:cNvPr id="10" name="Picture 9"/>
+          <p:cNvPicPr>
+            <a:picLocks noChangeAspect="1"/>
+          </p:cNvPicPr>
+          <p:nvPr/>
+        </p:nvPicPr>
+        <p:blipFill>
+          <a:blip r:embed="rId2" cstate="print">
+            <a:extLst>
+              <a:ext uri="{28A0092B-C50C-407E-A947-70E740481C1C}">
+                <a14:useLocalDpi xmlns:a14="http://schemas.microsoft.com/office/drawing/2010/main" val="0"/>
+              </a:ext>
+            </a:extLst>
+          </a:blip>
+          <a:stretch>
+            <a:fillRect/>
+          </a:stretch>
+        </p:blipFill>
+        <p:spPr>
+          <a:xfrm>
+            <a:off x="11325199" y="116740"/>
+            <a:ext cx="866801" cy="731428"/>
+          </a:xfrm>
+          <a:prstGeom prst="rect">
+            <a:avLst/>
+          </a:prstGeom>
+        </p:spPr>
+      </p:pic>
+      <p:sp>
+        <p:nvSpPr>
+          <p:cNvPr id="14" name="TextBox 13"/>
+          <p:cNvSpPr txBox="1"/>
+          <p:nvPr/>
+        </p:nvSpPr>
+        <p:spPr>
+          <a:xfrm>
+            <a:off x="2162576" y="4419598"/>
+            <a:ext cx="7428691" cy="1631216"/>
+          </a:xfrm>
+          <a:prstGeom prst="rect">
+            <a:avLst/>
+          </a:prstGeom>
+          <a:noFill/>
+        </p:spPr>
+        <p:txBody>
+          <a:bodyPr wrap="square" rtlCol="0">
+            <a:spAutoFit/>
+          </a:bodyPr>
+          <a:lstStyle/>
+          <a:p>
+            <a:r>
+              <a:rPr lang="en-US" sz="2000" dirty="0" smtClean="0"/>
+              <a:t>Looks like an echo server, 2 possible vulnerabilities:</a:t>
+            </a:r>
+          </a:p>
+          <a:p>
+            <a:endParaRPr lang="en-US" sz="2000" dirty="0" smtClean="0"/>
+          </a:p>
+          <a:p>
+            <a:pPr marL="342900" indent="-342900">
+              <a:buFont typeface="Arial" panose="020B0604020202020204" pitchFamily="34" charset="0"/>
+              <a:buChar char="•"/>
+            </a:pPr>
+            <a:r>
+              <a:rPr lang="en-US" sz="2000" dirty="0" smtClean="0"/>
+              <a:t>format string attack</a:t>
+            </a:r>
+          </a:p>
+          <a:p>
+            <a:pPr marL="342900" indent="-342900">
+              <a:buFontTx/>
+              <a:buChar char="-"/>
+            </a:pPr>
+            <a:endParaRPr lang="en-US" sz="2000" dirty="0" smtClean="0"/>
+          </a:p>
+          <a:p>
+            <a:pPr marL="342900" indent="-342900">
+              <a:buFont typeface="Arial" panose="020B0604020202020204" pitchFamily="34" charset="0"/>
+              <a:buChar char="•"/>
+            </a:pPr>
+            <a:r>
+              <a:rPr lang="en-US" sz="2000" dirty="0" smtClean="0"/>
+              <a:t>buffer overflow</a:t>
+            </a:r>
+            <a:endParaRPr lang="en-US" sz="2000" dirty="0"/>
+          </a:p>
+        </p:txBody>
+      </p:sp>
+      <p:pic>
+        <p:nvPicPr>
+          <p:cNvPr id="2" name="Picture 1"/>
+          <p:cNvPicPr>
+            <a:picLocks noChangeAspect="1"/>
+          </p:cNvPicPr>
+          <p:nvPr/>
+        </p:nvPicPr>
+        <p:blipFill>
+          <a:blip r:embed="rId3">
+            <a:extLst>
+              <a:ext uri="{28A0092B-C50C-407E-A947-70E740481C1C}">
+                <a14:useLocalDpi xmlns:a14="http://schemas.microsoft.com/office/drawing/2010/main" val="0"/>
+              </a:ext>
+            </a:extLst>
+          </a:blip>
+          <a:stretch>
+            <a:fillRect/>
+          </a:stretch>
+        </p:blipFill>
+        <p:spPr>
+          <a:xfrm>
+            <a:off x="1990316" y="1114425"/>
+            <a:ext cx="7600951" cy="2683952"/>
+          </a:xfrm>
+          <a:prstGeom prst="rect">
+            <a:avLst/>
+          </a:prstGeom>
+        </p:spPr>
+      </p:pic>
     </p:spTree>
     <p:extLst>
       <p:ext uri="{BB962C8B-B14F-4D97-AF65-F5344CB8AC3E}">
-        <p14:creationId xmlns:p14="http://schemas.microsoft.com/office/powerpoint/2010/main" val="2520348095"/>
+        <p14:creationId xmlns:p14="http://schemas.microsoft.com/office/powerpoint/2010/main" val="2998094553"/>
       </p:ext>
     </p:extLst>
   </p:cSld>
@@ -4056,83 +4528,224 @@
           <a:chExt cx="0" cy="0"/>
         </a:xfrm>
       </p:grpSpPr>
-      <p:grpSp>
-        <p:nvGrpSpPr>
-          <p:cNvPr id="5" name="Group 4"/>
-          <p:cNvGrpSpPr/>
+      <p:sp>
+        <p:nvSpPr>
+          <p:cNvPr id="12" name="Rectangle 11"/>
+          <p:cNvSpPr/>
           <p:nvPr/>
-        </p:nvGrpSpPr>
-        <p:grpSpPr>
-          <a:xfrm>
-            <a:off x="11334750" y="85725"/>
-            <a:ext cx="790575" cy="742950"/>
-            <a:chOff x="1323975" y="3771898"/>
-            <a:chExt cx="2686050" cy="2428875"/>
-          </a:xfrm>
-        </p:grpSpPr>
-        <p:pic>
-          <p:nvPicPr>
-            <p:cNvPr id="6" name="Picture 5"/>
-            <p:cNvPicPr>
-              <a:picLocks noChangeAspect="1"/>
-            </p:cNvPicPr>
-            <p:nvPr/>
-          </p:nvPicPr>
-          <p:blipFill rotWithShape="1">
-            <a:blip r:embed="rId2" cstate="print">
-              <a:extLst>
-                <a:ext uri="{28A0092B-C50C-407E-A947-70E740481C1C}">
-                  <a14:useLocalDpi xmlns:a14="http://schemas.microsoft.com/office/drawing/2010/main" val="0"/>
-                </a:ext>
-              </a:extLst>
-            </a:blip>
-            <a:srcRect l="36086" t="16340" r="35407" b="32378"/>
-            <a:stretch/>
-          </p:blipFill>
-          <p:spPr>
-            <a:xfrm>
-              <a:off x="1323975" y="3771898"/>
-              <a:ext cx="2400300" cy="2428875"/>
-            </a:xfrm>
-            <a:prstGeom prst="rect">
-              <a:avLst/>
-            </a:prstGeom>
-          </p:spPr>
-        </p:pic>
-        <p:pic>
-          <p:nvPicPr>
-            <p:cNvPr id="7" name="Picture 6"/>
-            <p:cNvPicPr>
-              <a:picLocks noChangeAspect="1"/>
-            </p:cNvPicPr>
-            <p:nvPr/>
-          </p:nvPicPr>
-          <p:blipFill rotWithShape="1">
-            <a:blip r:embed="rId3" cstate="print">
-              <a:extLst>
-                <a:ext uri="{28A0092B-C50C-407E-A947-70E740481C1C}">
-                  <a14:useLocalDpi xmlns:a14="http://schemas.microsoft.com/office/drawing/2010/main" val="0"/>
-                </a:ext>
-              </a:extLst>
-            </a:blip>
-            <a:srcRect t="3099"/>
-            <a:stretch/>
-          </p:blipFill>
-          <p:spPr>
-            <a:xfrm>
-              <a:off x="1990594" y="4538629"/>
-              <a:ext cx="2019431" cy="968434"/>
-            </a:xfrm>
-            <a:prstGeom prst="rect">
-              <a:avLst/>
-            </a:prstGeom>
-          </p:spPr>
-        </p:pic>
-      </p:grpSp>
+        </p:nvSpPr>
+        <p:spPr>
+          <a:xfrm>
+            <a:off x="457199" y="0"/>
+            <a:ext cx="10839451" cy="628649"/>
+          </a:xfrm>
+          <a:prstGeom prst="rect">
+            <a:avLst/>
+          </a:prstGeom>
+          <a:gradFill flip="none" rotWithShape="1">
+            <a:gsLst>
+              <a:gs pos="52000">
+                <a:schemeClr val="accent1">
+                  <a:lumMod val="60000"/>
+                  <a:lumOff val="40000"/>
+                </a:schemeClr>
+              </a:gs>
+              <a:gs pos="100000">
+                <a:schemeClr val="tx2">
+                  <a:lumMod val="60000"/>
+                  <a:lumOff val="40000"/>
+                </a:schemeClr>
+              </a:gs>
+              <a:gs pos="0">
+                <a:schemeClr val="accent1"/>
+              </a:gs>
+            </a:gsLst>
+            <a:lin ang="10800000" scaled="1"/>
+            <a:tileRect/>
+          </a:gradFill>
+          <a:ln>
+            <a:noFill/>
+          </a:ln>
+        </p:spPr>
+        <p:style>
+          <a:lnRef idx="2">
+            <a:schemeClr val="accent1">
+              <a:shade val="50000"/>
+            </a:schemeClr>
+          </a:lnRef>
+          <a:fillRef idx="1">
+            <a:schemeClr val="accent1"/>
+          </a:fillRef>
+          <a:effectRef idx="0">
+            <a:schemeClr val="accent1"/>
+          </a:effectRef>
+          <a:fontRef idx="minor">
+            <a:schemeClr val="lt1"/>
+          </a:fontRef>
+        </p:style>
+        <p:txBody>
+          <a:bodyPr rtlCol="0" anchor="ctr"/>
+          <a:lstStyle/>
+          <a:p>
+            <a:pPr algn="ctr"/>
+            <a:endParaRPr lang="en-US" sz="3200"/>
+          </a:p>
+        </p:txBody>
+      </p:sp>
+      <p:pic>
+        <p:nvPicPr>
+          <p:cNvPr id="10" name="Picture 9"/>
+          <p:cNvPicPr>
+            <a:picLocks noChangeAspect="1"/>
+          </p:cNvPicPr>
+          <p:nvPr/>
+        </p:nvPicPr>
+        <p:blipFill>
+          <a:blip r:embed="rId2" cstate="print">
+            <a:extLst>
+              <a:ext uri="{28A0092B-C50C-407E-A947-70E740481C1C}">
+                <a14:useLocalDpi xmlns:a14="http://schemas.microsoft.com/office/drawing/2010/main" val="0"/>
+              </a:ext>
+            </a:extLst>
+          </a:blip>
+          <a:stretch>
+            <a:fillRect/>
+          </a:stretch>
+        </p:blipFill>
+        <p:spPr>
+          <a:xfrm>
+            <a:off x="11325199" y="116740"/>
+            <a:ext cx="866801" cy="731428"/>
+          </a:xfrm>
+          <a:prstGeom prst="rect">
+            <a:avLst/>
+          </a:prstGeom>
+        </p:spPr>
+      </p:pic>
+      <p:sp>
+        <p:nvSpPr>
+          <p:cNvPr id="7" name="TextBox 6"/>
+          <p:cNvSpPr txBox="1"/>
+          <p:nvPr/>
+        </p:nvSpPr>
+        <p:spPr>
+          <a:xfrm>
+            <a:off x="3509961" y="0"/>
+            <a:ext cx="5129214" cy="584775"/>
+          </a:xfrm>
+          <a:prstGeom prst="rect">
+            <a:avLst/>
+          </a:prstGeom>
+          <a:noFill/>
+        </p:spPr>
+        <p:txBody>
+          <a:bodyPr wrap="square" rtlCol="0">
+            <a:spAutoFit/>
+          </a:bodyPr>
+          <a:lstStyle/>
+          <a:p>
+            <a:pPr algn="ctr"/>
+            <a:r>
+              <a:rPr lang="en-US" sz="3200" dirty="0" smtClean="0"/>
+              <a:t>A format string bug?</a:t>
+            </a:r>
+            <a:endParaRPr lang="en-US" sz="3200" dirty="0"/>
+          </a:p>
+        </p:txBody>
+      </p:sp>
+      <p:sp>
+        <p:nvSpPr>
+          <p:cNvPr id="2" name="TextBox 1"/>
+          <p:cNvSpPr txBox="1"/>
+          <p:nvPr/>
+        </p:nvSpPr>
+        <p:spPr>
+          <a:xfrm>
+            <a:off x="2457450" y="1119097"/>
+            <a:ext cx="5953125" cy="1200329"/>
+          </a:xfrm>
+          <a:prstGeom prst="rect">
+            <a:avLst/>
+          </a:prstGeom>
+          <a:noFill/>
+        </p:spPr>
+        <p:txBody>
+          <a:bodyPr wrap="square" rtlCol="0">
+            <a:spAutoFit/>
+          </a:bodyPr>
+          <a:lstStyle/>
+          <a:p>
+            <a:pPr marL="285750" indent="-285750">
+              <a:buFont typeface="Arial" panose="020B0604020202020204" pitchFamily="34" charset="0"/>
+              <a:buChar char="•"/>
+            </a:pPr>
+            <a:r>
+              <a:rPr lang="en-US" dirty="0" smtClean="0"/>
+              <a:t>Well known vulnerability occurring with an unsafe usage of a </a:t>
+            </a:r>
+            <a:r>
+              <a:rPr lang="en-US" i="1" dirty="0" err="1" smtClean="0"/>
+              <a:t>printf</a:t>
+            </a:r>
+            <a:r>
+              <a:rPr lang="en-US" dirty="0" smtClean="0"/>
+              <a:t> function supporting formatting</a:t>
+            </a:r>
+          </a:p>
+          <a:p>
+            <a:pPr marL="285750" indent="-285750">
+              <a:buFont typeface="Arial" panose="020B0604020202020204" pitchFamily="34" charset="0"/>
+              <a:buChar char="•"/>
+            </a:pPr>
+            <a:endParaRPr lang="en-US" dirty="0"/>
+          </a:p>
+          <a:p>
+            <a:pPr marL="285750" indent="-285750">
+              <a:buFont typeface="Arial" panose="020B0604020202020204" pitchFamily="34" charset="0"/>
+              <a:buChar char="•"/>
+            </a:pPr>
+            <a:r>
+              <a:rPr lang="en-US" dirty="0" smtClean="0"/>
+              <a:t>The code would look like this:</a:t>
+            </a:r>
+            <a:endParaRPr lang="en-US" dirty="0"/>
+          </a:p>
+        </p:txBody>
+      </p:sp>
+      <p:pic>
+        <p:nvPicPr>
+          <p:cNvPr id="6" name="Picture 5"/>
+          <p:cNvPicPr>
+            <a:picLocks noChangeAspect="1"/>
+          </p:cNvPicPr>
+          <p:nvPr/>
+        </p:nvPicPr>
+        <p:blipFill>
+          <a:blip r:embed="rId3">
+            <a:extLst>
+              <a:ext uri="{28A0092B-C50C-407E-A947-70E740481C1C}">
+                <a14:useLocalDpi xmlns:a14="http://schemas.microsoft.com/office/drawing/2010/main" val="0"/>
+              </a:ext>
+            </a:extLst>
+          </a:blip>
+          <a:stretch>
+            <a:fillRect/>
+          </a:stretch>
+        </p:blipFill>
+        <p:spPr>
+          <a:xfrm>
+            <a:off x="2457450" y="2809874"/>
+            <a:ext cx="6257924" cy="3572863"/>
+          </a:xfrm>
+          <a:prstGeom prst="rect">
+            <a:avLst/>
+          </a:prstGeom>
+        </p:spPr>
+      </p:pic>
     </p:spTree>
     <p:extLst>
       <p:ext uri="{BB962C8B-B14F-4D97-AF65-F5344CB8AC3E}">
-        <p14:creationId xmlns:p14="http://schemas.microsoft.com/office/powerpoint/2010/main" val="3597334603"/>
+        <p14:creationId xmlns:p14="http://schemas.microsoft.com/office/powerpoint/2010/main" val="1794385604"/>
       </p:ext>
     </p:extLst>
   </p:cSld>
@@ -4159,83 +4772,476 @@
           <a:chExt cx="0" cy="0"/>
         </a:xfrm>
       </p:grpSpPr>
-      <p:grpSp>
-        <p:nvGrpSpPr>
-          <p:cNvPr id="5" name="Group 4"/>
-          <p:cNvGrpSpPr/>
+      <p:sp>
+        <p:nvSpPr>
+          <p:cNvPr id="12" name="Rectangle 11"/>
+          <p:cNvSpPr/>
           <p:nvPr/>
-        </p:nvGrpSpPr>
-        <p:grpSpPr>
-          <a:xfrm>
-            <a:off x="11334750" y="85725"/>
-            <a:ext cx="790575" cy="742950"/>
-            <a:chOff x="1323975" y="3771898"/>
-            <a:chExt cx="2686050" cy="2428875"/>
-          </a:xfrm>
-        </p:grpSpPr>
-        <p:pic>
-          <p:nvPicPr>
-            <p:cNvPr id="6" name="Picture 5"/>
-            <p:cNvPicPr>
-              <a:picLocks noChangeAspect="1"/>
-            </p:cNvPicPr>
-            <p:nvPr/>
-          </p:nvPicPr>
-          <p:blipFill rotWithShape="1">
-            <a:blip r:embed="rId2" cstate="print">
-              <a:extLst>
-                <a:ext uri="{28A0092B-C50C-407E-A947-70E740481C1C}">
-                  <a14:useLocalDpi xmlns:a14="http://schemas.microsoft.com/office/drawing/2010/main" val="0"/>
-                </a:ext>
-              </a:extLst>
-            </a:blip>
-            <a:srcRect l="36086" t="16340" r="35407" b="32378"/>
-            <a:stretch/>
-          </p:blipFill>
-          <p:spPr>
-            <a:xfrm>
-              <a:off x="1323975" y="3771898"/>
-              <a:ext cx="2400300" cy="2428875"/>
-            </a:xfrm>
-            <a:prstGeom prst="rect">
-              <a:avLst/>
-            </a:prstGeom>
-          </p:spPr>
-        </p:pic>
-        <p:pic>
-          <p:nvPicPr>
-            <p:cNvPr id="7" name="Picture 6"/>
-            <p:cNvPicPr>
-              <a:picLocks noChangeAspect="1"/>
-            </p:cNvPicPr>
-            <p:nvPr/>
-          </p:nvPicPr>
-          <p:blipFill rotWithShape="1">
-            <a:blip r:embed="rId3" cstate="print">
-              <a:extLst>
-                <a:ext uri="{28A0092B-C50C-407E-A947-70E740481C1C}">
-                  <a14:useLocalDpi xmlns:a14="http://schemas.microsoft.com/office/drawing/2010/main" val="0"/>
-                </a:ext>
-              </a:extLst>
-            </a:blip>
-            <a:srcRect t="3099"/>
-            <a:stretch/>
-          </p:blipFill>
-          <p:spPr>
-            <a:xfrm>
-              <a:off x="1990594" y="4538629"/>
-              <a:ext cx="2019431" cy="968434"/>
-            </a:xfrm>
-            <a:prstGeom prst="rect">
-              <a:avLst/>
-            </a:prstGeom>
-          </p:spPr>
-        </p:pic>
-      </p:grpSp>
+        </p:nvSpPr>
+        <p:spPr>
+          <a:xfrm>
+            <a:off x="457199" y="0"/>
+            <a:ext cx="10839451" cy="628649"/>
+          </a:xfrm>
+          <a:prstGeom prst="rect">
+            <a:avLst/>
+          </a:prstGeom>
+          <a:gradFill flip="none" rotWithShape="1">
+            <a:gsLst>
+              <a:gs pos="52000">
+                <a:schemeClr val="accent1">
+                  <a:lumMod val="60000"/>
+                  <a:lumOff val="40000"/>
+                </a:schemeClr>
+              </a:gs>
+              <a:gs pos="100000">
+                <a:schemeClr val="tx2">
+                  <a:lumMod val="60000"/>
+                  <a:lumOff val="40000"/>
+                </a:schemeClr>
+              </a:gs>
+              <a:gs pos="0">
+                <a:schemeClr val="accent1"/>
+              </a:gs>
+            </a:gsLst>
+            <a:lin ang="10800000" scaled="1"/>
+            <a:tileRect/>
+          </a:gradFill>
+          <a:ln>
+            <a:noFill/>
+          </a:ln>
+        </p:spPr>
+        <p:style>
+          <a:lnRef idx="2">
+            <a:schemeClr val="accent1">
+              <a:shade val="50000"/>
+            </a:schemeClr>
+          </a:lnRef>
+          <a:fillRef idx="1">
+            <a:schemeClr val="accent1"/>
+          </a:fillRef>
+          <a:effectRef idx="0">
+            <a:schemeClr val="accent1"/>
+          </a:effectRef>
+          <a:fontRef idx="minor">
+            <a:schemeClr val="lt1"/>
+          </a:fontRef>
+        </p:style>
+        <p:txBody>
+          <a:bodyPr rtlCol="0" anchor="ctr"/>
+          <a:lstStyle/>
+          <a:p>
+            <a:pPr algn="ctr"/>
+            <a:endParaRPr lang="en-US" sz="3200"/>
+          </a:p>
+        </p:txBody>
+      </p:sp>
+      <p:pic>
+        <p:nvPicPr>
+          <p:cNvPr id="10" name="Picture 9"/>
+          <p:cNvPicPr>
+            <a:picLocks noChangeAspect="1"/>
+          </p:cNvPicPr>
+          <p:nvPr/>
+        </p:nvPicPr>
+        <p:blipFill>
+          <a:blip r:embed="rId2" cstate="print">
+            <a:extLst>
+              <a:ext uri="{28A0092B-C50C-407E-A947-70E740481C1C}">
+                <a14:useLocalDpi xmlns:a14="http://schemas.microsoft.com/office/drawing/2010/main" val="0"/>
+              </a:ext>
+            </a:extLst>
+          </a:blip>
+          <a:stretch>
+            <a:fillRect/>
+          </a:stretch>
+        </p:blipFill>
+        <p:spPr>
+          <a:xfrm>
+            <a:off x="11325199" y="116740"/>
+            <a:ext cx="866801" cy="731428"/>
+          </a:xfrm>
+          <a:prstGeom prst="rect">
+            <a:avLst/>
+          </a:prstGeom>
+        </p:spPr>
+      </p:pic>
     </p:spTree>
     <p:extLst>
       <p:ext uri="{BB962C8B-B14F-4D97-AF65-F5344CB8AC3E}">
-        <p14:creationId xmlns:p14="http://schemas.microsoft.com/office/powerpoint/2010/main" val="2814575198"/>
+        <p14:creationId xmlns:p14="http://schemas.microsoft.com/office/powerpoint/2010/main" val="199772230"/>
+      </p:ext>
+    </p:extLst>
+  </p:cSld>
+  <p:clrMapOvr>
+    <a:masterClrMapping/>
+  </p:clrMapOvr>
+</p:sld>
+</file>
+
+<file path=ppt/slides/slide6.xml><?xml version="1.0" encoding="utf-8"?>
+<p:sld xmlns:a="http://schemas.openxmlformats.org/drawingml/2006/main" xmlns:r="http://schemas.openxmlformats.org/officeDocument/2006/relationships" xmlns:p="http://schemas.openxmlformats.org/presentationml/2006/main">
+  <p:cSld>
+    <p:spTree>
+      <p:nvGrpSpPr>
+        <p:cNvPr id="1" name=""/>
+        <p:cNvGrpSpPr/>
+        <p:nvPr/>
+      </p:nvGrpSpPr>
+      <p:grpSpPr>
+        <a:xfrm>
+          <a:off x="0" y="0"/>
+          <a:ext cx="0" cy="0"/>
+          <a:chOff x="0" y="0"/>
+          <a:chExt cx="0" cy="0"/>
+        </a:xfrm>
+      </p:grpSpPr>
+      <p:sp>
+        <p:nvSpPr>
+          <p:cNvPr id="12" name="Rectangle 11"/>
+          <p:cNvSpPr/>
+          <p:nvPr/>
+        </p:nvSpPr>
+        <p:spPr>
+          <a:xfrm>
+            <a:off x="457199" y="0"/>
+            <a:ext cx="10839451" cy="628649"/>
+          </a:xfrm>
+          <a:prstGeom prst="rect">
+            <a:avLst/>
+          </a:prstGeom>
+          <a:gradFill flip="none" rotWithShape="1">
+            <a:gsLst>
+              <a:gs pos="52000">
+                <a:schemeClr val="accent1">
+                  <a:lumMod val="60000"/>
+                  <a:lumOff val="40000"/>
+                </a:schemeClr>
+              </a:gs>
+              <a:gs pos="100000">
+                <a:schemeClr val="tx2">
+                  <a:lumMod val="60000"/>
+                  <a:lumOff val="40000"/>
+                </a:schemeClr>
+              </a:gs>
+              <a:gs pos="0">
+                <a:schemeClr val="accent1"/>
+              </a:gs>
+            </a:gsLst>
+            <a:lin ang="10800000" scaled="1"/>
+            <a:tileRect/>
+          </a:gradFill>
+          <a:ln>
+            <a:noFill/>
+          </a:ln>
+        </p:spPr>
+        <p:style>
+          <a:lnRef idx="2">
+            <a:schemeClr val="accent1">
+              <a:shade val="50000"/>
+            </a:schemeClr>
+          </a:lnRef>
+          <a:fillRef idx="1">
+            <a:schemeClr val="accent1"/>
+          </a:fillRef>
+          <a:effectRef idx="0">
+            <a:schemeClr val="accent1"/>
+          </a:effectRef>
+          <a:fontRef idx="minor">
+            <a:schemeClr val="lt1"/>
+          </a:fontRef>
+        </p:style>
+        <p:txBody>
+          <a:bodyPr rtlCol="0" anchor="ctr"/>
+          <a:lstStyle/>
+          <a:p>
+            <a:pPr algn="ctr"/>
+            <a:endParaRPr lang="en-US" sz="3200"/>
+          </a:p>
+        </p:txBody>
+      </p:sp>
+      <p:pic>
+        <p:nvPicPr>
+          <p:cNvPr id="10" name="Picture 9"/>
+          <p:cNvPicPr>
+            <a:picLocks noChangeAspect="1"/>
+          </p:cNvPicPr>
+          <p:nvPr/>
+        </p:nvPicPr>
+        <p:blipFill>
+          <a:blip r:embed="rId2" cstate="print">
+            <a:extLst>
+              <a:ext uri="{28A0092B-C50C-407E-A947-70E740481C1C}">
+                <a14:useLocalDpi xmlns:a14="http://schemas.microsoft.com/office/drawing/2010/main" val="0"/>
+              </a:ext>
+            </a:extLst>
+          </a:blip>
+          <a:stretch>
+            <a:fillRect/>
+          </a:stretch>
+        </p:blipFill>
+        <p:spPr>
+          <a:xfrm>
+            <a:off x="11325199" y="116740"/>
+            <a:ext cx="866801" cy="731428"/>
+          </a:xfrm>
+          <a:prstGeom prst="rect">
+            <a:avLst/>
+          </a:prstGeom>
+        </p:spPr>
+      </p:pic>
+    </p:spTree>
+    <p:extLst>
+      <p:ext uri="{BB962C8B-B14F-4D97-AF65-F5344CB8AC3E}">
+        <p14:creationId xmlns:p14="http://schemas.microsoft.com/office/powerpoint/2010/main" val="3101180952"/>
+      </p:ext>
+    </p:extLst>
+  </p:cSld>
+  <p:clrMapOvr>
+    <a:masterClrMapping/>
+  </p:clrMapOvr>
+</p:sld>
+</file>
+
+<file path=ppt/slides/slide7.xml><?xml version="1.0" encoding="utf-8"?>
+<p:sld xmlns:a="http://schemas.openxmlformats.org/drawingml/2006/main" xmlns:r="http://schemas.openxmlformats.org/officeDocument/2006/relationships" xmlns:p="http://schemas.openxmlformats.org/presentationml/2006/main">
+  <p:cSld>
+    <p:spTree>
+      <p:nvGrpSpPr>
+        <p:cNvPr id="1" name=""/>
+        <p:cNvGrpSpPr/>
+        <p:nvPr/>
+      </p:nvGrpSpPr>
+      <p:grpSpPr>
+        <a:xfrm>
+          <a:off x="0" y="0"/>
+          <a:ext cx="0" cy="0"/>
+          <a:chOff x="0" y="0"/>
+          <a:chExt cx="0" cy="0"/>
+        </a:xfrm>
+      </p:grpSpPr>
+      <p:sp>
+        <p:nvSpPr>
+          <p:cNvPr id="12" name="Rectangle 11"/>
+          <p:cNvSpPr/>
+          <p:nvPr/>
+        </p:nvSpPr>
+        <p:spPr>
+          <a:xfrm>
+            <a:off x="457199" y="0"/>
+            <a:ext cx="10839451" cy="628649"/>
+          </a:xfrm>
+          <a:prstGeom prst="rect">
+            <a:avLst/>
+          </a:prstGeom>
+          <a:gradFill flip="none" rotWithShape="1">
+            <a:gsLst>
+              <a:gs pos="52000">
+                <a:schemeClr val="accent1">
+                  <a:lumMod val="60000"/>
+                  <a:lumOff val="40000"/>
+                </a:schemeClr>
+              </a:gs>
+              <a:gs pos="100000">
+                <a:schemeClr val="tx2">
+                  <a:lumMod val="60000"/>
+                  <a:lumOff val="40000"/>
+                </a:schemeClr>
+              </a:gs>
+              <a:gs pos="0">
+                <a:schemeClr val="accent1"/>
+              </a:gs>
+            </a:gsLst>
+            <a:lin ang="10800000" scaled="1"/>
+            <a:tileRect/>
+          </a:gradFill>
+          <a:ln>
+            <a:noFill/>
+          </a:ln>
+        </p:spPr>
+        <p:style>
+          <a:lnRef idx="2">
+            <a:schemeClr val="accent1">
+              <a:shade val="50000"/>
+            </a:schemeClr>
+          </a:lnRef>
+          <a:fillRef idx="1">
+            <a:schemeClr val="accent1"/>
+          </a:fillRef>
+          <a:effectRef idx="0">
+            <a:schemeClr val="accent1"/>
+          </a:effectRef>
+          <a:fontRef idx="minor">
+            <a:schemeClr val="lt1"/>
+          </a:fontRef>
+        </p:style>
+        <p:txBody>
+          <a:bodyPr rtlCol="0" anchor="ctr"/>
+          <a:lstStyle/>
+          <a:p>
+            <a:pPr algn="ctr"/>
+            <a:endParaRPr lang="en-US" sz="3200"/>
+          </a:p>
+        </p:txBody>
+      </p:sp>
+      <p:pic>
+        <p:nvPicPr>
+          <p:cNvPr id="10" name="Picture 9"/>
+          <p:cNvPicPr>
+            <a:picLocks noChangeAspect="1"/>
+          </p:cNvPicPr>
+          <p:nvPr/>
+        </p:nvPicPr>
+        <p:blipFill>
+          <a:blip r:embed="rId2" cstate="print">
+            <a:extLst>
+              <a:ext uri="{28A0092B-C50C-407E-A947-70E740481C1C}">
+                <a14:useLocalDpi xmlns:a14="http://schemas.microsoft.com/office/drawing/2010/main" val="0"/>
+              </a:ext>
+            </a:extLst>
+          </a:blip>
+          <a:stretch>
+            <a:fillRect/>
+          </a:stretch>
+        </p:blipFill>
+        <p:spPr>
+          <a:xfrm>
+            <a:off x="11325199" y="116740"/>
+            <a:ext cx="866801" cy="731428"/>
+          </a:xfrm>
+          <a:prstGeom prst="rect">
+            <a:avLst/>
+          </a:prstGeom>
+        </p:spPr>
+      </p:pic>
+    </p:spTree>
+    <p:extLst>
+      <p:ext uri="{BB962C8B-B14F-4D97-AF65-F5344CB8AC3E}">
+        <p14:creationId xmlns:p14="http://schemas.microsoft.com/office/powerpoint/2010/main" val="3301776107"/>
+      </p:ext>
+    </p:extLst>
+  </p:cSld>
+  <p:clrMapOvr>
+    <a:masterClrMapping/>
+  </p:clrMapOvr>
+</p:sld>
+</file>
+
+<file path=ppt/slides/slide8.xml><?xml version="1.0" encoding="utf-8"?>
+<p:sld xmlns:a="http://schemas.openxmlformats.org/drawingml/2006/main" xmlns:r="http://schemas.openxmlformats.org/officeDocument/2006/relationships" xmlns:p="http://schemas.openxmlformats.org/presentationml/2006/main">
+  <p:cSld>
+    <p:spTree>
+      <p:nvGrpSpPr>
+        <p:cNvPr id="1" name=""/>
+        <p:cNvGrpSpPr/>
+        <p:nvPr/>
+      </p:nvGrpSpPr>
+      <p:grpSpPr>
+        <a:xfrm>
+          <a:off x="0" y="0"/>
+          <a:ext cx="0" cy="0"/>
+          <a:chOff x="0" y="0"/>
+          <a:chExt cx="0" cy="0"/>
+        </a:xfrm>
+      </p:grpSpPr>
+      <p:sp>
+        <p:nvSpPr>
+          <p:cNvPr id="12" name="Rectangle 11"/>
+          <p:cNvSpPr/>
+          <p:nvPr/>
+        </p:nvSpPr>
+        <p:spPr>
+          <a:xfrm>
+            <a:off x="457199" y="0"/>
+            <a:ext cx="10839451" cy="628649"/>
+          </a:xfrm>
+          <a:prstGeom prst="rect">
+            <a:avLst/>
+          </a:prstGeom>
+          <a:gradFill flip="none" rotWithShape="1">
+            <a:gsLst>
+              <a:gs pos="52000">
+                <a:schemeClr val="accent1">
+                  <a:lumMod val="60000"/>
+                  <a:lumOff val="40000"/>
+                </a:schemeClr>
+              </a:gs>
+              <a:gs pos="100000">
+                <a:schemeClr val="tx2">
+                  <a:lumMod val="60000"/>
+                  <a:lumOff val="40000"/>
+                </a:schemeClr>
+              </a:gs>
+              <a:gs pos="0">
+                <a:schemeClr val="accent1"/>
+              </a:gs>
+            </a:gsLst>
+            <a:lin ang="10800000" scaled="1"/>
+            <a:tileRect/>
+          </a:gradFill>
+          <a:ln>
+            <a:noFill/>
+          </a:ln>
+        </p:spPr>
+        <p:style>
+          <a:lnRef idx="2">
+            <a:schemeClr val="accent1">
+              <a:shade val="50000"/>
+            </a:schemeClr>
+          </a:lnRef>
+          <a:fillRef idx="1">
+            <a:schemeClr val="accent1"/>
+          </a:fillRef>
+          <a:effectRef idx="0">
+            <a:schemeClr val="accent1"/>
+          </a:effectRef>
+          <a:fontRef idx="minor">
+            <a:schemeClr val="lt1"/>
+          </a:fontRef>
+        </p:style>
+        <p:txBody>
+          <a:bodyPr rtlCol="0" anchor="ctr"/>
+          <a:lstStyle/>
+          <a:p>
+            <a:pPr algn="ctr"/>
+            <a:endParaRPr lang="en-US" sz="3200"/>
+          </a:p>
+        </p:txBody>
+      </p:sp>
+      <p:pic>
+        <p:nvPicPr>
+          <p:cNvPr id="10" name="Picture 9"/>
+          <p:cNvPicPr>
+            <a:picLocks noChangeAspect="1"/>
+          </p:cNvPicPr>
+          <p:nvPr/>
+        </p:nvPicPr>
+        <p:blipFill>
+          <a:blip r:embed="rId2" cstate="print">
+            <a:extLst>
+              <a:ext uri="{28A0092B-C50C-407E-A947-70E740481C1C}">
+                <a14:useLocalDpi xmlns:a14="http://schemas.microsoft.com/office/drawing/2010/main" val="0"/>
+              </a:ext>
+            </a:extLst>
+          </a:blip>
+          <a:stretch>
+            <a:fillRect/>
+          </a:stretch>
+        </p:blipFill>
+        <p:spPr>
+          <a:xfrm>
+            <a:off x="11325199" y="116740"/>
+            <a:ext cx="866801" cy="731428"/>
+          </a:xfrm>
+          <a:prstGeom prst="rect">
+            <a:avLst/>
+          </a:prstGeom>
+        </p:spPr>
+      </p:pic>
+    </p:spTree>
+    <p:extLst>
+      <p:ext uri="{BB962C8B-B14F-4D97-AF65-F5344CB8AC3E}">
+        <p14:creationId xmlns:p14="http://schemas.microsoft.com/office/powerpoint/2010/main" val="3297735021"/>
       </p:ext>
     </p:extLst>
   </p:cSld>
@@ -4248,42 +5254,42 @@
 <file path=ppt/theme/theme1.xml><?xml version="1.0" encoding="utf-8"?>
 <a:theme xmlns:a="http://schemas.openxmlformats.org/drawingml/2006/main" name="View">
   <a:themeElements>
-    <a:clrScheme name="View">
+    <a:clrScheme name="Blue II">
       <a:dk1>
-        <a:srgbClr val="000000"/>
+        <a:sysClr val="windowText" lastClr="000000"/>
       </a:dk1>
       <a:lt1>
-        <a:srgbClr val="FFFFFF"/>
+        <a:sysClr val="window" lastClr="FFFFFF"/>
       </a:lt1>
       <a:dk2>
-        <a:srgbClr val="46464A"/>
+        <a:srgbClr val="335B74"/>
       </a:dk2>
       <a:lt2>
-        <a:srgbClr val="D6D3CC"/>
+        <a:srgbClr val="DFE3E5"/>
       </a:lt2>
       <a:accent1>
-        <a:srgbClr val="6F6F74"/>
+        <a:srgbClr val="1CADE4"/>
       </a:accent1>
       <a:accent2>
-        <a:srgbClr val="92A9B9"/>
+        <a:srgbClr val="2683C6"/>
       </a:accent2>
       <a:accent3>
-        <a:srgbClr val="A7B789"/>
+        <a:srgbClr val="27CED7"/>
       </a:accent3>
       <a:accent4>
-        <a:srgbClr val="B9A489"/>
+        <a:srgbClr val="42BA97"/>
       </a:accent4>
       <a:accent5>
-        <a:srgbClr val="8D6374"/>
+        <a:srgbClr val="3E8853"/>
       </a:accent5>
       <a:accent6>
-        <a:srgbClr val="9B7362"/>
+        <a:srgbClr val="62A39F"/>
       </a:accent6>
       <a:hlink>
-        <a:srgbClr val="67AABF"/>
+        <a:srgbClr val="6EAC1C"/>
       </a:hlink>
       <a:folHlink>
-        <a:srgbClr val="ABAFA5"/>
+        <a:srgbClr val="B26B02"/>
       </a:folHlink>
     </a:clrScheme>
     <a:fontScheme name="View">
@@ -4372,7 +5378,7 @@
         <a:solidFill>
           <a:schemeClr val="phClr">
             <a:shade val="75000"/>
-            <a:satMod val="160000"/>
+            <a:satMod val="130000"/>
           </a:schemeClr>
         </a:solidFill>
       </a:fillStyleLst>
@@ -4492,7 +5498,7 @@
   <a:extraClrSchemeLst/>
   <a:extLst>
     <a:ext uri="{05A4C25C-085E-4340-85A3-A5531E510DB2}">
-      <thm15:themeFamily xmlns:thm15="http://schemas.microsoft.com/office/thememl/2012/main" name="View" id="{BA0EB5A6-F2D4-4F82-977B-64ADEE4A2A69}" vid="{3969A8A2-35DB-4E3B-8885-16FD20568674}"/>
+      <thm15:themeFamily xmlns:thm15="http://schemas.microsoft.com/office/thememl/2012/main" name="View" id="{BA0EB5A6-F2D4-4F82-977B-64ADEE4A2A69}" vid="{7B713C7F-58B7-4AE9-B361-B13EB9EC4C0C}"/>
     </a:ext>
   </a:extLst>
 </a:theme>

--- a/Blind_Date/slides.pptx
+++ b/Blind_Date/slides.pptx
@@ -13,6 +13,11 @@
     <p:sldId id="271" r:id="rId7"/>
     <p:sldId id="272" r:id="rId8"/>
     <p:sldId id="273" r:id="rId9"/>
+    <p:sldId id="274" r:id="rId10"/>
+    <p:sldId id="277" r:id="rId11"/>
+    <p:sldId id="278" r:id="rId12"/>
+    <p:sldId id="275" r:id="rId13"/>
+    <p:sldId id="276" r:id="rId14"/>
   </p:sldIdLst>
   <p:sldSz cx="12192000" cy="6858000"/>
   <p:notesSz cx="6858000" cy="9144000"/>
@@ -3810,7 +3815,7 @@
         </p:nvSpPr>
         <p:spPr>
           <a:xfrm>
-            <a:off x="2250606" y="1673467"/>
+            <a:off x="1822238" y="1698181"/>
             <a:ext cx="7963850" cy="1754326"/>
           </a:xfrm>
           <a:prstGeom prst="rect">
@@ -3851,7 +3856,7 @@
         </p:nvSpPr>
         <p:spPr>
           <a:xfrm>
-            <a:off x="4341816" y="6165517"/>
+            <a:off x="3913448" y="6190231"/>
             <a:ext cx="3781425" cy="461665"/>
           </a:xfrm>
           <a:prstGeom prst="rect">
@@ -3881,7 +3886,7 @@
         </p:nvSpPr>
         <p:spPr>
           <a:xfrm>
-            <a:off x="2250606" y="170497"/>
+            <a:off x="1822238" y="195211"/>
             <a:ext cx="7963849" cy="1077218"/>
           </a:xfrm>
           <a:prstGeom prst="rect">
@@ -3918,7 +3923,7 @@
         </p:nvSpPr>
         <p:spPr>
           <a:xfrm flipV="1">
-            <a:off x="4552157" y="1490752"/>
+            <a:off x="4123789" y="1515466"/>
             <a:ext cx="3360745" cy="45719"/>
           </a:xfrm>
           <a:prstGeom prst="rect">
@@ -3972,7 +3977,7 @@
         </p:blipFill>
         <p:spPr>
           <a:xfrm>
-            <a:off x="4857724" y="3564789"/>
+            <a:off x="4429356" y="3589503"/>
             <a:ext cx="2756260" cy="2325801"/>
           </a:xfrm>
           <a:prstGeom prst="rect">
@@ -3984,6 +3989,638 @@
     <p:extLst>
       <p:ext uri="{BB962C8B-B14F-4D97-AF65-F5344CB8AC3E}">
         <p14:creationId xmlns:p14="http://schemas.microsoft.com/office/powerpoint/2010/main" val="3577957547"/>
+      </p:ext>
+    </p:extLst>
+  </p:cSld>
+  <p:clrMapOvr>
+    <a:masterClrMapping/>
+  </p:clrMapOvr>
+  <mc:AlternateContent xmlns:mc="http://schemas.openxmlformats.org/markup-compatibility/2006">
+    <mc:Choice xmlns:p14="http://schemas.microsoft.com/office/powerpoint/2010/main" Requires="p14">
+      <p:transition p14:dur="0"/>
+    </mc:Choice>
+    <mc:Fallback>
+      <p:transition/>
+    </mc:Fallback>
+  </mc:AlternateContent>
+  <p:timing>
+    <p:tnLst>
+      <p:par>
+        <p:cTn id="1" dur="indefinite" restart="never" nodeType="tmRoot"/>
+      </p:par>
+    </p:tnLst>
+  </p:timing>
+</p:sld>
+</file>
+
+<file path=ppt/slides/slide10.xml><?xml version="1.0" encoding="utf-8"?>
+<p:sld xmlns:a="http://schemas.openxmlformats.org/drawingml/2006/main" xmlns:r="http://schemas.openxmlformats.org/officeDocument/2006/relationships" xmlns:p="http://schemas.openxmlformats.org/presentationml/2006/main">
+  <p:cSld>
+    <p:spTree>
+      <p:nvGrpSpPr>
+        <p:cNvPr id="1" name=""/>
+        <p:cNvGrpSpPr/>
+        <p:nvPr/>
+      </p:nvGrpSpPr>
+      <p:grpSpPr>
+        <a:xfrm>
+          <a:off x="0" y="0"/>
+          <a:ext cx="0" cy="0"/>
+          <a:chOff x="0" y="0"/>
+          <a:chExt cx="0" cy="0"/>
+        </a:xfrm>
+      </p:grpSpPr>
+      <p:sp>
+        <p:nvSpPr>
+          <p:cNvPr id="12" name="Rectangle 11"/>
+          <p:cNvSpPr/>
+          <p:nvPr/>
+        </p:nvSpPr>
+        <p:spPr>
+          <a:xfrm>
+            <a:off x="457199" y="0"/>
+            <a:ext cx="10839451" cy="628649"/>
+          </a:xfrm>
+          <a:prstGeom prst="rect">
+            <a:avLst/>
+          </a:prstGeom>
+          <a:gradFill flip="none" rotWithShape="1">
+            <a:gsLst>
+              <a:gs pos="52000">
+                <a:schemeClr val="accent1">
+                  <a:lumMod val="60000"/>
+                  <a:lumOff val="40000"/>
+                </a:schemeClr>
+              </a:gs>
+              <a:gs pos="100000">
+                <a:schemeClr val="tx2">
+                  <a:lumMod val="60000"/>
+                  <a:lumOff val="40000"/>
+                </a:schemeClr>
+              </a:gs>
+              <a:gs pos="0">
+                <a:schemeClr val="accent1"/>
+              </a:gs>
+            </a:gsLst>
+            <a:lin ang="10800000" scaled="1"/>
+            <a:tileRect/>
+          </a:gradFill>
+          <a:ln>
+            <a:noFill/>
+          </a:ln>
+        </p:spPr>
+        <p:style>
+          <a:lnRef idx="2">
+            <a:schemeClr val="accent1">
+              <a:shade val="50000"/>
+            </a:schemeClr>
+          </a:lnRef>
+          <a:fillRef idx="1">
+            <a:schemeClr val="accent1"/>
+          </a:fillRef>
+          <a:effectRef idx="0">
+            <a:schemeClr val="accent1"/>
+          </a:effectRef>
+          <a:fontRef idx="minor">
+            <a:schemeClr val="lt1"/>
+          </a:fontRef>
+        </p:style>
+        <p:txBody>
+          <a:bodyPr rtlCol="0" anchor="ctr"/>
+          <a:lstStyle/>
+          <a:p>
+            <a:pPr algn="ctr"/>
+            <a:endParaRPr lang="en-US" sz="3200"/>
+          </a:p>
+        </p:txBody>
+      </p:sp>
+      <p:pic>
+        <p:nvPicPr>
+          <p:cNvPr id="10" name="Picture 9"/>
+          <p:cNvPicPr>
+            <a:picLocks noChangeAspect="1"/>
+          </p:cNvPicPr>
+          <p:nvPr/>
+        </p:nvPicPr>
+        <p:blipFill>
+          <a:blip r:embed="rId2" cstate="print">
+            <a:extLst>
+              <a:ext uri="{28A0092B-C50C-407E-A947-70E740481C1C}">
+                <a14:useLocalDpi xmlns:a14="http://schemas.microsoft.com/office/drawing/2010/main" val="0"/>
+              </a:ext>
+            </a:extLst>
+          </a:blip>
+          <a:stretch>
+            <a:fillRect/>
+          </a:stretch>
+        </p:blipFill>
+        <p:spPr>
+          <a:xfrm>
+            <a:off x="11325199" y="116740"/>
+            <a:ext cx="866801" cy="731428"/>
+          </a:xfrm>
+          <a:prstGeom prst="rect">
+            <a:avLst/>
+          </a:prstGeom>
+        </p:spPr>
+      </p:pic>
+      <p:sp>
+        <p:nvSpPr>
+          <p:cNvPr id="4" name="TextBox 3"/>
+          <p:cNvSpPr txBox="1"/>
+          <p:nvPr/>
+        </p:nvSpPr>
+        <p:spPr>
+          <a:xfrm>
+            <a:off x="1340642" y="0"/>
+            <a:ext cx="9072564" cy="584775"/>
+          </a:xfrm>
+          <a:prstGeom prst="rect">
+            <a:avLst/>
+          </a:prstGeom>
+          <a:noFill/>
+        </p:spPr>
+        <p:txBody>
+          <a:bodyPr wrap="square" rtlCol="0">
+            <a:spAutoFit/>
+          </a:bodyPr>
+          <a:lstStyle/>
+          <a:p>
+            <a:pPr algn="ctr"/>
+            <a:r>
+              <a:rPr lang="en-US" sz="3200" dirty="0" smtClean="0"/>
+              <a:t>A visual representation</a:t>
+            </a:r>
+            <a:endParaRPr lang="en-US" sz="3200" dirty="0"/>
+          </a:p>
+        </p:txBody>
+      </p:sp>
+      <p:pic>
+        <p:nvPicPr>
+          <p:cNvPr id="2" name="Picture 1"/>
+          <p:cNvPicPr>
+            <a:picLocks noChangeAspect="1"/>
+          </p:cNvPicPr>
+          <p:nvPr/>
+        </p:nvPicPr>
+        <p:blipFill>
+          <a:blip r:embed="rId3">
+            <a:extLst>
+              <a:ext uri="{28A0092B-C50C-407E-A947-70E740481C1C}">
+                <a14:useLocalDpi xmlns:a14="http://schemas.microsoft.com/office/drawing/2010/main" val="0"/>
+              </a:ext>
+            </a:extLst>
+          </a:blip>
+          <a:stretch>
+            <a:fillRect/>
+          </a:stretch>
+        </p:blipFill>
+        <p:spPr>
+          <a:xfrm>
+            <a:off x="846297" y="1118625"/>
+            <a:ext cx="7317400" cy="5286869"/>
+          </a:xfrm>
+          <a:prstGeom prst="rect">
+            <a:avLst/>
+          </a:prstGeom>
+        </p:spPr>
+      </p:pic>
+      <p:sp>
+        <p:nvSpPr>
+          <p:cNvPr id="3" name="TextBox 2"/>
+          <p:cNvSpPr txBox="1"/>
+          <p:nvPr/>
+        </p:nvSpPr>
+        <p:spPr>
+          <a:xfrm>
+            <a:off x="8440243" y="2946451"/>
+            <a:ext cx="2623174" cy="1631216"/>
+          </a:xfrm>
+          <a:prstGeom prst="rect">
+            <a:avLst/>
+          </a:prstGeom>
+          <a:noFill/>
+        </p:spPr>
+        <p:txBody>
+          <a:bodyPr wrap="square" rtlCol="0">
+            <a:spAutoFit/>
+          </a:bodyPr>
+          <a:lstStyle/>
+          <a:p>
+            <a:r>
+              <a:rPr lang="en-US" sz="2000" i="1" dirty="0" smtClean="0"/>
+              <a:t>Ok cool bro, but...</a:t>
+            </a:r>
+          </a:p>
+          <a:p>
+            <a:endParaRPr lang="en-US" sz="2000" i="1" dirty="0"/>
+          </a:p>
+          <a:p>
+            <a:r>
+              <a:rPr lang="en-US" sz="2000" i="1" dirty="0" smtClean="0"/>
+              <a:t>We can’t locate the gadgets without the binary!</a:t>
+            </a:r>
+            <a:endParaRPr lang="en-US" sz="2000" i="1" dirty="0"/>
+          </a:p>
+        </p:txBody>
+      </p:sp>
+    </p:spTree>
+    <p:extLst>
+      <p:ext uri="{BB962C8B-B14F-4D97-AF65-F5344CB8AC3E}">
+        <p14:creationId xmlns:p14="http://schemas.microsoft.com/office/powerpoint/2010/main" val="2581586024"/>
+      </p:ext>
+    </p:extLst>
+  </p:cSld>
+  <p:clrMapOvr>
+    <a:masterClrMapping/>
+  </p:clrMapOvr>
+  <p:timing>
+    <p:tnLst>
+      <p:par>
+        <p:cTn id="1" dur="indefinite" restart="never" nodeType="tmRoot"/>
+      </p:par>
+    </p:tnLst>
+  </p:timing>
+</p:sld>
+</file>
+
+<file path=ppt/slides/slide11.xml><?xml version="1.0" encoding="utf-8"?>
+<p:sld xmlns:a="http://schemas.openxmlformats.org/drawingml/2006/main" xmlns:r="http://schemas.openxmlformats.org/officeDocument/2006/relationships" xmlns:p="http://schemas.openxmlformats.org/presentationml/2006/main">
+  <p:cSld>
+    <p:spTree>
+      <p:nvGrpSpPr>
+        <p:cNvPr id="1" name=""/>
+        <p:cNvGrpSpPr/>
+        <p:nvPr/>
+      </p:nvGrpSpPr>
+      <p:grpSpPr>
+        <a:xfrm>
+          <a:off x="0" y="0"/>
+          <a:ext cx="0" cy="0"/>
+          <a:chOff x="0" y="0"/>
+          <a:chExt cx="0" cy="0"/>
+        </a:xfrm>
+      </p:grpSpPr>
+      <p:sp>
+        <p:nvSpPr>
+          <p:cNvPr id="12" name="Rectangle 11"/>
+          <p:cNvSpPr/>
+          <p:nvPr/>
+        </p:nvSpPr>
+        <p:spPr>
+          <a:xfrm>
+            <a:off x="457199" y="0"/>
+            <a:ext cx="10839451" cy="628649"/>
+          </a:xfrm>
+          <a:prstGeom prst="rect">
+            <a:avLst/>
+          </a:prstGeom>
+          <a:gradFill flip="none" rotWithShape="1">
+            <a:gsLst>
+              <a:gs pos="52000">
+                <a:schemeClr val="accent1">
+                  <a:lumMod val="60000"/>
+                  <a:lumOff val="40000"/>
+                </a:schemeClr>
+              </a:gs>
+              <a:gs pos="100000">
+                <a:schemeClr val="tx2">
+                  <a:lumMod val="60000"/>
+                  <a:lumOff val="40000"/>
+                </a:schemeClr>
+              </a:gs>
+              <a:gs pos="0">
+                <a:schemeClr val="accent1"/>
+              </a:gs>
+            </a:gsLst>
+            <a:lin ang="10800000" scaled="1"/>
+            <a:tileRect/>
+          </a:gradFill>
+          <a:ln>
+            <a:noFill/>
+          </a:ln>
+        </p:spPr>
+        <p:style>
+          <a:lnRef idx="2">
+            <a:schemeClr val="accent1">
+              <a:shade val="50000"/>
+            </a:schemeClr>
+          </a:lnRef>
+          <a:fillRef idx="1">
+            <a:schemeClr val="accent1"/>
+          </a:fillRef>
+          <a:effectRef idx="0">
+            <a:schemeClr val="accent1"/>
+          </a:effectRef>
+          <a:fontRef idx="minor">
+            <a:schemeClr val="lt1"/>
+          </a:fontRef>
+        </p:style>
+        <p:txBody>
+          <a:bodyPr rtlCol="0" anchor="ctr"/>
+          <a:lstStyle/>
+          <a:p>
+            <a:pPr algn="ctr"/>
+            <a:endParaRPr lang="en-US" sz="3200"/>
+          </a:p>
+        </p:txBody>
+      </p:sp>
+      <p:pic>
+        <p:nvPicPr>
+          <p:cNvPr id="10" name="Picture 9"/>
+          <p:cNvPicPr>
+            <a:picLocks noChangeAspect="1"/>
+          </p:cNvPicPr>
+          <p:nvPr/>
+        </p:nvPicPr>
+        <p:blipFill>
+          <a:blip r:embed="rId2" cstate="print">
+            <a:extLst>
+              <a:ext uri="{28A0092B-C50C-407E-A947-70E740481C1C}">
+                <a14:useLocalDpi xmlns:a14="http://schemas.microsoft.com/office/drawing/2010/main" val="0"/>
+              </a:ext>
+            </a:extLst>
+          </a:blip>
+          <a:stretch>
+            <a:fillRect/>
+          </a:stretch>
+        </p:blipFill>
+        <p:spPr>
+          <a:xfrm>
+            <a:off x="11325199" y="116740"/>
+            <a:ext cx="866801" cy="731428"/>
+          </a:xfrm>
+          <a:prstGeom prst="rect">
+            <a:avLst/>
+          </a:prstGeom>
+        </p:spPr>
+      </p:pic>
+    </p:spTree>
+    <p:extLst>
+      <p:ext uri="{BB962C8B-B14F-4D97-AF65-F5344CB8AC3E}">
+        <p14:creationId xmlns:p14="http://schemas.microsoft.com/office/powerpoint/2010/main" val="3056285235"/>
+      </p:ext>
+    </p:extLst>
+  </p:cSld>
+  <p:clrMapOvr>
+    <a:masterClrMapping/>
+  </p:clrMapOvr>
+  <p:timing>
+    <p:tnLst>
+      <p:par>
+        <p:cTn id="1" dur="indefinite" restart="never" nodeType="tmRoot"/>
+      </p:par>
+    </p:tnLst>
+  </p:timing>
+</p:sld>
+</file>
+
+<file path=ppt/slides/slide12.xml><?xml version="1.0" encoding="utf-8"?>
+<p:sld xmlns:a="http://schemas.openxmlformats.org/drawingml/2006/main" xmlns:r="http://schemas.openxmlformats.org/officeDocument/2006/relationships" xmlns:p="http://schemas.openxmlformats.org/presentationml/2006/main">
+  <p:cSld>
+    <p:spTree>
+      <p:nvGrpSpPr>
+        <p:cNvPr id="1" name=""/>
+        <p:cNvGrpSpPr/>
+        <p:nvPr/>
+      </p:nvGrpSpPr>
+      <p:grpSpPr>
+        <a:xfrm>
+          <a:off x="0" y="0"/>
+          <a:ext cx="0" cy="0"/>
+          <a:chOff x="0" y="0"/>
+          <a:chExt cx="0" cy="0"/>
+        </a:xfrm>
+      </p:grpSpPr>
+      <p:sp>
+        <p:nvSpPr>
+          <p:cNvPr id="12" name="Rectangle 11"/>
+          <p:cNvSpPr/>
+          <p:nvPr/>
+        </p:nvSpPr>
+        <p:spPr>
+          <a:xfrm>
+            <a:off x="457199" y="0"/>
+            <a:ext cx="10839451" cy="628649"/>
+          </a:xfrm>
+          <a:prstGeom prst="rect">
+            <a:avLst/>
+          </a:prstGeom>
+          <a:gradFill flip="none" rotWithShape="1">
+            <a:gsLst>
+              <a:gs pos="52000">
+                <a:schemeClr val="accent1">
+                  <a:lumMod val="60000"/>
+                  <a:lumOff val="40000"/>
+                </a:schemeClr>
+              </a:gs>
+              <a:gs pos="100000">
+                <a:schemeClr val="tx2">
+                  <a:lumMod val="60000"/>
+                  <a:lumOff val="40000"/>
+                </a:schemeClr>
+              </a:gs>
+              <a:gs pos="0">
+                <a:schemeClr val="accent1"/>
+              </a:gs>
+            </a:gsLst>
+            <a:lin ang="10800000" scaled="1"/>
+            <a:tileRect/>
+          </a:gradFill>
+          <a:ln>
+            <a:noFill/>
+          </a:ln>
+        </p:spPr>
+        <p:style>
+          <a:lnRef idx="2">
+            <a:schemeClr val="accent1">
+              <a:shade val="50000"/>
+            </a:schemeClr>
+          </a:lnRef>
+          <a:fillRef idx="1">
+            <a:schemeClr val="accent1"/>
+          </a:fillRef>
+          <a:effectRef idx="0">
+            <a:schemeClr val="accent1"/>
+          </a:effectRef>
+          <a:fontRef idx="minor">
+            <a:schemeClr val="lt1"/>
+          </a:fontRef>
+        </p:style>
+        <p:txBody>
+          <a:bodyPr rtlCol="0" anchor="ctr"/>
+          <a:lstStyle/>
+          <a:p>
+            <a:pPr algn="ctr"/>
+            <a:endParaRPr lang="en-US" sz="3200"/>
+          </a:p>
+        </p:txBody>
+      </p:sp>
+      <p:pic>
+        <p:nvPicPr>
+          <p:cNvPr id="10" name="Picture 9"/>
+          <p:cNvPicPr>
+            <a:picLocks noChangeAspect="1"/>
+          </p:cNvPicPr>
+          <p:nvPr/>
+        </p:nvPicPr>
+        <p:blipFill>
+          <a:blip r:embed="rId2" cstate="print">
+            <a:extLst>
+              <a:ext uri="{28A0092B-C50C-407E-A947-70E740481C1C}">
+                <a14:useLocalDpi xmlns:a14="http://schemas.microsoft.com/office/drawing/2010/main" val="0"/>
+              </a:ext>
+            </a:extLst>
+          </a:blip>
+          <a:stretch>
+            <a:fillRect/>
+          </a:stretch>
+        </p:blipFill>
+        <p:spPr>
+          <a:xfrm>
+            <a:off x="11325199" y="116740"/>
+            <a:ext cx="866801" cy="731428"/>
+          </a:xfrm>
+          <a:prstGeom prst="rect">
+            <a:avLst/>
+          </a:prstGeom>
+        </p:spPr>
+      </p:pic>
+    </p:spTree>
+    <p:extLst>
+      <p:ext uri="{BB962C8B-B14F-4D97-AF65-F5344CB8AC3E}">
+        <p14:creationId xmlns:p14="http://schemas.microsoft.com/office/powerpoint/2010/main" val="1942445374"/>
+      </p:ext>
+    </p:extLst>
+  </p:cSld>
+  <p:clrMapOvr>
+    <a:masterClrMapping/>
+  </p:clrMapOvr>
+  <p:timing>
+    <p:tnLst>
+      <p:par>
+        <p:cTn id="1" dur="indefinite" restart="never" nodeType="tmRoot"/>
+      </p:par>
+    </p:tnLst>
+  </p:timing>
+</p:sld>
+</file>
+
+<file path=ppt/slides/slide13.xml><?xml version="1.0" encoding="utf-8"?>
+<p:sld xmlns:a="http://schemas.openxmlformats.org/drawingml/2006/main" xmlns:r="http://schemas.openxmlformats.org/officeDocument/2006/relationships" xmlns:p="http://schemas.openxmlformats.org/presentationml/2006/main">
+  <p:cSld>
+    <p:spTree>
+      <p:nvGrpSpPr>
+        <p:cNvPr id="1" name=""/>
+        <p:cNvGrpSpPr/>
+        <p:nvPr/>
+      </p:nvGrpSpPr>
+      <p:grpSpPr>
+        <a:xfrm>
+          <a:off x="0" y="0"/>
+          <a:ext cx="0" cy="0"/>
+          <a:chOff x="0" y="0"/>
+          <a:chExt cx="0" cy="0"/>
+        </a:xfrm>
+      </p:grpSpPr>
+      <p:sp>
+        <p:nvSpPr>
+          <p:cNvPr id="12" name="Rectangle 11"/>
+          <p:cNvSpPr/>
+          <p:nvPr/>
+        </p:nvSpPr>
+        <p:spPr>
+          <a:xfrm>
+            <a:off x="457199" y="0"/>
+            <a:ext cx="10839451" cy="628649"/>
+          </a:xfrm>
+          <a:prstGeom prst="rect">
+            <a:avLst/>
+          </a:prstGeom>
+          <a:gradFill flip="none" rotWithShape="1">
+            <a:gsLst>
+              <a:gs pos="52000">
+                <a:schemeClr val="accent1">
+                  <a:lumMod val="60000"/>
+                  <a:lumOff val="40000"/>
+                </a:schemeClr>
+              </a:gs>
+              <a:gs pos="100000">
+                <a:schemeClr val="tx2">
+                  <a:lumMod val="60000"/>
+                  <a:lumOff val="40000"/>
+                </a:schemeClr>
+              </a:gs>
+              <a:gs pos="0">
+                <a:schemeClr val="accent1"/>
+              </a:gs>
+            </a:gsLst>
+            <a:lin ang="10800000" scaled="1"/>
+            <a:tileRect/>
+          </a:gradFill>
+          <a:ln>
+            <a:noFill/>
+          </a:ln>
+        </p:spPr>
+        <p:style>
+          <a:lnRef idx="2">
+            <a:schemeClr val="accent1">
+              <a:shade val="50000"/>
+            </a:schemeClr>
+          </a:lnRef>
+          <a:fillRef idx="1">
+            <a:schemeClr val="accent1"/>
+          </a:fillRef>
+          <a:effectRef idx="0">
+            <a:schemeClr val="accent1"/>
+          </a:effectRef>
+          <a:fontRef idx="minor">
+            <a:schemeClr val="lt1"/>
+          </a:fontRef>
+        </p:style>
+        <p:txBody>
+          <a:bodyPr rtlCol="0" anchor="ctr"/>
+          <a:lstStyle/>
+          <a:p>
+            <a:pPr algn="ctr"/>
+            <a:endParaRPr lang="en-US" sz="3200"/>
+          </a:p>
+        </p:txBody>
+      </p:sp>
+      <p:pic>
+        <p:nvPicPr>
+          <p:cNvPr id="10" name="Picture 9"/>
+          <p:cNvPicPr>
+            <a:picLocks noChangeAspect="1"/>
+          </p:cNvPicPr>
+          <p:nvPr/>
+        </p:nvPicPr>
+        <p:blipFill>
+          <a:blip r:embed="rId2" cstate="print">
+            <a:extLst>
+              <a:ext uri="{28A0092B-C50C-407E-A947-70E740481C1C}">
+                <a14:useLocalDpi xmlns:a14="http://schemas.microsoft.com/office/drawing/2010/main" val="0"/>
+              </a:ext>
+            </a:extLst>
+          </a:blip>
+          <a:stretch>
+            <a:fillRect/>
+          </a:stretch>
+        </p:blipFill>
+        <p:spPr>
+          <a:xfrm>
+            <a:off x="11325199" y="116740"/>
+            <a:ext cx="866801" cy="731428"/>
+          </a:xfrm>
+          <a:prstGeom prst="rect">
+            <a:avLst/>
+          </a:prstGeom>
+        </p:spPr>
+      </p:pic>
+    </p:spTree>
+    <p:extLst>
+      <p:ext uri="{BB962C8B-B14F-4D97-AF65-F5344CB8AC3E}">
+        <p14:creationId xmlns:p14="http://schemas.microsoft.com/office/powerpoint/2010/main" val="1380505184"/>
       </p:ext>
     </p:extLst>
   </p:cSld>
@@ -4263,6 +4900,138 @@
   <p:clrMapOvr>
     <a:masterClrMapping/>
   </p:clrMapOvr>
+  <mc:AlternateContent xmlns:mc="http://schemas.openxmlformats.org/markup-compatibility/2006">
+    <mc:Choice xmlns:p14="http://schemas.microsoft.com/office/powerpoint/2010/main" Requires="p14">
+      <p:transition p14:dur="10"/>
+    </mc:Choice>
+    <mc:Fallback>
+      <p:transition/>
+    </mc:Fallback>
+  </mc:AlternateContent>
+  <p:timing>
+    <p:tnLst>
+      <p:par>
+        <p:cTn id="1" dur="indefinite" restart="never" nodeType="tmRoot">
+          <p:childTnLst>
+            <p:seq concurrent="1" nextAc="seek">
+              <p:cTn id="2" dur="indefinite" nodeType="mainSeq">
+                <p:childTnLst>
+                  <p:par>
+                    <p:cTn id="3" fill="hold">
+                      <p:stCondLst>
+                        <p:cond delay="indefinite"/>
+                      </p:stCondLst>
+                      <p:childTnLst>
+                        <p:par>
+                          <p:cTn id="4" fill="hold">
+                            <p:stCondLst>
+                              <p:cond delay="0"/>
+                            </p:stCondLst>
+                            <p:childTnLst>
+                              <p:par>
+                                <p:cTn id="5" presetID="1" presetClass="entr" presetSubtype="0" fill="hold" grpId="0" nodeType="clickEffect">
+                                  <p:stCondLst>
+                                    <p:cond delay="0"/>
+                                  </p:stCondLst>
+                                  <p:childTnLst>
+                                    <p:set>
+                                      <p:cBhvr>
+                                        <p:cTn id="6" dur="1" fill="hold">
+                                          <p:stCondLst>
+                                            <p:cond delay="0"/>
+                                          </p:stCondLst>
+                                        </p:cTn>
+                                        <p:tgtEl>
+                                          <p:spTgt spid="8"/>
+                                        </p:tgtEl>
+                                        <p:attrNameLst>
+                                          <p:attrName>style.visibility</p:attrName>
+                                        </p:attrNameLst>
+                                      </p:cBhvr>
+                                      <p:to>
+                                        <p:strVal val="visible"/>
+                                      </p:to>
+                                    </p:set>
+                                  </p:childTnLst>
+                                </p:cTn>
+                              </p:par>
+                            </p:childTnLst>
+                          </p:cTn>
+                        </p:par>
+                      </p:childTnLst>
+                    </p:cTn>
+                  </p:par>
+                  <p:par>
+                    <p:cTn id="7" fill="hold">
+                      <p:stCondLst>
+                        <p:cond delay="indefinite"/>
+                      </p:stCondLst>
+                      <p:childTnLst>
+                        <p:par>
+                          <p:cTn id="8" fill="hold">
+                            <p:stCondLst>
+                              <p:cond delay="0"/>
+                            </p:stCondLst>
+                            <p:childTnLst>
+                              <p:par>
+                                <p:cTn id="9" presetID="1" presetClass="entr" presetSubtype="0" fill="hold" grpId="0" nodeType="clickEffect">
+                                  <p:stCondLst>
+                                    <p:cond delay="0"/>
+                                  </p:stCondLst>
+                                  <p:childTnLst>
+                                    <p:set>
+                                      <p:cBhvr>
+                                        <p:cTn id="10" dur="1" fill="hold">
+                                          <p:stCondLst>
+                                            <p:cond delay="0"/>
+                                          </p:stCondLst>
+                                        </p:cTn>
+                                        <p:tgtEl>
+                                          <p:spTgt spid="9"/>
+                                        </p:tgtEl>
+                                        <p:attrNameLst>
+                                          <p:attrName>style.visibility</p:attrName>
+                                        </p:attrNameLst>
+                                      </p:cBhvr>
+                                      <p:to>
+                                        <p:strVal val="visible"/>
+                                      </p:to>
+                                    </p:set>
+                                  </p:childTnLst>
+                                </p:cTn>
+                              </p:par>
+                            </p:childTnLst>
+                          </p:cTn>
+                        </p:par>
+                      </p:childTnLst>
+                    </p:cTn>
+                  </p:par>
+                </p:childTnLst>
+              </p:cTn>
+              <p:prevCondLst>
+                <p:cond evt="onPrev" delay="0">
+                  <p:tgtEl>
+                    <p:sldTgt/>
+                  </p:tgtEl>
+                </p:cond>
+              </p:prevCondLst>
+              <p:nextCondLst>
+                <p:cond evt="onNext" delay="0">
+                  <p:tgtEl>
+                    <p:sldTgt/>
+                  </p:tgtEl>
+                </p:cond>
+              </p:nextCondLst>
+            </p:seq>
+          </p:childTnLst>
+        </p:cTn>
+      </p:par>
+    </p:tnLst>
+    <p:bldLst>
+      <p:bldP spid="8" grpId="0" animBg="1"/>
+      <p:bldP spid="9" grpId="0"/>
+    </p:bldLst>
+  </p:timing>
 </p:sld>
 </file>
 
@@ -4355,8 +5124,8 @@
         </p:nvSpPr>
         <p:spPr>
           <a:xfrm>
-            <a:off x="3995736" y="21936"/>
-            <a:ext cx="3762375" cy="584775"/>
+            <a:off x="3079157" y="28236"/>
+            <a:ext cx="5595531" cy="584775"/>
           </a:xfrm>
           <a:prstGeom prst="rect">
             <a:avLst/>
@@ -4372,7 +5141,7 @@
             <a:pPr algn="ctr"/>
             <a:r>
               <a:rPr lang="en-US" sz="3200" dirty="0" smtClean="0"/>
-              <a:t>Recon</a:t>
+              <a:t>Understanding the service</a:t>
             </a:r>
             <a:endParaRPr lang="en-US" sz="3200" dirty="0"/>
           </a:p>
@@ -4416,7 +5185,7 @@
         </p:nvSpPr>
         <p:spPr>
           <a:xfrm>
-            <a:off x="2162576" y="4419598"/>
+            <a:off x="2273421" y="4572490"/>
             <a:ext cx="7428691" cy="1631216"/>
           </a:xfrm>
           <a:prstGeom prst="rect">
@@ -4490,7 +5259,7 @@
         </p:blipFill>
         <p:spPr>
           <a:xfrm>
-            <a:off x="1990316" y="1114425"/>
+            <a:off x="2101161" y="1335039"/>
             <a:ext cx="7600951" cy="2683952"/>
           </a:xfrm>
           <a:prstGeom prst="rect">
@@ -4498,6 +5267,37 @@
           </a:prstGeom>
         </p:spPr>
       </p:pic>
+      <p:sp>
+        <p:nvSpPr>
+          <p:cNvPr id="4" name="TextBox 3"/>
+          <p:cNvSpPr txBox="1"/>
+          <p:nvPr/>
+        </p:nvSpPr>
+        <p:spPr>
+          <a:xfrm>
+            <a:off x="4497085" y="848168"/>
+            <a:ext cx="2759674" cy="369332"/>
+          </a:xfrm>
+          <a:prstGeom prst="rect">
+            <a:avLst/>
+          </a:prstGeom>
+          <a:noFill/>
+        </p:spPr>
+        <p:txBody>
+          <a:bodyPr wrap="square" rtlCol="0">
+            <a:spAutoFit/>
+          </a:bodyPr>
+          <a:lstStyle/>
+          <a:p>
+            <a:pPr algn="ctr"/>
+            <a:r>
+              <a:rPr lang="en-US" dirty="0" smtClean="0"/>
+              <a:t>[DEMO SERVICE]</a:t>
+            </a:r>
+            <a:endParaRPr lang="en-US" dirty="0"/>
+          </a:p>
+        </p:txBody>
+      </p:sp>
     </p:spTree>
     <p:extLst>
       <p:ext uri="{BB962C8B-B14F-4D97-AF65-F5344CB8AC3E}">
@@ -4508,6 +5308,157 @@
   <p:clrMapOvr>
     <a:masterClrMapping/>
   </p:clrMapOvr>
+  <p:timing>
+    <p:tnLst>
+      <p:par>
+        <p:cTn id="1" dur="indefinite" restart="never" nodeType="tmRoot">
+          <p:childTnLst>
+            <p:seq concurrent="1" nextAc="seek">
+              <p:cTn id="2" dur="indefinite" nodeType="mainSeq">
+                <p:childTnLst>
+                  <p:par>
+                    <p:cTn id="3" fill="hold">
+                      <p:stCondLst>
+                        <p:cond delay="indefinite"/>
+                      </p:stCondLst>
+                      <p:childTnLst>
+                        <p:par>
+                          <p:cTn id="4" fill="hold">
+                            <p:stCondLst>
+                              <p:cond delay="0"/>
+                            </p:stCondLst>
+                            <p:childTnLst>
+                              <p:par>
+                                <p:cTn id="5" presetID="1" presetClass="exit" presetSubtype="0" fill="hold" grpId="0" nodeType="clickEffect">
+                                  <p:stCondLst>
+                                    <p:cond delay="0"/>
+                                  </p:stCondLst>
+                                  <p:childTnLst>
+                                    <p:set>
+                                      <p:cBhvr>
+                                        <p:cTn id="6" dur="1" fill="hold">
+                                          <p:stCondLst>
+                                            <p:cond delay="0"/>
+                                          </p:stCondLst>
+                                        </p:cTn>
+                                        <p:tgtEl>
+                                          <p:spTgt spid="4"/>
+                                        </p:tgtEl>
+                                        <p:attrNameLst>
+                                          <p:attrName>style.visibility</p:attrName>
+                                        </p:attrNameLst>
+                                      </p:cBhvr>
+                                      <p:to>
+                                        <p:strVal val="hidden"/>
+                                      </p:to>
+                                    </p:set>
+                                  </p:childTnLst>
+                                </p:cTn>
+                              </p:par>
+                            </p:childTnLst>
+                          </p:cTn>
+                        </p:par>
+                        <p:par>
+                          <p:cTn id="7" fill="hold">
+                            <p:stCondLst>
+                              <p:cond delay="0"/>
+                            </p:stCondLst>
+                            <p:childTnLst>
+                              <p:par>
+                                <p:cTn id="8" presetID="1" presetClass="entr" presetSubtype="0" fill="hold" grpId="0" nodeType="afterEffect">
+                                  <p:stCondLst>
+                                    <p:cond delay="0"/>
+                                  </p:stCondLst>
+                                  <p:childTnLst>
+                                    <p:set>
+                                      <p:cBhvr>
+                                        <p:cTn id="9" dur="1" fill="hold">
+                                          <p:stCondLst>
+                                            <p:cond delay="0"/>
+                                          </p:stCondLst>
+                                        </p:cTn>
+                                        <p:tgtEl>
+                                          <p:spTgt spid="14"/>
+                                        </p:tgtEl>
+                                        <p:attrNameLst>
+                                          <p:attrName>style.visibility</p:attrName>
+                                        </p:attrNameLst>
+                                      </p:cBhvr>
+                                      <p:to>
+                                        <p:strVal val="visible"/>
+                                      </p:to>
+                                    </p:set>
+                                  </p:childTnLst>
+                                </p:cTn>
+                              </p:par>
+                            </p:childTnLst>
+                          </p:cTn>
+                        </p:par>
+                        <p:par>
+                          <p:cTn id="10" fill="hold">
+                            <p:stCondLst>
+                              <p:cond delay="0"/>
+                            </p:stCondLst>
+                            <p:childTnLst>
+                              <p:par>
+                                <p:cTn id="11" presetID="1" presetClass="entr" presetSubtype="0" fill="hold" nodeType="afterEffect">
+                                  <p:stCondLst>
+                                    <p:cond delay="0"/>
+                                  </p:stCondLst>
+                                  <p:childTnLst>
+                                    <p:set>
+                                      <p:cBhvr>
+                                        <p:cTn id="12" dur="1" fill="hold">
+                                          <p:stCondLst>
+                                            <p:cond delay="0"/>
+                                          </p:stCondLst>
+                                        </p:cTn>
+                                        <p:tgtEl>
+                                          <p:spTgt spid="2"/>
+                                        </p:tgtEl>
+                                        <p:attrNameLst>
+                                          <p:attrName>style.visibility</p:attrName>
+                                        </p:attrNameLst>
+                                      </p:cBhvr>
+                                      <p:to>
+                                        <p:strVal val="visible"/>
+                                      </p:to>
+                                    </p:set>
+                                  </p:childTnLst>
+                                </p:cTn>
+                              </p:par>
+                            </p:childTnLst>
+                          </p:cTn>
+                        </p:par>
+                      </p:childTnLst>
+                    </p:cTn>
+                  </p:par>
+                </p:childTnLst>
+              </p:cTn>
+              <p:prevCondLst>
+                <p:cond evt="onPrev" delay="0">
+                  <p:tgtEl>
+                    <p:sldTgt/>
+                  </p:tgtEl>
+                </p:cond>
+              </p:prevCondLst>
+              <p:nextCondLst>
+                <p:cond evt="onNext" delay="0">
+                  <p:tgtEl>
+                    <p:sldTgt/>
+                  </p:tgtEl>
+                </p:cond>
+              </p:nextCondLst>
+            </p:seq>
+          </p:childTnLst>
+        </p:cTn>
+      </p:par>
+    </p:tnLst>
+    <p:bldLst>
+      <p:bldP spid="14" grpId="0"/>
+      <p:bldP spid="4" grpId="0"/>
+    </p:bldLst>
+  </p:timing>
 </p:sld>
 </file>
 
@@ -4661,7 +5612,7 @@
         </p:nvSpPr>
         <p:spPr>
           <a:xfrm>
-            <a:off x="2457450" y="1119097"/>
+            <a:off x="2900361" y="1490572"/>
             <a:ext cx="5953125" cy="1200329"/>
           </a:xfrm>
           <a:prstGeom prst="rect">
@@ -4720,7 +5671,7 @@
           </p:cNvPicPr>
           <p:nvPr/>
         </p:nvPicPr>
-        <p:blipFill>
+        <p:blipFill rotWithShape="1">
           <a:blip r:embed="rId3">
             <a:extLst>
               <a:ext uri="{28A0092B-C50C-407E-A947-70E740481C1C}">
@@ -4728,14 +5679,13 @@
               </a:ext>
             </a:extLst>
           </a:blip>
-          <a:stretch>
-            <a:fillRect/>
-          </a:stretch>
+          <a:srcRect l="2130" t="15729" r="5481" b="26954"/>
+          <a:stretch/>
         </p:blipFill>
         <p:spPr>
           <a:xfrm>
-            <a:off x="2457450" y="2809874"/>
-            <a:ext cx="6257924" cy="3572863"/>
+            <a:off x="2363539" y="3295650"/>
+            <a:ext cx="7422057" cy="2628900"/>
           </a:xfrm>
           <a:prstGeom prst="rect">
             <a:avLst/>
@@ -4752,6 +5702,129 @@
   <p:clrMapOvr>
     <a:masterClrMapping/>
   </p:clrMapOvr>
+  <p:timing>
+    <p:tnLst>
+      <p:par>
+        <p:cTn id="1" dur="indefinite" restart="never" nodeType="tmRoot">
+          <p:childTnLst>
+            <p:seq concurrent="1" nextAc="seek">
+              <p:cTn id="2" dur="indefinite" nodeType="mainSeq">
+                <p:childTnLst>
+                  <p:par>
+                    <p:cTn id="3" fill="hold">
+                      <p:stCondLst>
+                        <p:cond delay="indefinite"/>
+                      </p:stCondLst>
+                      <p:childTnLst>
+                        <p:par>
+                          <p:cTn id="4" fill="hold">
+                            <p:stCondLst>
+                              <p:cond delay="0"/>
+                            </p:stCondLst>
+                            <p:childTnLst>
+                              <p:par>
+                                <p:cTn id="5" presetID="1" presetClass="entr" presetSubtype="0" fill="hold" grpId="0" nodeType="clickEffect">
+                                  <p:stCondLst>
+                                    <p:cond delay="0"/>
+                                  </p:stCondLst>
+                                  <p:childTnLst>
+                                    <p:set>
+                                      <p:cBhvr>
+                                        <p:cTn id="6" dur="1" fill="hold">
+                                          <p:stCondLst>
+                                            <p:cond delay="0"/>
+                                          </p:stCondLst>
+                                        </p:cTn>
+                                        <p:tgtEl>
+                                          <p:spTgt spid="2"/>
+                                        </p:tgtEl>
+                                        <p:attrNameLst>
+                                          <p:attrName>style.visibility</p:attrName>
+                                        </p:attrNameLst>
+                                      </p:cBhvr>
+                                      <p:to>
+                                        <p:strVal val="visible"/>
+                                      </p:to>
+                                    </p:set>
+                                  </p:childTnLst>
+                                </p:cTn>
+                              </p:par>
+                            </p:childTnLst>
+                          </p:cTn>
+                        </p:par>
+                      </p:childTnLst>
+                    </p:cTn>
+                  </p:par>
+                  <p:par>
+                    <p:cTn id="7" fill="hold">
+                      <p:stCondLst>
+                        <p:cond delay="indefinite"/>
+                      </p:stCondLst>
+                      <p:childTnLst>
+                        <p:par>
+                          <p:cTn id="8" fill="hold">
+                            <p:stCondLst>
+                              <p:cond delay="0"/>
+                            </p:stCondLst>
+                            <p:childTnLst>
+                              <p:par>
+                                <p:cTn id="9" presetID="1" presetClass="entr" presetSubtype="0" fill="hold" nodeType="clickEffect">
+                                  <p:stCondLst>
+                                    <p:cond delay="0"/>
+                                  </p:stCondLst>
+                                  <p:childTnLst>
+                                    <p:set>
+                                      <p:cBhvr>
+                                        <p:cTn id="10" dur="1" fill="hold">
+                                          <p:stCondLst>
+                                            <p:cond delay="0"/>
+                                          </p:stCondLst>
+                                        </p:cTn>
+                                        <p:tgtEl>
+                                          <p:spTgt spid="6"/>
+                                        </p:tgtEl>
+                                        <p:attrNameLst>
+                                          <p:attrName>style.visibility</p:attrName>
+                                        </p:attrNameLst>
+                                      </p:cBhvr>
+                                      <p:to>
+                                        <p:strVal val="visible"/>
+                                      </p:to>
+                                    </p:set>
+                                  </p:childTnLst>
+                                </p:cTn>
+                              </p:par>
+                            </p:childTnLst>
+                          </p:cTn>
+                        </p:par>
+                      </p:childTnLst>
+                    </p:cTn>
+                  </p:par>
+                </p:childTnLst>
+              </p:cTn>
+              <p:prevCondLst>
+                <p:cond evt="onPrev" delay="0">
+                  <p:tgtEl>
+                    <p:sldTgt/>
+                  </p:tgtEl>
+                </p:cond>
+              </p:prevCondLst>
+              <p:nextCondLst>
+                <p:cond evt="onNext" delay="0">
+                  <p:tgtEl>
+                    <p:sldTgt/>
+                  </p:tgtEl>
+                </p:cond>
+              </p:nextCondLst>
+            </p:seq>
+          </p:childTnLst>
+        </p:cTn>
+      </p:par>
+    </p:tnLst>
+    <p:bldLst>
+      <p:bldP spid="2" grpId="0"/>
+    </p:bldLst>
+  </p:timing>
 </p:sld>
 </file>
 
@@ -4866,6 +5939,190 @@
           </a:prstGeom>
         </p:spPr>
       </p:pic>
+      <p:sp>
+        <p:nvSpPr>
+          <p:cNvPr id="4" name="TextBox 3"/>
+          <p:cNvSpPr txBox="1"/>
+          <p:nvPr/>
+        </p:nvSpPr>
+        <p:spPr>
+          <a:xfrm>
+            <a:off x="1443036" y="0"/>
+            <a:ext cx="9072564" cy="584775"/>
+          </a:xfrm>
+          <a:prstGeom prst="rect">
+            <a:avLst/>
+          </a:prstGeom>
+          <a:noFill/>
+        </p:spPr>
+        <p:txBody>
+          <a:bodyPr wrap="square" rtlCol="0">
+            <a:spAutoFit/>
+          </a:bodyPr>
+          <a:lstStyle/>
+          <a:p>
+            <a:pPr algn="ctr"/>
+            <a:r>
+              <a:rPr lang="en-US" sz="3200" dirty="0" smtClean="0"/>
+              <a:t>More like a buffer overflow…</a:t>
+            </a:r>
+            <a:endParaRPr lang="en-US" sz="3200" dirty="0"/>
+          </a:p>
+        </p:txBody>
+      </p:sp>
+      <p:sp>
+        <p:nvSpPr>
+          <p:cNvPr id="5" name="TextBox 4"/>
+          <p:cNvSpPr txBox="1"/>
+          <p:nvPr/>
+        </p:nvSpPr>
+        <p:spPr>
+          <a:xfrm>
+            <a:off x="2466974" y="1109572"/>
+            <a:ext cx="6819900" cy="646331"/>
+          </a:xfrm>
+          <a:prstGeom prst="rect">
+            <a:avLst/>
+          </a:prstGeom>
+          <a:noFill/>
+        </p:spPr>
+        <p:txBody>
+          <a:bodyPr wrap="square" rtlCol="0">
+            <a:spAutoFit/>
+          </a:bodyPr>
+          <a:lstStyle/>
+          <a:p>
+            <a:pPr marL="285750" indent="-285750">
+              <a:buFont typeface="Arial" panose="020B0604020202020204" pitchFamily="34" charset="0"/>
+              <a:buChar char="•"/>
+            </a:pPr>
+            <a:r>
+              <a:rPr lang="en-US" dirty="0" smtClean="0"/>
+              <a:t>We can easily test by sending a formatting string which would leak the stack if there was an vulnerable </a:t>
+            </a:r>
+            <a:r>
+              <a:rPr lang="en-US" i="1" dirty="0" err="1" smtClean="0"/>
+              <a:t>printf</a:t>
+            </a:r>
+            <a:r>
+              <a:rPr lang="en-US" dirty="0" smtClean="0"/>
+              <a:t> call</a:t>
+            </a:r>
+            <a:endParaRPr lang="en-US" dirty="0"/>
+          </a:p>
+        </p:txBody>
+      </p:sp>
+      <p:pic>
+        <p:nvPicPr>
+          <p:cNvPr id="2" name="Picture 1"/>
+          <p:cNvPicPr>
+            <a:picLocks noChangeAspect="1"/>
+          </p:cNvPicPr>
+          <p:nvPr/>
+        </p:nvPicPr>
+        <p:blipFill>
+          <a:blip r:embed="rId3">
+            <a:extLst>
+              <a:ext uri="{28A0092B-C50C-407E-A947-70E740481C1C}">
+                <a14:useLocalDpi xmlns:a14="http://schemas.microsoft.com/office/drawing/2010/main" val="0"/>
+              </a:ext>
+            </a:extLst>
+          </a:blip>
+          <a:stretch>
+            <a:fillRect/>
+          </a:stretch>
+        </p:blipFill>
+        <p:spPr>
+          <a:xfrm>
+            <a:off x="1489436" y="2215245"/>
+            <a:ext cx="8979764" cy="2611399"/>
+          </a:xfrm>
+          <a:prstGeom prst="rect">
+            <a:avLst/>
+          </a:prstGeom>
+        </p:spPr>
+      </p:pic>
+      <p:sp>
+        <p:nvSpPr>
+          <p:cNvPr id="7" name="TextBox 6"/>
+          <p:cNvSpPr txBox="1"/>
+          <p:nvPr/>
+        </p:nvSpPr>
+        <p:spPr>
+          <a:xfrm>
+            <a:off x="2714624" y="5567272"/>
+            <a:ext cx="8048626" cy="461665"/>
+          </a:xfrm>
+          <a:prstGeom prst="rect">
+            <a:avLst/>
+          </a:prstGeom>
+          <a:noFill/>
+        </p:spPr>
+        <p:txBody>
+          <a:bodyPr wrap="square" rtlCol="0">
+            <a:spAutoFit/>
+          </a:bodyPr>
+          <a:lstStyle/>
+          <a:p>
+            <a:r>
+              <a:rPr lang="en-US" sz="2400" i="1" dirty="0" smtClean="0"/>
+              <a:t>Not a format string attack! Let’s check the overflow…</a:t>
+            </a:r>
+            <a:endParaRPr lang="en-US" sz="2400" i="1" dirty="0"/>
+          </a:p>
+        </p:txBody>
+      </p:sp>
+      <p:sp>
+        <p:nvSpPr>
+          <p:cNvPr id="3" name="Right Arrow 2"/>
+          <p:cNvSpPr/>
+          <p:nvPr/>
+        </p:nvSpPr>
+        <p:spPr>
+          <a:xfrm>
+            <a:off x="1581149" y="5426629"/>
+            <a:ext cx="885825" cy="742950"/>
+          </a:xfrm>
+          <a:prstGeom prst="rightArrow">
+            <a:avLst/>
+          </a:prstGeom>
+          <a:solidFill>
+            <a:schemeClr val="tx2">
+              <a:lumMod val="20000"/>
+              <a:lumOff val="80000"/>
+            </a:schemeClr>
+          </a:solidFill>
+          <a:ln>
+            <a:solidFill>
+              <a:schemeClr val="accent2"/>
+            </a:solidFill>
+          </a:ln>
+        </p:spPr>
+        <p:style>
+          <a:lnRef idx="2">
+            <a:schemeClr val="accent1">
+              <a:shade val="50000"/>
+            </a:schemeClr>
+          </a:lnRef>
+          <a:fillRef idx="1">
+            <a:schemeClr val="accent1"/>
+          </a:fillRef>
+          <a:effectRef idx="0">
+            <a:schemeClr val="accent1"/>
+          </a:effectRef>
+          <a:fontRef idx="minor">
+            <a:schemeClr val="lt1"/>
+          </a:fontRef>
+        </p:style>
+        <p:txBody>
+          <a:bodyPr rtlCol="0" anchor="ctr"/>
+          <a:lstStyle/>
+          <a:p>
+            <a:pPr algn="ctr"/>
+            <a:endParaRPr lang="en-US"/>
+          </a:p>
+        </p:txBody>
+      </p:sp>
     </p:spTree>
     <p:extLst>
       <p:ext uri="{BB962C8B-B14F-4D97-AF65-F5344CB8AC3E}">
@@ -4876,6 +6133,185 @@
   <p:clrMapOvr>
     <a:masterClrMapping/>
   </p:clrMapOvr>
+  <p:timing>
+    <p:tnLst>
+      <p:par>
+        <p:cTn id="1" dur="indefinite" restart="never" nodeType="tmRoot">
+          <p:childTnLst>
+            <p:seq concurrent="1" nextAc="seek">
+              <p:cTn id="2" dur="indefinite" nodeType="mainSeq">
+                <p:childTnLst>
+                  <p:par>
+                    <p:cTn id="3" fill="hold">
+                      <p:stCondLst>
+                        <p:cond delay="indefinite"/>
+                      </p:stCondLst>
+                      <p:childTnLst>
+                        <p:par>
+                          <p:cTn id="4" fill="hold">
+                            <p:stCondLst>
+                              <p:cond delay="0"/>
+                            </p:stCondLst>
+                            <p:childTnLst>
+                              <p:par>
+                                <p:cTn id="5" presetID="1" presetClass="entr" presetSubtype="0" fill="hold" grpId="0" nodeType="clickEffect">
+                                  <p:stCondLst>
+                                    <p:cond delay="0"/>
+                                  </p:stCondLst>
+                                  <p:childTnLst>
+                                    <p:set>
+                                      <p:cBhvr>
+                                        <p:cTn id="6" dur="1" fill="hold">
+                                          <p:stCondLst>
+                                            <p:cond delay="0"/>
+                                          </p:stCondLst>
+                                        </p:cTn>
+                                        <p:tgtEl>
+                                          <p:spTgt spid="5"/>
+                                        </p:tgtEl>
+                                        <p:attrNameLst>
+                                          <p:attrName>style.visibility</p:attrName>
+                                        </p:attrNameLst>
+                                      </p:cBhvr>
+                                      <p:to>
+                                        <p:strVal val="visible"/>
+                                      </p:to>
+                                    </p:set>
+                                  </p:childTnLst>
+                                </p:cTn>
+                              </p:par>
+                            </p:childTnLst>
+                          </p:cTn>
+                        </p:par>
+                      </p:childTnLst>
+                    </p:cTn>
+                  </p:par>
+                  <p:par>
+                    <p:cTn id="7" fill="hold">
+                      <p:stCondLst>
+                        <p:cond delay="indefinite"/>
+                      </p:stCondLst>
+                      <p:childTnLst>
+                        <p:par>
+                          <p:cTn id="8" fill="hold">
+                            <p:stCondLst>
+                              <p:cond delay="0"/>
+                            </p:stCondLst>
+                            <p:childTnLst>
+                              <p:par>
+                                <p:cTn id="9" presetID="1" presetClass="entr" presetSubtype="0" fill="hold" nodeType="clickEffect">
+                                  <p:stCondLst>
+                                    <p:cond delay="0"/>
+                                  </p:stCondLst>
+                                  <p:childTnLst>
+                                    <p:set>
+                                      <p:cBhvr>
+                                        <p:cTn id="10" dur="1" fill="hold">
+                                          <p:stCondLst>
+                                            <p:cond delay="0"/>
+                                          </p:stCondLst>
+                                        </p:cTn>
+                                        <p:tgtEl>
+                                          <p:spTgt spid="2"/>
+                                        </p:tgtEl>
+                                        <p:attrNameLst>
+                                          <p:attrName>style.visibility</p:attrName>
+                                        </p:attrNameLst>
+                                      </p:cBhvr>
+                                      <p:to>
+                                        <p:strVal val="visible"/>
+                                      </p:to>
+                                    </p:set>
+                                  </p:childTnLst>
+                                </p:cTn>
+                              </p:par>
+                              <p:par>
+                                <p:cTn id="11" presetID="1" presetClass="entr" presetSubtype="0" fill="hold" grpId="0" nodeType="withEffect">
+                                  <p:stCondLst>
+                                    <p:cond delay="0"/>
+                                  </p:stCondLst>
+                                  <p:childTnLst>
+                                    <p:set>
+                                      <p:cBhvr>
+                                        <p:cTn id="12" dur="1" fill="hold">
+                                          <p:stCondLst>
+                                            <p:cond delay="0"/>
+                                          </p:stCondLst>
+                                        </p:cTn>
+                                        <p:tgtEl>
+                                          <p:spTgt spid="7"/>
+                                        </p:tgtEl>
+                                        <p:attrNameLst>
+                                          <p:attrName>style.visibility</p:attrName>
+                                        </p:attrNameLst>
+                                      </p:cBhvr>
+                                      <p:to>
+                                        <p:strVal val="visible"/>
+                                      </p:to>
+                                    </p:set>
+                                  </p:childTnLst>
+                                </p:cTn>
+                              </p:par>
+                              <p:par>
+                                <p:cTn id="13" presetID="1" presetClass="entr" presetSubtype="0" fill="hold" grpId="0" nodeType="withEffect">
+                                  <p:stCondLst>
+                                    <p:cond delay="0"/>
+                                  </p:stCondLst>
+                                  <p:childTnLst>
+                                    <p:set>
+                                      <p:cBhvr>
+                                        <p:cTn id="14" dur="1" fill="hold">
+                                          <p:stCondLst>
+                                            <p:cond delay="0"/>
+                                          </p:stCondLst>
+                                        </p:cTn>
+                                        <p:tgtEl>
+                                          <p:spTgt spid="3"/>
+                                        </p:tgtEl>
+                                        <p:attrNameLst>
+                                          <p:attrName>style.visibility</p:attrName>
+                                        </p:attrNameLst>
+                                      </p:cBhvr>
+                                      <p:to>
+                                        <p:strVal val="visible"/>
+                                      </p:to>
+                                    </p:set>
+                                  </p:childTnLst>
+                                </p:cTn>
+                              </p:par>
+                            </p:childTnLst>
+                          </p:cTn>
+                        </p:par>
+                      </p:childTnLst>
+                    </p:cTn>
+                  </p:par>
+                </p:childTnLst>
+              </p:cTn>
+              <p:prevCondLst>
+                <p:cond evt="onPrev" delay="0">
+                  <p:tgtEl>
+                    <p:sldTgt/>
+                  </p:tgtEl>
+                </p:cond>
+              </p:prevCondLst>
+              <p:nextCondLst>
+                <p:cond evt="onNext" delay="0">
+                  <p:tgtEl>
+                    <p:sldTgt/>
+                  </p:tgtEl>
+                </p:cond>
+              </p:nextCondLst>
+            </p:seq>
+          </p:childTnLst>
+        </p:cTn>
+      </p:par>
+    </p:tnLst>
+    <p:bldLst>
+      <p:bldP spid="5" grpId="0"/>
+      <p:bldP spid="7" grpId="0"/>
+      <p:bldP spid="3" grpId="0" animBg="1"/>
+    </p:bldLst>
+  </p:timing>
 </p:sld>
 </file>
 
@@ -4990,6 +6426,220 @@
           </a:prstGeom>
         </p:spPr>
       </p:pic>
+      <p:sp>
+        <p:nvSpPr>
+          <p:cNvPr id="4" name="TextBox 3"/>
+          <p:cNvSpPr txBox="1"/>
+          <p:nvPr/>
+        </p:nvSpPr>
+        <p:spPr>
+          <a:xfrm>
+            <a:off x="1443036" y="0"/>
+            <a:ext cx="9072564" cy="584775"/>
+          </a:xfrm>
+          <a:prstGeom prst="rect">
+            <a:avLst/>
+          </a:prstGeom>
+          <a:noFill/>
+        </p:spPr>
+        <p:txBody>
+          <a:bodyPr wrap="square" rtlCol="0">
+            <a:spAutoFit/>
+          </a:bodyPr>
+          <a:lstStyle/>
+          <a:p>
+            <a:pPr algn="ctr"/>
+            <a:r>
+              <a:rPr lang="en-US" sz="3200" dirty="0" smtClean="0"/>
+              <a:t>What’s a stack buffer overflow?</a:t>
+            </a:r>
+            <a:endParaRPr lang="en-US" sz="3200" dirty="0"/>
+          </a:p>
+        </p:txBody>
+      </p:sp>
+      <p:pic>
+        <p:nvPicPr>
+          <p:cNvPr id="2" name="Picture 1"/>
+          <p:cNvPicPr>
+            <a:picLocks noChangeAspect="1"/>
+          </p:cNvPicPr>
+          <p:nvPr/>
+        </p:nvPicPr>
+        <p:blipFill>
+          <a:blip r:embed="rId3">
+            <a:extLst>
+              <a:ext uri="{28A0092B-C50C-407E-A947-70E740481C1C}">
+                <a14:useLocalDpi xmlns:a14="http://schemas.microsoft.com/office/drawing/2010/main" val="0"/>
+              </a:ext>
+            </a:extLst>
+          </a:blip>
+          <a:stretch>
+            <a:fillRect/>
+          </a:stretch>
+        </p:blipFill>
+        <p:spPr>
+          <a:xfrm>
+            <a:off x="549679" y="1181100"/>
+            <a:ext cx="5470121" cy="5084662"/>
+          </a:xfrm>
+          <a:prstGeom prst="rect">
+            <a:avLst/>
+          </a:prstGeom>
+        </p:spPr>
+      </p:pic>
+      <p:sp>
+        <p:nvSpPr>
+          <p:cNvPr id="6" name="TextBox 5"/>
+          <p:cNvSpPr txBox="1"/>
+          <p:nvPr/>
+        </p:nvSpPr>
+        <p:spPr>
+          <a:xfrm>
+            <a:off x="6176963" y="1601955"/>
+            <a:ext cx="4676774" cy="646331"/>
+          </a:xfrm>
+          <a:prstGeom prst="rect">
+            <a:avLst/>
+          </a:prstGeom>
+          <a:noFill/>
+        </p:spPr>
+        <p:txBody>
+          <a:bodyPr wrap="square" rtlCol="0">
+            <a:spAutoFit/>
+          </a:bodyPr>
+          <a:lstStyle/>
+          <a:p>
+            <a:pPr marL="285750" indent="-285750">
+              <a:buFont typeface="Arial" panose="020B0604020202020204" pitchFamily="34" charset="0"/>
+              <a:buChar char="•"/>
+            </a:pPr>
+            <a:r>
+              <a:rPr lang="en-US" dirty="0" smtClean="0"/>
+              <a:t>Occurs when we do not check if the user input fits in the buffer it went in</a:t>
+            </a:r>
+            <a:endParaRPr lang="en-US" dirty="0"/>
+          </a:p>
+        </p:txBody>
+      </p:sp>
+      <p:sp>
+        <p:nvSpPr>
+          <p:cNvPr id="7" name="TextBox 6"/>
+          <p:cNvSpPr txBox="1"/>
+          <p:nvPr/>
+        </p:nvSpPr>
+        <p:spPr>
+          <a:xfrm>
+            <a:off x="6176963" y="2659926"/>
+            <a:ext cx="4878215" cy="646331"/>
+          </a:xfrm>
+          <a:prstGeom prst="rect">
+            <a:avLst/>
+          </a:prstGeom>
+          <a:noFill/>
+        </p:spPr>
+        <p:txBody>
+          <a:bodyPr wrap="square" rtlCol="0">
+            <a:spAutoFit/>
+          </a:bodyPr>
+          <a:lstStyle/>
+          <a:p>
+            <a:pPr marL="285750" indent="-285750">
+              <a:buFont typeface="Arial" panose="020B0604020202020204" pitchFamily="34" charset="0"/>
+              <a:buChar char="•"/>
+            </a:pPr>
+            <a:r>
+              <a:rPr lang="en-US" dirty="0" smtClean="0"/>
+              <a:t>If there is no protection such as </a:t>
+            </a:r>
+            <a:r>
+              <a:rPr lang="en-US" dirty="0" smtClean="0"/>
+              <a:t>canary, </a:t>
+            </a:r>
+            <a:r>
+              <a:rPr lang="en-US" dirty="0" smtClean="0"/>
+              <a:t>we can overwrite data behind the buffer</a:t>
+            </a:r>
+            <a:endParaRPr lang="en-US" dirty="0"/>
+          </a:p>
+        </p:txBody>
+      </p:sp>
+      <p:sp>
+        <p:nvSpPr>
+          <p:cNvPr id="8" name="TextBox 7"/>
+          <p:cNvSpPr txBox="1"/>
+          <p:nvPr/>
+        </p:nvSpPr>
+        <p:spPr>
+          <a:xfrm>
+            <a:off x="6176963" y="3717897"/>
+            <a:ext cx="4991100" cy="923330"/>
+          </a:xfrm>
+          <a:prstGeom prst="rect">
+            <a:avLst/>
+          </a:prstGeom>
+          <a:noFill/>
+        </p:spPr>
+        <p:txBody>
+          <a:bodyPr wrap="square" rtlCol="0">
+            <a:spAutoFit/>
+          </a:bodyPr>
+          <a:lstStyle/>
+          <a:p>
+            <a:pPr marL="285750" indent="-285750">
+              <a:buFont typeface="Arial" panose="020B0604020202020204" pitchFamily="34" charset="0"/>
+              <a:buChar char="•"/>
+            </a:pPr>
+            <a:r>
+              <a:rPr lang="en-US" dirty="0" smtClean="0"/>
+              <a:t>It means that we can take control of execution flow because the return address we jump on is located on the stack</a:t>
+            </a:r>
+            <a:endParaRPr lang="en-US" dirty="0"/>
+          </a:p>
+        </p:txBody>
+      </p:sp>
+      <p:sp>
+        <p:nvSpPr>
+          <p:cNvPr id="9" name="TextBox 8"/>
+          <p:cNvSpPr txBox="1"/>
+          <p:nvPr/>
+        </p:nvSpPr>
+        <p:spPr>
+          <a:xfrm>
+            <a:off x="6249237" y="5186763"/>
+            <a:ext cx="4532226" cy="461665"/>
+          </a:xfrm>
+          <a:prstGeom prst="rect">
+            <a:avLst/>
+          </a:prstGeom>
+          <a:noFill/>
+          <a:ln>
+            <a:solidFill>
+              <a:schemeClr val="tx1"/>
+            </a:solidFill>
+          </a:ln>
+        </p:spPr>
+        <p:txBody>
+          <a:bodyPr wrap="square" rtlCol="0">
+            <a:spAutoFit/>
+          </a:bodyPr>
+          <a:lstStyle/>
+          <a:p>
+            <a:r>
+              <a:rPr lang="en-US" sz="2400" dirty="0" smtClean="0"/>
+              <a:t>RET </a:t>
+            </a:r>
+            <a:r>
+              <a:rPr lang="en-US" sz="2400" dirty="0" smtClean="0"/>
+              <a:t>is equivalent to </a:t>
+            </a:r>
+            <a:r>
+              <a:rPr lang="en-US" sz="2400" dirty="0" smtClean="0"/>
+              <a:t>POP RIP</a:t>
+            </a:r>
+            <a:endParaRPr lang="en-US" sz="2400" dirty="0"/>
+          </a:p>
+        </p:txBody>
+      </p:sp>
     </p:spTree>
     <p:extLst>
       <p:ext uri="{BB962C8B-B14F-4D97-AF65-F5344CB8AC3E}">
@@ -5000,6 +6650,13 @@
   <p:clrMapOvr>
     <a:masterClrMapping/>
   </p:clrMapOvr>
+  <p:timing>
+    <p:tnLst>
+      <p:par>
+        <p:cTn id="1" dur="indefinite" restart="never" nodeType="tmRoot"/>
+      </p:par>
+    </p:tnLst>
+  </p:timing>
 </p:sld>
 </file>
 
@@ -5114,6 +6771,234 @@
           </a:prstGeom>
         </p:spPr>
       </p:pic>
+      <p:sp>
+        <p:nvSpPr>
+          <p:cNvPr id="5" name="TextBox 4"/>
+          <p:cNvSpPr txBox="1"/>
+          <p:nvPr/>
+        </p:nvSpPr>
+        <p:spPr>
+          <a:xfrm>
+            <a:off x="1340642" y="0"/>
+            <a:ext cx="9072564" cy="584775"/>
+          </a:xfrm>
+          <a:prstGeom prst="rect">
+            <a:avLst/>
+          </a:prstGeom>
+          <a:noFill/>
+        </p:spPr>
+        <p:txBody>
+          <a:bodyPr wrap="square" rtlCol="0">
+            <a:spAutoFit/>
+          </a:bodyPr>
+          <a:lstStyle/>
+          <a:p>
+            <a:pPr algn="ctr"/>
+            <a:r>
+              <a:rPr lang="en-US" sz="3200" dirty="0" smtClean="0"/>
+              <a:t>Recon</a:t>
+            </a:r>
+            <a:endParaRPr lang="en-US" sz="3200" dirty="0"/>
+          </a:p>
+        </p:txBody>
+      </p:sp>
+      <p:sp>
+        <p:nvSpPr>
+          <p:cNvPr id="6" name="TextBox 5"/>
+          <p:cNvSpPr txBox="1"/>
+          <p:nvPr/>
+        </p:nvSpPr>
+        <p:spPr>
+          <a:xfrm>
+            <a:off x="2894345" y="943825"/>
+            <a:ext cx="6748463" cy="1477328"/>
+          </a:xfrm>
+          <a:prstGeom prst="rect">
+            <a:avLst/>
+          </a:prstGeom>
+          <a:noFill/>
+        </p:spPr>
+        <p:txBody>
+          <a:bodyPr wrap="square" rtlCol="0">
+            <a:spAutoFit/>
+          </a:bodyPr>
+          <a:lstStyle/>
+          <a:p>
+            <a:pPr marL="285750" indent="-285750">
+              <a:buFont typeface="Arial" panose="020B0604020202020204" pitchFamily="34" charset="0"/>
+              <a:buChar char="•"/>
+            </a:pPr>
+            <a:r>
+              <a:rPr lang="en-US" dirty="0" smtClean="0"/>
+              <a:t>Increment input size until program crashes</a:t>
+            </a:r>
+          </a:p>
+          <a:p>
+            <a:pPr marL="285750" indent="-285750">
+              <a:buFont typeface="Arial" panose="020B0604020202020204" pitchFamily="34" charset="0"/>
+              <a:buChar char="•"/>
+            </a:pPr>
+            <a:endParaRPr lang="en-US" dirty="0"/>
+          </a:p>
+          <a:p>
+            <a:pPr marL="285750" indent="-285750">
+              <a:buFont typeface="Arial" panose="020B0604020202020204" pitchFamily="34" charset="0"/>
+              <a:buChar char="•"/>
+            </a:pPr>
+            <a:r>
+              <a:rPr lang="en-US" dirty="0"/>
+              <a:t>C</a:t>
+            </a:r>
+            <a:r>
+              <a:rPr lang="en-US" dirty="0" smtClean="0"/>
+              <a:t>heck the protections:</a:t>
+            </a:r>
+          </a:p>
+          <a:p>
+            <a:pPr marL="742950" lvl="1" indent="-285750">
+              <a:buFont typeface="Arial" panose="020B0604020202020204" pitchFamily="34" charset="0"/>
+              <a:buChar char="•"/>
+            </a:pPr>
+            <a:r>
+              <a:rPr lang="en-US" dirty="0" smtClean="0"/>
+              <a:t>on the binary (PIE, canary) </a:t>
+            </a:r>
+            <a:endParaRPr lang="en-US" dirty="0"/>
+          </a:p>
+          <a:p>
+            <a:pPr marL="742950" lvl="1" indent="-285750">
+              <a:buFont typeface="Arial" panose="020B0604020202020204" pitchFamily="34" charset="0"/>
+              <a:buChar char="•"/>
+            </a:pPr>
+            <a:r>
+              <a:rPr lang="en-US" dirty="0"/>
+              <a:t>o</a:t>
+            </a:r>
+            <a:r>
+              <a:rPr lang="en-US" dirty="0" smtClean="0"/>
+              <a:t>n the server (ASLR)</a:t>
+            </a:r>
+            <a:endParaRPr lang="en-US" dirty="0"/>
+          </a:p>
+        </p:txBody>
+      </p:sp>
+      <p:pic>
+        <p:nvPicPr>
+          <p:cNvPr id="2" name="Picture 1"/>
+          <p:cNvPicPr>
+            <a:picLocks noChangeAspect="1"/>
+          </p:cNvPicPr>
+          <p:nvPr/>
+        </p:nvPicPr>
+        <p:blipFill>
+          <a:blip r:embed="rId3">
+            <a:extLst>
+              <a:ext uri="{28A0092B-C50C-407E-A947-70E740481C1C}">
+                <a14:useLocalDpi xmlns:a14="http://schemas.microsoft.com/office/drawing/2010/main" val="0"/>
+              </a:ext>
+            </a:extLst>
+          </a:blip>
+          <a:stretch>
+            <a:fillRect/>
+          </a:stretch>
+        </p:blipFill>
+        <p:spPr>
+          <a:xfrm>
+            <a:off x="2282487" y="2672962"/>
+            <a:ext cx="7360321" cy="2566988"/>
+          </a:xfrm>
+          <a:prstGeom prst="rect">
+            <a:avLst/>
+          </a:prstGeom>
+        </p:spPr>
+      </p:pic>
+      <p:sp>
+        <p:nvSpPr>
+          <p:cNvPr id="8" name="TextBox 7"/>
+          <p:cNvSpPr txBox="1"/>
+          <p:nvPr/>
+        </p:nvSpPr>
+        <p:spPr>
+          <a:xfrm>
+            <a:off x="3731388" y="5555126"/>
+            <a:ext cx="5438802" cy="830997"/>
+          </a:xfrm>
+          <a:prstGeom prst="rect">
+            <a:avLst/>
+          </a:prstGeom>
+          <a:noFill/>
+        </p:spPr>
+        <p:txBody>
+          <a:bodyPr wrap="square" rtlCol="0">
+            <a:spAutoFit/>
+          </a:bodyPr>
+          <a:lstStyle/>
+          <a:p>
+            <a:r>
+              <a:rPr lang="en-US" sz="2400" dirty="0" smtClean="0"/>
+              <a:t>Program crashes after 40 bytes</a:t>
+            </a:r>
+          </a:p>
+          <a:p>
+            <a:r>
+              <a:rPr lang="en-US" sz="2400" dirty="0" smtClean="0"/>
+              <a:t>= (probably stack) buffer overflow</a:t>
+            </a:r>
+            <a:endParaRPr lang="en-US" sz="2400" dirty="0"/>
+          </a:p>
+        </p:txBody>
+      </p:sp>
+      <p:sp>
+        <p:nvSpPr>
+          <p:cNvPr id="9" name="Right Arrow 8"/>
+          <p:cNvSpPr/>
+          <p:nvPr/>
+        </p:nvSpPr>
+        <p:spPr>
+          <a:xfrm>
+            <a:off x="2368212" y="5648055"/>
+            <a:ext cx="885825" cy="645141"/>
+          </a:xfrm>
+          <a:prstGeom prst="rightArrow">
+            <a:avLst/>
+          </a:prstGeom>
+          <a:solidFill>
+            <a:schemeClr val="tx2">
+              <a:lumMod val="20000"/>
+              <a:lumOff val="80000"/>
+            </a:schemeClr>
+          </a:solidFill>
+          <a:ln>
+            <a:solidFill>
+              <a:schemeClr val="accent2"/>
+            </a:solidFill>
+          </a:ln>
+        </p:spPr>
+        <p:style>
+          <a:lnRef idx="2">
+            <a:schemeClr val="accent1">
+              <a:shade val="50000"/>
+            </a:schemeClr>
+          </a:lnRef>
+          <a:fillRef idx="1">
+            <a:schemeClr val="accent1"/>
+          </a:fillRef>
+          <a:effectRef idx="0">
+            <a:schemeClr val="accent1"/>
+          </a:effectRef>
+          <a:fontRef idx="minor">
+            <a:schemeClr val="lt1"/>
+          </a:fontRef>
+        </p:style>
+        <p:txBody>
+          <a:bodyPr rtlCol="0" anchor="ctr"/>
+          <a:lstStyle/>
+          <a:p>
+            <a:pPr algn="ctr"/>
+            <a:endParaRPr lang="en-US"/>
+          </a:p>
+        </p:txBody>
+      </p:sp>
     </p:spTree>
     <p:extLst>
       <p:ext uri="{BB962C8B-B14F-4D97-AF65-F5344CB8AC3E}">
@@ -5124,6 +7009,139 @@
   <p:clrMapOvr>
     <a:masterClrMapping/>
   </p:clrMapOvr>
+  <p:timing>
+    <p:tnLst>
+      <p:par>
+        <p:cTn id="1" dur="indefinite" restart="never" nodeType="tmRoot">
+          <p:childTnLst>
+            <p:seq concurrent="1" nextAc="seek">
+              <p:cTn id="2" dur="indefinite" nodeType="mainSeq">
+                <p:childTnLst>
+                  <p:par>
+                    <p:cTn id="3" fill="hold">
+                      <p:stCondLst>
+                        <p:cond delay="indefinite"/>
+                      </p:stCondLst>
+                      <p:childTnLst>
+                        <p:par>
+                          <p:cTn id="4" fill="hold">
+                            <p:stCondLst>
+                              <p:cond delay="0"/>
+                            </p:stCondLst>
+                            <p:childTnLst>
+                              <p:par>
+                                <p:cTn id="5" presetID="1" presetClass="entr" presetSubtype="0" fill="hold" nodeType="clickEffect">
+                                  <p:stCondLst>
+                                    <p:cond delay="0"/>
+                                  </p:stCondLst>
+                                  <p:childTnLst>
+                                    <p:set>
+                                      <p:cBhvr>
+                                        <p:cTn id="6" dur="1" fill="hold">
+                                          <p:stCondLst>
+                                            <p:cond delay="0"/>
+                                          </p:stCondLst>
+                                        </p:cTn>
+                                        <p:tgtEl>
+                                          <p:spTgt spid="2"/>
+                                        </p:tgtEl>
+                                        <p:attrNameLst>
+                                          <p:attrName>style.visibility</p:attrName>
+                                        </p:attrNameLst>
+                                      </p:cBhvr>
+                                      <p:to>
+                                        <p:strVal val="visible"/>
+                                      </p:to>
+                                    </p:set>
+                                  </p:childTnLst>
+                                </p:cTn>
+                              </p:par>
+                              <p:par>
+                                <p:cTn id="7" presetID="1" presetClass="entr" presetSubtype="0" fill="hold" grpId="0" nodeType="withEffect">
+                                  <p:stCondLst>
+                                    <p:cond delay="0"/>
+                                  </p:stCondLst>
+                                  <p:childTnLst>
+                                    <p:set>
+                                      <p:cBhvr>
+                                        <p:cTn id="8" dur="1" fill="hold">
+                                          <p:stCondLst>
+                                            <p:cond delay="0"/>
+                                          </p:stCondLst>
+                                        </p:cTn>
+                                        <p:tgtEl>
+                                          <p:spTgt spid="8"/>
+                                        </p:tgtEl>
+                                        <p:attrNameLst>
+                                          <p:attrName>style.visibility</p:attrName>
+                                        </p:attrNameLst>
+                                      </p:cBhvr>
+                                      <p:to>
+                                        <p:strVal val="visible"/>
+                                      </p:to>
+                                    </p:set>
+                                  </p:childTnLst>
+                                </p:cTn>
+                              </p:par>
+                              <p:par>
+                                <p:cTn id="9" presetID="1" presetClass="entr" presetSubtype="0" fill="hold" grpId="0" nodeType="withEffect">
+                                  <p:stCondLst>
+                                    <p:cond delay="0"/>
+                                  </p:stCondLst>
+                                  <p:childTnLst>
+                                    <p:set>
+                                      <p:cBhvr>
+                                        <p:cTn id="10" dur="1" fill="hold">
+                                          <p:stCondLst>
+                                            <p:cond delay="0"/>
+                                          </p:stCondLst>
+                                        </p:cTn>
+                                        <p:tgtEl>
+                                          <p:spTgt spid="9"/>
+                                        </p:tgtEl>
+                                        <p:attrNameLst>
+                                          <p:attrName>style.visibility</p:attrName>
+                                        </p:attrNameLst>
+                                      </p:cBhvr>
+                                      <p:to>
+                                        <p:strVal val="visible"/>
+                                      </p:to>
+                                    </p:set>
+                                  </p:childTnLst>
+                                </p:cTn>
+                              </p:par>
+                            </p:childTnLst>
+                          </p:cTn>
+                        </p:par>
+                      </p:childTnLst>
+                    </p:cTn>
+                  </p:par>
+                </p:childTnLst>
+              </p:cTn>
+              <p:prevCondLst>
+                <p:cond evt="onPrev" delay="0">
+                  <p:tgtEl>
+                    <p:sldTgt/>
+                  </p:tgtEl>
+                </p:cond>
+              </p:prevCondLst>
+              <p:nextCondLst>
+                <p:cond evt="onNext" delay="0">
+                  <p:tgtEl>
+                    <p:sldTgt/>
+                  </p:tgtEl>
+                </p:cond>
+              </p:nextCondLst>
+            </p:seq>
+          </p:childTnLst>
+        </p:cTn>
+      </p:par>
+    </p:tnLst>
+    <p:bldLst>
+      <p:bldP spid="8" grpId="0"/>
+      <p:bldP spid="9" grpId="0" animBg="1"/>
+    </p:bldLst>
+  </p:timing>
 </p:sld>
 </file>
 
@@ -5144,6 +7162,35 @@
           <a:chExt cx="0" cy="0"/>
         </a:xfrm>
       </p:grpSpPr>
+      <p:pic>
+        <p:nvPicPr>
+          <p:cNvPr id="2" name="Picture 1"/>
+          <p:cNvPicPr>
+            <a:picLocks noChangeAspect="1"/>
+          </p:cNvPicPr>
+          <p:nvPr/>
+        </p:nvPicPr>
+        <p:blipFill rotWithShape="1">
+          <a:blip r:embed="rId2">
+            <a:extLst>
+              <a:ext uri="{28A0092B-C50C-407E-A947-70E740481C1C}">
+                <a14:useLocalDpi xmlns:a14="http://schemas.microsoft.com/office/drawing/2010/main" val="0"/>
+              </a:ext>
+            </a:extLst>
+          </a:blip>
+          <a:srcRect l="1797" t="12990" r="3214" b="16156"/>
+          <a:stretch/>
+        </p:blipFill>
+        <p:spPr>
+          <a:xfrm>
+            <a:off x="2469806" y="2991922"/>
+            <a:ext cx="6814236" cy="3000765"/>
+          </a:xfrm>
+          <a:prstGeom prst="rect">
+            <a:avLst/>
+          </a:prstGeom>
+        </p:spPr>
+      </p:pic>
       <p:sp>
         <p:nvSpPr>
           <p:cNvPr id="12" name="Rectangle 11"/>
@@ -5217,6 +7264,375 @@
           <p:nvPr/>
         </p:nvPicPr>
         <p:blipFill>
+          <a:blip r:embed="rId3" cstate="print">
+            <a:extLst>
+              <a:ext uri="{28A0092B-C50C-407E-A947-70E740481C1C}">
+                <a14:useLocalDpi xmlns:a14="http://schemas.microsoft.com/office/drawing/2010/main" val="0"/>
+              </a:ext>
+            </a:extLst>
+          </a:blip>
+          <a:stretch>
+            <a:fillRect/>
+          </a:stretch>
+        </p:blipFill>
+        <p:spPr>
+          <a:xfrm>
+            <a:off x="11325199" y="116740"/>
+            <a:ext cx="866801" cy="731428"/>
+          </a:xfrm>
+          <a:prstGeom prst="rect">
+            <a:avLst/>
+          </a:prstGeom>
+        </p:spPr>
+      </p:pic>
+      <p:sp>
+        <p:nvSpPr>
+          <p:cNvPr id="4" name="TextBox 3"/>
+          <p:cNvSpPr txBox="1"/>
+          <p:nvPr/>
+        </p:nvSpPr>
+        <p:spPr>
+          <a:xfrm>
+            <a:off x="1340642" y="0"/>
+            <a:ext cx="9072564" cy="584775"/>
+          </a:xfrm>
+          <a:prstGeom prst="rect">
+            <a:avLst/>
+          </a:prstGeom>
+          <a:noFill/>
+        </p:spPr>
+        <p:txBody>
+          <a:bodyPr wrap="square" rtlCol="0">
+            <a:spAutoFit/>
+          </a:bodyPr>
+          <a:lstStyle/>
+          <a:p>
+            <a:pPr algn="ctr"/>
+            <a:r>
+              <a:rPr lang="en-US" sz="3200" dirty="0" smtClean="0"/>
+              <a:t>Reca</a:t>
+            </a:r>
+            <a:r>
+              <a:rPr lang="en-US" sz="3200" dirty="0"/>
+              <a:t>p</a:t>
+            </a:r>
+          </a:p>
+        </p:txBody>
+      </p:sp>
+      <p:sp>
+        <p:nvSpPr>
+          <p:cNvPr id="5" name="TextBox 4"/>
+          <p:cNvSpPr txBox="1"/>
+          <p:nvPr/>
+        </p:nvSpPr>
+        <p:spPr>
+          <a:xfrm>
+            <a:off x="2324725" y="765790"/>
+            <a:ext cx="8021305" cy="2031325"/>
+          </a:xfrm>
+          <a:prstGeom prst="rect">
+            <a:avLst/>
+          </a:prstGeom>
+          <a:noFill/>
+        </p:spPr>
+        <p:txBody>
+          <a:bodyPr wrap="square" rtlCol="0">
+            <a:spAutoFit/>
+          </a:bodyPr>
+          <a:lstStyle/>
+          <a:p>
+            <a:pPr marL="285750" indent="-285750">
+              <a:buFont typeface="Arial" panose="020B0604020202020204" pitchFamily="34" charset="0"/>
+              <a:buChar char="•"/>
+            </a:pPr>
+            <a:r>
+              <a:rPr lang="en-US" dirty="0" smtClean="0"/>
+              <a:t>x86-64 addresses = </a:t>
+            </a:r>
+            <a:r>
+              <a:rPr lang="en-US" dirty="0" smtClean="0">
+                <a:solidFill>
+                  <a:srgbClr val="FF0000"/>
+                </a:solidFill>
+              </a:rPr>
+              <a:t>64-bit</a:t>
+            </a:r>
+            <a:r>
+              <a:rPr lang="en-US" dirty="0" smtClean="0"/>
+              <a:t> executable running</a:t>
+            </a:r>
+            <a:endParaRPr lang="en-US" dirty="0"/>
+          </a:p>
+          <a:p>
+            <a:pPr marL="285750" indent="-285750">
+              <a:buFont typeface="Arial" panose="020B0604020202020204" pitchFamily="34" charset="0"/>
+              <a:buChar char="•"/>
+            </a:pPr>
+            <a:r>
+              <a:rPr lang="en-US" dirty="0" smtClean="0"/>
+              <a:t>We always leak the same bytes which looks like an address:</a:t>
+            </a:r>
+          </a:p>
+          <a:p>
+            <a:pPr marL="742950" lvl="1" indent="-285750">
+              <a:buFont typeface="Arial" panose="020B0604020202020204" pitchFamily="34" charset="0"/>
+              <a:buChar char="•"/>
+            </a:pPr>
+            <a:r>
+              <a:rPr lang="en-US" dirty="0" smtClean="0">
+                <a:solidFill>
+                  <a:srgbClr val="FF0000"/>
+                </a:solidFill>
+              </a:rPr>
+              <a:t>PIE off</a:t>
+            </a:r>
+          </a:p>
+          <a:p>
+            <a:pPr marL="742950" lvl="1" indent="-285750">
+              <a:buFont typeface="Arial" panose="020B0604020202020204" pitchFamily="34" charset="0"/>
+              <a:buChar char="•"/>
+            </a:pPr>
+            <a:r>
+              <a:rPr lang="en-US" dirty="0">
+                <a:solidFill>
+                  <a:srgbClr val="FF0000"/>
+                </a:solidFill>
+              </a:rPr>
+              <a:t>n</a:t>
+            </a:r>
+            <a:r>
+              <a:rPr lang="en-US" dirty="0" smtClean="0">
+                <a:solidFill>
+                  <a:srgbClr val="FF0000"/>
+                </a:solidFill>
+              </a:rPr>
+              <a:t>o canary</a:t>
+            </a:r>
+            <a:endParaRPr lang="en-US" dirty="0" smtClean="0"/>
+          </a:p>
+          <a:p>
+            <a:pPr marL="285750" indent="-285750">
+              <a:buFont typeface="Arial" panose="020B0604020202020204" pitchFamily="34" charset="0"/>
+              <a:buChar char="•"/>
+            </a:pPr>
+            <a:r>
+              <a:rPr lang="en-US" dirty="0" smtClean="0"/>
+              <a:t>The stack addresses are </a:t>
+            </a:r>
+            <a:r>
+              <a:rPr lang="en-US" dirty="0" smtClean="0"/>
+              <a:t>randomized </a:t>
+            </a:r>
+            <a:r>
+              <a:rPr lang="en-US" dirty="0" smtClean="0"/>
+              <a:t>= </a:t>
+            </a:r>
+            <a:r>
+              <a:rPr lang="en-US" dirty="0" smtClean="0">
+                <a:solidFill>
+                  <a:srgbClr val="FF0000"/>
+                </a:solidFill>
+              </a:rPr>
+              <a:t>ASLR on</a:t>
+            </a:r>
+            <a:endParaRPr lang="en-US" dirty="0"/>
+          </a:p>
+          <a:p>
+            <a:pPr marL="285750" indent="-285750">
+              <a:buFont typeface="Arial" panose="020B0604020202020204" pitchFamily="34" charset="0"/>
+              <a:buChar char="•"/>
+            </a:pPr>
+            <a:r>
+              <a:rPr lang="en-US" dirty="0" smtClean="0"/>
+              <a:t>Crash after 40 bytes, trash in buffer = </a:t>
+            </a:r>
+            <a:r>
+              <a:rPr lang="en-US" dirty="0" smtClean="0">
+                <a:solidFill>
+                  <a:srgbClr val="FF0000"/>
+                </a:solidFill>
+              </a:rPr>
+              <a:t>char </a:t>
+            </a:r>
+            <a:r>
+              <a:rPr lang="en-US" dirty="0">
+                <a:solidFill>
+                  <a:srgbClr val="FF0000"/>
+                </a:solidFill>
+              </a:rPr>
+              <a:t>b</a:t>
+            </a:r>
+            <a:r>
+              <a:rPr lang="en-US" dirty="0" smtClean="0">
+                <a:solidFill>
+                  <a:srgbClr val="FF0000"/>
+                </a:solidFill>
+              </a:rPr>
+              <a:t>uffer[32];</a:t>
+            </a:r>
+            <a:endParaRPr lang="en-US" dirty="0"/>
+          </a:p>
+          <a:p>
+            <a:pPr marL="285750" indent="-285750">
+              <a:buFont typeface="Arial" panose="020B0604020202020204" pitchFamily="34" charset="0"/>
+              <a:buChar char="•"/>
+            </a:pPr>
+            <a:r>
+              <a:rPr lang="en-US" dirty="0" smtClean="0"/>
+              <a:t>Does not print “ </a:t>
+            </a:r>
+            <a:r>
+              <a:rPr lang="en-US" i="1" dirty="0" smtClean="0"/>
+              <a:t>Bye! </a:t>
+            </a:r>
+            <a:r>
+              <a:rPr lang="en-US" dirty="0" smtClean="0"/>
+              <a:t>” when it crashes = intermediate function</a:t>
+            </a:r>
+            <a:endParaRPr lang="en-US" dirty="0"/>
+          </a:p>
+        </p:txBody>
+      </p:sp>
+      <p:sp>
+        <p:nvSpPr>
+          <p:cNvPr id="3" name="TextBox 2"/>
+          <p:cNvSpPr txBox="1"/>
+          <p:nvPr/>
+        </p:nvSpPr>
+        <p:spPr>
+          <a:xfrm>
+            <a:off x="4004068" y="6187494"/>
+            <a:ext cx="4201297" cy="369332"/>
+          </a:xfrm>
+          <a:prstGeom prst="rect">
+            <a:avLst/>
+          </a:prstGeom>
+          <a:noFill/>
+        </p:spPr>
+        <p:txBody>
+          <a:bodyPr wrap="square" rtlCol="0">
+            <a:spAutoFit/>
+          </a:bodyPr>
+          <a:lstStyle/>
+          <a:p>
+            <a:r>
+              <a:rPr lang="en-US" i="1" dirty="0" smtClean="0"/>
+              <a:t>Ok cool bro, but what’s next?</a:t>
+            </a:r>
+            <a:endParaRPr lang="en-US" i="1" dirty="0"/>
+          </a:p>
+        </p:txBody>
+      </p:sp>
+    </p:spTree>
+    <p:extLst>
+      <p:ext uri="{BB962C8B-B14F-4D97-AF65-F5344CB8AC3E}">
+        <p14:creationId xmlns:p14="http://schemas.microsoft.com/office/powerpoint/2010/main" val="3297735021"/>
+      </p:ext>
+    </p:extLst>
+  </p:cSld>
+  <p:clrMapOvr>
+    <a:masterClrMapping/>
+  </p:clrMapOvr>
+  <p:timing>
+    <p:tnLst>
+      <p:par>
+        <p:cTn id="1" dur="indefinite" restart="never" nodeType="tmRoot"/>
+      </p:par>
+    </p:tnLst>
+  </p:timing>
+</p:sld>
+</file>
+
+<file path=ppt/slides/slide9.xml><?xml version="1.0" encoding="utf-8"?>
+<p:sld xmlns:a="http://schemas.openxmlformats.org/drawingml/2006/main" xmlns:r="http://schemas.openxmlformats.org/officeDocument/2006/relationships" xmlns:p="http://schemas.openxmlformats.org/presentationml/2006/main">
+  <p:cSld>
+    <p:spTree>
+      <p:nvGrpSpPr>
+        <p:cNvPr id="1" name=""/>
+        <p:cNvGrpSpPr/>
+        <p:nvPr/>
+      </p:nvGrpSpPr>
+      <p:grpSpPr>
+        <a:xfrm>
+          <a:off x="0" y="0"/>
+          <a:ext cx="0" cy="0"/>
+          <a:chOff x="0" y="0"/>
+          <a:chExt cx="0" cy="0"/>
+        </a:xfrm>
+      </p:grpSpPr>
+      <p:sp>
+        <p:nvSpPr>
+          <p:cNvPr id="12" name="Rectangle 11"/>
+          <p:cNvSpPr/>
+          <p:nvPr/>
+        </p:nvSpPr>
+        <p:spPr>
+          <a:xfrm>
+            <a:off x="457199" y="0"/>
+            <a:ext cx="10839451" cy="628649"/>
+          </a:xfrm>
+          <a:prstGeom prst="rect">
+            <a:avLst/>
+          </a:prstGeom>
+          <a:gradFill flip="none" rotWithShape="1">
+            <a:gsLst>
+              <a:gs pos="52000">
+                <a:schemeClr val="accent1">
+                  <a:lumMod val="60000"/>
+                  <a:lumOff val="40000"/>
+                </a:schemeClr>
+              </a:gs>
+              <a:gs pos="100000">
+                <a:schemeClr val="tx2">
+                  <a:lumMod val="60000"/>
+                  <a:lumOff val="40000"/>
+                </a:schemeClr>
+              </a:gs>
+              <a:gs pos="0">
+                <a:schemeClr val="accent1"/>
+              </a:gs>
+            </a:gsLst>
+            <a:lin ang="10800000" scaled="1"/>
+            <a:tileRect/>
+          </a:gradFill>
+          <a:ln>
+            <a:noFill/>
+          </a:ln>
+        </p:spPr>
+        <p:style>
+          <a:lnRef idx="2">
+            <a:schemeClr val="accent1">
+              <a:shade val="50000"/>
+            </a:schemeClr>
+          </a:lnRef>
+          <a:fillRef idx="1">
+            <a:schemeClr val="accent1"/>
+          </a:fillRef>
+          <a:effectRef idx="0">
+            <a:schemeClr val="accent1"/>
+          </a:effectRef>
+          <a:fontRef idx="minor">
+            <a:schemeClr val="lt1"/>
+          </a:fontRef>
+        </p:style>
+        <p:txBody>
+          <a:bodyPr rtlCol="0" anchor="ctr"/>
+          <a:lstStyle/>
+          <a:p>
+            <a:pPr algn="ctr"/>
+            <a:endParaRPr lang="en-US" sz="3200"/>
+          </a:p>
+        </p:txBody>
+      </p:sp>
+      <p:pic>
+        <p:nvPicPr>
+          <p:cNvPr id="10" name="Picture 9"/>
+          <p:cNvPicPr>
+            <a:picLocks noChangeAspect="1"/>
+          </p:cNvPicPr>
+          <p:nvPr/>
+        </p:nvPicPr>
+        <p:blipFill>
           <a:blip r:embed="rId2" cstate="print">
             <a:extLst>
               <a:ext uri="{28A0092B-C50C-407E-A947-70E740481C1C}">
@@ -5238,16 +7654,190 @@
           </a:prstGeom>
         </p:spPr>
       </p:pic>
+      <p:sp>
+        <p:nvSpPr>
+          <p:cNvPr id="4" name="TextBox 3"/>
+          <p:cNvSpPr txBox="1"/>
+          <p:nvPr/>
+        </p:nvSpPr>
+        <p:spPr>
+          <a:xfrm>
+            <a:off x="1340642" y="0"/>
+            <a:ext cx="9072564" cy="584775"/>
+          </a:xfrm>
+          <a:prstGeom prst="rect">
+            <a:avLst/>
+          </a:prstGeom>
+          <a:noFill/>
+        </p:spPr>
+        <p:txBody>
+          <a:bodyPr wrap="square" rtlCol="0">
+            <a:spAutoFit/>
+          </a:bodyPr>
+          <a:lstStyle/>
+          <a:p>
+            <a:pPr algn="ctr"/>
+            <a:r>
+              <a:rPr lang="en-US" sz="3200" dirty="0" smtClean="0"/>
+              <a:t>Return Oriented Programming</a:t>
+            </a:r>
+            <a:endParaRPr lang="en-US" sz="3200" dirty="0"/>
+          </a:p>
+        </p:txBody>
+      </p:sp>
+      <p:sp>
+        <p:nvSpPr>
+          <p:cNvPr id="3" name="TextBox 2"/>
+          <p:cNvSpPr txBox="1"/>
+          <p:nvPr/>
+        </p:nvSpPr>
+        <p:spPr>
+          <a:xfrm>
+            <a:off x="2034746" y="1351005"/>
+            <a:ext cx="7809470" cy="1754326"/>
+          </a:xfrm>
+          <a:prstGeom prst="rect">
+            <a:avLst/>
+          </a:prstGeom>
+          <a:noFill/>
+        </p:spPr>
+        <p:txBody>
+          <a:bodyPr wrap="square" rtlCol="0">
+            <a:spAutoFit/>
+          </a:bodyPr>
+          <a:lstStyle/>
+          <a:p>
+            <a:pPr marL="285750" indent="-285750">
+              <a:buFont typeface="Arial" panose="020B0604020202020204" pitchFamily="34" charset="0"/>
+              <a:buChar char="•"/>
+            </a:pPr>
+            <a:r>
+              <a:rPr lang="en-US" dirty="0" smtClean="0"/>
+              <a:t>Once we control the execution flow = we control RIP</a:t>
+            </a:r>
+          </a:p>
+          <a:p>
+            <a:pPr marL="285750" indent="-285750">
+              <a:buFont typeface="Arial" panose="020B0604020202020204" pitchFamily="34" charset="0"/>
+              <a:buChar char="•"/>
+            </a:pPr>
+            <a:endParaRPr lang="en-US" dirty="0"/>
+          </a:p>
+          <a:p>
+            <a:pPr marL="285750" indent="-285750">
+              <a:buFont typeface="Arial" panose="020B0604020202020204" pitchFamily="34" charset="0"/>
+              <a:buChar char="•"/>
+            </a:pPr>
+            <a:r>
+              <a:rPr lang="en-US" dirty="0" smtClean="0"/>
+              <a:t>Use </a:t>
+            </a:r>
+            <a:r>
+              <a:rPr lang="en-US" i="1" dirty="0" smtClean="0"/>
+              <a:t>gadgets</a:t>
+            </a:r>
+            <a:r>
+              <a:rPr lang="en-US" dirty="0" smtClean="0"/>
+              <a:t> to execute instructions sequences from the binary itself and jump somewhere else using RET</a:t>
+            </a:r>
+            <a:endParaRPr lang="en-US" i="1" dirty="0" smtClean="0"/>
+          </a:p>
+          <a:p>
+            <a:pPr marL="285750" indent="-285750">
+              <a:buFont typeface="Arial" panose="020B0604020202020204" pitchFamily="34" charset="0"/>
+              <a:buChar char="•"/>
+            </a:pPr>
+            <a:endParaRPr lang="en-US" i="1" dirty="0"/>
+          </a:p>
+          <a:p>
+            <a:pPr marL="285750" indent="-285750">
+              <a:buFont typeface="Arial" panose="020B0604020202020204" pitchFamily="34" charset="0"/>
+              <a:buChar char="•"/>
+            </a:pPr>
+            <a:r>
+              <a:rPr lang="en-US" dirty="0" smtClean="0"/>
+              <a:t>We control the stack values with the stack buffer overflow!</a:t>
+            </a:r>
+          </a:p>
+        </p:txBody>
+      </p:sp>
+      <p:pic>
+        <p:nvPicPr>
+          <p:cNvPr id="5" name="Picture 4"/>
+          <p:cNvPicPr>
+            <a:picLocks noChangeAspect="1"/>
+          </p:cNvPicPr>
+          <p:nvPr/>
+        </p:nvPicPr>
+        <p:blipFill>
+          <a:blip r:embed="rId3">
+            <a:extLst>
+              <a:ext uri="{28A0092B-C50C-407E-A947-70E740481C1C}">
+                <a14:useLocalDpi xmlns:a14="http://schemas.microsoft.com/office/drawing/2010/main" val="0"/>
+              </a:ext>
+            </a:extLst>
+          </a:blip>
+          <a:stretch>
+            <a:fillRect/>
+          </a:stretch>
+        </p:blipFill>
+        <p:spPr>
+          <a:xfrm>
+            <a:off x="1070059" y="4562694"/>
+            <a:ext cx="9712584" cy="868857"/>
+          </a:xfrm>
+          <a:prstGeom prst="rect">
+            <a:avLst/>
+          </a:prstGeom>
+        </p:spPr>
+      </p:pic>
+      <p:sp>
+        <p:nvSpPr>
+          <p:cNvPr id="8" name="TextBox 7"/>
+          <p:cNvSpPr txBox="1"/>
+          <p:nvPr/>
+        </p:nvSpPr>
+        <p:spPr>
+          <a:xfrm>
+            <a:off x="1070059" y="3593898"/>
+            <a:ext cx="9704172" cy="646331"/>
+          </a:xfrm>
+          <a:prstGeom prst="rect">
+            <a:avLst/>
+          </a:prstGeom>
+          <a:noFill/>
+        </p:spPr>
+        <p:txBody>
+          <a:bodyPr wrap="square" rtlCol="0">
+            <a:spAutoFit/>
+          </a:bodyPr>
+          <a:lstStyle/>
+          <a:p>
+            <a:r>
+              <a:rPr lang="en-US" dirty="0" smtClean="0"/>
+              <a:t>For instance, this gadgets allows the attacker to control RDI, which is the first argument in the x64 calling convention.</a:t>
+            </a:r>
+            <a:endParaRPr lang="en-US" dirty="0"/>
+          </a:p>
+        </p:txBody>
+      </p:sp>
     </p:spTree>
     <p:extLst>
       <p:ext uri="{BB962C8B-B14F-4D97-AF65-F5344CB8AC3E}">
-        <p14:creationId xmlns:p14="http://schemas.microsoft.com/office/powerpoint/2010/main" val="3297735021"/>
+        <p14:creationId xmlns:p14="http://schemas.microsoft.com/office/powerpoint/2010/main" val="3476725745"/>
       </p:ext>
     </p:extLst>
   </p:cSld>
   <p:clrMapOvr>
     <a:masterClrMapping/>
   </p:clrMapOvr>
+  <p:timing>
+    <p:tnLst>
+      <p:par>
+        <p:cTn id="1" dur="indefinite" restart="never" nodeType="tmRoot"/>
+      </p:par>
+    </p:tnLst>
+  </p:timing>
 </p:sld>
 </file>
 

--- a/Blind_Date/slides.pptx
+++ b/Blind_Date/slides.pptx
@@ -17,7 +17,10 @@
     <p:sldId id="277" r:id="rId11"/>
     <p:sldId id="278" r:id="rId12"/>
     <p:sldId id="275" r:id="rId13"/>
-    <p:sldId id="276" r:id="rId14"/>
+    <p:sldId id="279" r:id="rId14"/>
+    <p:sldId id="280" r:id="rId15"/>
+    <p:sldId id="281" r:id="rId16"/>
+    <p:sldId id="276" r:id="rId17"/>
   </p:sldIdLst>
   <p:sldSz cx="12192000" cy="6858000"/>
   <p:notesSz cx="6858000" cy="9144000"/>
@@ -3995,11 +3998,11 @@
   <p:clrMapOvr>
     <a:masterClrMapping/>
   </p:clrMapOvr>
-  <mc:AlternateContent xmlns:mc="http://schemas.openxmlformats.org/markup-compatibility/2006">
-    <mc:Choice xmlns:p14="http://schemas.microsoft.com/office/powerpoint/2010/main" Requires="p14">
+  <mc:AlternateContent xmlns:mc="http://schemas.openxmlformats.org/markup-compatibility/2006" xmlns:p14="http://schemas.microsoft.com/office/powerpoint/2010/main">
+    <mc:Choice Requires="p14">
       <p:transition p14:dur="0"/>
     </mc:Choice>
-    <mc:Fallback>
+    <mc:Fallback xmlns="">
       <p:transition/>
     </mc:Fallback>
   </mc:AlternateContent>
@@ -4237,9 +4240,125 @@
   <p:timing>
     <p:tnLst>
       <p:par>
-        <p:cTn id="1" dur="indefinite" restart="never" nodeType="tmRoot"/>
+        <p:cTn id="1" dur="indefinite" restart="never" nodeType="tmRoot">
+          <p:childTnLst>
+            <p:seq concurrent="1" nextAc="seek">
+              <p:cTn id="2" dur="indefinite" nodeType="mainSeq">
+                <p:childTnLst>
+                  <p:par>
+                    <p:cTn id="3" fill="hold">
+                      <p:stCondLst>
+                        <p:cond delay="indefinite"/>
+                      </p:stCondLst>
+                      <p:childTnLst>
+                        <p:par>
+                          <p:cTn id="4" fill="hold">
+                            <p:stCondLst>
+                              <p:cond delay="0"/>
+                            </p:stCondLst>
+                            <p:childTnLst>
+                              <p:par>
+                                <p:cTn id="5" presetID="1" presetClass="entr" presetSubtype="0" fill="hold" nodeType="clickEffect">
+                                  <p:stCondLst>
+                                    <p:cond delay="0"/>
+                                  </p:stCondLst>
+                                  <p:childTnLst>
+                                    <p:set>
+                                      <p:cBhvr>
+                                        <p:cTn id="6" dur="1" fill="hold">
+                                          <p:stCondLst>
+                                            <p:cond delay="0"/>
+                                          </p:stCondLst>
+                                        </p:cTn>
+                                        <p:tgtEl>
+                                          <p:spTgt spid="2"/>
+                                        </p:tgtEl>
+                                        <p:attrNameLst>
+                                          <p:attrName>style.visibility</p:attrName>
+                                        </p:attrNameLst>
+                                      </p:cBhvr>
+                                      <p:to>
+                                        <p:strVal val="visible"/>
+                                      </p:to>
+                                    </p:set>
+                                  </p:childTnLst>
+                                </p:cTn>
+                              </p:par>
+                            </p:childTnLst>
+                          </p:cTn>
+                        </p:par>
+                      </p:childTnLst>
+                    </p:cTn>
+                  </p:par>
+                  <p:par>
+                    <p:cTn id="7" fill="hold">
+                      <p:stCondLst>
+                        <p:cond delay="indefinite"/>
+                      </p:stCondLst>
+                      <p:childTnLst>
+                        <p:par>
+                          <p:cTn id="8" fill="hold">
+                            <p:stCondLst>
+                              <p:cond delay="0"/>
+                            </p:stCondLst>
+                            <p:childTnLst>
+                              <p:par>
+                                <p:cTn id="9" presetID="1" presetClass="entr" presetSubtype="0" fill="hold" grpId="0" nodeType="clickEffect">
+                                  <p:stCondLst>
+                                    <p:cond delay="0"/>
+                                  </p:stCondLst>
+                                  <p:childTnLst>
+                                    <p:set>
+                                      <p:cBhvr>
+                                        <p:cTn id="10" dur="1" fill="hold">
+                                          <p:stCondLst>
+                                            <p:cond delay="0"/>
+                                          </p:stCondLst>
+                                        </p:cTn>
+                                        <p:tgtEl>
+                                          <p:spTgt spid="3"/>
+                                        </p:tgtEl>
+                                        <p:attrNameLst>
+                                          <p:attrName>style.visibility</p:attrName>
+                                        </p:attrNameLst>
+                                      </p:cBhvr>
+                                      <p:to>
+                                        <p:strVal val="visible"/>
+                                      </p:to>
+                                    </p:set>
+                                  </p:childTnLst>
+                                </p:cTn>
+                              </p:par>
+                            </p:childTnLst>
+                          </p:cTn>
+                        </p:par>
+                      </p:childTnLst>
+                    </p:cTn>
+                  </p:par>
+                </p:childTnLst>
+              </p:cTn>
+              <p:prevCondLst>
+                <p:cond evt="onPrev" delay="0">
+                  <p:tgtEl>
+                    <p:sldTgt/>
+                  </p:tgtEl>
+                </p:cond>
+              </p:prevCondLst>
+              <p:nextCondLst>
+                <p:cond evt="onNext" delay="0">
+                  <p:tgtEl>
+                    <p:sldTgt/>
+                  </p:tgtEl>
+                </p:cond>
+              </p:nextCondLst>
+            </p:seq>
+          </p:childTnLst>
+        </p:cTn>
       </p:par>
     </p:tnLst>
+    <p:bldLst>
+      <p:bldP spid="3" grpId="0"/>
+    </p:bldLst>
   </p:timing>
 </p:sld>
 </file>
@@ -4355,6 +4474,232 @@
           </a:prstGeom>
         </p:spPr>
       </p:pic>
+      <p:sp>
+        <p:nvSpPr>
+          <p:cNvPr id="4" name="TextBox 3"/>
+          <p:cNvSpPr txBox="1"/>
+          <p:nvPr/>
+        </p:nvSpPr>
+        <p:spPr>
+          <a:xfrm>
+            <a:off x="1340642" y="0"/>
+            <a:ext cx="9072564" cy="584775"/>
+          </a:xfrm>
+          <a:prstGeom prst="rect">
+            <a:avLst/>
+          </a:prstGeom>
+          <a:noFill/>
+        </p:spPr>
+        <p:txBody>
+          <a:bodyPr wrap="square" rtlCol="0">
+            <a:spAutoFit/>
+          </a:bodyPr>
+          <a:lstStyle/>
+          <a:p>
+            <a:pPr algn="ctr"/>
+            <a:r>
+              <a:rPr lang="en-US" sz="3200" dirty="0" smtClean="0"/>
+              <a:t>The stop gadget</a:t>
+            </a:r>
+            <a:endParaRPr lang="en-US" sz="3200" dirty="0"/>
+          </a:p>
+        </p:txBody>
+      </p:sp>
+      <p:sp>
+        <p:nvSpPr>
+          <p:cNvPr id="5" name="TextBox 4"/>
+          <p:cNvSpPr txBox="1"/>
+          <p:nvPr/>
+        </p:nvSpPr>
+        <p:spPr>
+          <a:xfrm>
+            <a:off x="1755559" y="1351005"/>
+            <a:ext cx="8242730" cy="923330"/>
+          </a:xfrm>
+          <a:prstGeom prst="rect">
+            <a:avLst/>
+          </a:prstGeom>
+          <a:noFill/>
+        </p:spPr>
+        <p:txBody>
+          <a:bodyPr wrap="square" rtlCol="0">
+            <a:spAutoFit/>
+          </a:bodyPr>
+          <a:lstStyle/>
+          <a:p>
+            <a:pPr marL="285750" indent="-285750">
+              <a:buFont typeface="Arial" panose="020B0604020202020204" pitchFamily="34" charset="0"/>
+              <a:buChar char="•"/>
+            </a:pPr>
+            <a:r>
+              <a:rPr lang="en-US" dirty="0" smtClean="0"/>
+              <a:t>Most important gadget!</a:t>
+            </a:r>
+          </a:p>
+          <a:p>
+            <a:pPr marL="285750" indent="-285750">
+              <a:buFont typeface="Arial" panose="020B0604020202020204" pitchFamily="34" charset="0"/>
+              <a:buChar char="•"/>
+            </a:pPr>
+            <a:endParaRPr lang="en-US" dirty="0"/>
+          </a:p>
+          <a:p>
+            <a:pPr marL="285750" indent="-285750">
+              <a:buFont typeface="Arial" panose="020B0604020202020204" pitchFamily="34" charset="0"/>
+              <a:buChar char="•"/>
+            </a:pPr>
+            <a:r>
+              <a:rPr lang="en-US" dirty="0" smtClean="0"/>
+              <a:t>Essential to confirm we regain execution flow control during each step</a:t>
+            </a:r>
+          </a:p>
+        </p:txBody>
+      </p:sp>
+      <p:pic>
+        <p:nvPicPr>
+          <p:cNvPr id="2" name="Picture 1"/>
+          <p:cNvPicPr>
+            <a:picLocks noChangeAspect="1"/>
+          </p:cNvPicPr>
+          <p:nvPr/>
+        </p:nvPicPr>
+        <p:blipFill rotWithShape="1">
+          <a:blip r:embed="rId3">
+            <a:extLst>
+              <a:ext uri="{28A0092B-C50C-407E-A947-70E740481C1C}">
+                <a14:useLocalDpi xmlns:a14="http://schemas.microsoft.com/office/drawing/2010/main" val="0"/>
+              </a:ext>
+            </a:extLst>
+          </a:blip>
+          <a:srcRect t="42712" r="74636" b="29140"/>
+          <a:stretch/>
+        </p:blipFill>
+        <p:spPr>
+          <a:xfrm>
+            <a:off x="6245630" y="2840737"/>
+            <a:ext cx="3659949" cy="1071669"/>
+          </a:xfrm>
+          <a:prstGeom prst="rect">
+            <a:avLst/>
+          </a:prstGeom>
+        </p:spPr>
+      </p:pic>
+      <p:sp>
+        <p:nvSpPr>
+          <p:cNvPr id="3" name="TextBox 2"/>
+          <p:cNvSpPr txBox="1"/>
+          <p:nvPr/>
+        </p:nvSpPr>
+        <p:spPr>
+          <a:xfrm>
+            <a:off x="1755559" y="2840737"/>
+            <a:ext cx="4013952" cy="1200329"/>
+          </a:xfrm>
+          <a:prstGeom prst="rect">
+            <a:avLst/>
+          </a:prstGeom>
+          <a:noFill/>
+        </p:spPr>
+        <p:txBody>
+          <a:bodyPr wrap="square" rtlCol="0">
+            <a:spAutoFit/>
+          </a:bodyPr>
+          <a:lstStyle/>
+          <a:p>
+            <a:r>
+              <a:rPr lang="en-US" dirty="0"/>
+              <a:t>In our case, we expect that there’s an </a:t>
+            </a:r>
+            <a:r>
+              <a:rPr lang="en-US" dirty="0" smtClean="0"/>
+              <a:t>address that, if we jump on it, produces the following output:</a:t>
+            </a:r>
+            <a:endParaRPr lang="en-US" dirty="0"/>
+          </a:p>
+          <a:p>
+            <a:endParaRPr lang="en-US" dirty="0"/>
+          </a:p>
+        </p:txBody>
+      </p:sp>
+      <p:sp>
+        <p:nvSpPr>
+          <p:cNvPr id="8" name="TextBox 7"/>
+          <p:cNvSpPr txBox="1"/>
+          <p:nvPr/>
+        </p:nvSpPr>
+        <p:spPr>
+          <a:xfrm>
+            <a:off x="1755559" y="4232990"/>
+            <a:ext cx="8737899" cy="2031325"/>
+          </a:xfrm>
+          <a:prstGeom prst="rect">
+            <a:avLst/>
+          </a:prstGeom>
+          <a:noFill/>
+        </p:spPr>
+        <p:txBody>
+          <a:bodyPr wrap="square" rtlCol="0">
+            <a:spAutoFit/>
+          </a:bodyPr>
+          <a:lstStyle/>
+          <a:p>
+            <a:r>
+              <a:rPr lang="en-US" dirty="0" smtClean="0"/>
+              <a:t>How do we find it?</a:t>
+            </a:r>
+          </a:p>
+          <a:p>
+            <a:endParaRPr lang="en-US" dirty="0" smtClean="0"/>
+          </a:p>
+          <a:p>
+            <a:pPr marL="285750" indent="-285750">
+              <a:buFontTx/>
+              <a:buChar char="-"/>
+            </a:pPr>
+            <a:r>
+              <a:rPr lang="en-US" dirty="0" smtClean="0"/>
+              <a:t>we fill the buffer and RBP</a:t>
+            </a:r>
+          </a:p>
+          <a:p>
+            <a:pPr marL="285750" indent="-285750">
+              <a:buFontTx/>
+              <a:buChar char="-"/>
+            </a:pPr>
+            <a:r>
+              <a:rPr lang="en-US" dirty="0"/>
+              <a:t>t</a:t>
+            </a:r>
+            <a:r>
+              <a:rPr lang="en-US" dirty="0" smtClean="0"/>
+              <a:t>hen we overwrite the return address with an address X from the binary</a:t>
+            </a:r>
+          </a:p>
+          <a:p>
+            <a:pPr marL="285750" indent="-285750">
+              <a:buFontTx/>
+              <a:buChar char="-"/>
+            </a:pPr>
+            <a:r>
+              <a:rPr lang="en-US" dirty="0" smtClean="0"/>
+              <a:t>we loop until the address X produces the expected output (called reference)</a:t>
+            </a:r>
+          </a:p>
+          <a:p>
+            <a:pPr marL="285750" indent="-285750">
+              <a:buFontTx/>
+              <a:buChar char="-"/>
+            </a:pPr>
+            <a:endParaRPr lang="en-US" dirty="0"/>
+          </a:p>
+          <a:p>
+            <a:r>
+              <a:rPr lang="en-US" dirty="0" smtClean="0"/>
+              <a:t>Be careful, several addresses could produce this output!</a:t>
+            </a:r>
+          </a:p>
+        </p:txBody>
+      </p:sp>
     </p:spTree>
     <p:extLst>
       <p:ext uri="{BB962C8B-B14F-4D97-AF65-F5344CB8AC3E}">
@@ -4368,9 +4713,199 @@
   <p:timing>
     <p:tnLst>
       <p:par>
-        <p:cTn id="1" dur="indefinite" restart="never" nodeType="tmRoot"/>
+        <p:cTn id="1" dur="indefinite" restart="never" nodeType="tmRoot">
+          <p:childTnLst>
+            <p:seq concurrent="1" nextAc="seek">
+              <p:cTn id="2" dur="indefinite" nodeType="mainSeq">
+                <p:childTnLst>
+                  <p:par>
+                    <p:cTn id="3" fill="hold">
+                      <p:stCondLst>
+                        <p:cond delay="indefinite"/>
+                      </p:stCondLst>
+                      <p:childTnLst>
+                        <p:par>
+                          <p:cTn id="4" fill="hold">
+                            <p:stCondLst>
+                              <p:cond delay="0"/>
+                            </p:stCondLst>
+                            <p:childTnLst>
+                              <p:par>
+                                <p:cTn id="5" presetID="1" presetClass="entr" presetSubtype="0" fill="hold" grpId="0" nodeType="clickEffect">
+                                  <p:stCondLst>
+                                    <p:cond delay="0"/>
+                                  </p:stCondLst>
+                                  <p:childTnLst>
+                                    <p:set>
+                                      <p:cBhvr>
+                                        <p:cTn id="6" dur="1" fill="hold">
+                                          <p:stCondLst>
+                                            <p:cond delay="0"/>
+                                          </p:stCondLst>
+                                        </p:cTn>
+                                        <p:tgtEl>
+                                          <p:spTgt spid="5"/>
+                                        </p:tgtEl>
+                                        <p:attrNameLst>
+                                          <p:attrName>style.visibility</p:attrName>
+                                        </p:attrNameLst>
+                                      </p:cBhvr>
+                                      <p:to>
+                                        <p:strVal val="visible"/>
+                                      </p:to>
+                                    </p:set>
+                                  </p:childTnLst>
+                                </p:cTn>
+                              </p:par>
+                            </p:childTnLst>
+                          </p:cTn>
+                        </p:par>
+                      </p:childTnLst>
+                    </p:cTn>
+                  </p:par>
+                  <p:par>
+                    <p:cTn id="7" fill="hold">
+                      <p:stCondLst>
+                        <p:cond delay="indefinite"/>
+                      </p:stCondLst>
+                      <p:childTnLst>
+                        <p:par>
+                          <p:cTn id="8" fill="hold">
+                            <p:stCondLst>
+                              <p:cond delay="0"/>
+                            </p:stCondLst>
+                            <p:childTnLst>
+                              <p:par>
+                                <p:cTn id="9" presetID="1" presetClass="entr" presetSubtype="0" fill="hold" nodeType="clickEffect">
+                                  <p:stCondLst>
+                                    <p:cond delay="0"/>
+                                  </p:stCondLst>
+                                  <p:childTnLst>
+                                    <p:set>
+                                      <p:cBhvr>
+                                        <p:cTn id="10" dur="1" fill="hold">
+                                          <p:stCondLst>
+                                            <p:cond delay="0"/>
+                                          </p:stCondLst>
+                                        </p:cTn>
+                                        <p:tgtEl>
+                                          <p:spTgt spid="2"/>
+                                        </p:tgtEl>
+                                        <p:attrNameLst>
+                                          <p:attrName>style.visibility</p:attrName>
+                                        </p:attrNameLst>
+                                      </p:cBhvr>
+                                      <p:to>
+                                        <p:strVal val="visible"/>
+                                      </p:to>
+                                    </p:set>
+                                  </p:childTnLst>
+                                </p:cTn>
+                              </p:par>
+                              <p:par>
+                                <p:cTn id="11" presetID="1" presetClass="entr" presetSubtype="0" fill="hold" grpId="0" nodeType="withEffect">
+                                  <p:stCondLst>
+                                    <p:cond delay="0"/>
+                                  </p:stCondLst>
+                                  <p:childTnLst>
+                                    <p:set>
+                                      <p:cBhvr>
+                                        <p:cTn id="12" dur="1" fill="hold">
+                                          <p:stCondLst>
+                                            <p:cond delay="0"/>
+                                          </p:stCondLst>
+                                        </p:cTn>
+                                        <p:tgtEl>
+                                          <p:spTgt spid="3"/>
+                                        </p:tgtEl>
+                                        <p:attrNameLst>
+                                          <p:attrName>style.visibility</p:attrName>
+                                        </p:attrNameLst>
+                                      </p:cBhvr>
+                                      <p:to>
+                                        <p:strVal val="visible"/>
+                                      </p:to>
+                                    </p:set>
+                                  </p:childTnLst>
+                                </p:cTn>
+                              </p:par>
+                            </p:childTnLst>
+                          </p:cTn>
+                        </p:par>
+                      </p:childTnLst>
+                    </p:cTn>
+                  </p:par>
+                  <p:par>
+                    <p:cTn id="13" fill="hold">
+                      <p:stCondLst>
+                        <p:cond delay="indefinite"/>
+                      </p:stCondLst>
+                      <p:childTnLst>
+                        <p:par>
+                          <p:cTn id="14" fill="hold">
+                            <p:stCondLst>
+                              <p:cond delay="0"/>
+                            </p:stCondLst>
+                            <p:childTnLst>
+                              <p:par>
+                                <p:cTn id="15" presetID="1" presetClass="entr" presetSubtype="0" fill="hold" grpId="0" nodeType="clickEffect">
+                                  <p:stCondLst>
+                                    <p:cond delay="0"/>
+                                  </p:stCondLst>
+                                  <p:childTnLst>
+                                    <p:set>
+                                      <p:cBhvr>
+                                        <p:cTn id="16" dur="1" fill="hold">
+                                          <p:stCondLst>
+                                            <p:cond delay="0"/>
+                                          </p:stCondLst>
+                                        </p:cTn>
+                                        <p:tgtEl>
+                                          <p:spTgt spid="8"/>
+                                        </p:tgtEl>
+                                        <p:attrNameLst>
+                                          <p:attrName>style.visibility</p:attrName>
+                                        </p:attrNameLst>
+                                      </p:cBhvr>
+                                      <p:to>
+                                        <p:strVal val="visible"/>
+                                      </p:to>
+                                    </p:set>
+                                  </p:childTnLst>
+                                </p:cTn>
+                              </p:par>
+                            </p:childTnLst>
+                          </p:cTn>
+                        </p:par>
+                      </p:childTnLst>
+                    </p:cTn>
+                  </p:par>
+                </p:childTnLst>
+              </p:cTn>
+              <p:prevCondLst>
+                <p:cond evt="onPrev" delay="0">
+                  <p:tgtEl>
+                    <p:sldTgt/>
+                  </p:tgtEl>
+                </p:cond>
+              </p:prevCondLst>
+              <p:nextCondLst>
+                <p:cond evt="onNext" delay="0">
+                  <p:tgtEl>
+                    <p:sldTgt/>
+                  </p:tgtEl>
+                </p:cond>
+              </p:nextCondLst>
+            </p:seq>
+          </p:childTnLst>
+        </p:cTn>
       </p:par>
     </p:tnLst>
+    <p:bldLst>
+      <p:bldP spid="5" grpId="0"/>
+      <p:bldP spid="3" grpId="0"/>
+      <p:bldP spid="8" grpId="0"/>
+    </p:bldLst>
   </p:timing>
 </p:sld>
 </file>
@@ -4486,10 +5021,643 @@
           </a:prstGeom>
         </p:spPr>
       </p:pic>
+      <p:sp>
+        <p:nvSpPr>
+          <p:cNvPr id="5" name="TextBox 4"/>
+          <p:cNvSpPr txBox="1"/>
+          <p:nvPr/>
+        </p:nvSpPr>
+        <p:spPr>
+          <a:xfrm>
+            <a:off x="1340642" y="0"/>
+            <a:ext cx="9072564" cy="584775"/>
+          </a:xfrm>
+          <a:prstGeom prst="rect">
+            <a:avLst/>
+          </a:prstGeom>
+          <a:noFill/>
+        </p:spPr>
+        <p:txBody>
+          <a:bodyPr wrap="square" rtlCol="0">
+            <a:spAutoFit/>
+          </a:bodyPr>
+          <a:lstStyle/>
+          <a:p>
+            <a:pPr algn="ctr"/>
+            <a:r>
+              <a:rPr lang="en-US" sz="3200" dirty="0" smtClean="0"/>
+              <a:t>The stop gadget</a:t>
+            </a:r>
+            <a:endParaRPr lang="en-US" sz="3200" dirty="0"/>
+          </a:p>
+        </p:txBody>
+      </p:sp>
+      <p:pic>
+        <p:nvPicPr>
+          <p:cNvPr id="2" name="Picture 1"/>
+          <p:cNvPicPr>
+            <a:picLocks noChangeAspect="1"/>
+          </p:cNvPicPr>
+          <p:nvPr/>
+        </p:nvPicPr>
+        <p:blipFill>
+          <a:blip r:embed="rId3">
+            <a:extLst>
+              <a:ext uri="{28A0092B-C50C-407E-A947-70E740481C1C}">
+                <a14:useLocalDpi xmlns:a14="http://schemas.microsoft.com/office/drawing/2010/main" val="0"/>
+              </a:ext>
+            </a:extLst>
+          </a:blip>
+          <a:stretch>
+            <a:fillRect/>
+          </a:stretch>
+        </p:blipFill>
+        <p:spPr>
+          <a:xfrm>
+            <a:off x="2277954" y="1146675"/>
+            <a:ext cx="7197940" cy="2634366"/>
+          </a:xfrm>
+          <a:prstGeom prst="rect">
+            <a:avLst/>
+          </a:prstGeom>
+        </p:spPr>
+      </p:pic>
+      <p:sp>
+        <p:nvSpPr>
+          <p:cNvPr id="6" name="TextBox 5"/>
+          <p:cNvSpPr txBox="1"/>
+          <p:nvPr/>
+        </p:nvSpPr>
+        <p:spPr>
+          <a:xfrm>
+            <a:off x="3944765" y="3411709"/>
+            <a:ext cx="3864318" cy="369332"/>
+          </a:xfrm>
+          <a:prstGeom prst="rect">
+            <a:avLst/>
+          </a:prstGeom>
+          <a:noFill/>
+        </p:spPr>
+        <p:txBody>
+          <a:bodyPr wrap="square" rtlCol="0">
+            <a:spAutoFit/>
+          </a:bodyPr>
+          <a:lstStyle/>
+          <a:p>
+            <a:pPr algn="ctr"/>
+            <a:r>
+              <a:rPr lang="en-US" dirty="0" smtClean="0"/>
+              <a:t>[DEMO </a:t>
+            </a:r>
+            <a:r>
+              <a:rPr lang="en-US" dirty="0" smtClean="0"/>
+              <a:t>STOP GADGET]</a:t>
+            </a:r>
+            <a:endParaRPr lang="en-US" dirty="0"/>
+          </a:p>
+        </p:txBody>
+      </p:sp>
+      <p:sp>
+        <p:nvSpPr>
+          <p:cNvPr id="3" name="TextBox 2"/>
+          <p:cNvSpPr txBox="1"/>
+          <p:nvPr/>
+        </p:nvSpPr>
+        <p:spPr>
+          <a:xfrm>
+            <a:off x="2882663" y="4267200"/>
+            <a:ext cx="5988521" cy="646331"/>
+          </a:xfrm>
+          <a:prstGeom prst="rect">
+            <a:avLst/>
+          </a:prstGeom>
+          <a:noFill/>
+        </p:spPr>
+        <p:txBody>
+          <a:bodyPr wrap="square" rtlCol="0">
+            <a:spAutoFit/>
+          </a:bodyPr>
+          <a:lstStyle/>
+          <a:p>
+            <a:r>
+              <a:rPr lang="en-US" dirty="0" smtClean="0"/>
+              <a:t>We know that, if we trigger the reference used for this stop gadget, it means we hit one of those addresses</a:t>
+            </a:r>
+            <a:endParaRPr lang="en-US" dirty="0"/>
+          </a:p>
+        </p:txBody>
+      </p:sp>
+      <p:sp>
+        <p:nvSpPr>
+          <p:cNvPr id="9" name="TextBox 8"/>
+          <p:cNvSpPr txBox="1"/>
+          <p:nvPr/>
+        </p:nvSpPr>
+        <p:spPr>
+          <a:xfrm>
+            <a:off x="3944765" y="5259649"/>
+            <a:ext cx="5371651" cy="954107"/>
+          </a:xfrm>
+          <a:prstGeom prst="rect">
+            <a:avLst/>
+          </a:prstGeom>
+          <a:noFill/>
+        </p:spPr>
+        <p:txBody>
+          <a:bodyPr wrap="square" rtlCol="0">
+            <a:spAutoFit/>
+          </a:bodyPr>
+          <a:lstStyle/>
+          <a:p>
+            <a:r>
+              <a:rPr lang="en-US" sz="2800" dirty="0" smtClean="0"/>
+              <a:t>We have a reliable way to know when we control RIP!</a:t>
+            </a:r>
+            <a:endParaRPr lang="en-US" sz="2800" dirty="0"/>
+          </a:p>
+        </p:txBody>
+      </p:sp>
+      <p:sp>
+        <p:nvSpPr>
+          <p:cNvPr id="7" name="Right Arrow 6"/>
+          <p:cNvSpPr/>
+          <p:nvPr/>
+        </p:nvSpPr>
+        <p:spPr>
+          <a:xfrm>
+            <a:off x="2549611" y="5475092"/>
+            <a:ext cx="1050133" cy="523220"/>
+          </a:xfrm>
+          <a:prstGeom prst="rightArrow">
+            <a:avLst/>
+          </a:prstGeom>
+          <a:solidFill>
+            <a:schemeClr val="tx2">
+              <a:lumMod val="20000"/>
+              <a:lumOff val="80000"/>
+            </a:schemeClr>
+          </a:solidFill>
+          <a:ln>
+            <a:solidFill>
+              <a:schemeClr val="accent2"/>
+            </a:solidFill>
+          </a:ln>
+        </p:spPr>
+        <p:style>
+          <a:lnRef idx="2">
+            <a:schemeClr val="accent1">
+              <a:shade val="50000"/>
+            </a:schemeClr>
+          </a:lnRef>
+          <a:fillRef idx="1">
+            <a:schemeClr val="accent1"/>
+          </a:fillRef>
+          <a:effectRef idx="0">
+            <a:schemeClr val="accent1"/>
+          </a:effectRef>
+          <a:fontRef idx="minor">
+            <a:schemeClr val="lt1"/>
+          </a:fontRef>
+        </p:style>
+        <p:txBody>
+          <a:bodyPr rtlCol="0" anchor="ctr"/>
+          <a:lstStyle/>
+          <a:p>
+            <a:pPr algn="ctr"/>
+            <a:endParaRPr lang="en-US"/>
+          </a:p>
+        </p:txBody>
+      </p:sp>
     </p:spTree>
     <p:extLst>
       <p:ext uri="{BB962C8B-B14F-4D97-AF65-F5344CB8AC3E}">
         <p14:creationId xmlns:p14="http://schemas.microsoft.com/office/powerpoint/2010/main" val="1942445374"/>
+      </p:ext>
+    </p:extLst>
+  </p:cSld>
+  <p:clrMapOvr>
+    <a:masterClrMapping/>
+  </p:clrMapOvr>
+  <p:timing>
+    <p:tnLst>
+      <p:par>
+        <p:cTn id="1" dur="indefinite" restart="never" nodeType="tmRoot">
+          <p:childTnLst>
+            <p:seq concurrent="1" nextAc="seek">
+              <p:cTn id="2" dur="indefinite" nodeType="mainSeq">
+                <p:childTnLst>
+                  <p:par>
+                    <p:cTn id="3" fill="hold">
+                      <p:stCondLst>
+                        <p:cond delay="indefinite"/>
+                      </p:stCondLst>
+                      <p:childTnLst>
+                        <p:par>
+                          <p:cTn id="4" fill="hold">
+                            <p:stCondLst>
+                              <p:cond delay="0"/>
+                            </p:stCondLst>
+                            <p:childTnLst>
+                              <p:par>
+                                <p:cTn id="5" presetID="1" presetClass="entr" presetSubtype="0" fill="hold" grpId="0" nodeType="clickEffect">
+                                  <p:stCondLst>
+                                    <p:cond delay="0"/>
+                                  </p:stCondLst>
+                                  <p:childTnLst>
+                                    <p:set>
+                                      <p:cBhvr>
+                                        <p:cTn id="6" dur="1" fill="hold">
+                                          <p:stCondLst>
+                                            <p:cond delay="0"/>
+                                          </p:stCondLst>
+                                        </p:cTn>
+                                        <p:tgtEl>
+                                          <p:spTgt spid="6"/>
+                                        </p:tgtEl>
+                                        <p:attrNameLst>
+                                          <p:attrName>style.visibility</p:attrName>
+                                        </p:attrNameLst>
+                                      </p:cBhvr>
+                                      <p:to>
+                                        <p:strVal val="visible"/>
+                                      </p:to>
+                                    </p:set>
+                                  </p:childTnLst>
+                                </p:cTn>
+                              </p:par>
+                            </p:childTnLst>
+                          </p:cTn>
+                        </p:par>
+                      </p:childTnLst>
+                    </p:cTn>
+                  </p:par>
+                  <p:par>
+                    <p:cTn id="7" fill="hold">
+                      <p:stCondLst>
+                        <p:cond delay="indefinite"/>
+                      </p:stCondLst>
+                      <p:childTnLst>
+                        <p:par>
+                          <p:cTn id="8" fill="hold">
+                            <p:stCondLst>
+                              <p:cond delay="0"/>
+                            </p:stCondLst>
+                            <p:childTnLst>
+                              <p:par>
+                                <p:cTn id="9" presetID="1" presetClass="exit" presetSubtype="0" fill="hold" grpId="1" nodeType="clickEffect">
+                                  <p:stCondLst>
+                                    <p:cond delay="0"/>
+                                  </p:stCondLst>
+                                  <p:childTnLst>
+                                    <p:set>
+                                      <p:cBhvr>
+                                        <p:cTn id="10" dur="1" fill="hold">
+                                          <p:stCondLst>
+                                            <p:cond delay="0"/>
+                                          </p:stCondLst>
+                                        </p:cTn>
+                                        <p:tgtEl>
+                                          <p:spTgt spid="6"/>
+                                        </p:tgtEl>
+                                        <p:attrNameLst>
+                                          <p:attrName>style.visibility</p:attrName>
+                                        </p:attrNameLst>
+                                      </p:cBhvr>
+                                      <p:to>
+                                        <p:strVal val="hidden"/>
+                                      </p:to>
+                                    </p:set>
+                                  </p:childTnLst>
+                                </p:cTn>
+                              </p:par>
+                            </p:childTnLst>
+                          </p:cTn>
+                        </p:par>
+                        <p:par>
+                          <p:cTn id="11" fill="hold">
+                            <p:stCondLst>
+                              <p:cond delay="0"/>
+                            </p:stCondLst>
+                            <p:childTnLst>
+                              <p:par>
+                                <p:cTn id="12" presetID="1" presetClass="entr" presetSubtype="0" fill="hold" nodeType="afterEffect">
+                                  <p:stCondLst>
+                                    <p:cond delay="0"/>
+                                  </p:stCondLst>
+                                  <p:childTnLst>
+                                    <p:set>
+                                      <p:cBhvr>
+                                        <p:cTn id="13" dur="1" fill="hold">
+                                          <p:stCondLst>
+                                            <p:cond delay="0"/>
+                                          </p:stCondLst>
+                                        </p:cTn>
+                                        <p:tgtEl>
+                                          <p:spTgt spid="2"/>
+                                        </p:tgtEl>
+                                        <p:attrNameLst>
+                                          <p:attrName>style.visibility</p:attrName>
+                                        </p:attrNameLst>
+                                      </p:cBhvr>
+                                      <p:to>
+                                        <p:strVal val="visible"/>
+                                      </p:to>
+                                    </p:set>
+                                  </p:childTnLst>
+                                </p:cTn>
+                              </p:par>
+                            </p:childTnLst>
+                          </p:cTn>
+                        </p:par>
+                        <p:par>
+                          <p:cTn id="14" fill="hold">
+                            <p:stCondLst>
+                              <p:cond delay="0"/>
+                            </p:stCondLst>
+                            <p:childTnLst>
+                              <p:par>
+                                <p:cTn id="15" presetID="1" presetClass="entr" presetSubtype="0" fill="hold" grpId="0" nodeType="afterEffect">
+                                  <p:stCondLst>
+                                    <p:cond delay="0"/>
+                                  </p:stCondLst>
+                                  <p:childTnLst>
+                                    <p:set>
+                                      <p:cBhvr>
+                                        <p:cTn id="16" dur="1" fill="hold">
+                                          <p:stCondLst>
+                                            <p:cond delay="0"/>
+                                          </p:stCondLst>
+                                        </p:cTn>
+                                        <p:tgtEl>
+                                          <p:spTgt spid="3"/>
+                                        </p:tgtEl>
+                                        <p:attrNameLst>
+                                          <p:attrName>style.visibility</p:attrName>
+                                        </p:attrNameLst>
+                                      </p:cBhvr>
+                                      <p:to>
+                                        <p:strVal val="visible"/>
+                                      </p:to>
+                                    </p:set>
+                                  </p:childTnLst>
+                                </p:cTn>
+                              </p:par>
+                            </p:childTnLst>
+                          </p:cTn>
+                        </p:par>
+                      </p:childTnLst>
+                    </p:cTn>
+                  </p:par>
+                  <p:par>
+                    <p:cTn id="17" fill="hold">
+                      <p:stCondLst>
+                        <p:cond delay="indefinite"/>
+                      </p:stCondLst>
+                      <p:childTnLst>
+                        <p:par>
+                          <p:cTn id="18" fill="hold">
+                            <p:stCondLst>
+                              <p:cond delay="0"/>
+                            </p:stCondLst>
+                            <p:childTnLst>
+                              <p:par>
+                                <p:cTn id="19" presetID="1" presetClass="entr" presetSubtype="0" fill="hold" grpId="0" nodeType="clickEffect">
+                                  <p:stCondLst>
+                                    <p:cond delay="0"/>
+                                  </p:stCondLst>
+                                  <p:childTnLst>
+                                    <p:set>
+                                      <p:cBhvr>
+                                        <p:cTn id="20" dur="1" fill="hold">
+                                          <p:stCondLst>
+                                            <p:cond delay="0"/>
+                                          </p:stCondLst>
+                                        </p:cTn>
+                                        <p:tgtEl>
+                                          <p:spTgt spid="9"/>
+                                        </p:tgtEl>
+                                        <p:attrNameLst>
+                                          <p:attrName>style.visibility</p:attrName>
+                                        </p:attrNameLst>
+                                      </p:cBhvr>
+                                      <p:to>
+                                        <p:strVal val="visible"/>
+                                      </p:to>
+                                    </p:set>
+                                  </p:childTnLst>
+                                </p:cTn>
+                              </p:par>
+                              <p:par>
+                                <p:cTn id="21" presetID="1" presetClass="entr" presetSubtype="0" fill="hold" grpId="0" nodeType="withEffect">
+                                  <p:stCondLst>
+                                    <p:cond delay="0"/>
+                                  </p:stCondLst>
+                                  <p:childTnLst>
+                                    <p:set>
+                                      <p:cBhvr>
+                                        <p:cTn id="22" dur="1" fill="hold">
+                                          <p:stCondLst>
+                                            <p:cond delay="0"/>
+                                          </p:stCondLst>
+                                        </p:cTn>
+                                        <p:tgtEl>
+                                          <p:spTgt spid="7"/>
+                                        </p:tgtEl>
+                                        <p:attrNameLst>
+                                          <p:attrName>style.visibility</p:attrName>
+                                        </p:attrNameLst>
+                                      </p:cBhvr>
+                                      <p:to>
+                                        <p:strVal val="visible"/>
+                                      </p:to>
+                                    </p:set>
+                                  </p:childTnLst>
+                                </p:cTn>
+                              </p:par>
+                            </p:childTnLst>
+                          </p:cTn>
+                        </p:par>
+                      </p:childTnLst>
+                    </p:cTn>
+                  </p:par>
+                </p:childTnLst>
+              </p:cTn>
+              <p:prevCondLst>
+                <p:cond evt="onPrev" delay="0">
+                  <p:tgtEl>
+                    <p:sldTgt/>
+                  </p:tgtEl>
+                </p:cond>
+              </p:prevCondLst>
+              <p:nextCondLst>
+                <p:cond evt="onNext" delay="0">
+                  <p:tgtEl>
+                    <p:sldTgt/>
+                  </p:tgtEl>
+                </p:cond>
+              </p:nextCondLst>
+            </p:seq>
+          </p:childTnLst>
+        </p:cTn>
+      </p:par>
+    </p:tnLst>
+    <p:bldLst>
+      <p:bldP spid="6" grpId="0"/>
+      <p:bldP spid="6" grpId="1"/>
+      <p:bldP spid="3" grpId="0"/>
+      <p:bldP spid="9" grpId="0"/>
+      <p:bldP spid="7" grpId="0" animBg="1"/>
+    </p:bldLst>
+  </p:timing>
+</p:sld>
+</file>
+
+<file path=ppt/slides/slide13.xml><?xml version="1.0" encoding="utf-8"?>
+<p:sld xmlns:a="http://schemas.openxmlformats.org/drawingml/2006/main" xmlns:r="http://schemas.openxmlformats.org/officeDocument/2006/relationships" xmlns:p="http://schemas.openxmlformats.org/presentationml/2006/main">
+  <p:cSld>
+    <p:spTree>
+      <p:nvGrpSpPr>
+        <p:cNvPr id="1" name=""/>
+        <p:cNvGrpSpPr/>
+        <p:nvPr/>
+      </p:nvGrpSpPr>
+      <p:grpSpPr>
+        <a:xfrm>
+          <a:off x="0" y="0"/>
+          <a:ext cx="0" cy="0"/>
+          <a:chOff x="0" y="0"/>
+          <a:chExt cx="0" cy="0"/>
+        </a:xfrm>
+      </p:grpSpPr>
+      <p:sp>
+        <p:nvSpPr>
+          <p:cNvPr id="12" name="Rectangle 11"/>
+          <p:cNvSpPr/>
+          <p:nvPr/>
+        </p:nvSpPr>
+        <p:spPr>
+          <a:xfrm>
+            <a:off x="457199" y="0"/>
+            <a:ext cx="10839451" cy="628649"/>
+          </a:xfrm>
+          <a:prstGeom prst="rect">
+            <a:avLst/>
+          </a:prstGeom>
+          <a:gradFill flip="none" rotWithShape="1">
+            <a:gsLst>
+              <a:gs pos="52000">
+                <a:schemeClr val="accent1">
+                  <a:lumMod val="60000"/>
+                  <a:lumOff val="40000"/>
+                </a:schemeClr>
+              </a:gs>
+              <a:gs pos="100000">
+                <a:schemeClr val="tx2">
+                  <a:lumMod val="60000"/>
+                  <a:lumOff val="40000"/>
+                </a:schemeClr>
+              </a:gs>
+              <a:gs pos="0">
+                <a:schemeClr val="accent1"/>
+              </a:gs>
+            </a:gsLst>
+            <a:lin ang="10800000" scaled="1"/>
+            <a:tileRect/>
+          </a:gradFill>
+          <a:ln>
+            <a:noFill/>
+          </a:ln>
+        </p:spPr>
+        <p:style>
+          <a:lnRef idx="2">
+            <a:schemeClr val="accent1">
+              <a:shade val="50000"/>
+            </a:schemeClr>
+          </a:lnRef>
+          <a:fillRef idx="1">
+            <a:schemeClr val="accent1"/>
+          </a:fillRef>
+          <a:effectRef idx="0">
+            <a:schemeClr val="accent1"/>
+          </a:effectRef>
+          <a:fontRef idx="minor">
+            <a:schemeClr val="lt1"/>
+          </a:fontRef>
+        </p:style>
+        <p:txBody>
+          <a:bodyPr rtlCol="0" anchor="ctr"/>
+          <a:lstStyle/>
+          <a:p>
+            <a:pPr algn="ctr"/>
+            <a:endParaRPr lang="en-US" sz="3200"/>
+          </a:p>
+        </p:txBody>
+      </p:sp>
+      <p:pic>
+        <p:nvPicPr>
+          <p:cNvPr id="10" name="Picture 9"/>
+          <p:cNvPicPr>
+            <a:picLocks noChangeAspect="1"/>
+          </p:cNvPicPr>
+          <p:nvPr/>
+        </p:nvPicPr>
+        <p:blipFill>
+          <a:blip r:embed="rId2" cstate="print">
+            <a:extLst>
+              <a:ext uri="{28A0092B-C50C-407E-A947-70E740481C1C}">
+                <a14:useLocalDpi xmlns:a14="http://schemas.microsoft.com/office/drawing/2010/main" val="0"/>
+              </a:ext>
+            </a:extLst>
+          </a:blip>
+          <a:stretch>
+            <a:fillRect/>
+          </a:stretch>
+        </p:blipFill>
+        <p:spPr>
+          <a:xfrm>
+            <a:off x="11325199" y="116740"/>
+            <a:ext cx="866801" cy="731428"/>
+          </a:xfrm>
+          <a:prstGeom prst="rect">
+            <a:avLst/>
+          </a:prstGeom>
+        </p:spPr>
+      </p:pic>
+      <p:sp>
+        <p:nvSpPr>
+          <p:cNvPr id="4" name="TextBox 3"/>
+          <p:cNvSpPr txBox="1"/>
+          <p:nvPr/>
+        </p:nvSpPr>
+        <p:spPr>
+          <a:xfrm>
+            <a:off x="1340642" y="0"/>
+            <a:ext cx="9072564" cy="584775"/>
+          </a:xfrm>
+          <a:prstGeom prst="rect">
+            <a:avLst/>
+          </a:prstGeom>
+          <a:noFill/>
+        </p:spPr>
+        <p:txBody>
+          <a:bodyPr wrap="square" rtlCol="0">
+            <a:spAutoFit/>
+          </a:bodyPr>
+          <a:lstStyle/>
+          <a:p>
+            <a:pPr algn="ctr"/>
+            <a:r>
+              <a:rPr lang="en-US" sz="3200" dirty="0" smtClean="0"/>
+              <a:t>The BROP gadget</a:t>
+            </a:r>
+            <a:endParaRPr lang="en-US" sz="3200" dirty="0"/>
+          </a:p>
+        </p:txBody>
+      </p:sp>
+    </p:spTree>
+    <p:extLst>
+      <p:ext uri="{BB962C8B-B14F-4D97-AF65-F5344CB8AC3E}">
+        <p14:creationId xmlns:p14="http://schemas.microsoft.com/office/powerpoint/2010/main" val="3741726166"/>
       </p:ext>
     </p:extLst>
   </p:cSld>
@@ -4506,7 +5674,269 @@
 </p:sld>
 </file>
 
-<file path=ppt/slides/slide13.xml><?xml version="1.0" encoding="utf-8"?>
+<file path=ppt/slides/slide14.xml><?xml version="1.0" encoding="utf-8"?>
+<p:sld xmlns:a="http://schemas.openxmlformats.org/drawingml/2006/main" xmlns:r="http://schemas.openxmlformats.org/officeDocument/2006/relationships" xmlns:p="http://schemas.openxmlformats.org/presentationml/2006/main">
+  <p:cSld>
+    <p:spTree>
+      <p:nvGrpSpPr>
+        <p:cNvPr id="1" name=""/>
+        <p:cNvGrpSpPr/>
+        <p:nvPr/>
+      </p:nvGrpSpPr>
+      <p:grpSpPr>
+        <a:xfrm>
+          <a:off x="0" y="0"/>
+          <a:ext cx="0" cy="0"/>
+          <a:chOff x="0" y="0"/>
+          <a:chExt cx="0" cy="0"/>
+        </a:xfrm>
+      </p:grpSpPr>
+      <p:sp>
+        <p:nvSpPr>
+          <p:cNvPr id="12" name="Rectangle 11"/>
+          <p:cNvSpPr/>
+          <p:nvPr/>
+        </p:nvSpPr>
+        <p:spPr>
+          <a:xfrm>
+            <a:off x="457199" y="0"/>
+            <a:ext cx="10839451" cy="628649"/>
+          </a:xfrm>
+          <a:prstGeom prst="rect">
+            <a:avLst/>
+          </a:prstGeom>
+          <a:gradFill flip="none" rotWithShape="1">
+            <a:gsLst>
+              <a:gs pos="52000">
+                <a:schemeClr val="accent1">
+                  <a:lumMod val="60000"/>
+                  <a:lumOff val="40000"/>
+                </a:schemeClr>
+              </a:gs>
+              <a:gs pos="100000">
+                <a:schemeClr val="tx2">
+                  <a:lumMod val="60000"/>
+                  <a:lumOff val="40000"/>
+                </a:schemeClr>
+              </a:gs>
+              <a:gs pos="0">
+                <a:schemeClr val="accent1"/>
+              </a:gs>
+            </a:gsLst>
+            <a:lin ang="10800000" scaled="1"/>
+            <a:tileRect/>
+          </a:gradFill>
+          <a:ln>
+            <a:noFill/>
+          </a:ln>
+        </p:spPr>
+        <p:style>
+          <a:lnRef idx="2">
+            <a:schemeClr val="accent1">
+              <a:shade val="50000"/>
+            </a:schemeClr>
+          </a:lnRef>
+          <a:fillRef idx="1">
+            <a:schemeClr val="accent1"/>
+          </a:fillRef>
+          <a:effectRef idx="0">
+            <a:schemeClr val="accent1"/>
+          </a:effectRef>
+          <a:fontRef idx="minor">
+            <a:schemeClr val="lt1"/>
+          </a:fontRef>
+        </p:style>
+        <p:txBody>
+          <a:bodyPr rtlCol="0" anchor="ctr"/>
+          <a:lstStyle/>
+          <a:p>
+            <a:pPr algn="ctr"/>
+            <a:endParaRPr lang="en-US" sz="3200"/>
+          </a:p>
+        </p:txBody>
+      </p:sp>
+      <p:pic>
+        <p:nvPicPr>
+          <p:cNvPr id="10" name="Picture 9"/>
+          <p:cNvPicPr>
+            <a:picLocks noChangeAspect="1"/>
+          </p:cNvPicPr>
+          <p:nvPr/>
+        </p:nvPicPr>
+        <p:blipFill>
+          <a:blip r:embed="rId2" cstate="print">
+            <a:extLst>
+              <a:ext uri="{28A0092B-C50C-407E-A947-70E740481C1C}">
+                <a14:useLocalDpi xmlns:a14="http://schemas.microsoft.com/office/drawing/2010/main" val="0"/>
+              </a:ext>
+            </a:extLst>
+          </a:blip>
+          <a:stretch>
+            <a:fillRect/>
+          </a:stretch>
+        </p:blipFill>
+        <p:spPr>
+          <a:xfrm>
+            <a:off x="11325199" y="116740"/>
+            <a:ext cx="866801" cy="731428"/>
+          </a:xfrm>
+          <a:prstGeom prst="rect">
+            <a:avLst/>
+          </a:prstGeom>
+        </p:spPr>
+      </p:pic>
+    </p:spTree>
+    <p:extLst>
+      <p:ext uri="{BB962C8B-B14F-4D97-AF65-F5344CB8AC3E}">
+        <p14:creationId xmlns:p14="http://schemas.microsoft.com/office/powerpoint/2010/main" val="3953935316"/>
+      </p:ext>
+    </p:extLst>
+  </p:cSld>
+  <p:clrMapOvr>
+    <a:masterClrMapping/>
+  </p:clrMapOvr>
+  <p:timing>
+    <p:tnLst>
+      <p:par>
+        <p:cTn id="1" dur="indefinite" restart="never" nodeType="tmRoot"/>
+      </p:par>
+    </p:tnLst>
+  </p:timing>
+</p:sld>
+</file>
+
+<file path=ppt/slides/slide15.xml><?xml version="1.0" encoding="utf-8"?>
+<p:sld xmlns:a="http://schemas.openxmlformats.org/drawingml/2006/main" xmlns:r="http://schemas.openxmlformats.org/officeDocument/2006/relationships" xmlns:p="http://schemas.openxmlformats.org/presentationml/2006/main">
+  <p:cSld>
+    <p:spTree>
+      <p:nvGrpSpPr>
+        <p:cNvPr id="1" name=""/>
+        <p:cNvGrpSpPr/>
+        <p:nvPr/>
+      </p:nvGrpSpPr>
+      <p:grpSpPr>
+        <a:xfrm>
+          <a:off x="0" y="0"/>
+          <a:ext cx="0" cy="0"/>
+          <a:chOff x="0" y="0"/>
+          <a:chExt cx="0" cy="0"/>
+        </a:xfrm>
+      </p:grpSpPr>
+      <p:sp>
+        <p:nvSpPr>
+          <p:cNvPr id="12" name="Rectangle 11"/>
+          <p:cNvSpPr/>
+          <p:nvPr/>
+        </p:nvSpPr>
+        <p:spPr>
+          <a:xfrm>
+            <a:off x="457199" y="0"/>
+            <a:ext cx="10839451" cy="628649"/>
+          </a:xfrm>
+          <a:prstGeom prst="rect">
+            <a:avLst/>
+          </a:prstGeom>
+          <a:gradFill flip="none" rotWithShape="1">
+            <a:gsLst>
+              <a:gs pos="52000">
+                <a:schemeClr val="accent1">
+                  <a:lumMod val="60000"/>
+                  <a:lumOff val="40000"/>
+                </a:schemeClr>
+              </a:gs>
+              <a:gs pos="100000">
+                <a:schemeClr val="tx2">
+                  <a:lumMod val="60000"/>
+                  <a:lumOff val="40000"/>
+                </a:schemeClr>
+              </a:gs>
+              <a:gs pos="0">
+                <a:schemeClr val="accent1"/>
+              </a:gs>
+            </a:gsLst>
+            <a:lin ang="10800000" scaled="1"/>
+            <a:tileRect/>
+          </a:gradFill>
+          <a:ln>
+            <a:noFill/>
+          </a:ln>
+        </p:spPr>
+        <p:style>
+          <a:lnRef idx="2">
+            <a:schemeClr val="accent1">
+              <a:shade val="50000"/>
+            </a:schemeClr>
+          </a:lnRef>
+          <a:fillRef idx="1">
+            <a:schemeClr val="accent1"/>
+          </a:fillRef>
+          <a:effectRef idx="0">
+            <a:schemeClr val="accent1"/>
+          </a:effectRef>
+          <a:fontRef idx="minor">
+            <a:schemeClr val="lt1"/>
+          </a:fontRef>
+        </p:style>
+        <p:txBody>
+          <a:bodyPr rtlCol="0" anchor="ctr"/>
+          <a:lstStyle/>
+          <a:p>
+            <a:pPr algn="ctr"/>
+            <a:endParaRPr lang="en-US" sz="3200"/>
+          </a:p>
+        </p:txBody>
+      </p:sp>
+      <p:pic>
+        <p:nvPicPr>
+          <p:cNvPr id="10" name="Picture 9"/>
+          <p:cNvPicPr>
+            <a:picLocks noChangeAspect="1"/>
+          </p:cNvPicPr>
+          <p:nvPr/>
+        </p:nvPicPr>
+        <p:blipFill>
+          <a:blip r:embed="rId2" cstate="print">
+            <a:extLst>
+              <a:ext uri="{28A0092B-C50C-407E-A947-70E740481C1C}">
+                <a14:useLocalDpi xmlns:a14="http://schemas.microsoft.com/office/drawing/2010/main" val="0"/>
+              </a:ext>
+            </a:extLst>
+          </a:blip>
+          <a:stretch>
+            <a:fillRect/>
+          </a:stretch>
+        </p:blipFill>
+        <p:spPr>
+          <a:xfrm>
+            <a:off x="11325199" y="116740"/>
+            <a:ext cx="866801" cy="731428"/>
+          </a:xfrm>
+          <a:prstGeom prst="rect">
+            <a:avLst/>
+          </a:prstGeom>
+        </p:spPr>
+      </p:pic>
+    </p:spTree>
+    <p:extLst>
+      <p:ext uri="{BB962C8B-B14F-4D97-AF65-F5344CB8AC3E}">
+        <p14:creationId xmlns:p14="http://schemas.microsoft.com/office/powerpoint/2010/main" val="850396411"/>
+      </p:ext>
+    </p:extLst>
+  </p:cSld>
+  <p:clrMapOvr>
+    <a:masterClrMapping/>
+  </p:clrMapOvr>
+  <p:timing>
+    <p:tnLst>
+      <p:par>
+        <p:cTn id="1" dur="indefinite" restart="never" nodeType="tmRoot"/>
+      </p:par>
+    </p:tnLst>
+  </p:timing>
+</p:sld>
+</file>
+
+<file path=ppt/slides/slide16.xml><?xml version="1.0" encoding="utf-8"?>
 <p:sld xmlns:a="http://schemas.openxmlformats.org/drawingml/2006/main" xmlns:r="http://schemas.openxmlformats.org/officeDocument/2006/relationships" xmlns:p="http://schemas.openxmlformats.org/presentationml/2006/main">
   <p:cSld>
     <p:spTree>
@@ -4900,11 +6330,11 @@
   <p:clrMapOvr>
     <a:masterClrMapping/>
   </p:clrMapOvr>
-  <mc:AlternateContent xmlns:mc="http://schemas.openxmlformats.org/markup-compatibility/2006">
-    <mc:Choice xmlns:p14="http://schemas.microsoft.com/office/powerpoint/2010/main" Requires="p14">
+  <mc:AlternateContent xmlns:mc="http://schemas.openxmlformats.org/markup-compatibility/2006" xmlns:p14="http://schemas.microsoft.com/office/powerpoint/2010/main">
+    <mc:Choice Requires="p14">
       <p:transition p14:dur="10"/>
     </mc:Choice>
-    <mc:Fallback>
+    <mc:Fallback xmlns="">
       <p:transition/>
     </mc:Fallback>
   </mc:AlternateContent>
@@ -5275,7 +6705,7 @@
         </p:nvSpPr>
         <p:spPr>
           <a:xfrm>
-            <a:off x="4497085" y="848168"/>
+            <a:off x="4521799" y="3500752"/>
             <a:ext cx="2759674" cy="369332"/>
           </a:xfrm>
           <a:prstGeom prst="rect">
@@ -6123,10 +7553,1940 @@
           </a:p>
         </p:txBody>
       </p:sp>
+      <p:sp>
+        <p:nvSpPr>
+          <p:cNvPr id="9" name="TextBox 8"/>
+          <p:cNvSpPr txBox="1"/>
+          <p:nvPr/>
+        </p:nvSpPr>
+        <p:spPr>
+          <a:xfrm>
+            <a:off x="4497087" y="3436422"/>
+            <a:ext cx="2759674" cy="369332"/>
+          </a:xfrm>
+          <a:prstGeom prst="rect">
+            <a:avLst/>
+          </a:prstGeom>
+          <a:noFill/>
+        </p:spPr>
+        <p:txBody>
+          <a:bodyPr wrap="square" rtlCol="0">
+            <a:spAutoFit/>
+          </a:bodyPr>
+          <a:lstStyle/>
+          <a:p>
+            <a:pPr algn="ctr"/>
+            <a:r>
+              <a:rPr lang="en-US" dirty="0" smtClean="0"/>
+              <a:t>[DEMO </a:t>
+            </a:r>
+            <a:r>
+              <a:rPr lang="en-US" dirty="0" smtClean="0"/>
+              <a:t>FMT]</a:t>
+            </a:r>
+            <a:endParaRPr lang="en-US" dirty="0"/>
+          </a:p>
+        </p:txBody>
+      </p:sp>
     </p:spTree>
     <p:extLst>
       <p:ext uri="{BB962C8B-B14F-4D97-AF65-F5344CB8AC3E}">
         <p14:creationId xmlns:p14="http://schemas.microsoft.com/office/powerpoint/2010/main" val="199772230"/>
+      </p:ext>
+    </p:extLst>
+  </p:cSld>
+  <p:clrMapOvr>
+    <a:masterClrMapping/>
+  </p:clrMapOvr>
+  <p:timing>
+    <p:tnLst>
+      <p:par>
+        <p:cTn id="1" dur="indefinite" restart="never" nodeType="tmRoot">
+          <p:childTnLst>
+            <p:seq concurrent="1" nextAc="seek">
+              <p:cTn id="2" dur="indefinite" nodeType="mainSeq">
+                <p:childTnLst>
+                  <p:par>
+                    <p:cTn id="3" fill="hold">
+                      <p:stCondLst>
+                        <p:cond delay="indefinite"/>
+                      </p:stCondLst>
+                      <p:childTnLst>
+                        <p:par>
+                          <p:cTn id="4" fill="hold">
+                            <p:stCondLst>
+                              <p:cond delay="0"/>
+                            </p:stCondLst>
+                            <p:childTnLst>
+                              <p:par>
+                                <p:cTn id="5" presetID="1" presetClass="entr" presetSubtype="0" fill="hold" grpId="0" nodeType="clickEffect">
+                                  <p:stCondLst>
+                                    <p:cond delay="0"/>
+                                  </p:stCondLst>
+                                  <p:childTnLst>
+                                    <p:set>
+                                      <p:cBhvr>
+                                        <p:cTn id="6" dur="1" fill="hold">
+                                          <p:stCondLst>
+                                            <p:cond delay="0"/>
+                                          </p:stCondLst>
+                                        </p:cTn>
+                                        <p:tgtEl>
+                                          <p:spTgt spid="5"/>
+                                        </p:tgtEl>
+                                        <p:attrNameLst>
+                                          <p:attrName>style.visibility</p:attrName>
+                                        </p:attrNameLst>
+                                      </p:cBhvr>
+                                      <p:to>
+                                        <p:strVal val="visible"/>
+                                      </p:to>
+                                    </p:set>
+                                  </p:childTnLst>
+                                </p:cTn>
+                              </p:par>
+                            </p:childTnLst>
+                          </p:cTn>
+                        </p:par>
+                      </p:childTnLst>
+                    </p:cTn>
+                  </p:par>
+                  <p:par>
+                    <p:cTn id="7" fill="hold">
+                      <p:stCondLst>
+                        <p:cond delay="indefinite"/>
+                      </p:stCondLst>
+                      <p:childTnLst>
+                        <p:par>
+                          <p:cTn id="8" fill="hold">
+                            <p:stCondLst>
+                              <p:cond delay="0"/>
+                            </p:stCondLst>
+                            <p:childTnLst>
+                              <p:par>
+                                <p:cTn id="9" presetID="1" presetClass="entr" presetSubtype="0" fill="hold" grpId="0" nodeType="clickEffect">
+                                  <p:stCondLst>
+                                    <p:cond delay="0"/>
+                                  </p:stCondLst>
+                                  <p:childTnLst>
+                                    <p:set>
+                                      <p:cBhvr>
+                                        <p:cTn id="10" dur="1" fill="hold">
+                                          <p:stCondLst>
+                                            <p:cond delay="0"/>
+                                          </p:stCondLst>
+                                        </p:cTn>
+                                        <p:tgtEl>
+                                          <p:spTgt spid="9"/>
+                                        </p:tgtEl>
+                                        <p:attrNameLst>
+                                          <p:attrName>style.visibility</p:attrName>
+                                        </p:attrNameLst>
+                                      </p:cBhvr>
+                                      <p:to>
+                                        <p:strVal val="visible"/>
+                                      </p:to>
+                                    </p:set>
+                                  </p:childTnLst>
+                                </p:cTn>
+                              </p:par>
+                            </p:childTnLst>
+                          </p:cTn>
+                        </p:par>
+                      </p:childTnLst>
+                    </p:cTn>
+                  </p:par>
+                  <p:par>
+                    <p:cTn id="11" fill="hold">
+                      <p:stCondLst>
+                        <p:cond delay="indefinite"/>
+                      </p:stCondLst>
+                      <p:childTnLst>
+                        <p:par>
+                          <p:cTn id="12" fill="hold">
+                            <p:stCondLst>
+                              <p:cond delay="0"/>
+                            </p:stCondLst>
+                            <p:childTnLst>
+                              <p:par>
+                                <p:cTn id="13" presetID="1" presetClass="exit" presetSubtype="0" fill="hold" grpId="1" nodeType="clickEffect">
+                                  <p:stCondLst>
+                                    <p:cond delay="0"/>
+                                  </p:stCondLst>
+                                  <p:childTnLst>
+                                    <p:set>
+                                      <p:cBhvr>
+                                        <p:cTn id="14" dur="1" fill="hold">
+                                          <p:stCondLst>
+                                            <p:cond delay="0"/>
+                                          </p:stCondLst>
+                                        </p:cTn>
+                                        <p:tgtEl>
+                                          <p:spTgt spid="9"/>
+                                        </p:tgtEl>
+                                        <p:attrNameLst>
+                                          <p:attrName>style.visibility</p:attrName>
+                                        </p:attrNameLst>
+                                      </p:cBhvr>
+                                      <p:to>
+                                        <p:strVal val="hidden"/>
+                                      </p:to>
+                                    </p:set>
+                                  </p:childTnLst>
+                                </p:cTn>
+                              </p:par>
+                            </p:childTnLst>
+                          </p:cTn>
+                        </p:par>
+                        <p:par>
+                          <p:cTn id="15" fill="hold">
+                            <p:stCondLst>
+                              <p:cond delay="0"/>
+                            </p:stCondLst>
+                            <p:childTnLst>
+                              <p:par>
+                                <p:cTn id="16" presetID="1" presetClass="entr" presetSubtype="0" fill="hold" nodeType="afterEffect">
+                                  <p:stCondLst>
+                                    <p:cond delay="0"/>
+                                  </p:stCondLst>
+                                  <p:childTnLst>
+                                    <p:set>
+                                      <p:cBhvr>
+                                        <p:cTn id="17" dur="1" fill="hold">
+                                          <p:stCondLst>
+                                            <p:cond delay="0"/>
+                                          </p:stCondLst>
+                                        </p:cTn>
+                                        <p:tgtEl>
+                                          <p:spTgt spid="2"/>
+                                        </p:tgtEl>
+                                        <p:attrNameLst>
+                                          <p:attrName>style.visibility</p:attrName>
+                                        </p:attrNameLst>
+                                      </p:cBhvr>
+                                      <p:to>
+                                        <p:strVal val="visible"/>
+                                      </p:to>
+                                    </p:set>
+                                  </p:childTnLst>
+                                </p:cTn>
+                              </p:par>
+                            </p:childTnLst>
+                          </p:cTn>
+                        </p:par>
+                        <p:par>
+                          <p:cTn id="18" fill="hold">
+                            <p:stCondLst>
+                              <p:cond delay="0"/>
+                            </p:stCondLst>
+                            <p:childTnLst>
+                              <p:par>
+                                <p:cTn id="19" presetID="1" presetClass="entr" presetSubtype="0" fill="hold" grpId="0" nodeType="afterEffect">
+                                  <p:stCondLst>
+                                    <p:cond delay="0"/>
+                                  </p:stCondLst>
+                                  <p:childTnLst>
+                                    <p:set>
+                                      <p:cBhvr>
+                                        <p:cTn id="20" dur="1" fill="hold">
+                                          <p:stCondLst>
+                                            <p:cond delay="0"/>
+                                          </p:stCondLst>
+                                        </p:cTn>
+                                        <p:tgtEl>
+                                          <p:spTgt spid="7"/>
+                                        </p:tgtEl>
+                                        <p:attrNameLst>
+                                          <p:attrName>style.visibility</p:attrName>
+                                        </p:attrNameLst>
+                                      </p:cBhvr>
+                                      <p:to>
+                                        <p:strVal val="visible"/>
+                                      </p:to>
+                                    </p:set>
+                                  </p:childTnLst>
+                                </p:cTn>
+                              </p:par>
+                            </p:childTnLst>
+                          </p:cTn>
+                        </p:par>
+                        <p:par>
+                          <p:cTn id="21" fill="hold">
+                            <p:stCondLst>
+                              <p:cond delay="0"/>
+                            </p:stCondLst>
+                            <p:childTnLst>
+                              <p:par>
+                                <p:cTn id="22" presetID="1" presetClass="entr" presetSubtype="0" fill="hold" grpId="0" nodeType="afterEffect">
+                                  <p:stCondLst>
+                                    <p:cond delay="0"/>
+                                  </p:stCondLst>
+                                  <p:childTnLst>
+                                    <p:set>
+                                      <p:cBhvr>
+                                        <p:cTn id="23" dur="1" fill="hold">
+                                          <p:stCondLst>
+                                            <p:cond delay="0"/>
+                                          </p:stCondLst>
+                                        </p:cTn>
+                                        <p:tgtEl>
+                                          <p:spTgt spid="3"/>
+                                        </p:tgtEl>
+                                        <p:attrNameLst>
+                                          <p:attrName>style.visibility</p:attrName>
+                                        </p:attrNameLst>
+                                      </p:cBhvr>
+                                      <p:to>
+                                        <p:strVal val="visible"/>
+                                      </p:to>
+                                    </p:set>
+                                  </p:childTnLst>
+                                </p:cTn>
+                              </p:par>
+                            </p:childTnLst>
+                          </p:cTn>
+                        </p:par>
+                      </p:childTnLst>
+                    </p:cTn>
+                  </p:par>
+                </p:childTnLst>
+              </p:cTn>
+              <p:prevCondLst>
+                <p:cond evt="onPrev" delay="0">
+                  <p:tgtEl>
+                    <p:sldTgt/>
+                  </p:tgtEl>
+                </p:cond>
+              </p:prevCondLst>
+              <p:nextCondLst>
+                <p:cond evt="onNext" delay="0">
+                  <p:tgtEl>
+                    <p:sldTgt/>
+                  </p:tgtEl>
+                </p:cond>
+              </p:nextCondLst>
+            </p:seq>
+          </p:childTnLst>
+        </p:cTn>
+      </p:par>
+    </p:tnLst>
+    <p:bldLst>
+      <p:bldP spid="5" grpId="0"/>
+      <p:bldP spid="7" grpId="0"/>
+      <p:bldP spid="3" grpId="0" animBg="1"/>
+      <p:bldP spid="9" grpId="0"/>
+      <p:bldP spid="9" grpId="1"/>
+    </p:bldLst>
+  </p:timing>
+</p:sld>
+</file>
+
+<file path=ppt/slides/slide6.xml><?xml version="1.0" encoding="utf-8"?>
+<p:sld xmlns:a="http://schemas.openxmlformats.org/drawingml/2006/main" xmlns:r="http://schemas.openxmlformats.org/officeDocument/2006/relationships" xmlns:p="http://schemas.openxmlformats.org/presentationml/2006/main">
+  <p:cSld>
+    <p:spTree>
+      <p:nvGrpSpPr>
+        <p:cNvPr id="1" name=""/>
+        <p:cNvGrpSpPr/>
+        <p:nvPr/>
+      </p:nvGrpSpPr>
+      <p:grpSpPr>
+        <a:xfrm>
+          <a:off x="0" y="0"/>
+          <a:ext cx="0" cy="0"/>
+          <a:chOff x="0" y="0"/>
+          <a:chExt cx="0" cy="0"/>
+        </a:xfrm>
+      </p:grpSpPr>
+      <p:sp>
+        <p:nvSpPr>
+          <p:cNvPr id="12" name="Rectangle 11"/>
+          <p:cNvSpPr/>
+          <p:nvPr/>
+        </p:nvSpPr>
+        <p:spPr>
+          <a:xfrm>
+            <a:off x="457199" y="0"/>
+            <a:ext cx="10839451" cy="628649"/>
+          </a:xfrm>
+          <a:prstGeom prst="rect">
+            <a:avLst/>
+          </a:prstGeom>
+          <a:gradFill flip="none" rotWithShape="1">
+            <a:gsLst>
+              <a:gs pos="52000">
+                <a:schemeClr val="accent1">
+                  <a:lumMod val="60000"/>
+                  <a:lumOff val="40000"/>
+                </a:schemeClr>
+              </a:gs>
+              <a:gs pos="100000">
+                <a:schemeClr val="tx2">
+                  <a:lumMod val="60000"/>
+                  <a:lumOff val="40000"/>
+                </a:schemeClr>
+              </a:gs>
+              <a:gs pos="0">
+                <a:schemeClr val="accent1"/>
+              </a:gs>
+            </a:gsLst>
+            <a:lin ang="10800000" scaled="1"/>
+            <a:tileRect/>
+          </a:gradFill>
+          <a:ln>
+            <a:noFill/>
+          </a:ln>
+        </p:spPr>
+        <p:style>
+          <a:lnRef idx="2">
+            <a:schemeClr val="accent1">
+              <a:shade val="50000"/>
+            </a:schemeClr>
+          </a:lnRef>
+          <a:fillRef idx="1">
+            <a:schemeClr val="accent1"/>
+          </a:fillRef>
+          <a:effectRef idx="0">
+            <a:schemeClr val="accent1"/>
+          </a:effectRef>
+          <a:fontRef idx="minor">
+            <a:schemeClr val="lt1"/>
+          </a:fontRef>
+        </p:style>
+        <p:txBody>
+          <a:bodyPr rtlCol="0" anchor="ctr"/>
+          <a:lstStyle/>
+          <a:p>
+            <a:pPr algn="ctr"/>
+            <a:endParaRPr lang="en-US" sz="3200"/>
+          </a:p>
+        </p:txBody>
+      </p:sp>
+      <p:pic>
+        <p:nvPicPr>
+          <p:cNvPr id="10" name="Picture 9"/>
+          <p:cNvPicPr>
+            <a:picLocks noChangeAspect="1"/>
+          </p:cNvPicPr>
+          <p:nvPr/>
+        </p:nvPicPr>
+        <p:blipFill>
+          <a:blip r:embed="rId2" cstate="print">
+            <a:extLst>
+              <a:ext uri="{28A0092B-C50C-407E-A947-70E740481C1C}">
+                <a14:useLocalDpi xmlns:a14="http://schemas.microsoft.com/office/drawing/2010/main" val="0"/>
+              </a:ext>
+            </a:extLst>
+          </a:blip>
+          <a:stretch>
+            <a:fillRect/>
+          </a:stretch>
+        </p:blipFill>
+        <p:spPr>
+          <a:xfrm>
+            <a:off x="11325199" y="116740"/>
+            <a:ext cx="866801" cy="731428"/>
+          </a:xfrm>
+          <a:prstGeom prst="rect">
+            <a:avLst/>
+          </a:prstGeom>
+        </p:spPr>
+      </p:pic>
+      <p:sp>
+        <p:nvSpPr>
+          <p:cNvPr id="4" name="TextBox 3"/>
+          <p:cNvSpPr txBox="1"/>
+          <p:nvPr/>
+        </p:nvSpPr>
+        <p:spPr>
+          <a:xfrm>
+            <a:off x="1443036" y="0"/>
+            <a:ext cx="9072564" cy="584775"/>
+          </a:xfrm>
+          <a:prstGeom prst="rect">
+            <a:avLst/>
+          </a:prstGeom>
+          <a:noFill/>
+        </p:spPr>
+        <p:txBody>
+          <a:bodyPr wrap="square" rtlCol="0">
+            <a:spAutoFit/>
+          </a:bodyPr>
+          <a:lstStyle/>
+          <a:p>
+            <a:pPr algn="ctr"/>
+            <a:r>
+              <a:rPr lang="en-US" sz="3200" dirty="0" smtClean="0"/>
+              <a:t>What’s a stack buffer overflow?</a:t>
+            </a:r>
+            <a:endParaRPr lang="en-US" sz="3200" dirty="0"/>
+          </a:p>
+        </p:txBody>
+      </p:sp>
+      <p:pic>
+        <p:nvPicPr>
+          <p:cNvPr id="2" name="Picture 1"/>
+          <p:cNvPicPr>
+            <a:picLocks noChangeAspect="1"/>
+          </p:cNvPicPr>
+          <p:nvPr/>
+        </p:nvPicPr>
+        <p:blipFill>
+          <a:blip r:embed="rId3">
+            <a:extLst>
+              <a:ext uri="{28A0092B-C50C-407E-A947-70E740481C1C}">
+                <a14:useLocalDpi xmlns:a14="http://schemas.microsoft.com/office/drawing/2010/main" val="0"/>
+              </a:ext>
+            </a:extLst>
+          </a:blip>
+          <a:stretch>
+            <a:fillRect/>
+          </a:stretch>
+        </p:blipFill>
+        <p:spPr>
+          <a:xfrm>
+            <a:off x="549679" y="1181100"/>
+            <a:ext cx="5470121" cy="5084662"/>
+          </a:xfrm>
+          <a:prstGeom prst="rect">
+            <a:avLst/>
+          </a:prstGeom>
+        </p:spPr>
+      </p:pic>
+      <p:sp>
+        <p:nvSpPr>
+          <p:cNvPr id="6" name="TextBox 5"/>
+          <p:cNvSpPr txBox="1"/>
+          <p:nvPr/>
+        </p:nvSpPr>
+        <p:spPr>
+          <a:xfrm>
+            <a:off x="6176963" y="1601955"/>
+            <a:ext cx="4676774" cy="646331"/>
+          </a:xfrm>
+          <a:prstGeom prst="rect">
+            <a:avLst/>
+          </a:prstGeom>
+          <a:noFill/>
+        </p:spPr>
+        <p:txBody>
+          <a:bodyPr wrap="square" rtlCol="0">
+            <a:spAutoFit/>
+          </a:bodyPr>
+          <a:lstStyle/>
+          <a:p>
+            <a:pPr marL="285750" indent="-285750">
+              <a:buFont typeface="Arial" panose="020B0604020202020204" pitchFamily="34" charset="0"/>
+              <a:buChar char="•"/>
+            </a:pPr>
+            <a:r>
+              <a:rPr lang="en-US" dirty="0" smtClean="0"/>
+              <a:t>Occurs when we do not check if the user input fits in the buffer it went in</a:t>
+            </a:r>
+            <a:endParaRPr lang="en-US" dirty="0"/>
+          </a:p>
+        </p:txBody>
+      </p:sp>
+      <p:sp>
+        <p:nvSpPr>
+          <p:cNvPr id="7" name="TextBox 6"/>
+          <p:cNvSpPr txBox="1"/>
+          <p:nvPr/>
+        </p:nvSpPr>
+        <p:spPr>
+          <a:xfrm>
+            <a:off x="6176963" y="2659926"/>
+            <a:ext cx="4878215" cy="646331"/>
+          </a:xfrm>
+          <a:prstGeom prst="rect">
+            <a:avLst/>
+          </a:prstGeom>
+          <a:noFill/>
+        </p:spPr>
+        <p:txBody>
+          <a:bodyPr wrap="square" rtlCol="0">
+            <a:spAutoFit/>
+          </a:bodyPr>
+          <a:lstStyle/>
+          <a:p>
+            <a:pPr marL="285750" indent="-285750">
+              <a:buFont typeface="Arial" panose="020B0604020202020204" pitchFamily="34" charset="0"/>
+              <a:buChar char="•"/>
+            </a:pPr>
+            <a:r>
+              <a:rPr lang="en-US" dirty="0" smtClean="0"/>
+              <a:t>If there is no protection such as canary, we can overwrite data behind the buffer</a:t>
+            </a:r>
+            <a:endParaRPr lang="en-US" dirty="0"/>
+          </a:p>
+        </p:txBody>
+      </p:sp>
+      <p:sp>
+        <p:nvSpPr>
+          <p:cNvPr id="8" name="TextBox 7"/>
+          <p:cNvSpPr txBox="1"/>
+          <p:nvPr/>
+        </p:nvSpPr>
+        <p:spPr>
+          <a:xfrm>
+            <a:off x="6176963" y="3717897"/>
+            <a:ext cx="4991100" cy="923330"/>
+          </a:xfrm>
+          <a:prstGeom prst="rect">
+            <a:avLst/>
+          </a:prstGeom>
+          <a:noFill/>
+        </p:spPr>
+        <p:txBody>
+          <a:bodyPr wrap="square" rtlCol="0">
+            <a:spAutoFit/>
+          </a:bodyPr>
+          <a:lstStyle/>
+          <a:p>
+            <a:pPr marL="285750" indent="-285750">
+              <a:buFont typeface="Arial" panose="020B0604020202020204" pitchFamily="34" charset="0"/>
+              <a:buChar char="•"/>
+            </a:pPr>
+            <a:r>
+              <a:rPr lang="en-US" dirty="0" smtClean="0"/>
+              <a:t>It means that we can take control of execution flow because the return address we jump on is located on the stack</a:t>
+            </a:r>
+            <a:endParaRPr lang="en-US" dirty="0"/>
+          </a:p>
+        </p:txBody>
+      </p:sp>
+      <p:sp>
+        <p:nvSpPr>
+          <p:cNvPr id="9" name="TextBox 8"/>
+          <p:cNvSpPr txBox="1"/>
+          <p:nvPr/>
+        </p:nvSpPr>
+        <p:spPr>
+          <a:xfrm>
+            <a:off x="6249237" y="5186763"/>
+            <a:ext cx="4532226" cy="461665"/>
+          </a:xfrm>
+          <a:prstGeom prst="rect">
+            <a:avLst/>
+          </a:prstGeom>
+          <a:noFill/>
+          <a:ln>
+            <a:solidFill>
+              <a:schemeClr val="tx1"/>
+            </a:solidFill>
+          </a:ln>
+        </p:spPr>
+        <p:txBody>
+          <a:bodyPr wrap="square" rtlCol="0">
+            <a:spAutoFit/>
+          </a:bodyPr>
+          <a:lstStyle/>
+          <a:p>
+            <a:r>
+              <a:rPr lang="en-US" sz="2400" dirty="0" smtClean="0"/>
+              <a:t>RET is equivalent to POP RIP</a:t>
+            </a:r>
+            <a:endParaRPr lang="en-US" sz="2400" dirty="0"/>
+          </a:p>
+        </p:txBody>
+      </p:sp>
+    </p:spTree>
+    <p:extLst>
+      <p:ext uri="{BB962C8B-B14F-4D97-AF65-F5344CB8AC3E}">
+        <p14:creationId xmlns:p14="http://schemas.microsoft.com/office/powerpoint/2010/main" val="3101180952"/>
+      </p:ext>
+    </p:extLst>
+  </p:cSld>
+  <p:clrMapOvr>
+    <a:masterClrMapping/>
+  </p:clrMapOvr>
+  <p:timing>
+    <p:tnLst>
+      <p:par>
+        <p:cTn id="1" dur="indefinite" restart="never" nodeType="tmRoot">
+          <p:childTnLst>
+            <p:seq concurrent="1" nextAc="seek">
+              <p:cTn id="2" dur="indefinite" nodeType="mainSeq">
+                <p:childTnLst>
+                  <p:par>
+                    <p:cTn id="3" fill="hold">
+                      <p:stCondLst>
+                        <p:cond delay="indefinite"/>
+                      </p:stCondLst>
+                      <p:childTnLst>
+                        <p:par>
+                          <p:cTn id="4" fill="hold">
+                            <p:stCondLst>
+                              <p:cond delay="0"/>
+                            </p:stCondLst>
+                            <p:childTnLst>
+                              <p:par>
+                                <p:cTn id="5" presetID="1" presetClass="entr" presetSubtype="0" fill="hold" nodeType="clickEffect">
+                                  <p:stCondLst>
+                                    <p:cond delay="0"/>
+                                  </p:stCondLst>
+                                  <p:childTnLst>
+                                    <p:set>
+                                      <p:cBhvr>
+                                        <p:cTn id="6" dur="1" fill="hold">
+                                          <p:stCondLst>
+                                            <p:cond delay="0"/>
+                                          </p:stCondLst>
+                                        </p:cTn>
+                                        <p:tgtEl>
+                                          <p:spTgt spid="2"/>
+                                        </p:tgtEl>
+                                        <p:attrNameLst>
+                                          <p:attrName>style.visibility</p:attrName>
+                                        </p:attrNameLst>
+                                      </p:cBhvr>
+                                      <p:to>
+                                        <p:strVal val="visible"/>
+                                      </p:to>
+                                    </p:set>
+                                  </p:childTnLst>
+                                </p:cTn>
+                              </p:par>
+                            </p:childTnLst>
+                          </p:cTn>
+                        </p:par>
+                      </p:childTnLst>
+                    </p:cTn>
+                  </p:par>
+                  <p:par>
+                    <p:cTn id="7" fill="hold">
+                      <p:stCondLst>
+                        <p:cond delay="indefinite"/>
+                      </p:stCondLst>
+                      <p:childTnLst>
+                        <p:par>
+                          <p:cTn id="8" fill="hold">
+                            <p:stCondLst>
+                              <p:cond delay="0"/>
+                            </p:stCondLst>
+                            <p:childTnLst>
+                              <p:par>
+                                <p:cTn id="9" presetID="1" presetClass="entr" presetSubtype="0" fill="hold" grpId="0" nodeType="clickEffect">
+                                  <p:stCondLst>
+                                    <p:cond delay="0"/>
+                                  </p:stCondLst>
+                                  <p:childTnLst>
+                                    <p:set>
+                                      <p:cBhvr>
+                                        <p:cTn id="10" dur="1" fill="hold">
+                                          <p:stCondLst>
+                                            <p:cond delay="0"/>
+                                          </p:stCondLst>
+                                        </p:cTn>
+                                        <p:tgtEl>
+                                          <p:spTgt spid="6"/>
+                                        </p:tgtEl>
+                                        <p:attrNameLst>
+                                          <p:attrName>style.visibility</p:attrName>
+                                        </p:attrNameLst>
+                                      </p:cBhvr>
+                                      <p:to>
+                                        <p:strVal val="visible"/>
+                                      </p:to>
+                                    </p:set>
+                                  </p:childTnLst>
+                                </p:cTn>
+                              </p:par>
+                            </p:childTnLst>
+                          </p:cTn>
+                        </p:par>
+                      </p:childTnLst>
+                    </p:cTn>
+                  </p:par>
+                  <p:par>
+                    <p:cTn id="11" fill="hold">
+                      <p:stCondLst>
+                        <p:cond delay="indefinite"/>
+                      </p:stCondLst>
+                      <p:childTnLst>
+                        <p:par>
+                          <p:cTn id="12" fill="hold">
+                            <p:stCondLst>
+                              <p:cond delay="0"/>
+                            </p:stCondLst>
+                            <p:childTnLst>
+                              <p:par>
+                                <p:cTn id="13" presetID="1" presetClass="entr" presetSubtype="0" fill="hold" grpId="0" nodeType="clickEffect">
+                                  <p:stCondLst>
+                                    <p:cond delay="0"/>
+                                  </p:stCondLst>
+                                  <p:childTnLst>
+                                    <p:set>
+                                      <p:cBhvr>
+                                        <p:cTn id="14" dur="1" fill="hold">
+                                          <p:stCondLst>
+                                            <p:cond delay="0"/>
+                                          </p:stCondLst>
+                                        </p:cTn>
+                                        <p:tgtEl>
+                                          <p:spTgt spid="7"/>
+                                        </p:tgtEl>
+                                        <p:attrNameLst>
+                                          <p:attrName>style.visibility</p:attrName>
+                                        </p:attrNameLst>
+                                      </p:cBhvr>
+                                      <p:to>
+                                        <p:strVal val="visible"/>
+                                      </p:to>
+                                    </p:set>
+                                  </p:childTnLst>
+                                </p:cTn>
+                              </p:par>
+                            </p:childTnLst>
+                          </p:cTn>
+                        </p:par>
+                      </p:childTnLst>
+                    </p:cTn>
+                  </p:par>
+                  <p:par>
+                    <p:cTn id="15" fill="hold">
+                      <p:stCondLst>
+                        <p:cond delay="indefinite"/>
+                      </p:stCondLst>
+                      <p:childTnLst>
+                        <p:par>
+                          <p:cTn id="16" fill="hold">
+                            <p:stCondLst>
+                              <p:cond delay="0"/>
+                            </p:stCondLst>
+                            <p:childTnLst>
+                              <p:par>
+                                <p:cTn id="17" presetID="1" presetClass="entr" presetSubtype="0" fill="hold" grpId="0" nodeType="clickEffect">
+                                  <p:stCondLst>
+                                    <p:cond delay="0"/>
+                                  </p:stCondLst>
+                                  <p:childTnLst>
+                                    <p:set>
+                                      <p:cBhvr>
+                                        <p:cTn id="18" dur="1" fill="hold">
+                                          <p:stCondLst>
+                                            <p:cond delay="0"/>
+                                          </p:stCondLst>
+                                        </p:cTn>
+                                        <p:tgtEl>
+                                          <p:spTgt spid="8"/>
+                                        </p:tgtEl>
+                                        <p:attrNameLst>
+                                          <p:attrName>style.visibility</p:attrName>
+                                        </p:attrNameLst>
+                                      </p:cBhvr>
+                                      <p:to>
+                                        <p:strVal val="visible"/>
+                                      </p:to>
+                                    </p:set>
+                                  </p:childTnLst>
+                                </p:cTn>
+                              </p:par>
+                              <p:par>
+                                <p:cTn id="19" presetID="1" presetClass="entr" presetSubtype="0" fill="hold" grpId="0" nodeType="withEffect">
+                                  <p:stCondLst>
+                                    <p:cond delay="0"/>
+                                  </p:stCondLst>
+                                  <p:childTnLst>
+                                    <p:set>
+                                      <p:cBhvr>
+                                        <p:cTn id="20" dur="1" fill="hold">
+                                          <p:stCondLst>
+                                            <p:cond delay="0"/>
+                                          </p:stCondLst>
+                                        </p:cTn>
+                                        <p:tgtEl>
+                                          <p:spTgt spid="9"/>
+                                        </p:tgtEl>
+                                        <p:attrNameLst>
+                                          <p:attrName>style.visibility</p:attrName>
+                                        </p:attrNameLst>
+                                      </p:cBhvr>
+                                      <p:to>
+                                        <p:strVal val="visible"/>
+                                      </p:to>
+                                    </p:set>
+                                  </p:childTnLst>
+                                </p:cTn>
+                              </p:par>
+                            </p:childTnLst>
+                          </p:cTn>
+                        </p:par>
+                      </p:childTnLst>
+                    </p:cTn>
+                  </p:par>
+                </p:childTnLst>
+              </p:cTn>
+              <p:prevCondLst>
+                <p:cond evt="onPrev" delay="0">
+                  <p:tgtEl>
+                    <p:sldTgt/>
+                  </p:tgtEl>
+                </p:cond>
+              </p:prevCondLst>
+              <p:nextCondLst>
+                <p:cond evt="onNext" delay="0">
+                  <p:tgtEl>
+                    <p:sldTgt/>
+                  </p:tgtEl>
+                </p:cond>
+              </p:nextCondLst>
+            </p:seq>
+          </p:childTnLst>
+        </p:cTn>
+      </p:par>
+    </p:tnLst>
+    <p:bldLst>
+      <p:bldP spid="6" grpId="0"/>
+      <p:bldP spid="7" grpId="0"/>
+      <p:bldP spid="8" grpId="0"/>
+      <p:bldP spid="9" grpId="0" animBg="1"/>
+    </p:bldLst>
+  </p:timing>
+</p:sld>
+</file>
+
+<file path=ppt/slides/slide7.xml><?xml version="1.0" encoding="utf-8"?>
+<p:sld xmlns:a="http://schemas.openxmlformats.org/drawingml/2006/main" xmlns:r="http://schemas.openxmlformats.org/officeDocument/2006/relationships" xmlns:p="http://schemas.openxmlformats.org/presentationml/2006/main">
+  <p:cSld>
+    <p:spTree>
+      <p:nvGrpSpPr>
+        <p:cNvPr id="1" name=""/>
+        <p:cNvGrpSpPr/>
+        <p:nvPr/>
+      </p:nvGrpSpPr>
+      <p:grpSpPr>
+        <a:xfrm>
+          <a:off x="0" y="0"/>
+          <a:ext cx="0" cy="0"/>
+          <a:chOff x="0" y="0"/>
+          <a:chExt cx="0" cy="0"/>
+        </a:xfrm>
+      </p:grpSpPr>
+      <p:sp>
+        <p:nvSpPr>
+          <p:cNvPr id="12" name="Rectangle 11"/>
+          <p:cNvSpPr/>
+          <p:nvPr/>
+        </p:nvSpPr>
+        <p:spPr>
+          <a:xfrm>
+            <a:off x="457199" y="0"/>
+            <a:ext cx="10839451" cy="628649"/>
+          </a:xfrm>
+          <a:prstGeom prst="rect">
+            <a:avLst/>
+          </a:prstGeom>
+          <a:gradFill flip="none" rotWithShape="1">
+            <a:gsLst>
+              <a:gs pos="52000">
+                <a:schemeClr val="accent1">
+                  <a:lumMod val="60000"/>
+                  <a:lumOff val="40000"/>
+                </a:schemeClr>
+              </a:gs>
+              <a:gs pos="100000">
+                <a:schemeClr val="tx2">
+                  <a:lumMod val="60000"/>
+                  <a:lumOff val="40000"/>
+                </a:schemeClr>
+              </a:gs>
+              <a:gs pos="0">
+                <a:schemeClr val="accent1"/>
+              </a:gs>
+            </a:gsLst>
+            <a:lin ang="10800000" scaled="1"/>
+            <a:tileRect/>
+          </a:gradFill>
+          <a:ln>
+            <a:noFill/>
+          </a:ln>
+        </p:spPr>
+        <p:style>
+          <a:lnRef idx="2">
+            <a:schemeClr val="accent1">
+              <a:shade val="50000"/>
+            </a:schemeClr>
+          </a:lnRef>
+          <a:fillRef idx="1">
+            <a:schemeClr val="accent1"/>
+          </a:fillRef>
+          <a:effectRef idx="0">
+            <a:schemeClr val="accent1"/>
+          </a:effectRef>
+          <a:fontRef idx="minor">
+            <a:schemeClr val="lt1"/>
+          </a:fontRef>
+        </p:style>
+        <p:txBody>
+          <a:bodyPr rtlCol="0" anchor="ctr"/>
+          <a:lstStyle/>
+          <a:p>
+            <a:pPr algn="ctr"/>
+            <a:endParaRPr lang="en-US" sz="3200"/>
+          </a:p>
+        </p:txBody>
+      </p:sp>
+      <p:pic>
+        <p:nvPicPr>
+          <p:cNvPr id="10" name="Picture 9"/>
+          <p:cNvPicPr>
+            <a:picLocks noChangeAspect="1"/>
+          </p:cNvPicPr>
+          <p:nvPr/>
+        </p:nvPicPr>
+        <p:blipFill>
+          <a:blip r:embed="rId2" cstate="print">
+            <a:extLst>
+              <a:ext uri="{28A0092B-C50C-407E-A947-70E740481C1C}">
+                <a14:useLocalDpi xmlns:a14="http://schemas.microsoft.com/office/drawing/2010/main" val="0"/>
+              </a:ext>
+            </a:extLst>
+          </a:blip>
+          <a:stretch>
+            <a:fillRect/>
+          </a:stretch>
+        </p:blipFill>
+        <p:spPr>
+          <a:xfrm>
+            <a:off x="11325199" y="116740"/>
+            <a:ext cx="866801" cy="731428"/>
+          </a:xfrm>
+          <a:prstGeom prst="rect">
+            <a:avLst/>
+          </a:prstGeom>
+        </p:spPr>
+      </p:pic>
+      <p:sp>
+        <p:nvSpPr>
+          <p:cNvPr id="5" name="TextBox 4"/>
+          <p:cNvSpPr txBox="1"/>
+          <p:nvPr/>
+        </p:nvSpPr>
+        <p:spPr>
+          <a:xfrm>
+            <a:off x="1340642" y="0"/>
+            <a:ext cx="9072564" cy="584775"/>
+          </a:xfrm>
+          <a:prstGeom prst="rect">
+            <a:avLst/>
+          </a:prstGeom>
+          <a:noFill/>
+        </p:spPr>
+        <p:txBody>
+          <a:bodyPr wrap="square" rtlCol="0">
+            <a:spAutoFit/>
+          </a:bodyPr>
+          <a:lstStyle/>
+          <a:p>
+            <a:pPr algn="ctr"/>
+            <a:r>
+              <a:rPr lang="en-US" sz="3200" dirty="0" smtClean="0"/>
+              <a:t>Recon</a:t>
+            </a:r>
+            <a:endParaRPr lang="en-US" sz="3200" dirty="0"/>
+          </a:p>
+        </p:txBody>
+      </p:sp>
+      <p:sp>
+        <p:nvSpPr>
+          <p:cNvPr id="6" name="TextBox 5"/>
+          <p:cNvSpPr txBox="1"/>
+          <p:nvPr/>
+        </p:nvSpPr>
+        <p:spPr>
+          <a:xfrm>
+            <a:off x="2894345" y="943825"/>
+            <a:ext cx="6748463" cy="1477328"/>
+          </a:xfrm>
+          <a:prstGeom prst="rect">
+            <a:avLst/>
+          </a:prstGeom>
+          <a:noFill/>
+        </p:spPr>
+        <p:txBody>
+          <a:bodyPr wrap="square" rtlCol="0">
+            <a:spAutoFit/>
+          </a:bodyPr>
+          <a:lstStyle/>
+          <a:p>
+            <a:pPr marL="285750" indent="-285750">
+              <a:buFont typeface="Arial" panose="020B0604020202020204" pitchFamily="34" charset="0"/>
+              <a:buChar char="•"/>
+            </a:pPr>
+            <a:r>
+              <a:rPr lang="en-US" dirty="0" smtClean="0"/>
+              <a:t>Increment input size until program crashes</a:t>
+            </a:r>
+          </a:p>
+          <a:p>
+            <a:pPr marL="285750" indent="-285750">
+              <a:buFont typeface="Arial" panose="020B0604020202020204" pitchFamily="34" charset="0"/>
+              <a:buChar char="•"/>
+            </a:pPr>
+            <a:endParaRPr lang="en-US" dirty="0"/>
+          </a:p>
+          <a:p>
+            <a:pPr marL="285750" indent="-285750">
+              <a:buFont typeface="Arial" panose="020B0604020202020204" pitchFamily="34" charset="0"/>
+              <a:buChar char="•"/>
+            </a:pPr>
+            <a:r>
+              <a:rPr lang="en-US" dirty="0"/>
+              <a:t>C</a:t>
+            </a:r>
+            <a:r>
+              <a:rPr lang="en-US" dirty="0" smtClean="0"/>
+              <a:t>heck the protections:</a:t>
+            </a:r>
+          </a:p>
+          <a:p>
+            <a:pPr marL="742950" lvl="1" indent="-285750">
+              <a:buFont typeface="Arial" panose="020B0604020202020204" pitchFamily="34" charset="0"/>
+              <a:buChar char="•"/>
+            </a:pPr>
+            <a:r>
+              <a:rPr lang="en-US" dirty="0" smtClean="0"/>
+              <a:t>on the binary (PIE, canary) </a:t>
+            </a:r>
+            <a:endParaRPr lang="en-US" dirty="0"/>
+          </a:p>
+          <a:p>
+            <a:pPr marL="742950" lvl="1" indent="-285750">
+              <a:buFont typeface="Arial" panose="020B0604020202020204" pitchFamily="34" charset="0"/>
+              <a:buChar char="•"/>
+            </a:pPr>
+            <a:r>
+              <a:rPr lang="en-US" dirty="0"/>
+              <a:t>o</a:t>
+            </a:r>
+            <a:r>
+              <a:rPr lang="en-US" dirty="0" smtClean="0"/>
+              <a:t>n the server (ASLR)</a:t>
+            </a:r>
+            <a:endParaRPr lang="en-US" dirty="0"/>
+          </a:p>
+        </p:txBody>
+      </p:sp>
+      <p:pic>
+        <p:nvPicPr>
+          <p:cNvPr id="2" name="Picture 1"/>
+          <p:cNvPicPr>
+            <a:picLocks noChangeAspect="1"/>
+          </p:cNvPicPr>
+          <p:nvPr/>
+        </p:nvPicPr>
+        <p:blipFill>
+          <a:blip r:embed="rId3">
+            <a:extLst>
+              <a:ext uri="{28A0092B-C50C-407E-A947-70E740481C1C}">
+                <a14:useLocalDpi xmlns:a14="http://schemas.microsoft.com/office/drawing/2010/main" val="0"/>
+              </a:ext>
+            </a:extLst>
+          </a:blip>
+          <a:stretch>
+            <a:fillRect/>
+          </a:stretch>
+        </p:blipFill>
+        <p:spPr>
+          <a:xfrm>
+            <a:off x="2282487" y="2672962"/>
+            <a:ext cx="7360321" cy="2566988"/>
+          </a:xfrm>
+          <a:prstGeom prst="rect">
+            <a:avLst/>
+          </a:prstGeom>
+        </p:spPr>
+      </p:pic>
+      <p:sp>
+        <p:nvSpPr>
+          <p:cNvPr id="8" name="TextBox 7"/>
+          <p:cNvSpPr txBox="1"/>
+          <p:nvPr/>
+        </p:nvSpPr>
+        <p:spPr>
+          <a:xfrm>
+            <a:off x="3731388" y="5555126"/>
+            <a:ext cx="5438802" cy="830997"/>
+          </a:xfrm>
+          <a:prstGeom prst="rect">
+            <a:avLst/>
+          </a:prstGeom>
+          <a:noFill/>
+        </p:spPr>
+        <p:txBody>
+          <a:bodyPr wrap="square" rtlCol="0">
+            <a:spAutoFit/>
+          </a:bodyPr>
+          <a:lstStyle/>
+          <a:p>
+            <a:r>
+              <a:rPr lang="en-US" sz="2400" dirty="0" smtClean="0"/>
+              <a:t>Program crashes after 40 bytes</a:t>
+            </a:r>
+          </a:p>
+          <a:p>
+            <a:r>
+              <a:rPr lang="en-US" sz="2400" dirty="0" smtClean="0"/>
+              <a:t>= (probably stack) buffer overflow</a:t>
+            </a:r>
+            <a:endParaRPr lang="en-US" sz="2400" dirty="0"/>
+          </a:p>
+        </p:txBody>
+      </p:sp>
+      <p:sp>
+        <p:nvSpPr>
+          <p:cNvPr id="9" name="Right Arrow 8"/>
+          <p:cNvSpPr/>
+          <p:nvPr/>
+        </p:nvSpPr>
+        <p:spPr>
+          <a:xfrm>
+            <a:off x="2368212" y="5648055"/>
+            <a:ext cx="885825" cy="645141"/>
+          </a:xfrm>
+          <a:prstGeom prst="rightArrow">
+            <a:avLst/>
+          </a:prstGeom>
+          <a:solidFill>
+            <a:schemeClr val="tx2">
+              <a:lumMod val="20000"/>
+              <a:lumOff val="80000"/>
+            </a:schemeClr>
+          </a:solidFill>
+          <a:ln>
+            <a:solidFill>
+              <a:schemeClr val="accent2"/>
+            </a:solidFill>
+          </a:ln>
+        </p:spPr>
+        <p:style>
+          <a:lnRef idx="2">
+            <a:schemeClr val="accent1">
+              <a:shade val="50000"/>
+            </a:schemeClr>
+          </a:lnRef>
+          <a:fillRef idx="1">
+            <a:schemeClr val="accent1"/>
+          </a:fillRef>
+          <a:effectRef idx="0">
+            <a:schemeClr val="accent1"/>
+          </a:effectRef>
+          <a:fontRef idx="minor">
+            <a:schemeClr val="lt1"/>
+          </a:fontRef>
+        </p:style>
+        <p:txBody>
+          <a:bodyPr rtlCol="0" anchor="ctr"/>
+          <a:lstStyle/>
+          <a:p>
+            <a:pPr algn="ctr"/>
+            <a:endParaRPr lang="en-US"/>
+          </a:p>
+        </p:txBody>
+      </p:sp>
+      <p:sp>
+        <p:nvSpPr>
+          <p:cNvPr id="11" name="TextBox 10"/>
+          <p:cNvSpPr txBox="1"/>
+          <p:nvPr/>
+        </p:nvSpPr>
+        <p:spPr>
+          <a:xfrm>
+            <a:off x="4497087" y="3436422"/>
+            <a:ext cx="2759674" cy="646331"/>
+          </a:xfrm>
+          <a:prstGeom prst="rect">
+            <a:avLst/>
+          </a:prstGeom>
+          <a:noFill/>
+        </p:spPr>
+        <p:txBody>
+          <a:bodyPr wrap="square" rtlCol="0">
+            <a:spAutoFit/>
+          </a:bodyPr>
+          <a:lstStyle/>
+          <a:p>
+            <a:pPr algn="ctr"/>
+            <a:r>
+              <a:rPr lang="en-US" dirty="0" smtClean="0"/>
+              <a:t>[DEMO </a:t>
+            </a:r>
+            <a:r>
+              <a:rPr lang="en-US" dirty="0" smtClean="0"/>
+              <a:t>PADDING + DEMO LEAKADDR]</a:t>
+            </a:r>
+            <a:endParaRPr lang="en-US" dirty="0"/>
+          </a:p>
+        </p:txBody>
+      </p:sp>
+    </p:spTree>
+    <p:extLst>
+      <p:ext uri="{BB962C8B-B14F-4D97-AF65-F5344CB8AC3E}">
+        <p14:creationId xmlns:p14="http://schemas.microsoft.com/office/powerpoint/2010/main" val="3301776107"/>
+      </p:ext>
+    </p:extLst>
+  </p:cSld>
+  <p:clrMapOvr>
+    <a:masterClrMapping/>
+  </p:clrMapOvr>
+  <p:timing>
+    <p:tnLst>
+      <p:par>
+        <p:cTn id="1" dur="indefinite" restart="never" nodeType="tmRoot">
+          <p:childTnLst>
+            <p:seq concurrent="1" nextAc="seek">
+              <p:cTn id="2" dur="indefinite" nodeType="mainSeq">
+                <p:childTnLst>
+                  <p:par>
+                    <p:cTn id="3" fill="hold">
+                      <p:stCondLst>
+                        <p:cond delay="indefinite"/>
+                      </p:stCondLst>
+                      <p:childTnLst>
+                        <p:par>
+                          <p:cTn id="4" fill="hold">
+                            <p:stCondLst>
+                              <p:cond delay="0"/>
+                            </p:stCondLst>
+                            <p:childTnLst>
+                              <p:par>
+                                <p:cTn id="5" presetID="1" presetClass="entr" presetSubtype="0" fill="hold" grpId="0" nodeType="clickEffect">
+                                  <p:stCondLst>
+                                    <p:cond delay="0"/>
+                                  </p:stCondLst>
+                                  <p:childTnLst>
+                                    <p:set>
+                                      <p:cBhvr>
+                                        <p:cTn id="6" dur="1" fill="hold">
+                                          <p:stCondLst>
+                                            <p:cond delay="0"/>
+                                          </p:stCondLst>
+                                        </p:cTn>
+                                        <p:tgtEl>
+                                          <p:spTgt spid="6"/>
+                                        </p:tgtEl>
+                                        <p:attrNameLst>
+                                          <p:attrName>style.visibility</p:attrName>
+                                        </p:attrNameLst>
+                                      </p:cBhvr>
+                                      <p:to>
+                                        <p:strVal val="visible"/>
+                                      </p:to>
+                                    </p:set>
+                                  </p:childTnLst>
+                                </p:cTn>
+                              </p:par>
+                            </p:childTnLst>
+                          </p:cTn>
+                        </p:par>
+                      </p:childTnLst>
+                    </p:cTn>
+                  </p:par>
+                  <p:par>
+                    <p:cTn id="7" fill="hold">
+                      <p:stCondLst>
+                        <p:cond delay="indefinite"/>
+                      </p:stCondLst>
+                      <p:childTnLst>
+                        <p:par>
+                          <p:cTn id="8" fill="hold">
+                            <p:stCondLst>
+                              <p:cond delay="0"/>
+                            </p:stCondLst>
+                            <p:childTnLst>
+                              <p:par>
+                                <p:cTn id="9" presetID="1" presetClass="entr" presetSubtype="0" fill="hold" grpId="0" nodeType="clickEffect">
+                                  <p:stCondLst>
+                                    <p:cond delay="0"/>
+                                  </p:stCondLst>
+                                  <p:childTnLst>
+                                    <p:set>
+                                      <p:cBhvr>
+                                        <p:cTn id="10" dur="1" fill="hold">
+                                          <p:stCondLst>
+                                            <p:cond delay="0"/>
+                                          </p:stCondLst>
+                                        </p:cTn>
+                                        <p:tgtEl>
+                                          <p:spTgt spid="11"/>
+                                        </p:tgtEl>
+                                        <p:attrNameLst>
+                                          <p:attrName>style.visibility</p:attrName>
+                                        </p:attrNameLst>
+                                      </p:cBhvr>
+                                      <p:to>
+                                        <p:strVal val="visible"/>
+                                      </p:to>
+                                    </p:set>
+                                  </p:childTnLst>
+                                </p:cTn>
+                              </p:par>
+                            </p:childTnLst>
+                          </p:cTn>
+                        </p:par>
+                      </p:childTnLst>
+                    </p:cTn>
+                  </p:par>
+                  <p:par>
+                    <p:cTn id="11" fill="hold">
+                      <p:stCondLst>
+                        <p:cond delay="indefinite"/>
+                      </p:stCondLst>
+                      <p:childTnLst>
+                        <p:par>
+                          <p:cTn id="12" fill="hold">
+                            <p:stCondLst>
+                              <p:cond delay="0"/>
+                            </p:stCondLst>
+                            <p:childTnLst>
+                              <p:par>
+                                <p:cTn id="13" presetID="1" presetClass="exit" presetSubtype="0" fill="hold" grpId="1" nodeType="clickEffect">
+                                  <p:stCondLst>
+                                    <p:cond delay="0"/>
+                                  </p:stCondLst>
+                                  <p:childTnLst>
+                                    <p:set>
+                                      <p:cBhvr>
+                                        <p:cTn id="14" dur="1" fill="hold">
+                                          <p:stCondLst>
+                                            <p:cond delay="0"/>
+                                          </p:stCondLst>
+                                        </p:cTn>
+                                        <p:tgtEl>
+                                          <p:spTgt spid="11"/>
+                                        </p:tgtEl>
+                                        <p:attrNameLst>
+                                          <p:attrName>style.visibility</p:attrName>
+                                        </p:attrNameLst>
+                                      </p:cBhvr>
+                                      <p:to>
+                                        <p:strVal val="hidden"/>
+                                      </p:to>
+                                    </p:set>
+                                  </p:childTnLst>
+                                </p:cTn>
+                              </p:par>
+                            </p:childTnLst>
+                          </p:cTn>
+                        </p:par>
+                        <p:par>
+                          <p:cTn id="15" fill="hold">
+                            <p:stCondLst>
+                              <p:cond delay="0"/>
+                            </p:stCondLst>
+                            <p:childTnLst>
+                              <p:par>
+                                <p:cTn id="16" presetID="1" presetClass="entr" presetSubtype="0" fill="hold" nodeType="afterEffect">
+                                  <p:stCondLst>
+                                    <p:cond delay="0"/>
+                                  </p:stCondLst>
+                                  <p:childTnLst>
+                                    <p:set>
+                                      <p:cBhvr>
+                                        <p:cTn id="17" dur="1" fill="hold">
+                                          <p:stCondLst>
+                                            <p:cond delay="0"/>
+                                          </p:stCondLst>
+                                        </p:cTn>
+                                        <p:tgtEl>
+                                          <p:spTgt spid="2"/>
+                                        </p:tgtEl>
+                                        <p:attrNameLst>
+                                          <p:attrName>style.visibility</p:attrName>
+                                        </p:attrNameLst>
+                                      </p:cBhvr>
+                                      <p:to>
+                                        <p:strVal val="visible"/>
+                                      </p:to>
+                                    </p:set>
+                                  </p:childTnLst>
+                                </p:cTn>
+                              </p:par>
+                            </p:childTnLst>
+                          </p:cTn>
+                        </p:par>
+                        <p:par>
+                          <p:cTn id="18" fill="hold">
+                            <p:stCondLst>
+                              <p:cond delay="0"/>
+                            </p:stCondLst>
+                            <p:childTnLst>
+                              <p:par>
+                                <p:cTn id="19" presetID="1" presetClass="entr" presetSubtype="0" fill="hold" grpId="0" nodeType="afterEffect">
+                                  <p:stCondLst>
+                                    <p:cond delay="0"/>
+                                  </p:stCondLst>
+                                  <p:childTnLst>
+                                    <p:set>
+                                      <p:cBhvr>
+                                        <p:cTn id="20" dur="1" fill="hold">
+                                          <p:stCondLst>
+                                            <p:cond delay="0"/>
+                                          </p:stCondLst>
+                                        </p:cTn>
+                                        <p:tgtEl>
+                                          <p:spTgt spid="8"/>
+                                        </p:tgtEl>
+                                        <p:attrNameLst>
+                                          <p:attrName>style.visibility</p:attrName>
+                                        </p:attrNameLst>
+                                      </p:cBhvr>
+                                      <p:to>
+                                        <p:strVal val="visible"/>
+                                      </p:to>
+                                    </p:set>
+                                  </p:childTnLst>
+                                </p:cTn>
+                              </p:par>
+                            </p:childTnLst>
+                          </p:cTn>
+                        </p:par>
+                        <p:par>
+                          <p:cTn id="21" fill="hold">
+                            <p:stCondLst>
+                              <p:cond delay="0"/>
+                            </p:stCondLst>
+                            <p:childTnLst>
+                              <p:par>
+                                <p:cTn id="22" presetID="1" presetClass="entr" presetSubtype="0" fill="hold" grpId="0" nodeType="afterEffect">
+                                  <p:stCondLst>
+                                    <p:cond delay="0"/>
+                                  </p:stCondLst>
+                                  <p:childTnLst>
+                                    <p:set>
+                                      <p:cBhvr>
+                                        <p:cTn id="23" dur="1" fill="hold">
+                                          <p:stCondLst>
+                                            <p:cond delay="0"/>
+                                          </p:stCondLst>
+                                        </p:cTn>
+                                        <p:tgtEl>
+                                          <p:spTgt spid="9"/>
+                                        </p:tgtEl>
+                                        <p:attrNameLst>
+                                          <p:attrName>style.visibility</p:attrName>
+                                        </p:attrNameLst>
+                                      </p:cBhvr>
+                                      <p:to>
+                                        <p:strVal val="visible"/>
+                                      </p:to>
+                                    </p:set>
+                                  </p:childTnLst>
+                                </p:cTn>
+                              </p:par>
+                            </p:childTnLst>
+                          </p:cTn>
+                        </p:par>
+                      </p:childTnLst>
+                    </p:cTn>
+                  </p:par>
+                </p:childTnLst>
+              </p:cTn>
+              <p:prevCondLst>
+                <p:cond evt="onPrev" delay="0">
+                  <p:tgtEl>
+                    <p:sldTgt/>
+                  </p:tgtEl>
+                </p:cond>
+              </p:prevCondLst>
+              <p:nextCondLst>
+                <p:cond evt="onNext" delay="0">
+                  <p:tgtEl>
+                    <p:sldTgt/>
+                  </p:tgtEl>
+                </p:cond>
+              </p:nextCondLst>
+            </p:seq>
+          </p:childTnLst>
+        </p:cTn>
+      </p:par>
+    </p:tnLst>
+    <p:bldLst>
+      <p:bldP spid="6" grpId="0"/>
+      <p:bldP spid="8" grpId="0"/>
+      <p:bldP spid="9" grpId="0" animBg="1"/>
+      <p:bldP spid="11" grpId="0"/>
+      <p:bldP spid="11" grpId="1"/>
+    </p:bldLst>
+  </p:timing>
+</p:sld>
+</file>
+
+<file path=ppt/slides/slide8.xml><?xml version="1.0" encoding="utf-8"?>
+<p:sld xmlns:a="http://schemas.openxmlformats.org/drawingml/2006/main" xmlns:r="http://schemas.openxmlformats.org/officeDocument/2006/relationships" xmlns:p="http://schemas.openxmlformats.org/presentationml/2006/main">
+  <p:cSld>
+    <p:spTree>
+      <p:nvGrpSpPr>
+        <p:cNvPr id="1" name=""/>
+        <p:cNvGrpSpPr/>
+        <p:nvPr/>
+      </p:nvGrpSpPr>
+      <p:grpSpPr>
+        <a:xfrm>
+          <a:off x="0" y="0"/>
+          <a:ext cx="0" cy="0"/>
+          <a:chOff x="0" y="0"/>
+          <a:chExt cx="0" cy="0"/>
+        </a:xfrm>
+      </p:grpSpPr>
+      <p:pic>
+        <p:nvPicPr>
+          <p:cNvPr id="2" name="Picture 1"/>
+          <p:cNvPicPr>
+            <a:picLocks noChangeAspect="1"/>
+          </p:cNvPicPr>
+          <p:nvPr/>
+        </p:nvPicPr>
+        <p:blipFill rotWithShape="1">
+          <a:blip r:embed="rId2">
+            <a:extLst>
+              <a:ext uri="{28A0092B-C50C-407E-A947-70E740481C1C}">
+                <a14:useLocalDpi xmlns:a14="http://schemas.microsoft.com/office/drawing/2010/main" val="0"/>
+              </a:ext>
+            </a:extLst>
+          </a:blip>
+          <a:srcRect l="1797" t="12990" r="3214" b="16156"/>
+          <a:stretch/>
+        </p:blipFill>
+        <p:spPr>
+          <a:xfrm>
+            <a:off x="2469806" y="2991922"/>
+            <a:ext cx="6814236" cy="3000765"/>
+          </a:xfrm>
+          <a:prstGeom prst="rect">
+            <a:avLst/>
+          </a:prstGeom>
+        </p:spPr>
+      </p:pic>
+      <p:sp>
+        <p:nvSpPr>
+          <p:cNvPr id="12" name="Rectangle 11"/>
+          <p:cNvSpPr/>
+          <p:nvPr/>
+        </p:nvSpPr>
+        <p:spPr>
+          <a:xfrm>
+            <a:off x="457199" y="0"/>
+            <a:ext cx="10839451" cy="628649"/>
+          </a:xfrm>
+          <a:prstGeom prst="rect">
+            <a:avLst/>
+          </a:prstGeom>
+          <a:gradFill flip="none" rotWithShape="1">
+            <a:gsLst>
+              <a:gs pos="52000">
+                <a:schemeClr val="accent1">
+                  <a:lumMod val="60000"/>
+                  <a:lumOff val="40000"/>
+                </a:schemeClr>
+              </a:gs>
+              <a:gs pos="100000">
+                <a:schemeClr val="tx2">
+                  <a:lumMod val="60000"/>
+                  <a:lumOff val="40000"/>
+                </a:schemeClr>
+              </a:gs>
+              <a:gs pos="0">
+                <a:schemeClr val="accent1"/>
+              </a:gs>
+            </a:gsLst>
+            <a:lin ang="10800000" scaled="1"/>
+            <a:tileRect/>
+          </a:gradFill>
+          <a:ln>
+            <a:noFill/>
+          </a:ln>
+        </p:spPr>
+        <p:style>
+          <a:lnRef idx="2">
+            <a:schemeClr val="accent1">
+              <a:shade val="50000"/>
+            </a:schemeClr>
+          </a:lnRef>
+          <a:fillRef idx="1">
+            <a:schemeClr val="accent1"/>
+          </a:fillRef>
+          <a:effectRef idx="0">
+            <a:schemeClr val="accent1"/>
+          </a:effectRef>
+          <a:fontRef idx="minor">
+            <a:schemeClr val="lt1"/>
+          </a:fontRef>
+        </p:style>
+        <p:txBody>
+          <a:bodyPr rtlCol="0" anchor="ctr"/>
+          <a:lstStyle/>
+          <a:p>
+            <a:pPr algn="ctr"/>
+            <a:endParaRPr lang="en-US" sz="3200"/>
+          </a:p>
+        </p:txBody>
+      </p:sp>
+      <p:pic>
+        <p:nvPicPr>
+          <p:cNvPr id="10" name="Picture 9"/>
+          <p:cNvPicPr>
+            <a:picLocks noChangeAspect="1"/>
+          </p:cNvPicPr>
+          <p:nvPr/>
+        </p:nvPicPr>
+        <p:blipFill>
+          <a:blip r:embed="rId3" cstate="print">
+            <a:extLst>
+              <a:ext uri="{28A0092B-C50C-407E-A947-70E740481C1C}">
+                <a14:useLocalDpi xmlns:a14="http://schemas.microsoft.com/office/drawing/2010/main" val="0"/>
+              </a:ext>
+            </a:extLst>
+          </a:blip>
+          <a:stretch>
+            <a:fillRect/>
+          </a:stretch>
+        </p:blipFill>
+        <p:spPr>
+          <a:xfrm>
+            <a:off x="11325199" y="116740"/>
+            <a:ext cx="866801" cy="731428"/>
+          </a:xfrm>
+          <a:prstGeom prst="rect">
+            <a:avLst/>
+          </a:prstGeom>
+        </p:spPr>
+      </p:pic>
+      <p:sp>
+        <p:nvSpPr>
+          <p:cNvPr id="4" name="TextBox 3"/>
+          <p:cNvSpPr txBox="1"/>
+          <p:nvPr/>
+        </p:nvSpPr>
+        <p:spPr>
+          <a:xfrm>
+            <a:off x="1340642" y="0"/>
+            <a:ext cx="9072564" cy="584775"/>
+          </a:xfrm>
+          <a:prstGeom prst="rect">
+            <a:avLst/>
+          </a:prstGeom>
+          <a:noFill/>
+        </p:spPr>
+        <p:txBody>
+          <a:bodyPr wrap="square" rtlCol="0">
+            <a:spAutoFit/>
+          </a:bodyPr>
+          <a:lstStyle/>
+          <a:p>
+            <a:pPr algn="ctr"/>
+            <a:r>
+              <a:rPr lang="en-US" sz="3200" dirty="0" smtClean="0"/>
+              <a:t>Reca</a:t>
+            </a:r>
+            <a:r>
+              <a:rPr lang="en-US" sz="3200" dirty="0"/>
+              <a:t>p</a:t>
+            </a:r>
+          </a:p>
+        </p:txBody>
+      </p:sp>
+      <p:sp>
+        <p:nvSpPr>
+          <p:cNvPr id="5" name="TextBox 4"/>
+          <p:cNvSpPr txBox="1"/>
+          <p:nvPr/>
+        </p:nvSpPr>
+        <p:spPr>
+          <a:xfrm>
+            <a:off x="2324725" y="765790"/>
+            <a:ext cx="8021305" cy="2031325"/>
+          </a:xfrm>
+          <a:prstGeom prst="rect">
+            <a:avLst/>
+          </a:prstGeom>
+          <a:noFill/>
+        </p:spPr>
+        <p:txBody>
+          <a:bodyPr wrap="square" rtlCol="0">
+            <a:spAutoFit/>
+          </a:bodyPr>
+          <a:lstStyle/>
+          <a:p>
+            <a:pPr marL="285750" indent="-285750">
+              <a:buFont typeface="Arial" panose="020B0604020202020204" pitchFamily="34" charset="0"/>
+              <a:buChar char="•"/>
+            </a:pPr>
+            <a:r>
+              <a:rPr lang="en-US" dirty="0" smtClean="0"/>
+              <a:t>x86-64 addresses = </a:t>
+            </a:r>
+            <a:r>
+              <a:rPr lang="en-US" dirty="0" smtClean="0">
+                <a:solidFill>
+                  <a:srgbClr val="FF0000"/>
+                </a:solidFill>
+              </a:rPr>
+              <a:t>64-bit</a:t>
+            </a:r>
+            <a:r>
+              <a:rPr lang="en-US" dirty="0" smtClean="0"/>
+              <a:t> executable running</a:t>
+            </a:r>
+            <a:endParaRPr lang="en-US" dirty="0"/>
+          </a:p>
+          <a:p>
+            <a:pPr marL="285750" indent="-285750">
+              <a:buFont typeface="Arial" panose="020B0604020202020204" pitchFamily="34" charset="0"/>
+              <a:buChar char="•"/>
+            </a:pPr>
+            <a:r>
+              <a:rPr lang="en-US" dirty="0" smtClean="0"/>
+              <a:t>We always leak the same bytes which looks like an address:</a:t>
+            </a:r>
+          </a:p>
+          <a:p>
+            <a:pPr marL="742950" lvl="1" indent="-285750">
+              <a:buFont typeface="Arial" panose="020B0604020202020204" pitchFamily="34" charset="0"/>
+              <a:buChar char="•"/>
+            </a:pPr>
+            <a:r>
+              <a:rPr lang="en-US" dirty="0" smtClean="0">
+                <a:solidFill>
+                  <a:srgbClr val="FF0000"/>
+                </a:solidFill>
+              </a:rPr>
+              <a:t>PIE off</a:t>
+            </a:r>
+          </a:p>
+          <a:p>
+            <a:pPr marL="742950" lvl="1" indent="-285750">
+              <a:buFont typeface="Arial" panose="020B0604020202020204" pitchFamily="34" charset="0"/>
+              <a:buChar char="•"/>
+            </a:pPr>
+            <a:r>
+              <a:rPr lang="en-US" dirty="0">
+                <a:solidFill>
+                  <a:srgbClr val="FF0000"/>
+                </a:solidFill>
+              </a:rPr>
+              <a:t>n</a:t>
+            </a:r>
+            <a:r>
+              <a:rPr lang="en-US" dirty="0" smtClean="0">
+                <a:solidFill>
+                  <a:srgbClr val="FF0000"/>
+                </a:solidFill>
+              </a:rPr>
+              <a:t>o canary</a:t>
+            </a:r>
+            <a:endParaRPr lang="en-US" dirty="0" smtClean="0"/>
+          </a:p>
+          <a:p>
+            <a:pPr marL="285750" indent="-285750">
+              <a:buFont typeface="Arial" panose="020B0604020202020204" pitchFamily="34" charset="0"/>
+              <a:buChar char="•"/>
+            </a:pPr>
+            <a:r>
+              <a:rPr lang="en-US" dirty="0" smtClean="0"/>
+              <a:t>The stack addresses are randomized = </a:t>
+            </a:r>
+            <a:r>
+              <a:rPr lang="en-US" dirty="0" smtClean="0">
+                <a:solidFill>
+                  <a:srgbClr val="FF0000"/>
+                </a:solidFill>
+              </a:rPr>
+              <a:t>ASLR on</a:t>
+            </a:r>
+            <a:endParaRPr lang="en-US" dirty="0"/>
+          </a:p>
+          <a:p>
+            <a:pPr marL="285750" indent="-285750">
+              <a:buFont typeface="Arial" panose="020B0604020202020204" pitchFamily="34" charset="0"/>
+              <a:buChar char="•"/>
+            </a:pPr>
+            <a:r>
+              <a:rPr lang="en-US" dirty="0" smtClean="0"/>
+              <a:t>Crash after 40 bytes, trash in buffer = </a:t>
+            </a:r>
+            <a:r>
+              <a:rPr lang="en-US" dirty="0" smtClean="0">
+                <a:solidFill>
+                  <a:srgbClr val="FF0000"/>
+                </a:solidFill>
+              </a:rPr>
+              <a:t>char </a:t>
+            </a:r>
+            <a:r>
+              <a:rPr lang="en-US" dirty="0">
+                <a:solidFill>
+                  <a:srgbClr val="FF0000"/>
+                </a:solidFill>
+              </a:rPr>
+              <a:t>b</a:t>
+            </a:r>
+            <a:r>
+              <a:rPr lang="en-US" dirty="0" smtClean="0">
+                <a:solidFill>
+                  <a:srgbClr val="FF0000"/>
+                </a:solidFill>
+              </a:rPr>
+              <a:t>uffer[32];</a:t>
+            </a:r>
+            <a:endParaRPr lang="en-US" dirty="0"/>
+          </a:p>
+          <a:p>
+            <a:pPr marL="285750" indent="-285750">
+              <a:buFont typeface="Arial" panose="020B0604020202020204" pitchFamily="34" charset="0"/>
+              <a:buChar char="•"/>
+            </a:pPr>
+            <a:r>
+              <a:rPr lang="en-US" dirty="0" smtClean="0"/>
+              <a:t>Does not print “ </a:t>
+            </a:r>
+            <a:r>
+              <a:rPr lang="en-US" i="1" dirty="0" smtClean="0"/>
+              <a:t>Bye! </a:t>
+            </a:r>
+            <a:r>
+              <a:rPr lang="en-US" dirty="0" smtClean="0"/>
+              <a:t>” when it crashes = intermediate function</a:t>
+            </a:r>
+            <a:endParaRPr lang="en-US" dirty="0"/>
+          </a:p>
+        </p:txBody>
+      </p:sp>
+      <p:sp>
+        <p:nvSpPr>
+          <p:cNvPr id="3" name="TextBox 2"/>
+          <p:cNvSpPr txBox="1"/>
+          <p:nvPr/>
+        </p:nvSpPr>
+        <p:spPr>
+          <a:xfrm>
+            <a:off x="4004068" y="6187494"/>
+            <a:ext cx="4201297" cy="369332"/>
+          </a:xfrm>
+          <a:prstGeom prst="rect">
+            <a:avLst/>
+          </a:prstGeom>
+          <a:noFill/>
+        </p:spPr>
+        <p:txBody>
+          <a:bodyPr wrap="square" rtlCol="0">
+            <a:spAutoFit/>
+          </a:bodyPr>
+          <a:lstStyle/>
+          <a:p>
+            <a:r>
+              <a:rPr lang="en-US" i="1" dirty="0" smtClean="0"/>
+              <a:t>Ok cool bro, but what’s next?</a:t>
+            </a:r>
+            <a:endParaRPr lang="en-US" i="1" dirty="0"/>
+          </a:p>
+        </p:txBody>
+      </p:sp>
+    </p:spTree>
+    <p:extLst>
+      <p:ext uri="{BB962C8B-B14F-4D97-AF65-F5344CB8AC3E}">
+        <p14:creationId xmlns:p14="http://schemas.microsoft.com/office/powerpoint/2010/main" val="3297735021"/>
       </p:ext>
     </p:extLst>
   </p:cSld>
@@ -6225,35 +9585,26 @@
                                   </p:childTnLst>
                                 </p:cTn>
                               </p:par>
+                            </p:childTnLst>
+                          </p:cTn>
+                        </p:par>
+                      </p:childTnLst>
+                    </p:cTn>
+                  </p:par>
+                  <p:par>
+                    <p:cTn id="11" fill="hold">
+                      <p:stCondLst>
+                        <p:cond delay="indefinite"/>
+                      </p:stCondLst>
+                      <p:childTnLst>
+                        <p:par>
+                          <p:cTn id="12" fill="hold">
+                            <p:stCondLst>
+                              <p:cond delay="0"/>
+                            </p:stCondLst>
+                            <p:childTnLst>
                               <p:par>
-                                <p:cTn id="11" presetID="1" presetClass="entr" presetSubtype="0" fill="hold" grpId="0" nodeType="withEffect">
-                                  <p:stCondLst>
-                                    <p:cond delay="0"/>
-                                  </p:stCondLst>
-                                  <p:childTnLst>
-                                    <p:set>
-                                      <p:cBhvr>
-                                        <p:cTn id="12" dur="1" fill="hold">
-                                          <p:stCondLst>
-                                            <p:cond delay="0"/>
-                                          </p:stCondLst>
-                                        </p:cTn>
-                                        <p:tgtEl>
-                                          <p:spTgt spid="7"/>
-                                        </p:tgtEl>
-                                        <p:attrNameLst>
-                                          <p:attrName>style.visibility</p:attrName>
-                                        </p:attrNameLst>
-                                      </p:cBhvr>
-                                      <p:to>
-                                        <p:strVal val="visible"/>
-                                      </p:to>
-                                    </p:set>
-                                  </p:childTnLst>
-                                </p:cTn>
-                              </p:par>
-                              <p:par>
-                                <p:cTn id="13" presetID="1" presetClass="entr" presetSubtype="0" fill="hold" grpId="0" nodeType="withEffect">
+                                <p:cTn id="13" presetID="1" presetClass="entr" presetSubtype="0" fill="hold" grpId="0" nodeType="clickEffect">
                                   <p:stCondLst>
                                     <p:cond delay="0"/>
                                   </p:stCondLst>
@@ -6308,14 +9659,13 @@
     </p:tnLst>
     <p:bldLst>
       <p:bldP spid="5" grpId="0"/>
-      <p:bldP spid="7" grpId="0"/>
-      <p:bldP spid="3" grpId="0" animBg="1"/>
+      <p:bldP spid="3" grpId="0"/>
     </p:bldLst>
   </p:timing>
 </p:sld>
 </file>
 
-<file path=ppt/slides/slide6.xml><?xml version="1.0" encoding="utf-8"?>
+<file path=ppt/slides/slide9.xml><?xml version="1.0" encoding="utf-8"?>
 <p:sld xmlns:a="http://schemas.openxmlformats.org/drawingml/2006/main" xmlns:r="http://schemas.openxmlformats.org/officeDocument/2006/relationships" xmlns:p="http://schemas.openxmlformats.org/presentationml/2006/main">
   <p:cSld>
     <p:spTree>
@@ -6434,7 +9784,7 @@
         </p:nvSpPr>
         <p:spPr>
           <a:xfrm>
-            <a:off x="1443036" y="0"/>
+            <a:off x="1340642" y="0"/>
             <a:ext cx="9072564" cy="584775"/>
           </a:xfrm>
           <a:prstGeom prst="rect">
@@ -6451,15 +9801,91 @@
             <a:pPr algn="ctr"/>
             <a:r>
               <a:rPr lang="en-US" sz="3200" dirty="0" smtClean="0"/>
-              <a:t>What’s a stack buffer overflow?</a:t>
+              <a:t>Return Oriented Programming</a:t>
             </a:r>
             <a:endParaRPr lang="en-US" sz="3200" dirty="0"/>
+          </a:p>
+        </p:txBody>
+      </p:sp>
+      <p:sp>
+        <p:nvSpPr>
+          <p:cNvPr id="3" name="TextBox 2"/>
+          <p:cNvSpPr txBox="1"/>
+          <p:nvPr/>
+        </p:nvSpPr>
+        <p:spPr>
+          <a:xfrm>
+            <a:off x="2034746" y="1351005"/>
+            <a:ext cx="7809470" cy="1754326"/>
+          </a:xfrm>
+          <a:prstGeom prst="rect">
+            <a:avLst/>
+          </a:prstGeom>
+          <a:noFill/>
+        </p:spPr>
+        <p:txBody>
+          <a:bodyPr wrap="square" rtlCol="0">
+            <a:spAutoFit/>
+          </a:bodyPr>
+          <a:lstStyle/>
+          <a:p>
+            <a:pPr marL="285750" indent="-285750">
+              <a:buFont typeface="Arial" panose="020B0604020202020204" pitchFamily="34" charset="0"/>
+              <a:buChar char="•"/>
+            </a:pPr>
+            <a:r>
+              <a:rPr lang="en-US" dirty="0" smtClean="0"/>
+              <a:t>Once we control the execution flow = we control RIP</a:t>
+            </a:r>
+          </a:p>
+          <a:p>
+            <a:pPr marL="285750" indent="-285750">
+              <a:buFont typeface="Arial" panose="020B0604020202020204" pitchFamily="34" charset="0"/>
+              <a:buChar char="•"/>
+            </a:pPr>
+            <a:endParaRPr lang="en-US" dirty="0"/>
+          </a:p>
+          <a:p>
+            <a:pPr marL="285750" indent="-285750">
+              <a:buFont typeface="Arial" panose="020B0604020202020204" pitchFamily="34" charset="0"/>
+              <a:buChar char="•"/>
+            </a:pPr>
+            <a:r>
+              <a:rPr lang="en-US" dirty="0" smtClean="0"/>
+              <a:t>Use </a:t>
+            </a:r>
+            <a:r>
+              <a:rPr lang="en-US" i="1" dirty="0" smtClean="0"/>
+              <a:t>gadgets</a:t>
+            </a:r>
+            <a:r>
+              <a:rPr lang="en-US" dirty="0" smtClean="0"/>
+              <a:t> to execute instructions sequences from the binary itself and jump somewhere else using RET</a:t>
+            </a:r>
+            <a:endParaRPr lang="en-US" i="1" dirty="0" smtClean="0"/>
+          </a:p>
+          <a:p>
+            <a:pPr marL="285750" indent="-285750">
+              <a:buFont typeface="Arial" panose="020B0604020202020204" pitchFamily="34" charset="0"/>
+              <a:buChar char="•"/>
+            </a:pPr>
+            <a:endParaRPr lang="en-US" i="1" dirty="0"/>
+          </a:p>
+          <a:p>
+            <a:pPr marL="285750" indent="-285750">
+              <a:buFont typeface="Arial" panose="020B0604020202020204" pitchFamily="34" charset="0"/>
+              <a:buChar char="•"/>
+            </a:pPr>
+            <a:r>
+              <a:rPr lang="en-US" dirty="0" smtClean="0"/>
+              <a:t>We control the stack values with the stack buffer overflow!</a:t>
+            </a:r>
           </a:p>
         </p:txBody>
       </p:sp>
       <p:pic>
         <p:nvPicPr>
-          <p:cNvPr id="2" name="Picture 1"/>
+          <p:cNvPr id="5" name="Picture 4"/>
           <p:cNvPicPr>
             <a:picLocks noChangeAspect="1"/>
           </p:cNvPicPr>
@@ -6479,8 +9905,8 @@
         </p:blipFill>
         <p:spPr>
           <a:xfrm>
-            <a:off x="549679" y="1181100"/>
-            <a:ext cx="5470121" cy="5084662"/>
+            <a:off x="1070059" y="4562694"/>
+            <a:ext cx="9712584" cy="868857"/>
           </a:xfrm>
           <a:prstGeom prst="rect">
             <a:avLst/>
@@ -6489,14 +9915,14 @@
       </p:pic>
       <p:sp>
         <p:nvSpPr>
-          <p:cNvPr id="6" name="TextBox 5"/>
+          <p:cNvPr id="8" name="TextBox 7"/>
           <p:cNvSpPr txBox="1"/>
           <p:nvPr/>
         </p:nvSpPr>
         <p:spPr>
           <a:xfrm>
-            <a:off x="6176963" y="1601955"/>
-            <a:ext cx="4676774" cy="646331"/>
+            <a:off x="1070059" y="3593898"/>
+            <a:ext cx="9704172" cy="646331"/>
           </a:xfrm>
           <a:prstGeom prst="rect">
             <a:avLst/>
@@ -6509,500 +9935,18 @@
           </a:bodyPr>
           <a:lstStyle/>
           <a:p>
-            <a:pPr marL="285750" indent="-285750">
-              <a:buFont typeface="Arial" panose="020B0604020202020204" pitchFamily="34" charset="0"/>
-              <a:buChar char="•"/>
-            </a:pPr>
             <a:r>
               <a:rPr lang="en-US" dirty="0" smtClean="0"/>
-              <a:t>Occurs when we do not check if the user input fits in the buffer it went in</a:t>
+              <a:t>For instance, this gadgets allows the attacker to control RDI, which is the first argument in the x64 calling convention.</a:t>
             </a:r>
             <a:endParaRPr lang="en-US" dirty="0"/>
-          </a:p>
-        </p:txBody>
-      </p:sp>
-      <p:sp>
-        <p:nvSpPr>
-          <p:cNvPr id="7" name="TextBox 6"/>
-          <p:cNvSpPr txBox="1"/>
-          <p:nvPr/>
-        </p:nvSpPr>
-        <p:spPr>
-          <a:xfrm>
-            <a:off x="6176963" y="2659926"/>
-            <a:ext cx="4878215" cy="646331"/>
-          </a:xfrm>
-          <a:prstGeom prst="rect">
-            <a:avLst/>
-          </a:prstGeom>
-          <a:noFill/>
-        </p:spPr>
-        <p:txBody>
-          <a:bodyPr wrap="square" rtlCol="0">
-            <a:spAutoFit/>
-          </a:bodyPr>
-          <a:lstStyle/>
-          <a:p>
-            <a:pPr marL="285750" indent="-285750">
-              <a:buFont typeface="Arial" panose="020B0604020202020204" pitchFamily="34" charset="0"/>
-              <a:buChar char="•"/>
-            </a:pPr>
-            <a:r>
-              <a:rPr lang="en-US" dirty="0" smtClean="0"/>
-              <a:t>If there is no protection such as </a:t>
-            </a:r>
-            <a:r>
-              <a:rPr lang="en-US" dirty="0" smtClean="0"/>
-              <a:t>canary, </a:t>
-            </a:r>
-            <a:r>
-              <a:rPr lang="en-US" dirty="0" smtClean="0"/>
-              <a:t>we can overwrite data behind the buffer</a:t>
-            </a:r>
-            <a:endParaRPr lang="en-US" dirty="0"/>
-          </a:p>
-        </p:txBody>
-      </p:sp>
-      <p:sp>
-        <p:nvSpPr>
-          <p:cNvPr id="8" name="TextBox 7"/>
-          <p:cNvSpPr txBox="1"/>
-          <p:nvPr/>
-        </p:nvSpPr>
-        <p:spPr>
-          <a:xfrm>
-            <a:off x="6176963" y="3717897"/>
-            <a:ext cx="4991100" cy="923330"/>
-          </a:xfrm>
-          <a:prstGeom prst="rect">
-            <a:avLst/>
-          </a:prstGeom>
-          <a:noFill/>
-        </p:spPr>
-        <p:txBody>
-          <a:bodyPr wrap="square" rtlCol="0">
-            <a:spAutoFit/>
-          </a:bodyPr>
-          <a:lstStyle/>
-          <a:p>
-            <a:pPr marL="285750" indent="-285750">
-              <a:buFont typeface="Arial" panose="020B0604020202020204" pitchFamily="34" charset="0"/>
-              <a:buChar char="•"/>
-            </a:pPr>
-            <a:r>
-              <a:rPr lang="en-US" dirty="0" smtClean="0"/>
-              <a:t>It means that we can take control of execution flow because the return address we jump on is located on the stack</a:t>
-            </a:r>
-            <a:endParaRPr lang="en-US" dirty="0"/>
-          </a:p>
-        </p:txBody>
-      </p:sp>
-      <p:sp>
-        <p:nvSpPr>
-          <p:cNvPr id="9" name="TextBox 8"/>
-          <p:cNvSpPr txBox="1"/>
-          <p:nvPr/>
-        </p:nvSpPr>
-        <p:spPr>
-          <a:xfrm>
-            <a:off x="6249237" y="5186763"/>
-            <a:ext cx="4532226" cy="461665"/>
-          </a:xfrm>
-          <a:prstGeom prst="rect">
-            <a:avLst/>
-          </a:prstGeom>
-          <a:noFill/>
-          <a:ln>
-            <a:solidFill>
-              <a:schemeClr val="tx1"/>
-            </a:solidFill>
-          </a:ln>
-        </p:spPr>
-        <p:txBody>
-          <a:bodyPr wrap="square" rtlCol="0">
-            <a:spAutoFit/>
-          </a:bodyPr>
-          <a:lstStyle/>
-          <a:p>
-            <a:r>
-              <a:rPr lang="en-US" sz="2400" dirty="0" smtClean="0"/>
-              <a:t>RET </a:t>
-            </a:r>
-            <a:r>
-              <a:rPr lang="en-US" sz="2400" dirty="0" smtClean="0"/>
-              <a:t>is equivalent to </a:t>
-            </a:r>
-            <a:r>
-              <a:rPr lang="en-US" sz="2400" dirty="0" smtClean="0"/>
-              <a:t>POP RIP</a:t>
-            </a:r>
-            <a:endParaRPr lang="en-US" sz="2400" dirty="0"/>
           </a:p>
         </p:txBody>
       </p:sp>
     </p:spTree>
     <p:extLst>
       <p:ext uri="{BB962C8B-B14F-4D97-AF65-F5344CB8AC3E}">
-        <p14:creationId xmlns:p14="http://schemas.microsoft.com/office/powerpoint/2010/main" val="3101180952"/>
-      </p:ext>
-    </p:extLst>
-  </p:cSld>
-  <p:clrMapOvr>
-    <a:masterClrMapping/>
-  </p:clrMapOvr>
-  <p:timing>
-    <p:tnLst>
-      <p:par>
-        <p:cTn id="1" dur="indefinite" restart="never" nodeType="tmRoot"/>
-      </p:par>
-    </p:tnLst>
-  </p:timing>
-</p:sld>
-</file>
-
-<file path=ppt/slides/slide7.xml><?xml version="1.0" encoding="utf-8"?>
-<p:sld xmlns:a="http://schemas.openxmlformats.org/drawingml/2006/main" xmlns:r="http://schemas.openxmlformats.org/officeDocument/2006/relationships" xmlns:p="http://schemas.openxmlformats.org/presentationml/2006/main">
-  <p:cSld>
-    <p:spTree>
-      <p:nvGrpSpPr>
-        <p:cNvPr id="1" name=""/>
-        <p:cNvGrpSpPr/>
-        <p:nvPr/>
-      </p:nvGrpSpPr>
-      <p:grpSpPr>
-        <a:xfrm>
-          <a:off x="0" y="0"/>
-          <a:ext cx="0" cy="0"/>
-          <a:chOff x="0" y="0"/>
-          <a:chExt cx="0" cy="0"/>
-        </a:xfrm>
-      </p:grpSpPr>
-      <p:sp>
-        <p:nvSpPr>
-          <p:cNvPr id="12" name="Rectangle 11"/>
-          <p:cNvSpPr/>
-          <p:nvPr/>
-        </p:nvSpPr>
-        <p:spPr>
-          <a:xfrm>
-            <a:off x="457199" y="0"/>
-            <a:ext cx="10839451" cy="628649"/>
-          </a:xfrm>
-          <a:prstGeom prst="rect">
-            <a:avLst/>
-          </a:prstGeom>
-          <a:gradFill flip="none" rotWithShape="1">
-            <a:gsLst>
-              <a:gs pos="52000">
-                <a:schemeClr val="accent1">
-                  <a:lumMod val="60000"/>
-                  <a:lumOff val="40000"/>
-                </a:schemeClr>
-              </a:gs>
-              <a:gs pos="100000">
-                <a:schemeClr val="tx2">
-                  <a:lumMod val="60000"/>
-                  <a:lumOff val="40000"/>
-                </a:schemeClr>
-              </a:gs>
-              <a:gs pos="0">
-                <a:schemeClr val="accent1"/>
-              </a:gs>
-            </a:gsLst>
-            <a:lin ang="10800000" scaled="1"/>
-            <a:tileRect/>
-          </a:gradFill>
-          <a:ln>
-            <a:noFill/>
-          </a:ln>
-        </p:spPr>
-        <p:style>
-          <a:lnRef idx="2">
-            <a:schemeClr val="accent1">
-              <a:shade val="50000"/>
-            </a:schemeClr>
-          </a:lnRef>
-          <a:fillRef idx="1">
-            <a:schemeClr val="accent1"/>
-          </a:fillRef>
-          <a:effectRef idx="0">
-            <a:schemeClr val="accent1"/>
-          </a:effectRef>
-          <a:fontRef idx="minor">
-            <a:schemeClr val="lt1"/>
-          </a:fontRef>
-        </p:style>
-        <p:txBody>
-          <a:bodyPr rtlCol="0" anchor="ctr"/>
-          <a:lstStyle/>
-          <a:p>
-            <a:pPr algn="ctr"/>
-            <a:endParaRPr lang="en-US" sz="3200"/>
-          </a:p>
-        </p:txBody>
-      </p:sp>
-      <p:pic>
-        <p:nvPicPr>
-          <p:cNvPr id="10" name="Picture 9"/>
-          <p:cNvPicPr>
-            <a:picLocks noChangeAspect="1"/>
-          </p:cNvPicPr>
-          <p:nvPr/>
-        </p:nvPicPr>
-        <p:blipFill>
-          <a:blip r:embed="rId2" cstate="print">
-            <a:extLst>
-              <a:ext uri="{28A0092B-C50C-407E-A947-70E740481C1C}">
-                <a14:useLocalDpi xmlns:a14="http://schemas.microsoft.com/office/drawing/2010/main" val="0"/>
-              </a:ext>
-            </a:extLst>
-          </a:blip>
-          <a:stretch>
-            <a:fillRect/>
-          </a:stretch>
-        </p:blipFill>
-        <p:spPr>
-          <a:xfrm>
-            <a:off x="11325199" y="116740"/>
-            <a:ext cx="866801" cy="731428"/>
-          </a:xfrm>
-          <a:prstGeom prst="rect">
-            <a:avLst/>
-          </a:prstGeom>
-        </p:spPr>
-      </p:pic>
-      <p:sp>
-        <p:nvSpPr>
-          <p:cNvPr id="5" name="TextBox 4"/>
-          <p:cNvSpPr txBox="1"/>
-          <p:nvPr/>
-        </p:nvSpPr>
-        <p:spPr>
-          <a:xfrm>
-            <a:off x="1340642" y="0"/>
-            <a:ext cx="9072564" cy="584775"/>
-          </a:xfrm>
-          <a:prstGeom prst="rect">
-            <a:avLst/>
-          </a:prstGeom>
-          <a:noFill/>
-        </p:spPr>
-        <p:txBody>
-          <a:bodyPr wrap="square" rtlCol="0">
-            <a:spAutoFit/>
-          </a:bodyPr>
-          <a:lstStyle/>
-          <a:p>
-            <a:pPr algn="ctr"/>
-            <a:r>
-              <a:rPr lang="en-US" sz="3200" dirty="0" smtClean="0"/>
-              <a:t>Recon</a:t>
-            </a:r>
-            <a:endParaRPr lang="en-US" sz="3200" dirty="0"/>
-          </a:p>
-        </p:txBody>
-      </p:sp>
-      <p:sp>
-        <p:nvSpPr>
-          <p:cNvPr id="6" name="TextBox 5"/>
-          <p:cNvSpPr txBox="1"/>
-          <p:nvPr/>
-        </p:nvSpPr>
-        <p:spPr>
-          <a:xfrm>
-            <a:off x="2894345" y="943825"/>
-            <a:ext cx="6748463" cy="1477328"/>
-          </a:xfrm>
-          <a:prstGeom prst="rect">
-            <a:avLst/>
-          </a:prstGeom>
-          <a:noFill/>
-        </p:spPr>
-        <p:txBody>
-          <a:bodyPr wrap="square" rtlCol="0">
-            <a:spAutoFit/>
-          </a:bodyPr>
-          <a:lstStyle/>
-          <a:p>
-            <a:pPr marL="285750" indent="-285750">
-              <a:buFont typeface="Arial" panose="020B0604020202020204" pitchFamily="34" charset="0"/>
-              <a:buChar char="•"/>
-            </a:pPr>
-            <a:r>
-              <a:rPr lang="en-US" dirty="0" smtClean="0"/>
-              <a:t>Increment input size until program crashes</a:t>
-            </a:r>
-          </a:p>
-          <a:p>
-            <a:pPr marL="285750" indent="-285750">
-              <a:buFont typeface="Arial" panose="020B0604020202020204" pitchFamily="34" charset="0"/>
-              <a:buChar char="•"/>
-            </a:pPr>
-            <a:endParaRPr lang="en-US" dirty="0"/>
-          </a:p>
-          <a:p>
-            <a:pPr marL="285750" indent="-285750">
-              <a:buFont typeface="Arial" panose="020B0604020202020204" pitchFamily="34" charset="0"/>
-              <a:buChar char="•"/>
-            </a:pPr>
-            <a:r>
-              <a:rPr lang="en-US" dirty="0"/>
-              <a:t>C</a:t>
-            </a:r>
-            <a:r>
-              <a:rPr lang="en-US" dirty="0" smtClean="0"/>
-              <a:t>heck the protections:</a:t>
-            </a:r>
-          </a:p>
-          <a:p>
-            <a:pPr marL="742950" lvl="1" indent="-285750">
-              <a:buFont typeface="Arial" panose="020B0604020202020204" pitchFamily="34" charset="0"/>
-              <a:buChar char="•"/>
-            </a:pPr>
-            <a:r>
-              <a:rPr lang="en-US" dirty="0" smtClean="0"/>
-              <a:t>on the binary (PIE, canary) </a:t>
-            </a:r>
-            <a:endParaRPr lang="en-US" dirty="0"/>
-          </a:p>
-          <a:p>
-            <a:pPr marL="742950" lvl="1" indent="-285750">
-              <a:buFont typeface="Arial" panose="020B0604020202020204" pitchFamily="34" charset="0"/>
-              <a:buChar char="•"/>
-            </a:pPr>
-            <a:r>
-              <a:rPr lang="en-US" dirty="0"/>
-              <a:t>o</a:t>
-            </a:r>
-            <a:r>
-              <a:rPr lang="en-US" dirty="0" smtClean="0"/>
-              <a:t>n the server (ASLR)</a:t>
-            </a:r>
-            <a:endParaRPr lang="en-US" dirty="0"/>
-          </a:p>
-        </p:txBody>
-      </p:sp>
-      <p:pic>
-        <p:nvPicPr>
-          <p:cNvPr id="2" name="Picture 1"/>
-          <p:cNvPicPr>
-            <a:picLocks noChangeAspect="1"/>
-          </p:cNvPicPr>
-          <p:nvPr/>
-        </p:nvPicPr>
-        <p:blipFill>
-          <a:blip r:embed="rId3">
-            <a:extLst>
-              <a:ext uri="{28A0092B-C50C-407E-A947-70E740481C1C}">
-                <a14:useLocalDpi xmlns:a14="http://schemas.microsoft.com/office/drawing/2010/main" val="0"/>
-              </a:ext>
-            </a:extLst>
-          </a:blip>
-          <a:stretch>
-            <a:fillRect/>
-          </a:stretch>
-        </p:blipFill>
-        <p:spPr>
-          <a:xfrm>
-            <a:off x="2282487" y="2672962"/>
-            <a:ext cx="7360321" cy="2566988"/>
-          </a:xfrm>
-          <a:prstGeom prst="rect">
-            <a:avLst/>
-          </a:prstGeom>
-        </p:spPr>
-      </p:pic>
-      <p:sp>
-        <p:nvSpPr>
-          <p:cNvPr id="8" name="TextBox 7"/>
-          <p:cNvSpPr txBox="1"/>
-          <p:nvPr/>
-        </p:nvSpPr>
-        <p:spPr>
-          <a:xfrm>
-            <a:off x="3731388" y="5555126"/>
-            <a:ext cx="5438802" cy="830997"/>
-          </a:xfrm>
-          <a:prstGeom prst="rect">
-            <a:avLst/>
-          </a:prstGeom>
-          <a:noFill/>
-        </p:spPr>
-        <p:txBody>
-          <a:bodyPr wrap="square" rtlCol="0">
-            <a:spAutoFit/>
-          </a:bodyPr>
-          <a:lstStyle/>
-          <a:p>
-            <a:r>
-              <a:rPr lang="en-US" sz="2400" dirty="0" smtClean="0"/>
-              <a:t>Program crashes after 40 bytes</a:t>
-            </a:r>
-          </a:p>
-          <a:p>
-            <a:r>
-              <a:rPr lang="en-US" sz="2400" dirty="0" smtClean="0"/>
-              <a:t>= (probably stack) buffer overflow</a:t>
-            </a:r>
-            <a:endParaRPr lang="en-US" sz="2400" dirty="0"/>
-          </a:p>
-        </p:txBody>
-      </p:sp>
-      <p:sp>
-        <p:nvSpPr>
-          <p:cNvPr id="9" name="Right Arrow 8"/>
-          <p:cNvSpPr/>
-          <p:nvPr/>
-        </p:nvSpPr>
-        <p:spPr>
-          <a:xfrm>
-            <a:off x="2368212" y="5648055"/>
-            <a:ext cx="885825" cy="645141"/>
-          </a:xfrm>
-          <a:prstGeom prst="rightArrow">
-            <a:avLst/>
-          </a:prstGeom>
-          <a:solidFill>
-            <a:schemeClr val="tx2">
-              <a:lumMod val="20000"/>
-              <a:lumOff val="80000"/>
-            </a:schemeClr>
-          </a:solidFill>
-          <a:ln>
-            <a:solidFill>
-              <a:schemeClr val="accent2"/>
-            </a:solidFill>
-          </a:ln>
-        </p:spPr>
-        <p:style>
-          <a:lnRef idx="2">
-            <a:schemeClr val="accent1">
-              <a:shade val="50000"/>
-            </a:schemeClr>
-          </a:lnRef>
-          <a:fillRef idx="1">
-            <a:schemeClr val="accent1"/>
-          </a:fillRef>
-          <a:effectRef idx="0">
-            <a:schemeClr val="accent1"/>
-          </a:effectRef>
-          <a:fontRef idx="minor">
-            <a:schemeClr val="lt1"/>
-          </a:fontRef>
-        </p:style>
-        <p:txBody>
-          <a:bodyPr rtlCol="0" anchor="ctr"/>
-          <a:lstStyle/>
-          <a:p>
-            <a:pPr algn="ctr"/>
-            <a:endParaRPr lang="en-US"/>
-          </a:p>
-        </p:txBody>
-      </p:sp>
-    </p:spTree>
-    <p:extLst>
-      <p:ext uri="{BB962C8B-B14F-4D97-AF65-F5344CB8AC3E}">
-        <p14:creationId xmlns:p14="http://schemas.microsoft.com/office/powerpoint/2010/main" val="3301776107"/>
+        <p14:creationId xmlns:p14="http://schemas.microsoft.com/office/powerpoint/2010/main" val="3476725745"/>
       </p:ext>
     </p:extLst>
   </p:cSld>
@@ -7030,7 +9974,7 @@
                             </p:stCondLst>
                             <p:childTnLst>
                               <p:par>
-                                <p:cTn id="5" presetID="1" presetClass="entr" presetSubtype="0" fill="hold" nodeType="clickEffect">
+                                <p:cTn id="5" presetID="1" presetClass="entr" presetSubtype="0" fill="hold" grpId="0" nodeType="clickEffect">
                                   <p:stCondLst>
                                     <p:cond delay="0"/>
                                   </p:stCondLst>
@@ -7043,7 +9987,52 @@
                                           </p:stCondLst>
                                         </p:cTn>
                                         <p:tgtEl>
-                                          <p:spTgt spid="2"/>
+                                          <p:spTgt spid="3"/>
+                                        </p:tgtEl>
+                                        <p:attrNameLst>
+                                          <p:attrName>style.visibility</p:attrName>
+                                        </p:attrNameLst>
+                                      </p:cBhvr>
+                                      <p:to>
+                                        <p:strVal val="visible"/>
+                                      </p:to>
+                                    </p:set>
+                                  </p:childTnLst>
+                                </p:cTn>
+                              </p:par>
+                            </p:childTnLst>
+                          </p:cTn>
+                        </p:par>
+                      </p:childTnLst>
+                    </p:cTn>
+                  </p:par>
+                  <p:par>
+                    <p:cTn id="7" fill="hold">
+                      <p:stCondLst>
+                        <p:cond delay="indefinite"/>
+                      </p:stCondLst>
+                      <p:childTnLst>
+                        <p:par>
+                          <p:cTn id="8" fill="hold">
+                            <p:stCondLst>
+                              <p:cond delay="0"/>
+                            </p:stCondLst>
+                            <p:childTnLst>
+                              <p:par>
+                                <p:cTn id="9" presetID="1" presetClass="entr" presetSubtype="0" fill="hold" nodeType="clickEffect">
+                                  <p:stCondLst>
+                                    <p:cond delay="0"/>
+                                  </p:stCondLst>
+                                  <p:childTnLst>
+                                    <p:set>
+                                      <p:cBhvr>
+                                        <p:cTn id="10" dur="1" fill="hold">
+                                          <p:stCondLst>
+                                            <p:cond delay="0"/>
+                                          </p:stCondLst>
+                                        </p:cTn>
+                                        <p:tgtEl>
+                                          <p:spTgt spid="5"/>
                                         </p:tgtEl>
                                         <p:attrNameLst>
                                           <p:attrName>style.visibility</p:attrName>
@@ -7057,47 +10046,20 @@
                                 </p:cTn>
                               </p:par>
                               <p:par>
-                                <p:cTn id="7" presetID="1" presetClass="entr" presetSubtype="0" fill="hold" grpId="0" nodeType="withEffect">
+                                <p:cTn id="11" presetID="1" presetClass="entr" presetSubtype="0" fill="hold" grpId="0" nodeType="withEffect">
                                   <p:stCondLst>
                                     <p:cond delay="0"/>
                                   </p:stCondLst>
                                   <p:childTnLst>
                                     <p:set>
                                       <p:cBhvr>
-                                        <p:cTn id="8" dur="1" fill="hold">
+                                        <p:cTn id="12" dur="1" fill="hold">
                                           <p:stCondLst>
                                             <p:cond delay="0"/>
                                           </p:stCondLst>
                                         </p:cTn>
                                         <p:tgtEl>
                                           <p:spTgt spid="8"/>
-                                        </p:tgtEl>
-                                        <p:attrNameLst>
-                                          <p:attrName>style.visibility</p:attrName>
-                                        </p:attrNameLst>
-                                      </p:cBhvr>
-                                      <p:to>
-                                        <p:strVal val="visible"/>
-                                      </p:to>
-                                    </p:set>
-                                  </p:childTnLst>
-                                </p:cTn>
-                              </p:par>
-                              <p:par>
-                                <p:cTn id="9" presetID="1" presetClass="entr" presetSubtype="0" fill="hold" grpId="0" nodeType="withEffect">
-                                  <p:stCondLst>
-                                    <p:cond delay="0"/>
-                                  </p:stCondLst>
-                                  <p:childTnLst>
-                                    <p:set>
-                                      <p:cBhvr>
-                                        <p:cTn id="10" dur="1" fill="hold">
-                                          <p:stCondLst>
-                                            <p:cond delay="0"/>
-                                          </p:stCondLst>
-                                        </p:cTn>
-                                        <p:tgtEl>
-                                          <p:spTgt spid="9"/>
                                         </p:tgtEl>
                                         <p:attrNameLst>
                                           <p:attrName>style.visibility</p:attrName>
@@ -7138,705 +10100,9 @@
       </p:par>
     </p:tnLst>
     <p:bldLst>
+      <p:bldP spid="3" grpId="0"/>
       <p:bldP spid="8" grpId="0"/>
-      <p:bldP spid="9" grpId="0" animBg="1"/>
     </p:bldLst>
-  </p:timing>
-</p:sld>
-</file>
-
-<file path=ppt/slides/slide8.xml><?xml version="1.0" encoding="utf-8"?>
-<p:sld xmlns:a="http://schemas.openxmlformats.org/drawingml/2006/main" xmlns:r="http://schemas.openxmlformats.org/officeDocument/2006/relationships" xmlns:p="http://schemas.openxmlformats.org/presentationml/2006/main">
-  <p:cSld>
-    <p:spTree>
-      <p:nvGrpSpPr>
-        <p:cNvPr id="1" name=""/>
-        <p:cNvGrpSpPr/>
-        <p:nvPr/>
-      </p:nvGrpSpPr>
-      <p:grpSpPr>
-        <a:xfrm>
-          <a:off x="0" y="0"/>
-          <a:ext cx="0" cy="0"/>
-          <a:chOff x="0" y="0"/>
-          <a:chExt cx="0" cy="0"/>
-        </a:xfrm>
-      </p:grpSpPr>
-      <p:pic>
-        <p:nvPicPr>
-          <p:cNvPr id="2" name="Picture 1"/>
-          <p:cNvPicPr>
-            <a:picLocks noChangeAspect="1"/>
-          </p:cNvPicPr>
-          <p:nvPr/>
-        </p:nvPicPr>
-        <p:blipFill rotWithShape="1">
-          <a:blip r:embed="rId2">
-            <a:extLst>
-              <a:ext uri="{28A0092B-C50C-407E-A947-70E740481C1C}">
-                <a14:useLocalDpi xmlns:a14="http://schemas.microsoft.com/office/drawing/2010/main" val="0"/>
-              </a:ext>
-            </a:extLst>
-          </a:blip>
-          <a:srcRect l="1797" t="12990" r="3214" b="16156"/>
-          <a:stretch/>
-        </p:blipFill>
-        <p:spPr>
-          <a:xfrm>
-            <a:off x="2469806" y="2991922"/>
-            <a:ext cx="6814236" cy="3000765"/>
-          </a:xfrm>
-          <a:prstGeom prst="rect">
-            <a:avLst/>
-          </a:prstGeom>
-        </p:spPr>
-      </p:pic>
-      <p:sp>
-        <p:nvSpPr>
-          <p:cNvPr id="12" name="Rectangle 11"/>
-          <p:cNvSpPr/>
-          <p:nvPr/>
-        </p:nvSpPr>
-        <p:spPr>
-          <a:xfrm>
-            <a:off x="457199" y="0"/>
-            <a:ext cx="10839451" cy="628649"/>
-          </a:xfrm>
-          <a:prstGeom prst="rect">
-            <a:avLst/>
-          </a:prstGeom>
-          <a:gradFill flip="none" rotWithShape="1">
-            <a:gsLst>
-              <a:gs pos="52000">
-                <a:schemeClr val="accent1">
-                  <a:lumMod val="60000"/>
-                  <a:lumOff val="40000"/>
-                </a:schemeClr>
-              </a:gs>
-              <a:gs pos="100000">
-                <a:schemeClr val="tx2">
-                  <a:lumMod val="60000"/>
-                  <a:lumOff val="40000"/>
-                </a:schemeClr>
-              </a:gs>
-              <a:gs pos="0">
-                <a:schemeClr val="accent1"/>
-              </a:gs>
-            </a:gsLst>
-            <a:lin ang="10800000" scaled="1"/>
-            <a:tileRect/>
-          </a:gradFill>
-          <a:ln>
-            <a:noFill/>
-          </a:ln>
-        </p:spPr>
-        <p:style>
-          <a:lnRef idx="2">
-            <a:schemeClr val="accent1">
-              <a:shade val="50000"/>
-            </a:schemeClr>
-          </a:lnRef>
-          <a:fillRef idx="1">
-            <a:schemeClr val="accent1"/>
-          </a:fillRef>
-          <a:effectRef idx="0">
-            <a:schemeClr val="accent1"/>
-          </a:effectRef>
-          <a:fontRef idx="minor">
-            <a:schemeClr val="lt1"/>
-          </a:fontRef>
-        </p:style>
-        <p:txBody>
-          <a:bodyPr rtlCol="0" anchor="ctr"/>
-          <a:lstStyle/>
-          <a:p>
-            <a:pPr algn="ctr"/>
-            <a:endParaRPr lang="en-US" sz="3200"/>
-          </a:p>
-        </p:txBody>
-      </p:sp>
-      <p:pic>
-        <p:nvPicPr>
-          <p:cNvPr id="10" name="Picture 9"/>
-          <p:cNvPicPr>
-            <a:picLocks noChangeAspect="1"/>
-          </p:cNvPicPr>
-          <p:nvPr/>
-        </p:nvPicPr>
-        <p:blipFill>
-          <a:blip r:embed="rId3" cstate="print">
-            <a:extLst>
-              <a:ext uri="{28A0092B-C50C-407E-A947-70E740481C1C}">
-                <a14:useLocalDpi xmlns:a14="http://schemas.microsoft.com/office/drawing/2010/main" val="0"/>
-              </a:ext>
-            </a:extLst>
-          </a:blip>
-          <a:stretch>
-            <a:fillRect/>
-          </a:stretch>
-        </p:blipFill>
-        <p:spPr>
-          <a:xfrm>
-            <a:off x="11325199" y="116740"/>
-            <a:ext cx="866801" cy="731428"/>
-          </a:xfrm>
-          <a:prstGeom prst="rect">
-            <a:avLst/>
-          </a:prstGeom>
-        </p:spPr>
-      </p:pic>
-      <p:sp>
-        <p:nvSpPr>
-          <p:cNvPr id="4" name="TextBox 3"/>
-          <p:cNvSpPr txBox="1"/>
-          <p:nvPr/>
-        </p:nvSpPr>
-        <p:spPr>
-          <a:xfrm>
-            <a:off x="1340642" y="0"/>
-            <a:ext cx="9072564" cy="584775"/>
-          </a:xfrm>
-          <a:prstGeom prst="rect">
-            <a:avLst/>
-          </a:prstGeom>
-          <a:noFill/>
-        </p:spPr>
-        <p:txBody>
-          <a:bodyPr wrap="square" rtlCol="0">
-            <a:spAutoFit/>
-          </a:bodyPr>
-          <a:lstStyle/>
-          <a:p>
-            <a:pPr algn="ctr"/>
-            <a:r>
-              <a:rPr lang="en-US" sz="3200" dirty="0" smtClean="0"/>
-              <a:t>Reca</a:t>
-            </a:r>
-            <a:r>
-              <a:rPr lang="en-US" sz="3200" dirty="0"/>
-              <a:t>p</a:t>
-            </a:r>
-          </a:p>
-        </p:txBody>
-      </p:sp>
-      <p:sp>
-        <p:nvSpPr>
-          <p:cNvPr id="5" name="TextBox 4"/>
-          <p:cNvSpPr txBox="1"/>
-          <p:nvPr/>
-        </p:nvSpPr>
-        <p:spPr>
-          <a:xfrm>
-            <a:off x="2324725" y="765790"/>
-            <a:ext cx="8021305" cy="2031325"/>
-          </a:xfrm>
-          <a:prstGeom prst="rect">
-            <a:avLst/>
-          </a:prstGeom>
-          <a:noFill/>
-        </p:spPr>
-        <p:txBody>
-          <a:bodyPr wrap="square" rtlCol="0">
-            <a:spAutoFit/>
-          </a:bodyPr>
-          <a:lstStyle/>
-          <a:p>
-            <a:pPr marL="285750" indent="-285750">
-              <a:buFont typeface="Arial" panose="020B0604020202020204" pitchFamily="34" charset="0"/>
-              <a:buChar char="•"/>
-            </a:pPr>
-            <a:r>
-              <a:rPr lang="en-US" dirty="0" smtClean="0"/>
-              <a:t>x86-64 addresses = </a:t>
-            </a:r>
-            <a:r>
-              <a:rPr lang="en-US" dirty="0" smtClean="0">
-                <a:solidFill>
-                  <a:srgbClr val="FF0000"/>
-                </a:solidFill>
-              </a:rPr>
-              <a:t>64-bit</a:t>
-            </a:r>
-            <a:r>
-              <a:rPr lang="en-US" dirty="0" smtClean="0"/>
-              <a:t> executable running</a:t>
-            </a:r>
-            <a:endParaRPr lang="en-US" dirty="0"/>
-          </a:p>
-          <a:p>
-            <a:pPr marL="285750" indent="-285750">
-              <a:buFont typeface="Arial" panose="020B0604020202020204" pitchFamily="34" charset="0"/>
-              <a:buChar char="•"/>
-            </a:pPr>
-            <a:r>
-              <a:rPr lang="en-US" dirty="0" smtClean="0"/>
-              <a:t>We always leak the same bytes which looks like an address:</a:t>
-            </a:r>
-          </a:p>
-          <a:p>
-            <a:pPr marL="742950" lvl="1" indent="-285750">
-              <a:buFont typeface="Arial" panose="020B0604020202020204" pitchFamily="34" charset="0"/>
-              <a:buChar char="•"/>
-            </a:pPr>
-            <a:r>
-              <a:rPr lang="en-US" dirty="0" smtClean="0">
-                <a:solidFill>
-                  <a:srgbClr val="FF0000"/>
-                </a:solidFill>
-              </a:rPr>
-              <a:t>PIE off</a:t>
-            </a:r>
-          </a:p>
-          <a:p>
-            <a:pPr marL="742950" lvl="1" indent="-285750">
-              <a:buFont typeface="Arial" panose="020B0604020202020204" pitchFamily="34" charset="0"/>
-              <a:buChar char="•"/>
-            </a:pPr>
-            <a:r>
-              <a:rPr lang="en-US" dirty="0">
-                <a:solidFill>
-                  <a:srgbClr val="FF0000"/>
-                </a:solidFill>
-              </a:rPr>
-              <a:t>n</a:t>
-            </a:r>
-            <a:r>
-              <a:rPr lang="en-US" dirty="0" smtClean="0">
-                <a:solidFill>
-                  <a:srgbClr val="FF0000"/>
-                </a:solidFill>
-              </a:rPr>
-              <a:t>o canary</a:t>
-            </a:r>
-            <a:endParaRPr lang="en-US" dirty="0" smtClean="0"/>
-          </a:p>
-          <a:p>
-            <a:pPr marL="285750" indent="-285750">
-              <a:buFont typeface="Arial" panose="020B0604020202020204" pitchFamily="34" charset="0"/>
-              <a:buChar char="•"/>
-            </a:pPr>
-            <a:r>
-              <a:rPr lang="en-US" dirty="0" smtClean="0"/>
-              <a:t>The stack addresses are </a:t>
-            </a:r>
-            <a:r>
-              <a:rPr lang="en-US" dirty="0" smtClean="0"/>
-              <a:t>randomized </a:t>
-            </a:r>
-            <a:r>
-              <a:rPr lang="en-US" dirty="0" smtClean="0"/>
-              <a:t>= </a:t>
-            </a:r>
-            <a:r>
-              <a:rPr lang="en-US" dirty="0" smtClean="0">
-                <a:solidFill>
-                  <a:srgbClr val="FF0000"/>
-                </a:solidFill>
-              </a:rPr>
-              <a:t>ASLR on</a:t>
-            </a:r>
-            <a:endParaRPr lang="en-US" dirty="0"/>
-          </a:p>
-          <a:p>
-            <a:pPr marL="285750" indent="-285750">
-              <a:buFont typeface="Arial" panose="020B0604020202020204" pitchFamily="34" charset="0"/>
-              <a:buChar char="•"/>
-            </a:pPr>
-            <a:r>
-              <a:rPr lang="en-US" dirty="0" smtClean="0"/>
-              <a:t>Crash after 40 bytes, trash in buffer = </a:t>
-            </a:r>
-            <a:r>
-              <a:rPr lang="en-US" dirty="0" smtClean="0">
-                <a:solidFill>
-                  <a:srgbClr val="FF0000"/>
-                </a:solidFill>
-              </a:rPr>
-              <a:t>char </a:t>
-            </a:r>
-            <a:r>
-              <a:rPr lang="en-US" dirty="0">
-                <a:solidFill>
-                  <a:srgbClr val="FF0000"/>
-                </a:solidFill>
-              </a:rPr>
-              <a:t>b</a:t>
-            </a:r>
-            <a:r>
-              <a:rPr lang="en-US" dirty="0" smtClean="0">
-                <a:solidFill>
-                  <a:srgbClr val="FF0000"/>
-                </a:solidFill>
-              </a:rPr>
-              <a:t>uffer[32];</a:t>
-            </a:r>
-            <a:endParaRPr lang="en-US" dirty="0"/>
-          </a:p>
-          <a:p>
-            <a:pPr marL="285750" indent="-285750">
-              <a:buFont typeface="Arial" panose="020B0604020202020204" pitchFamily="34" charset="0"/>
-              <a:buChar char="•"/>
-            </a:pPr>
-            <a:r>
-              <a:rPr lang="en-US" dirty="0" smtClean="0"/>
-              <a:t>Does not print “ </a:t>
-            </a:r>
-            <a:r>
-              <a:rPr lang="en-US" i="1" dirty="0" smtClean="0"/>
-              <a:t>Bye! </a:t>
-            </a:r>
-            <a:r>
-              <a:rPr lang="en-US" dirty="0" smtClean="0"/>
-              <a:t>” when it crashes = intermediate function</a:t>
-            </a:r>
-            <a:endParaRPr lang="en-US" dirty="0"/>
-          </a:p>
-        </p:txBody>
-      </p:sp>
-      <p:sp>
-        <p:nvSpPr>
-          <p:cNvPr id="3" name="TextBox 2"/>
-          <p:cNvSpPr txBox="1"/>
-          <p:nvPr/>
-        </p:nvSpPr>
-        <p:spPr>
-          <a:xfrm>
-            <a:off x="4004068" y="6187494"/>
-            <a:ext cx="4201297" cy="369332"/>
-          </a:xfrm>
-          <a:prstGeom prst="rect">
-            <a:avLst/>
-          </a:prstGeom>
-          <a:noFill/>
-        </p:spPr>
-        <p:txBody>
-          <a:bodyPr wrap="square" rtlCol="0">
-            <a:spAutoFit/>
-          </a:bodyPr>
-          <a:lstStyle/>
-          <a:p>
-            <a:r>
-              <a:rPr lang="en-US" i="1" dirty="0" smtClean="0"/>
-              <a:t>Ok cool bro, but what’s next?</a:t>
-            </a:r>
-            <a:endParaRPr lang="en-US" i="1" dirty="0"/>
-          </a:p>
-        </p:txBody>
-      </p:sp>
-    </p:spTree>
-    <p:extLst>
-      <p:ext uri="{BB962C8B-B14F-4D97-AF65-F5344CB8AC3E}">
-        <p14:creationId xmlns:p14="http://schemas.microsoft.com/office/powerpoint/2010/main" val="3297735021"/>
-      </p:ext>
-    </p:extLst>
-  </p:cSld>
-  <p:clrMapOvr>
-    <a:masterClrMapping/>
-  </p:clrMapOvr>
-  <p:timing>
-    <p:tnLst>
-      <p:par>
-        <p:cTn id="1" dur="indefinite" restart="never" nodeType="tmRoot"/>
-      </p:par>
-    </p:tnLst>
-  </p:timing>
-</p:sld>
-</file>
-
-<file path=ppt/slides/slide9.xml><?xml version="1.0" encoding="utf-8"?>
-<p:sld xmlns:a="http://schemas.openxmlformats.org/drawingml/2006/main" xmlns:r="http://schemas.openxmlformats.org/officeDocument/2006/relationships" xmlns:p="http://schemas.openxmlformats.org/presentationml/2006/main">
-  <p:cSld>
-    <p:spTree>
-      <p:nvGrpSpPr>
-        <p:cNvPr id="1" name=""/>
-        <p:cNvGrpSpPr/>
-        <p:nvPr/>
-      </p:nvGrpSpPr>
-      <p:grpSpPr>
-        <a:xfrm>
-          <a:off x="0" y="0"/>
-          <a:ext cx="0" cy="0"/>
-          <a:chOff x="0" y="0"/>
-          <a:chExt cx="0" cy="0"/>
-        </a:xfrm>
-      </p:grpSpPr>
-      <p:sp>
-        <p:nvSpPr>
-          <p:cNvPr id="12" name="Rectangle 11"/>
-          <p:cNvSpPr/>
-          <p:nvPr/>
-        </p:nvSpPr>
-        <p:spPr>
-          <a:xfrm>
-            <a:off x="457199" y="0"/>
-            <a:ext cx="10839451" cy="628649"/>
-          </a:xfrm>
-          <a:prstGeom prst="rect">
-            <a:avLst/>
-          </a:prstGeom>
-          <a:gradFill flip="none" rotWithShape="1">
-            <a:gsLst>
-              <a:gs pos="52000">
-                <a:schemeClr val="accent1">
-                  <a:lumMod val="60000"/>
-                  <a:lumOff val="40000"/>
-                </a:schemeClr>
-              </a:gs>
-              <a:gs pos="100000">
-                <a:schemeClr val="tx2">
-                  <a:lumMod val="60000"/>
-                  <a:lumOff val="40000"/>
-                </a:schemeClr>
-              </a:gs>
-              <a:gs pos="0">
-                <a:schemeClr val="accent1"/>
-              </a:gs>
-            </a:gsLst>
-            <a:lin ang="10800000" scaled="1"/>
-            <a:tileRect/>
-          </a:gradFill>
-          <a:ln>
-            <a:noFill/>
-          </a:ln>
-        </p:spPr>
-        <p:style>
-          <a:lnRef idx="2">
-            <a:schemeClr val="accent1">
-              <a:shade val="50000"/>
-            </a:schemeClr>
-          </a:lnRef>
-          <a:fillRef idx="1">
-            <a:schemeClr val="accent1"/>
-          </a:fillRef>
-          <a:effectRef idx="0">
-            <a:schemeClr val="accent1"/>
-          </a:effectRef>
-          <a:fontRef idx="minor">
-            <a:schemeClr val="lt1"/>
-          </a:fontRef>
-        </p:style>
-        <p:txBody>
-          <a:bodyPr rtlCol="0" anchor="ctr"/>
-          <a:lstStyle/>
-          <a:p>
-            <a:pPr algn="ctr"/>
-            <a:endParaRPr lang="en-US" sz="3200"/>
-          </a:p>
-        </p:txBody>
-      </p:sp>
-      <p:pic>
-        <p:nvPicPr>
-          <p:cNvPr id="10" name="Picture 9"/>
-          <p:cNvPicPr>
-            <a:picLocks noChangeAspect="1"/>
-          </p:cNvPicPr>
-          <p:nvPr/>
-        </p:nvPicPr>
-        <p:blipFill>
-          <a:blip r:embed="rId2" cstate="print">
-            <a:extLst>
-              <a:ext uri="{28A0092B-C50C-407E-A947-70E740481C1C}">
-                <a14:useLocalDpi xmlns:a14="http://schemas.microsoft.com/office/drawing/2010/main" val="0"/>
-              </a:ext>
-            </a:extLst>
-          </a:blip>
-          <a:stretch>
-            <a:fillRect/>
-          </a:stretch>
-        </p:blipFill>
-        <p:spPr>
-          <a:xfrm>
-            <a:off x="11325199" y="116740"/>
-            <a:ext cx="866801" cy="731428"/>
-          </a:xfrm>
-          <a:prstGeom prst="rect">
-            <a:avLst/>
-          </a:prstGeom>
-        </p:spPr>
-      </p:pic>
-      <p:sp>
-        <p:nvSpPr>
-          <p:cNvPr id="4" name="TextBox 3"/>
-          <p:cNvSpPr txBox="1"/>
-          <p:nvPr/>
-        </p:nvSpPr>
-        <p:spPr>
-          <a:xfrm>
-            <a:off x="1340642" y="0"/>
-            <a:ext cx="9072564" cy="584775"/>
-          </a:xfrm>
-          <a:prstGeom prst="rect">
-            <a:avLst/>
-          </a:prstGeom>
-          <a:noFill/>
-        </p:spPr>
-        <p:txBody>
-          <a:bodyPr wrap="square" rtlCol="0">
-            <a:spAutoFit/>
-          </a:bodyPr>
-          <a:lstStyle/>
-          <a:p>
-            <a:pPr algn="ctr"/>
-            <a:r>
-              <a:rPr lang="en-US" sz="3200" dirty="0" smtClean="0"/>
-              <a:t>Return Oriented Programming</a:t>
-            </a:r>
-            <a:endParaRPr lang="en-US" sz="3200" dirty="0"/>
-          </a:p>
-        </p:txBody>
-      </p:sp>
-      <p:sp>
-        <p:nvSpPr>
-          <p:cNvPr id="3" name="TextBox 2"/>
-          <p:cNvSpPr txBox="1"/>
-          <p:nvPr/>
-        </p:nvSpPr>
-        <p:spPr>
-          <a:xfrm>
-            <a:off x="2034746" y="1351005"/>
-            <a:ext cx="7809470" cy="1754326"/>
-          </a:xfrm>
-          <a:prstGeom prst="rect">
-            <a:avLst/>
-          </a:prstGeom>
-          <a:noFill/>
-        </p:spPr>
-        <p:txBody>
-          <a:bodyPr wrap="square" rtlCol="0">
-            <a:spAutoFit/>
-          </a:bodyPr>
-          <a:lstStyle/>
-          <a:p>
-            <a:pPr marL="285750" indent="-285750">
-              <a:buFont typeface="Arial" panose="020B0604020202020204" pitchFamily="34" charset="0"/>
-              <a:buChar char="•"/>
-            </a:pPr>
-            <a:r>
-              <a:rPr lang="en-US" dirty="0" smtClean="0"/>
-              <a:t>Once we control the execution flow = we control RIP</a:t>
-            </a:r>
-          </a:p>
-          <a:p>
-            <a:pPr marL="285750" indent="-285750">
-              <a:buFont typeface="Arial" panose="020B0604020202020204" pitchFamily="34" charset="0"/>
-              <a:buChar char="•"/>
-            </a:pPr>
-            <a:endParaRPr lang="en-US" dirty="0"/>
-          </a:p>
-          <a:p>
-            <a:pPr marL="285750" indent="-285750">
-              <a:buFont typeface="Arial" panose="020B0604020202020204" pitchFamily="34" charset="0"/>
-              <a:buChar char="•"/>
-            </a:pPr>
-            <a:r>
-              <a:rPr lang="en-US" dirty="0" smtClean="0"/>
-              <a:t>Use </a:t>
-            </a:r>
-            <a:r>
-              <a:rPr lang="en-US" i="1" dirty="0" smtClean="0"/>
-              <a:t>gadgets</a:t>
-            </a:r>
-            <a:r>
-              <a:rPr lang="en-US" dirty="0" smtClean="0"/>
-              <a:t> to execute instructions sequences from the binary itself and jump somewhere else using RET</a:t>
-            </a:r>
-            <a:endParaRPr lang="en-US" i="1" dirty="0" smtClean="0"/>
-          </a:p>
-          <a:p>
-            <a:pPr marL="285750" indent="-285750">
-              <a:buFont typeface="Arial" panose="020B0604020202020204" pitchFamily="34" charset="0"/>
-              <a:buChar char="•"/>
-            </a:pPr>
-            <a:endParaRPr lang="en-US" i="1" dirty="0"/>
-          </a:p>
-          <a:p>
-            <a:pPr marL="285750" indent="-285750">
-              <a:buFont typeface="Arial" panose="020B0604020202020204" pitchFamily="34" charset="0"/>
-              <a:buChar char="•"/>
-            </a:pPr>
-            <a:r>
-              <a:rPr lang="en-US" dirty="0" smtClean="0"/>
-              <a:t>We control the stack values with the stack buffer overflow!</a:t>
-            </a:r>
-          </a:p>
-        </p:txBody>
-      </p:sp>
-      <p:pic>
-        <p:nvPicPr>
-          <p:cNvPr id="5" name="Picture 4"/>
-          <p:cNvPicPr>
-            <a:picLocks noChangeAspect="1"/>
-          </p:cNvPicPr>
-          <p:nvPr/>
-        </p:nvPicPr>
-        <p:blipFill>
-          <a:blip r:embed="rId3">
-            <a:extLst>
-              <a:ext uri="{28A0092B-C50C-407E-A947-70E740481C1C}">
-                <a14:useLocalDpi xmlns:a14="http://schemas.microsoft.com/office/drawing/2010/main" val="0"/>
-              </a:ext>
-            </a:extLst>
-          </a:blip>
-          <a:stretch>
-            <a:fillRect/>
-          </a:stretch>
-        </p:blipFill>
-        <p:spPr>
-          <a:xfrm>
-            <a:off x="1070059" y="4562694"/>
-            <a:ext cx="9712584" cy="868857"/>
-          </a:xfrm>
-          <a:prstGeom prst="rect">
-            <a:avLst/>
-          </a:prstGeom>
-        </p:spPr>
-      </p:pic>
-      <p:sp>
-        <p:nvSpPr>
-          <p:cNvPr id="8" name="TextBox 7"/>
-          <p:cNvSpPr txBox="1"/>
-          <p:nvPr/>
-        </p:nvSpPr>
-        <p:spPr>
-          <a:xfrm>
-            <a:off x="1070059" y="3593898"/>
-            <a:ext cx="9704172" cy="646331"/>
-          </a:xfrm>
-          <a:prstGeom prst="rect">
-            <a:avLst/>
-          </a:prstGeom>
-          <a:noFill/>
-        </p:spPr>
-        <p:txBody>
-          <a:bodyPr wrap="square" rtlCol="0">
-            <a:spAutoFit/>
-          </a:bodyPr>
-          <a:lstStyle/>
-          <a:p>
-            <a:r>
-              <a:rPr lang="en-US" dirty="0" smtClean="0"/>
-              <a:t>For instance, this gadgets allows the attacker to control RDI, which is the first argument in the x64 calling convention.</a:t>
-            </a:r>
-            <a:endParaRPr lang="en-US" dirty="0"/>
-          </a:p>
-        </p:txBody>
-      </p:sp>
-    </p:spTree>
-    <p:extLst>
-      <p:ext uri="{BB962C8B-B14F-4D97-AF65-F5344CB8AC3E}">
-        <p14:creationId xmlns:p14="http://schemas.microsoft.com/office/powerpoint/2010/main" val="3476725745"/>
-      </p:ext>
-    </p:extLst>
-  </p:cSld>
-  <p:clrMapOvr>
-    <a:masterClrMapping/>
-  </p:clrMapOvr>
-  <p:timing>
-    <p:tnLst>
-      <p:par>
-        <p:cTn id="1" dur="indefinite" restart="never" nodeType="tmRoot"/>
-      </p:par>
-    </p:tnLst>
   </p:timing>
 </p:sld>
 </file>

--- a/Blind_Date/slides.pptx
+++ b/Blind_Date/slides.pptx
@@ -20,7 +20,17 @@
     <p:sldId id="279" r:id="rId14"/>
     <p:sldId id="280" r:id="rId15"/>
     <p:sldId id="281" r:id="rId16"/>
-    <p:sldId id="276" r:id="rId17"/>
+    <p:sldId id="282" r:id="rId17"/>
+    <p:sldId id="283" r:id="rId18"/>
+    <p:sldId id="284" r:id="rId19"/>
+    <p:sldId id="285" r:id="rId20"/>
+    <p:sldId id="286" r:id="rId21"/>
+    <p:sldId id="287" r:id="rId22"/>
+    <p:sldId id="288" r:id="rId23"/>
+    <p:sldId id="276" r:id="rId24"/>
+    <p:sldId id="289" r:id="rId25"/>
+    <p:sldId id="290" r:id="rId26"/>
+    <p:sldId id="292" r:id="rId27"/>
   </p:sldIdLst>
   <p:sldSz cx="12192000" cy="6858000"/>
   <p:notesSz cx="6858000" cy="9144000"/>
@@ -342,7 +352,7 @@
           <a:p>
             <a:fld id="{463966CE-DF10-4377-80DD-15DF6AA88448}" type="datetimeFigureOut">
               <a:rPr lang="en-US" smtClean="0"/>
-              <a:t>11/4/2021</a:t>
+              <a:t>11/5/2021</a:t>
             </a:fld>
             <a:endParaRPr lang="en-US"/>
           </a:p>
@@ -517,7 +527,7 @@
           <a:p>
             <a:fld id="{463966CE-DF10-4377-80DD-15DF6AA88448}" type="datetimeFigureOut">
               <a:rPr lang="en-US" smtClean="0"/>
-              <a:t>11/4/2021</a:t>
+              <a:t>11/5/2021</a:t>
             </a:fld>
             <a:endParaRPr lang="en-US"/>
           </a:p>
@@ -738,7 +748,7 @@
           <a:p>
             <a:fld id="{463966CE-DF10-4377-80DD-15DF6AA88448}" type="datetimeFigureOut">
               <a:rPr lang="en-US" smtClean="0"/>
-              <a:t>11/4/2021</a:t>
+              <a:t>11/5/2021</a:t>
             </a:fld>
             <a:endParaRPr lang="en-US"/>
           </a:p>
@@ -949,7 +959,7 @@
           <a:p>
             <a:fld id="{463966CE-DF10-4377-80DD-15DF6AA88448}" type="datetimeFigureOut">
               <a:rPr lang="en-US" smtClean="0"/>
-              <a:t>11/4/2021</a:t>
+              <a:t>11/5/2021</a:t>
             </a:fld>
             <a:endParaRPr lang="en-US"/>
           </a:p>
@@ -1244,7 +1254,7 @@
           <a:p>
             <a:fld id="{463966CE-DF10-4377-80DD-15DF6AA88448}" type="datetimeFigureOut">
               <a:rPr lang="en-US" smtClean="0"/>
-              <a:t>11/4/2021</a:t>
+              <a:t>11/5/2021</a:t>
             </a:fld>
             <a:endParaRPr lang="en-US"/>
           </a:p>
@@ -1573,7 +1583,7 @@
           <a:p>
             <a:fld id="{463966CE-DF10-4377-80DD-15DF6AA88448}" type="datetimeFigureOut">
               <a:rPr lang="en-US" smtClean="0"/>
-              <a:t>11/4/2021</a:t>
+              <a:t>11/5/2021</a:t>
             </a:fld>
             <a:endParaRPr lang="en-US"/>
           </a:p>
@@ -2070,7 +2080,7 @@
           <a:p>
             <a:fld id="{463966CE-DF10-4377-80DD-15DF6AA88448}" type="datetimeFigureOut">
               <a:rPr lang="en-US" smtClean="0"/>
-              <a:t>11/4/2021</a:t>
+              <a:t>11/5/2021</a:t>
             </a:fld>
             <a:endParaRPr lang="en-US"/>
           </a:p>
@@ -2234,7 +2244,7 @@
           <a:p>
             <a:fld id="{463966CE-DF10-4377-80DD-15DF6AA88448}" type="datetimeFigureOut">
               <a:rPr lang="en-US" smtClean="0"/>
-              <a:t>11/4/2021</a:t>
+              <a:t>11/5/2021</a:t>
             </a:fld>
             <a:endParaRPr lang="en-US"/>
           </a:p>
@@ -2370,7 +2380,7 @@
           <a:p>
             <a:fld id="{463966CE-DF10-4377-80DD-15DF6AA88448}" type="datetimeFigureOut">
               <a:rPr lang="en-US" smtClean="0"/>
-              <a:t>11/4/2021</a:t>
+              <a:t>11/5/2021</a:t>
             </a:fld>
             <a:endParaRPr lang="en-US"/>
           </a:p>
@@ -2703,7 +2713,7 @@
           <a:p>
             <a:fld id="{463966CE-DF10-4377-80DD-15DF6AA88448}" type="datetimeFigureOut">
               <a:rPr lang="en-US" smtClean="0"/>
-              <a:t>11/4/2021</a:t>
+              <a:t>11/5/2021</a:t>
             </a:fld>
             <a:endParaRPr lang="en-US"/>
           </a:p>
@@ -3023,7 +3033,7 @@
           <a:p>
             <a:fld id="{463966CE-DF10-4377-80DD-15DF6AA88448}" type="datetimeFigureOut">
               <a:rPr lang="en-US" smtClean="0"/>
-              <a:t>11/4/2021</a:t>
+              <a:t>11/5/2021</a:t>
             </a:fld>
             <a:endParaRPr lang="en-US"/>
           </a:p>
@@ -3305,7 +3315,7 @@
           <a:p>
             <a:fld id="{463966CE-DF10-4377-80DD-15DF6AA88448}" type="datetimeFigureOut">
               <a:rPr lang="en-US" smtClean="0"/>
-              <a:t>11/4/2021</a:t>
+              <a:t>11/5/2021</a:t>
             </a:fld>
             <a:endParaRPr lang="en-US"/>
           </a:p>
@@ -4533,7 +4543,7 @@
             </a:pPr>
             <a:r>
               <a:rPr lang="en-US" dirty="0" smtClean="0"/>
-              <a:t>Most important gadget!</a:t>
+              <a:t>Most important gadget</a:t>
             </a:r>
           </a:p>
           <a:p>
@@ -5107,11 +5117,7 @@
             <a:pPr algn="ctr"/>
             <a:r>
               <a:rPr lang="en-US" dirty="0" smtClean="0"/>
-              <a:t>[DEMO </a:t>
-            </a:r>
-            <a:r>
-              <a:rPr lang="en-US" dirty="0" smtClean="0"/>
-              <a:t>STOP GADGET]</a:t>
+              <a:t>[DEMO STOP GADGET]</a:t>
             </a:r>
             <a:endParaRPr lang="en-US" dirty="0"/>
           </a:p>
@@ -5191,12 +5197,7 @@
           <a:prstGeom prst="rightArrow">
             <a:avLst/>
           </a:prstGeom>
-          <a:solidFill>
-            <a:schemeClr val="tx2">
-              <a:lumMod val="20000"/>
-              <a:lumOff val="80000"/>
-            </a:schemeClr>
-          </a:solidFill>
+          <a:noFill/>
           <a:ln>
             <a:solidFill>
               <a:schemeClr val="accent2"/>
@@ -5648,9 +5649,264 @@
             <a:pPr algn="ctr"/>
             <a:r>
               <a:rPr lang="en-US" sz="3200" dirty="0" smtClean="0"/>
-              <a:t>The BROP gadget</a:t>
+              <a:t>The attack plan</a:t>
             </a:r>
             <a:endParaRPr lang="en-US" sz="3200" dirty="0"/>
+          </a:p>
+        </p:txBody>
+      </p:sp>
+      <p:sp>
+        <p:nvSpPr>
+          <p:cNvPr id="5" name="TextBox 4"/>
+          <p:cNvSpPr txBox="1"/>
+          <p:nvPr/>
+        </p:nvSpPr>
+        <p:spPr>
+          <a:xfrm>
+            <a:off x="2545167" y="1146598"/>
+            <a:ext cx="6663511" cy="2585323"/>
+          </a:xfrm>
+          <a:prstGeom prst="rect">
+            <a:avLst/>
+          </a:prstGeom>
+          <a:noFill/>
+        </p:spPr>
+        <p:txBody>
+          <a:bodyPr wrap="square" rtlCol="0">
+            <a:spAutoFit/>
+          </a:bodyPr>
+          <a:lstStyle/>
+          <a:p>
+            <a:r>
+              <a:rPr lang="en-US" dirty="0" smtClean="0"/>
+              <a:t>ASLR on</a:t>
+            </a:r>
+            <a:r>
+              <a:rPr lang="en-US" dirty="0" smtClean="0"/>
+              <a:t>:</a:t>
+            </a:r>
+          </a:p>
+          <a:p>
+            <a:endParaRPr lang="en-US" dirty="0" smtClean="0"/>
+          </a:p>
+          <a:p>
+            <a:pPr marL="742950" lvl="1" indent="-285750">
+              <a:buFont typeface="Wingdings" panose="05000000000000000000" pitchFamily="2" charset="2"/>
+              <a:buChar char="Ø"/>
+            </a:pPr>
+            <a:r>
+              <a:rPr lang="en-US" dirty="0" smtClean="0"/>
+              <a:t>leak a libc </a:t>
+            </a:r>
+            <a:r>
+              <a:rPr lang="en-US" dirty="0" smtClean="0"/>
+              <a:t>address</a:t>
+            </a:r>
+          </a:p>
+          <a:p>
+            <a:pPr marL="742950" lvl="1" indent="-285750">
+              <a:buFont typeface="Wingdings" panose="05000000000000000000" pitchFamily="2" charset="2"/>
+              <a:buChar char="Ø"/>
+            </a:pPr>
+            <a:endParaRPr lang="en-US" dirty="0" smtClean="0"/>
+          </a:p>
+          <a:p>
+            <a:pPr marL="800100" lvl="1" indent="-342900">
+              <a:buFont typeface="Wingdings" panose="05000000000000000000" pitchFamily="2" charset="2"/>
+              <a:buChar char="Ø"/>
+            </a:pPr>
+            <a:r>
+              <a:rPr lang="en-US" dirty="0" smtClean="0"/>
+              <a:t>find the libc </a:t>
+            </a:r>
+            <a:r>
+              <a:rPr lang="en-US" dirty="0" smtClean="0"/>
+              <a:t>version</a:t>
+            </a:r>
+          </a:p>
+          <a:p>
+            <a:pPr marL="800100" lvl="1" indent="-342900">
+              <a:buFont typeface="Wingdings" panose="05000000000000000000" pitchFamily="2" charset="2"/>
+              <a:buChar char="Ø"/>
+            </a:pPr>
+            <a:endParaRPr lang="en-US" dirty="0" smtClean="0"/>
+          </a:p>
+          <a:p>
+            <a:pPr marL="742950" lvl="1" indent="-285750">
+              <a:buFont typeface="Wingdings" panose="05000000000000000000" pitchFamily="2" charset="2"/>
+              <a:buChar char="Ø"/>
+            </a:pPr>
+            <a:r>
+              <a:rPr lang="en-US" dirty="0" smtClean="0"/>
+              <a:t>get offsets for `</a:t>
+            </a:r>
+            <a:r>
+              <a:rPr lang="en-US" i="1" dirty="0" smtClean="0"/>
+              <a:t>/bin/</a:t>
+            </a:r>
+            <a:r>
+              <a:rPr lang="en-US" i="1" dirty="0" err="1" smtClean="0"/>
+              <a:t>sh</a:t>
+            </a:r>
+            <a:r>
+              <a:rPr lang="en-US" i="1" dirty="0" smtClean="0"/>
+              <a:t>` </a:t>
+            </a:r>
+            <a:r>
+              <a:rPr lang="en-US" dirty="0" smtClean="0"/>
+              <a:t>string and </a:t>
+            </a:r>
+            <a:r>
+              <a:rPr lang="en-US" i="1" dirty="0" smtClean="0"/>
+              <a:t>system </a:t>
+            </a:r>
+            <a:r>
+              <a:rPr lang="en-US" dirty="0" smtClean="0"/>
+              <a:t>function</a:t>
+            </a:r>
+          </a:p>
+          <a:p>
+            <a:pPr marL="742950" lvl="1" indent="-285750">
+              <a:buFont typeface="Wingdings" panose="05000000000000000000" pitchFamily="2" charset="2"/>
+              <a:buChar char="Ø"/>
+            </a:pPr>
+            <a:endParaRPr lang="en-US" dirty="0" smtClean="0"/>
+          </a:p>
+          <a:p>
+            <a:pPr marL="742950" lvl="1" indent="-285750">
+              <a:buFont typeface="Wingdings" panose="05000000000000000000" pitchFamily="2" charset="2"/>
+              <a:buChar char="Ø"/>
+            </a:pPr>
+            <a:r>
+              <a:rPr lang="en-US" i="1" dirty="0" smtClean="0"/>
+              <a:t>system(“/bin/</a:t>
+            </a:r>
+            <a:r>
+              <a:rPr lang="en-US" i="1" dirty="0" err="1" smtClean="0"/>
+              <a:t>sh</a:t>
+            </a:r>
+            <a:r>
+              <a:rPr lang="en-US" i="1" dirty="0" smtClean="0"/>
+              <a:t>”)</a:t>
+            </a:r>
+          </a:p>
+        </p:txBody>
+      </p:sp>
+      <p:sp>
+        <p:nvSpPr>
+          <p:cNvPr id="2" name="TextBox 1"/>
+          <p:cNvSpPr txBox="1"/>
+          <p:nvPr/>
+        </p:nvSpPr>
+        <p:spPr>
+          <a:xfrm>
+            <a:off x="2280332" y="4416640"/>
+            <a:ext cx="7925124" cy="369332"/>
+          </a:xfrm>
+          <a:prstGeom prst="rect">
+            <a:avLst/>
+          </a:prstGeom>
+          <a:noFill/>
+        </p:spPr>
+        <p:txBody>
+          <a:bodyPr wrap="square" rtlCol="0">
+            <a:spAutoFit/>
+          </a:bodyPr>
+          <a:lstStyle/>
+          <a:p>
+            <a:r>
+              <a:rPr lang="en-US" dirty="0"/>
+              <a:t>We </a:t>
+            </a:r>
+            <a:r>
+              <a:rPr lang="en-US" dirty="0" smtClean="0"/>
+              <a:t>need </a:t>
+            </a:r>
+            <a:r>
+              <a:rPr lang="en-US" dirty="0"/>
+              <a:t>to control the first argument = RDI in x64 calling </a:t>
+            </a:r>
+            <a:r>
+              <a:rPr lang="en-US" dirty="0" smtClean="0"/>
+              <a:t>convention</a:t>
+            </a:r>
+            <a:endParaRPr lang="en-US" dirty="0"/>
+          </a:p>
+        </p:txBody>
+      </p:sp>
+      <p:sp>
+        <p:nvSpPr>
+          <p:cNvPr id="7" name="Right Arrow 6"/>
+          <p:cNvSpPr/>
+          <p:nvPr/>
+        </p:nvSpPr>
+        <p:spPr>
+          <a:xfrm>
+            <a:off x="1355893" y="4375401"/>
+            <a:ext cx="687858" cy="451810"/>
+          </a:xfrm>
+          <a:prstGeom prst="rightArrow">
+            <a:avLst/>
+          </a:prstGeom>
+          <a:noFill/>
+          <a:ln>
+            <a:solidFill>
+              <a:schemeClr val="accent2"/>
+            </a:solidFill>
+          </a:ln>
+        </p:spPr>
+        <p:style>
+          <a:lnRef idx="2">
+            <a:schemeClr val="accent1">
+              <a:shade val="50000"/>
+            </a:schemeClr>
+          </a:lnRef>
+          <a:fillRef idx="1">
+            <a:schemeClr val="accent1"/>
+          </a:fillRef>
+          <a:effectRef idx="0">
+            <a:schemeClr val="accent1"/>
+          </a:effectRef>
+          <a:fontRef idx="minor">
+            <a:schemeClr val="lt1"/>
+          </a:fontRef>
+        </p:style>
+        <p:txBody>
+          <a:bodyPr rtlCol="0" anchor="ctr"/>
+          <a:lstStyle/>
+          <a:p>
+            <a:pPr algn="ctr"/>
+            <a:endParaRPr lang="en-US"/>
+          </a:p>
+        </p:txBody>
+      </p:sp>
+      <p:sp>
+        <p:nvSpPr>
+          <p:cNvPr id="8" name="TextBox 7"/>
+          <p:cNvSpPr txBox="1"/>
+          <p:nvPr/>
+        </p:nvSpPr>
+        <p:spPr>
+          <a:xfrm>
+            <a:off x="3269935" y="5553169"/>
+            <a:ext cx="5213974" cy="646331"/>
+          </a:xfrm>
+          <a:prstGeom prst="rect">
+            <a:avLst/>
+          </a:prstGeom>
+          <a:noFill/>
+        </p:spPr>
+        <p:txBody>
+          <a:bodyPr wrap="square" rtlCol="0">
+            <a:spAutoFit/>
+          </a:bodyPr>
+          <a:lstStyle/>
+          <a:p>
+            <a:r>
+              <a:rPr lang="en-US" i="1" dirty="0" smtClean="0"/>
+              <a:t>Ok cool bro… But we still have no clue which gadgets we can find in the binary… Do we?</a:t>
+            </a:r>
+            <a:endParaRPr lang="en-US" i="1" dirty="0"/>
           </a:p>
         </p:txBody>
       </p:sp>
@@ -5667,9 +5923,200 @@
   <p:timing>
     <p:tnLst>
       <p:par>
-        <p:cTn id="1" dur="indefinite" restart="never" nodeType="tmRoot"/>
+        <p:cTn id="1" dur="indefinite" restart="never" nodeType="tmRoot">
+          <p:childTnLst>
+            <p:seq concurrent="1" nextAc="seek">
+              <p:cTn id="2" dur="indefinite" nodeType="mainSeq">
+                <p:childTnLst>
+                  <p:par>
+                    <p:cTn id="3" fill="hold">
+                      <p:stCondLst>
+                        <p:cond delay="indefinite"/>
+                      </p:stCondLst>
+                      <p:childTnLst>
+                        <p:par>
+                          <p:cTn id="4" fill="hold">
+                            <p:stCondLst>
+                              <p:cond delay="0"/>
+                            </p:stCondLst>
+                            <p:childTnLst>
+                              <p:par>
+                                <p:cTn id="5" presetID="1" presetClass="entr" presetSubtype="0" fill="hold" grpId="0" nodeType="clickEffect">
+                                  <p:stCondLst>
+                                    <p:cond delay="0"/>
+                                  </p:stCondLst>
+                                  <p:childTnLst>
+                                    <p:set>
+                                      <p:cBhvr>
+                                        <p:cTn id="6" dur="1" fill="hold">
+                                          <p:stCondLst>
+                                            <p:cond delay="0"/>
+                                          </p:stCondLst>
+                                        </p:cTn>
+                                        <p:tgtEl>
+                                          <p:spTgt spid="5"/>
+                                        </p:tgtEl>
+                                        <p:attrNameLst>
+                                          <p:attrName>style.visibility</p:attrName>
+                                        </p:attrNameLst>
+                                      </p:cBhvr>
+                                      <p:to>
+                                        <p:strVal val="visible"/>
+                                      </p:to>
+                                    </p:set>
+                                  </p:childTnLst>
+                                </p:cTn>
+                              </p:par>
+                            </p:childTnLst>
+                          </p:cTn>
+                        </p:par>
+                      </p:childTnLst>
+                    </p:cTn>
+                  </p:par>
+                  <p:par>
+                    <p:cTn id="7" fill="hold">
+                      <p:stCondLst>
+                        <p:cond delay="indefinite"/>
+                      </p:stCondLst>
+                      <p:childTnLst>
+                        <p:par>
+                          <p:cTn id="8" fill="hold">
+                            <p:stCondLst>
+                              <p:cond delay="0"/>
+                            </p:stCondLst>
+                            <p:childTnLst>
+                              <p:par>
+                                <p:cTn id="9" presetID="1" presetClass="entr" presetSubtype="0" fill="hold" grpId="0" nodeType="clickEffect">
+                                  <p:stCondLst>
+                                    <p:cond delay="0"/>
+                                  </p:stCondLst>
+                                  <p:childTnLst>
+                                    <p:set>
+                                      <p:cBhvr>
+                                        <p:cTn id="10" dur="1" fill="hold">
+                                          <p:stCondLst>
+                                            <p:cond delay="0"/>
+                                          </p:stCondLst>
+                                        </p:cTn>
+                                        <p:tgtEl>
+                                          <p:spTgt spid="2"/>
+                                        </p:tgtEl>
+                                        <p:attrNameLst>
+                                          <p:attrName>style.visibility</p:attrName>
+                                        </p:attrNameLst>
+                                      </p:cBhvr>
+                                      <p:to>
+                                        <p:strVal val="visible"/>
+                                      </p:to>
+                                    </p:set>
+                                  </p:childTnLst>
+                                </p:cTn>
+                              </p:par>
+                              <p:par>
+                                <p:cTn id="11" presetID="1" presetClass="entr" presetSubtype="0" fill="hold" grpId="0" nodeType="withEffect">
+                                  <p:stCondLst>
+                                    <p:cond delay="0"/>
+                                  </p:stCondLst>
+                                  <p:childTnLst>
+                                    <p:set>
+                                      <p:cBhvr>
+                                        <p:cTn id="12" dur="1" fill="hold">
+                                          <p:stCondLst>
+                                            <p:cond delay="0"/>
+                                          </p:stCondLst>
+                                        </p:cTn>
+                                        <p:tgtEl>
+                                          <p:spTgt spid="7"/>
+                                        </p:tgtEl>
+                                        <p:attrNameLst>
+                                          <p:attrName>style.visibility</p:attrName>
+                                        </p:attrNameLst>
+                                      </p:cBhvr>
+                                      <p:to>
+                                        <p:strVal val="visible"/>
+                                      </p:to>
+                                    </p:set>
+                                  </p:childTnLst>
+                                </p:cTn>
+                              </p:par>
+                            </p:childTnLst>
+                          </p:cTn>
+                        </p:par>
+                      </p:childTnLst>
+                    </p:cTn>
+                  </p:par>
+                  <p:par>
+                    <p:cTn id="13" fill="hold">
+                      <p:stCondLst>
+                        <p:cond delay="indefinite"/>
+                      </p:stCondLst>
+                      <p:childTnLst>
+                        <p:par>
+                          <p:cTn id="14" fill="hold">
+                            <p:stCondLst>
+                              <p:cond delay="0"/>
+                            </p:stCondLst>
+                            <p:childTnLst>
+                              <p:par>
+                                <p:cTn id="15" presetID="1" presetClass="entr" presetSubtype="0" fill="hold" grpId="0" nodeType="clickEffect">
+                                  <p:stCondLst>
+                                    <p:cond delay="0"/>
+                                  </p:stCondLst>
+                                  <p:childTnLst>
+                                    <p:set>
+                                      <p:cBhvr>
+                                        <p:cTn id="16" dur="1" fill="hold">
+                                          <p:stCondLst>
+                                            <p:cond delay="0"/>
+                                          </p:stCondLst>
+                                        </p:cTn>
+                                        <p:tgtEl>
+                                          <p:spTgt spid="8"/>
+                                        </p:tgtEl>
+                                        <p:attrNameLst>
+                                          <p:attrName>style.visibility</p:attrName>
+                                        </p:attrNameLst>
+                                      </p:cBhvr>
+                                      <p:to>
+                                        <p:strVal val="visible"/>
+                                      </p:to>
+                                    </p:set>
+                                  </p:childTnLst>
+                                </p:cTn>
+                              </p:par>
+                            </p:childTnLst>
+                          </p:cTn>
+                        </p:par>
+                      </p:childTnLst>
+                    </p:cTn>
+                  </p:par>
+                </p:childTnLst>
+              </p:cTn>
+              <p:prevCondLst>
+                <p:cond evt="onPrev" delay="0">
+                  <p:tgtEl>
+                    <p:sldTgt/>
+                  </p:tgtEl>
+                </p:cond>
+              </p:prevCondLst>
+              <p:nextCondLst>
+                <p:cond evt="onNext" delay="0">
+                  <p:tgtEl>
+                    <p:sldTgt/>
+                  </p:tgtEl>
+                </p:cond>
+              </p:nextCondLst>
+            </p:seq>
+          </p:childTnLst>
+        </p:cTn>
       </p:par>
     </p:tnLst>
+    <p:bldLst>
+      <p:bldP spid="5" grpId="0"/>
+      <p:bldP spid="2" grpId="0"/>
+      <p:bldP spid="7" grpId="0" animBg="1"/>
+      <p:bldP spid="8" grpId="0"/>
+    </p:bldLst>
   </p:timing>
 </p:sld>
 </file>
@@ -5785,6 +6232,176 @@
           </a:prstGeom>
         </p:spPr>
       </p:pic>
+      <p:sp>
+        <p:nvSpPr>
+          <p:cNvPr id="4" name="TextBox 3"/>
+          <p:cNvSpPr txBox="1"/>
+          <p:nvPr/>
+        </p:nvSpPr>
+        <p:spPr>
+          <a:xfrm>
+            <a:off x="1340642" y="0"/>
+            <a:ext cx="9072564" cy="584775"/>
+          </a:xfrm>
+          <a:prstGeom prst="rect">
+            <a:avLst/>
+          </a:prstGeom>
+          <a:noFill/>
+        </p:spPr>
+        <p:txBody>
+          <a:bodyPr wrap="square" rtlCol="0">
+            <a:spAutoFit/>
+          </a:bodyPr>
+          <a:lstStyle/>
+          <a:p>
+            <a:pPr algn="ctr"/>
+            <a:r>
+              <a:rPr lang="en-US" sz="3200" dirty="0" smtClean="0"/>
+              <a:t>The BROP gadget</a:t>
+            </a:r>
+            <a:endParaRPr lang="en-US" sz="3200" dirty="0"/>
+          </a:p>
+        </p:txBody>
+      </p:sp>
+      <p:sp>
+        <p:nvSpPr>
+          <p:cNvPr id="5" name="TextBox 4"/>
+          <p:cNvSpPr txBox="1"/>
+          <p:nvPr/>
+        </p:nvSpPr>
+        <p:spPr>
+          <a:xfrm>
+            <a:off x="2552793" y="960115"/>
+            <a:ext cx="7052526" cy="2031325"/>
+          </a:xfrm>
+          <a:prstGeom prst="rect">
+            <a:avLst/>
+          </a:prstGeom>
+          <a:noFill/>
+        </p:spPr>
+        <p:txBody>
+          <a:bodyPr wrap="square" rtlCol="0">
+            <a:spAutoFit/>
+          </a:bodyPr>
+          <a:lstStyle/>
+          <a:p>
+            <a:pPr marL="285750" indent="-285750">
+              <a:buFont typeface="Arial" panose="020B0604020202020204" pitchFamily="34" charset="0"/>
+              <a:buChar char="•"/>
+            </a:pPr>
+            <a:r>
+              <a:rPr lang="en-US" dirty="0" smtClean="0"/>
+              <a:t>The ultimate gadget</a:t>
+            </a:r>
+          </a:p>
+          <a:p>
+            <a:pPr marL="285750" indent="-285750">
+              <a:buFont typeface="Arial" panose="020B0604020202020204" pitchFamily="34" charset="0"/>
+              <a:buChar char="•"/>
+            </a:pPr>
+            <a:endParaRPr lang="en-US" dirty="0"/>
+          </a:p>
+          <a:p>
+            <a:pPr marL="285750" indent="-285750">
+              <a:buFont typeface="Arial" panose="020B0604020202020204" pitchFamily="34" charset="0"/>
+              <a:buChar char="•"/>
+            </a:pPr>
+            <a:r>
+              <a:rPr lang="en-US" dirty="0" smtClean="0"/>
+              <a:t>Almost all binaries have it because it’s located at the end of </a:t>
+            </a:r>
+            <a:r>
+              <a:rPr lang="en-US" b="1" i="1" dirty="0" smtClean="0"/>
+              <a:t>`__libc_csu_init</a:t>
+            </a:r>
+            <a:r>
+              <a:rPr lang="en-US" b="1" dirty="0" smtClean="0"/>
+              <a:t>` </a:t>
+            </a:r>
+            <a:r>
+              <a:rPr lang="en-US" dirty="0" smtClean="0"/>
+              <a:t>which is part of the libc startup routine</a:t>
+            </a:r>
+          </a:p>
+          <a:p>
+            <a:pPr marL="285750" indent="-285750">
+              <a:buFont typeface="Arial" panose="020B0604020202020204" pitchFamily="34" charset="0"/>
+              <a:buChar char="•"/>
+            </a:pPr>
+            <a:endParaRPr lang="en-US" dirty="0"/>
+          </a:p>
+          <a:p>
+            <a:pPr marL="285750" indent="-285750">
+              <a:buFont typeface="Arial" panose="020B0604020202020204" pitchFamily="34" charset="0"/>
+              <a:buChar char="•"/>
+            </a:pPr>
+            <a:r>
+              <a:rPr lang="en-US" dirty="0" smtClean="0"/>
+              <a:t>Easy to spot as it pops 6 values from the stack = very unlikely to get a false positive</a:t>
+            </a:r>
+            <a:endParaRPr lang="en-US" dirty="0"/>
+          </a:p>
+        </p:txBody>
+      </p:sp>
+      <p:pic>
+        <p:nvPicPr>
+          <p:cNvPr id="2" name="Picture 1"/>
+          <p:cNvPicPr>
+            <a:picLocks noChangeAspect="1"/>
+          </p:cNvPicPr>
+          <p:nvPr/>
+        </p:nvPicPr>
+        <p:blipFill rotWithShape="1">
+          <a:blip r:embed="rId3">
+            <a:extLst>
+              <a:ext uri="{28A0092B-C50C-407E-A947-70E740481C1C}">
+                <a14:useLocalDpi xmlns:a14="http://schemas.microsoft.com/office/drawing/2010/main" val="0"/>
+              </a:ext>
+            </a:extLst>
+          </a:blip>
+          <a:srcRect t="17300" r="8736" b="5267"/>
+          <a:stretch/>
+        </p:blipFill>
+        <p:spPr>
+          <a:xfrm>
+            <a:off x="2707533" y="3322906"/>
+            <a:ext cx="6194999" cy="2163512"/>
+          </a:xfrm>
+          <a:prstGeom prst="rect">
+            <a:avLst/>
+          </a:prstGeom>
+        </p:spPr>
+      </p:pic>
+      <p:sp>
+        <p:nvSpPr>
+          <p:cNvPr id="3" name="TextBox 2"/>
+          <p:cNvSpPr txBox="1"/>
+          <p:nvPr/>
+        </p:nvSpPr>
+        <p:spPr>
+          <a:xfrm>
+            <a:off x="3063702" y="5817884"/>
+            <a:ext cx="5626443" cy="369332"/>
+          </a:xfrm>
+          <a:prstGeom prst="rect">
+            <a:avLst/>
+          </a:prstGeom>
+          <a:noFill/>
+        </p:spPr>
+        <p:txBody>
+          <a:bodyPr wrap="square" rtlCol="0">
+            <a:spAutoFit/>
+          </a:bodyPr>
+          <a:lstStyle/>
+          <a:p>
+            <a:r>
+              <a:rPr lang="en-US" i="1" dirty="0" smtClean="0"/>
+              <a:t>Ok cool bro… But we can’t control RDI with it</a:t>
+            </a:r>
+            <a:endParaRPr lang="en-US" i="1" dirty="0"/>
+          </a:p>
+        </p:txBody>
+      </p:sp>
     </p:spTree>
     <p:extLst>
       <p:ext uri="{BB962C8B-B14F-4D97-AF65-F5344CB8AC3E}">
@@ -5798,9 +6415,153 @@
   <p:timing>
     <p:tnLst>
       <p:par>
-        <p:cTn id="1" dur="indefinite" restart="never" nodeType="tmRoot"/>
+        <p:cTn id="1" dur="indefinite" restart="never" nodeType="tmRoot">
+          <p:childTnLst>
+            <p:seq concurrent="1" nextAc="seek">
+              <p:cTn id="2" dur="indefinite" nodeType="mainSeq">
+                <p:childTnLst>
+                  <p:par>
+                    <p:cTn id="3" fill="hold">
+                      <p:stCondLst>
+                        <p:cond delay="indefinite"/>
+                      </p:stCondLst>
+                      <p:childTnLst>
+                        <p:par>
+                          <p:cTn id="4" fill="hold">
+                            <p:stCondLst>
+                              <p:cond delay="0"/>
+                            </p:stCondLst>
+                            <p:childTnLst>
+                              <p:par>
+                                <p:cTn id="5" presetID="1" presetClass="entr" presetSubtype="0" fill="hold" grpId="0" nodeType="clickEffect">
+                                  <p:stCondLst>
+                                    <p:cond delay="0"/>
+                                  </p:stCondLst>
+                                  <p:childTnLst>
+                                    <p:set>
+                                      <p:cBhvr>
+                                        <p:cTn id="6" dur="1" fill="hold">
+                                          <p:stCondLst>
+                                            <p:cond delay="0"/>
+                                          </p:stCondLst>
+                                        </p:cTn>
+                                        <p:tgtEl>
+                                          <p:spTgt spid="5"/>
+                                        </p:tgtEl>
+                                        <p:attrNameLst>
+                                          <p:attrName>style.visibility</p:attrName>
+                                        </p:attrNameLst>
+                                      </p:cBhvr>
+                                      <p:to>
+                                        <p:strVal val="visible"/>
+                                      </p:to>
+                                    </p:set>
+                                  </p:childTnLst>
+                                </p:cTn>
+                              </p:par>
+                              <p:par>
+                                <p:cTn id="7" presetID="1" presetClass="entr" presetSubtype="0" fill="hold" nodeType="withEffect">
+                                  <p:stCondLst>
+                                    <p:cond delay="0"/>
+                                  </p:stCondLst>
+                                  <p:childTnLst>
+                                    <p:set>
+                                      <p:cBhvr>
+                                        <p:cTn id="8" dur="1" fill="hold">
+                                          <p:stCondLst>
+                                            <p:cond delay="0"/>
+                                          </p:stCondLst>
+                                        </p:cTn>
+                                        <p:tgtEl>
+                                          <p:spTgt spid="2"/>
+                                        </p:tgtEl>
+                                        <p:attrNameLst>
+                                          <p:attrName>style.visibility</p:attrName>
+                                        </p:attrNameLst>
+                                      </p:cBhvr>
+                                      <p:to>
+                                        <p:strVal val="visible"/>
+                                      </p:to>
+                                    </p:set>
+                                  </p:childTnLst>
+                                </p:cTn>
+                              </p:par>
+                            </p:childTnLst>
+                          </p:cTn>
+                        </p:par>
+                      </p:childTnLst>
+                    </p:cTn>
+                  </p:par>
+                  <p:par>
+                    <p:cTn id="9" fill="hold">
+                      <p:stCondLst>
+                        <p:cond delay="indefinite"/>
+                      </p:stCondLst>
+                      <p:childTnLst>
+                        <p:par>
+                          <p:cTn id="10" fill="hold">
+                            <p:stCondLst>
+                              <p:cond delay="0"/>
+                            </p:stCondLst>
+                            <p:childTnLst>
+                              <p:par>
+                                <p:cTn id="11" presetID="1" presetClass="entr" presetSubtype="0" fill="hold" grpId="0" nodeType="clickEffect">
+                                  <p:stCondLst>
+                                    <p:cond delay="0"/>
+                                  </p:stCondLst>
+                                  <p:childTnLst>
+                                    <p:set>
+                                      <p:cBhvr>
+                                        <p:cTn id="12" dur="1" fill="hold">
+                                          <p:stCondLst>
+                                            <p:cond delay="0"/>
+                                          </p:stCondLst>
+                                        </p:cTn>
+                                        <p:tgtEl>
+                                          <p:spTgt spid="3"/>
+                                        </p:tgtEl>
+                                        <p:attrNameLst>
+                                          <p:attrName>style.visibility</p:attrName>
+                                        </p:attrNameLst>
+                                      </p:cBhvr>
+                                      <p:to>
+                                        <p:strVal val="visible"/>
+                                      </p:to>
+                                    </p:set>
+                                  </p:childTnLst>
+                                </p:cTn>
+                              </p:par>
+                            </p:childTnLst>
+                          </p:cTn>
+                        </p:par>
+                      </p:childTnLst>
+                    </p:cTn>
+                  </p:par>
+                </p:childTnLst>
+              </p:cTn>
+              <p:prevCondLst>
+                <p:cond evt="onPrev" delay="0">
+                  <p:tgtEl>
+                    <p:sldTgt/>
+                  </p:tgtEl>
+                </p:cond>
+              </p:prevCondLst>
+              <p:nextCondLst>
+                <p:cond evt="onNext" delay="0">
+                  <p:tgtEl>
+                    <p:sldTgt/>
+                  </p:tgtEl>
+                </p:cond>
+              </p:nextCondLst>
+            </p:seq>
+          </p:childTnLst>
+        </p:cTn>
       </p:par>
     </p:tnLst>
+    <p:bldLst>
+      <p:bldP spid="5" grpId="0"/>
+      <p:bldP spid="3" grpId="0"/>
+    </p:bldLst>
   </p:timing>
 </p:sld>
 </file>
@@ -5916,6 +6677,237 @@
           </a:prstGeom>
         </p:spPr>
       </p:pic>
+      <p:sp>
+        <p:nvSpPr>
+          <p:cNvPr id="4" name="TextBox 3"/>
+          <p:cNvSpPr txBox="1"/>
+          <p:nvPr/>
+        </p:nvSpPr>
+        <p:spPr>
+          <a:xfrm>
+            <a:off x="1340642" y="0"/>
+            <a:ext cx="9072564" cy="584775"/>
+          </a:xfrm>
+          <a:prstGeom prst="rect">
+            <a:avLst/>
+          </a:prstGeom>
+          <a:noFill/>
+        </p:spPr>
+        <p:txBody>
+          <a:bodyPr wrap="square" rtlCol="0">
+            <a:spAutoFit/>
+          </a:bodyPr>
+          <a:lstStyle/>
+          <a:p>
+            <a:pPr algn="ctr"/>
+            <a:r>
+              <a:rPr lang="en-US" sz="3200" dirty="0" smtClean="0"/>
+              <a:t>PWN IS AWESOME</a:t>
+            </a:r>
+            <a:endParaRPr lang="en-US" sz="3200" dirty="0"/>
+          </a:p>
+        </p:txBody>
+      </p:sp>
+      <p:sp>
+        <p:nvSpPr>
+          <p:cNvPr id="5" name="TextBox 4"/>
+          <p:cNvSpPr txBox="1"/>
+          <p:nvPr/>
+        </p:nvSpPr>
+        <p:spPr>
+          <a:xfrm>
+            <a:off x="7001299" y="1803877"/>
+            <a:ext cx="3898569" cy="369332"/>
+          </a:xfrm>
+          <a:prstGeom prst="rect">
+            <a:avLst/>
+          </a:prstGeom>
+          <a:noFill/>
+        </p:spPr>
+        <p:txBody>
+          <a:bodyPr wrap="square" rtlCol="0">
+            <a:spAutoFit/>
+          </a:bodyPr>
+          <a:lstStyle/>
+          <a:p>
+            <a:r>
+              <a:rPr lang="en-US" dirty="0" smtClean="0"/>
+              <a:t>What if we jump on 0x401273... ?</a:t>
+            </a:r>
+            <a:endParaRPr lang="en-US" dirty="0"/>
+          </a:p>
+        </p:txBody>
+      </p:sp>
+      <p:pic>
+        <p:nvPicPr>
+          <p:cNvPr id="6" name="Picture 5"/>
+          <p:cNvPicPr>
+            <a:picLocks noChangeAspect="1"/>
+          </p:cNvPicPr>
+          <p:nvPr/>
+        </p:nvPicPr>
+        <p:blipFill rotWithShape="1">
+          <a:blip r:embed="rId3">
+            <a:extLst>
+              <a:ext uri="{28A0092B-C50C-407E-A947-70E740481C1C}">
+                <a14:useLocalDpi xmlns:a14="http://schemas.microsoft.com/office/drawing/2010/main" val="0"/>
+              </a:ext>
+            </a:extLst>
+          </a:blip>
+          <a:srcRect t="17300" r="8736" b="5267"/>
+          <a:stretch/>
+        </p:blipFill>
+        <p:spPr>
+          <a:xfrm>
+            <a:off x="849071" y="995699"/>
+            <a:ext cx="5505591" cy="1922746"/>
+          </a:xfrm>
+          <a:prstGeom prst="rect">
+            <a:avLst/>
+          </a:prstGeom>
+        </p:spPr>
+      </p:pic>
+      <p:pic>
+        <p:nvPicPr>
+          <p:cNvPr id="2" name="Picture 1"/>
+          <p:cNvPicPr>
+            <a:picLocks noChangeAspect="1"/>
+          </p:cNvPicPr>
+          <p:nvPr/>
+        </p:nvPicPr>
+        <p:blipFill>
+          <a:blip r:embed="rId4">
+            <a:extLst>
+              <a:ext uri="{28A0092B-C50C-407E-A947-70E740481C1C}">
+                <a14:useLocalDpi xmlns:a14="http://schemas.microsoft.com/office/drawing/2010/main" val="0"/>
+              </a:ext>
+            </a:extLst>
+          </a:blip>
+          <a:stretch>
+            <a:fillRect/>
+          </a:stretch>
+        </p:blipFill>
+        <p:spPr>
+          <a:xfrm>
+            <a:off x="3338255" y="3556437"/>
+            <a:ext cx="5532026" cy="1194415"/>
+          </a:xfrm>
+          <a:prstGeom prst="rect">
+            <a:avLst/>
+          </a:prstGeom>
+        </p:spPr>
+      </p:pic>
+      <p:cxnSp>
+        <p:nvCxnSpPr>
+          <p:cNvPr id="11" name="Curved Connector 10"/>
+          <p:cNvCxnSpPr/>
+          <p:nvPr/>
+        </p:nvCxnSpPr>
+        <p:spPr>
+          <a:xfrm rot="10800000" flipV="1">
+            <a:off x="3146855" y="1957070"/>
+            <a:ext cx="3707029" cy="506043"/>
+          </a:xfrm>
+          <a:prstGeom prst="curvedConnector3">
+            <a:avLst>
+              <a:gd name="adj1" fmla="val 50000"/>
+            </a:avLst>
+          </a:prstGeom>
+          <a:ln>
+            <a:solidFill>
+              <a:schemeClr val="accent2">
+                <a:alpha val="95000"/>
+              </a:schemeClr>
+            </a:solidFill>
+            <a:tailEnd type="triangle"/>
+          </a:ln>
+        </p:spPr>
+        <p:style>
+          <a:lnRef idx="3">
+            <a:schemeClr val="accent2"/>
+          </a:lnRef>
+          <a:fillRef idx="0">
+            <a:schemeClr val="accent2"/>
+          </a:fillRef>
+          <a:effectRef idx="2">
+            <a:schemeClr val="accent2"/>
+          </a:effectRef>
+          <a:fontRef idx="minor">
+            <a:schemeClr val="tx1"/>
+          </a:fontRef>
+        </p:style>
+      </p:cxnSp>
+      <p:sp>
+        <p:nvSpPr>
+          <p:cNvPr id="31" name="TextBox 30"/>
+          <p:cNvSpPr txBox="1"/>
+          <p:nvPr/>
+        </p:nvSpPr>
+        <p:spPr>
+          <a:xfrm>
+            <a:off x="5000369" y="5206254"/>
+            <a:ext cx="3953589" cy="830997"/>
+          </a:xfrm>
+          <a:prstGeom prst="rect">
+            <a:avLst/>
+          </a:prstGeom>
+          <a:noFill/>
+        </p:spPr>
+        <p:txBody>
+          <a:bodyPr wrap="square" rtlCol="0">
+            <a:spAutoFit/>
+          </a:bodyPr>
+          <a:lstStyle/>
+          <a:p>
+            <a:r>
+              <a:rPr lang="en-US" sz="2400" dirty="0" smtClean="0"/>
+              <a:t>We get a new gadget inside the BROP gadget!</a:t>
+            </a:r>
+            <a:endParaRPr lang="en-US" sz="2400" dirty="0"/>
+          </a:p>
+        </p:txBody>
+      </p:sp>
+      <p:sp>
+        <p:nvSpPr>
+          <p:cNvPr id="32" name="Right Arrow 31"/>
+          <p:cNvSpPr/>
+          <p:nvPr/>
+        </p:nvSpPr>
+        <p:spPr>
+          <a:xfrm>
+            <a:off x="3601866" y="5399332"/>
+            <a:ext cx="815546" cy="444843"/>
+          </a:xfrm>
+          <a:prstGeom prst="rightArrow">
+            <a:avLst/>
+          </a:prstGeom>
+          <a:noFill/>
+        </p:spPr>
+        <p:style>
+          <a:lnRef idx="2">
+            <a:schemeClr val="accent1">
+              <a:shade val="50000"/>
+            </a:schemeClr>
+          </a:lnRef>
+          <a:fillRef idx="1">
+            <a:schemeClr val="accent1"/>
+          </a:fillRef>
+          <a:effectRef idx="0">
+            <a:schemeClr val="accent1"/>
+          </a:effectRef>
+          <a:fontRef idx="minor">
+            <a:schemeClr val="lt1"/>
+          </a:fontRef>
+        </p:style>
+        <p:txBody>
+          <a:bodyPr rtlCol="0" anchor="ctr"/>
+          <a:lstStyle/>
+          <a:p>
+            <a:pPr algn="ctr"/>
+            <a:endParaRPr lang="en-US"/>
+          </a:p>
+        </p:txBody>
+      </p:sp>
     </p:spTree>
     <p:extLst>
       <p:ext uri="{BB962C8B-B14F-4D97-AF65-F5344CB8AC3E}">
@@ -5929,9 +6921,253 @@
   <p:timing>
     <p:tnLst>
       <p:par>
-        <p:cTn id="1" dur="indefinite" restart="never" nodeType="tmRoot"/>
+        <p:cTn id="1" dur="indefinite" restart="never" nodeType="tmRoot">
+          <p:childTnLst>
+            <p:seq concurrent="1" nextAc="seek">
+              <p:cTn id="2" dur="indefinite" nodeType="mainSeq">
+                <p:childTnLst>
+                  <p:par>
+                    <p:cTn id="3" fill="hold">
+                      <p:stCondLst>
+                        <p:cond delay="indefinite"/>
+                      </p:stCondLst>
+                      <p:childTnLst>
+                        <p:par>
+                          <p:cTn id="4" fill="hold">
+                            <p:stCondLst>
+                              <p:cond delay="0"/>
+                            </p:stCondLst>
+                            <p:childTnLst>
+                              <p:par>
+                                <p:cTn id="5" presetID="1" presetClass="entr" presetSubtype="0" fill="hold" nodeType="clickEffect">
+                                  <p:stCondLst>
+                                    <p:cond delay="0"/>
+                                  </p:stCondLst>
+                                  <p:childTnLst>
+                                    <p:set>
+                                      <p:cBhvr>
+                                        <p:cTn id="6" dur="1" fill="hold">
+                                          <p:stCondLst>
+                                            <p:cond delay="0"/>
+                                          </p:stCondLst>
+                                        </p:cTn>
+                                        <p:tgtEl>
+                                          <p:spTgt spid="6"/>
+                                        </p:tgtEl>
+                                        <p:attrNameLst>
+                                          <p:attrName>style.visibility</p:attrName>
+                                        </p:attrNameLst>
+                                      </p:cBhvr>
+                                      <p:to>
+                                        <p:strVal val="visible"/>
+                                      </p:to>
+                                    </p:set>
+                                  </p:childTnLst>
+                                </p:cTn>
+                              </p:par>
+                            </p:childTnLst>
+                          </p:cTn>
+                        </p:par>
+                      </p:childTnLst>
+                    </p:cTn>
+                  </p:par>
+                  <p:par>
+                    <p:cTn id="7" fill="hold">
+                      <p:stCondLst>
+                        <p:cond delay="indefinite"/>
+                      </p:stCondLst>
+                      <p:childTnLst>
+                        <p:par>
+                          <p:cTn id="8" fill="hold">
+                            <p:stCondLst>
+                              <p:cond delay="0"/>
+                            </p:stCondLst>
+                            <p:childTnLst>
+                              <p:par>
+                                <p:cTn id="9" presetID="1" presetClass="entr" presetSubtype="0" fill="hold" nodeType="clickEffect">
+                                  <p:stCondLst>
+                                    <p:cond delay="0"/>
+                                  </p:stCondLst>
+                                  <p:childTnLst>
+                                    <p:set>
+                                      <p:cBhvr>
+                                        <p:cTn id="10" dur="1" fill="hold">
+                                          <p:stCondLst>
+                                            <p:cond delay="0"/>
+                                          </p:stCondLst>
+                                        </p:cTn>
+                                        <p:tgtEl>
+                                          <p:spTgt spid="11"/>
+                                        </p:tgtEl>
+                                        <p:attrNameLst>
+                                          <p:attrName>style.visibility</p:attrName>
+                                        </p:attrNameLst>
+                                      </p:cBhvr>
+                                      <p:to>
+                                        <p:strVal val="visible"/>
+                                      </p:to>
+                                    </p:set>
+                                  </p:childTnLst>
+                                </p:cTn>
+                              </p:par>
+                              <p:par>
+                                <p:cTn id="11" presetID="1" presetClass="entr" presetSubtype="0" fill="hold" grpId="0" nodeType="withEffect">
+                                  <p:stCondLst>
+                                    <p:cond delay="0"/>
+                                  </p:stCondLst>
+                                  <p:childTnLst>
+                                    <p:set>
+                                      <p:cBhvr>
+                                        <p:cTn id="12" dur="1" fill="hold">
+                                          <p:stCondLst>
+                                            <p:cond delay="0"/>
+                                          </p:stCondLst>
+                                        </p:cTn>
+                                        <p:tgtEl>
+                                          <p:spTgt spid="5"/>
+                                        </p:tgtEl>
+                                        <p:attrNameLst>
+                                          <p:attrName>style.visibility</p:attrName>
+                                        </p:attrNameLst>
+                                      </p:cBhvr>
+                                      <p:to>
+                                        <p:strVal val="visible"/>
+                                      </p:to>
+                                    </p:set>
+                                  </p:childTnLst>
+                                </p:cTn>
+                              </p:par>
+                            </p:childTnLst>
+                          </p:cTn>
+                        </p:par>
+                      </p:childTnLst>
+                    </p:cTn>
+                  </p:par>
+                  <p:par>
+                    <p:cTn id="13" fill="hold">
+                      <p:stCondLst>
+                        <p:cond delay="indefinite"/>
+                      </p:stCondLst>
+                      <p:childTnLst>
+                        <p:par>
+                          <p:cTn id="14" fill="hold">
+                            <p:stCondLst>
+                              <p:cond delay="0"/>
+                            </p:stCondLst>
+                            <p:childTnLst>
+                              <p:par>
+                                <p:cTn id="15" presetID="1" presetClass="entr" presetSubtype="0" fill="hold" nodeType="clickEffect">
+                                  <p:stCondLst>
+                                    <p:cond delay="0"/>
+                                  </p:stCondLst>
+                                  <p:childTnLst>
+                                    <p:set>
+                                      <p:cBhvr>
+                                        <p:cTn id="16" dur="1" fill="hold">
+                                          <p:stCondLst>
+                                            <p:cond delay="0"/>
+                                          </p:stCondLst>
+                                        </p:cTn>
+                                        <p:tgtEl>
+                                          <p:spTgt spid="2"/>
+                                        </p:tgtEl>
+                                        <p:attrNameLst>
+                                          <p:attrName>style.visibility</p:attrName>
+                                        </p:attrNameLst>
+                                      </p:cBhvr>
+                                      <p:to>
+                                        <p:strVal val="visible"/>
+                                      </p:to>
+                                    </p:set>
+                                  </p:childTnLst>
+                                </p:cTn>
+                              </p:par>
+                              <p:par>
+                                <p:cTn id="17" presetID="1" presetClass="entr" presetSubtype="0" fill="hold" grpId="0" nodeType="withEffect">
+                                  <p:stCondLst>
+                                    <p:cond delay="0"/>
+                                  </p:stCondLst>
+                                  <p:childTnLst>
+                                    <p:set>
+                                      <p:cBhvr>
+                                        <p:cTn id="18" dur="1" fill="hold">
+                                          <p:stCondLst>
+                                            <p:cond delay="0"/>
+                                          </p:stCondLst>
+                                        </p:cTn>
+                                        <p:tgtEl>
+                                          <p:spTgt spid="31"/>
+                                        </p:tgtEl>
+                                        <p:attrNameLst>
+                                          <p:attrName>style.visibility</p:attrName>
+                                        </p:attrNameLst>
+                                      </p:cBhvr>
+                                      <p:to>
+                                        <p:strVal val="visible"/>
+                                      </p:to>
+                                    </p:set>
+                                  </p:childTnLst>
+                                </p:cTn>
+                              </p:par>
+                              <p:par>
+                                <p:cTn id="19" presetID="1" presetClass="entr" presetSubtype="0" fill="hold" grpId="0" nodeType="withEffect">
+                                  <p:stCondLst>
+                                    <p:cond delay="0"/>
+                                  </p:stCondLst>
+                                  <p:childTnLst>
+                                    <p:set>
+                                      <p:cBhvr>
+                                        <p:cTn id="20" dur="1" fill="hold">
+                                          <p:stCondLst>
+                                            <p:cond delay="0"/>
+                                          </p:stCondLst>
+                                        </p:cTn>
+                                        <p:tgtEl>
+                                          <p:spTgt spid="32"/>
+                                        </p:tgtEl>
+                                        <p:attrNameLst>
+                                          <p:attrName>style.visibility</p:attrName>
+                                        </p:attrNameLst>
+                                      </p:cBhvr>
+                                      <p:to>
+                                        <p:strVal val="visible"/>
+                                      </p:to>
+                                    </p:set>
+                                  </p:childTnLst>
+                                </p:cTn>
+                              </p:par>
+                            </p:childTnLst>
+                          </p:cTn>
+                        </p:par>
+                      </p:childTnLst>
+                    </p:cTn>
+                  </p:par>
+                </p:childTnLst>
+              </p:cTn>
+              <p:prevCondLst>
+                <p:cond evt="onPrev" delay="0">
+                  <p:tgtEl>
+                    <p:sldTgt/>
+                  </p:tgtEl>
+                </p:cond>
+              </p:prevCondLst>
+              <p:nextCondLst>
+                <p:cond evt="onNext" delay="0">
+                  <p:tgtEl>
+                    <p:sldTgt/>
+                  </p:tgtEl>
+                </p:cond>
+              </p:nextCondLst>
+            </p:seq>
+          </p:childTnLst>
+        </p:cTn>
       </p:par>
     </p:tnLst>
+    <p:bldLst>
+      <p:bldP spid="5" grpId="0"/>
+      <p:bldP spid="31" grpId="0"/>
+      <p:bldP spid="32" grpId="0" animBg="1"/>
+    </p:bldLst>
   </p:timing>
 </p:sld>
 </file>
@@ -6047,16 +7283,2226 @@
           </a:prstGeom>
         </p:spPr>
       </p:pic>
+      <p:sp>
+        <p:nvSpPr>
+          <p:cNvPr id="4" name="TextBox 3"/>
+          <p:cNvSpPr txBox="1"/>
+          <p:nvPr/>
+        </p:nvSpPr>
+        <p:spPr>
+          <a:xfrm>
+            <a:off x="1340642" y="0"/>
+            <a:ext cx="9072564" cy="584775"/>
+          </a:xfrm>
+          <a:prstGeom prst="rect">
+            <a:avLst/>
+          </a:prstGeom>
+          <a:noFill/>
+        </p:spPr>
+        <p:txBody>
+          <a:bodyPr wrap="square" rtlCol="0">
+            <a:spAutoFit/>
+          </a:bodyPr>
+          <a:lstStyle/>
+          <a:p>
+            <a:pPr algn="ctr"/>
+            <a:r>
+              <a:rPr lang="en-US" sz="3200" dirty="0" smtClean="0"/>
+              <a:t>Recap</a:t>
+            </a:r>
+            <a:endParaRPr lang="en-US" sz="3200" dirty="0"/>
+          </a:p>
+        </p:txBody>
+      </p:sp>
+      <p:pic>
+        <p:nvPicPr>
+          <p:cNvPr id="3" name="Picture 2"/>
+          <p:cNvPicPr>
+            <a:picLocks noChangeAspect="1"/>
+          </p:cNvPicPr>
+          <p:nvPr/>
+        </p:nvPicPr>
+        <p:blipFill rotWithShape="1">
+          <a:blip r:embed="rId3">
+            <a:extLst>
+              <a:ext uri="{28A0092B-C50C-407E-A947-70E740481C1C}">
+                <a14:useLocalDpi xmlns:a14="http://schemas.microsoft.com/office/drawing/2010/main" val="0"/>
+              </a:ext>
+            </a:extLst>
+          </a:blip>
+          <a:srcRect l="7931" r="37559" b="35428"/>
+          <a:stretch/>
+        </p:blipFill>
+        <p:spPr>
+          <a:xfrm>
+            <a:off x="617837" y="1021271"/>
+            <a:ext cx="4094205" cy="2739754"/>
+          </a:xfrm>
+          <a:prstGeom prst="rect">
+            <a:avLst/>
+          </a:prstGeom>
+        </p:spPr>
+      </p:pic>
+      <p:sp>
+        <p:nvSpPr>
+          <p:cNvPr id="5" name="TextBox 4"/>
+          <p:cNvSpPr txBox="1"/>
+          <p:nvPr/>
+        </p:nvSpPr>
+        <p:spPr>
+          <a:xfrm>
+            <a:off x="708455" y="4153648"/>
+            <a:ext cx="3912971" cy="923330"/>
+          </a:xfrm>
+          <a:prstGeom prst="rect">
+            <a:avLst/>
+          </a:prstGeom>
+          <a:noFill/>
+        </p:spPr>
+        <p:txBody>
+          <a:bodyPr wrap="square" rtlCol="0">
+            <a:spAutoFit/>
+          </a:bodyPr>
+          <a:lstStyle/>
+          <a:p>
+            <a:r>
+              <a:rPr lang="en-US" dirty="0" smtClean="0"/>
+              <a:t>Finding the BROP gadget means being able to control RDI and RSI = two first arguments of a function</a:t>
+            </a:r>
+          </a:p>
+        </p:txBody>
+      </p:sp>
+      <p:sp>
+        <p:nvSpPr>
+          <p:cNvPr id="8" name="TextBox 7"/>
+          <p:cNvSpPr txBox="1"/>
+          <p:nvPr/>
+        </p:nvSpPr>
+        <p:spPr>
+          <a:xfrm>
+            <a:off x="5391667" y="1699278"/>
+            <a:ext cx="5498755" cy="3970318"/>
+          </a:xfrm>
+          <a:prstGeom prst="rect">
+            <a:avLst/>
+          </a:prstGeom>
+          <a:noFill/>
+        </p:spPr>
+        <p:txBody>
+          <a:bodyPr wrap="square" rtlCol="0">
+            <a:spAutoFit/>
+          </a:bodyPr>
+          <a:lstStyle/>
+          <a:p>
+            <a:r>
+              <a:rPr lang="en-US" dirty="0" smtClean="0"/>
+              <a:t>To find it:</a:t>
+            </a:r>
+          </a:p>
+          <a:p>
+            <a:endParaRPr lang="en-US" dirty="0" smtClean="0"/>
+          </a:p>
+          <a:p>
+            <a:pPr marL="285750" indent="-285750">
+              <a:buFont typeface="Wingdings" panose="05000000000000000000" pitchFamily="2" charset="2"/>
+              <a:buChar char="Ø"/>
+            </a:pPr>
+            <a:r>
+              <a:rPr lang="en-US" dirty="0" smtClean="0"/>
+              <a:t>overwrite RIP with the address we increment at each loop</a:t>
+            </a:r>
+          </a:p>
+          <a:p>
+            <a:pPr marL="285750" indent="-285750">
+              <a:buFontTx/>
+              <a:buChar char="-"/>
+            </a:pPr>
+            <a:endParaRPr lang="en-US" dirty="0" smtClean="0"/>
+          </a:p>
+          <a:p>
+            <a:pPr marL="285750" indent="-285750">
+              <a:buFont typeface="Wingdings" panose="05000000000000000000" pitchFamily="2" charset="2"/>
+              <a:buChar char="Ø"/>
+            </a:pPr>
+            <a:r>
+              <a:rPr lang="en-US" dirty="0"/>
+              <a:t>f</a:t>
+            </a:r>
+            <a:r>
+              <a:rPr lang="en-US" dirty="0" smtClean="0"/>
+              <a:t>ollowed by 6 trash addresses that should be popped into RBX, RBP, R12, R13, R14 and R15 if the address is the right one</a:t>
+            </a:r>
+          </a:p>
+          <a:p>
+            <a:pPr marL="285750" indent="-285750">
+              <a:buFont typeface="Wingdings" panose="05000000000000000000" pitchFamily="2" charset="2"/>
+              <a:buChar char="Ø"/>
+            </a:pPr>
+            <a:endParaRPr lang="en-US" dirty="0"/>
+          </a:p>
+          <a:p>
+            <a:pPr marL="285750" indent="-285750">
+              <a:buFont typeface="Wingdings" panose="05000000000000000000" pitchFamily="2" charset="2"/>
+              <a:buChar char="Ø"/>
+            </a:pPr>
+            <a:r>
+              <a:rPr lang="en-US" dirty="0" smtClean="0"/>
+              <a:t>followed by our stop gadget loaded into RIP by the last `</a:t>
+            </a:r>
+            <a:r>
+              <a:rPr lang="en-US" i="1" dirty="0" smtClean="0"/>
+              <a:t>ret</a:t>
+            </a:r>
+            <a:r>
+              <a:rPr lang="en-US" dirty="0" smtClean="0"/>
+              <a:t>`</a:t>
+            </a:r>
+          </a:p>
+          <a:p>
+            <a:pPr marL="285750" indent="-285750">
+              <a:buFont typeface="Wingdings" panose="05000000000000000000" pitchFamily="2" charset="2"/>
+              <a:buChar char="Ø"/>
+            </a:pPr>
+            <a:endParaRPr lang="en-US" dirty="0"/>
+          </a:p>
+          <a:p>
+            <a:pPr marL="285750" indent="-285750">
+              <a:buFont typeface="Wingdings" panose="05000000000000000000" pitchFamily="2" charset="2"/>
+              <a:buChar char="Ø"/>
+            </a:pPr>
+            <a:r>
+              <a:rPr lang="en-US" dirty="0"/>
+              <a:t>i</a:t>
+            </a:r>
+            <a:r>
+              <a:rPr lang="en-US" dirty="0" smtClean="0"/>
+              <a:t>f the address is the good one, we will get our reference in the output!</a:t>
+            </a:r>
+          </a:p>
+        </p:txBody>
+      </p:sp>
+      <p:sp>
+        <p:nvSpPr>
+          <p:cNvPr id="6" name="Rectangle 5"/>
+          <p:cNvSpPr/>
+          <p:nvPr/>
+        </p:nvSpPr>
+        <p:spPr>
+          <a:xfrm>
+            <a:off x="4937968" y="1699278"/>
+            <a:ext cx="45719" cy="3970318"/>
+          </a:xfrm>
+          <a:prstGeom prst="rect">
+            <a:avLst/>
+          </a:prstGeom>
+          <a:solidFill>
+            <a:schemeClr val="tx2">
+              <a:lumMod val="20000"/>
+              <a:lumOff val="80000"/>
+            </a:schemeClr>
+          </a:solidFill>
+          <a:ln>
+            <a:solidFill>
+              <a:schemeClr val="accent2"/>
+            </a:solidFill>
+          </a:ln>
+        </p:spPr>
+        <p:style>
+          <a:lnRef idx="2">
+            <a:schemeClr val="accent1">
+              <a:shade val="50000"/>
+            </a:schemeClr>
+          </a:lnRef>
+          <a:fillRef idx="1">
+            <a:schemeClr val="accent1"/>
+          </a:fillRef>
+          <a:effectRef idx="0">
+            <a:schemeClr val="accent1"/>
+          </a:effectRef>
+          <a:fontRef idx="minor">
+            <a:schemeClr val="lt1"/>
+          </a:fontRef>
+        </p:style>
+        <p:txBody>
+          <a:bodyPr rtlCol="0" anchor="ctr"/>
+          <a:lstStyle/>
+          <a:p>
+            <a:pPr algn="ctr"/>
+            <a:endParaRPr lang="en-US"/>
+          </a:p>
+        </p:txBody>
+      </p:sp>
     </p:spTree>
     <p:extLst>
       <p:ext uri="{BB962C8B-B14F-4D97-AF65-F5344CB8AC3E}">
-        <p14:creationId xmlns:p14="http://schemas.microsoft.com/office/powerpoint/2010/main" val="1380505184"/>
+        <p14:creationId xmlns:p14="http://schemas.microsoft.com/office/powerpoint/2010/main" val="413442568"/>
       </p:ext>
     </p:extLst>
   </p:cSld>
   <p:clrMapOvr>
     <a:masterClrMapping/>
   </p:clrMapOvr>
+  <p:timing>
+    <p:tnLst>
+      <p:par>
+        <p:cTn id="1" dur="indefinite" restart="never" nodeType="tmRoot">
+          <p:childTnLst>
+            <p:seq concurrent="1" nextAc="seek">
+              <p:cTn id="2" dur="indefinite" nodeType="mainSeq">
+                <p:childTnLst>
+                  <p:par>
+                    <p:cTn id="3" fill="hold">
+                      <p:stCondLst>
+                        <p:cond delay="indefinite"/>
+                      </p:stCondLst>
+                      <p:childTnLst>
+                        <p:par>
+                          <p:cTn id="4" fill="hold">
+                            <p:stCondLst>
+                              <p:cond delay="0"/>
+                            </p:stCondLst>
+                            <p:childTnLst>
+                              <p:par>
+                                <p:cTn id="5" presetID="1" presetClass="entr" presetSubtype="0" fill="hold" nodeType="clickEffect">
+                                  <p:stCondLst>
+                                    <p:cond delay="0"/>
+                                  </p:stCondLst>
+                                  <p:childTnLst>
+                                    <p:set>
+                                      <p:cBhvr>
+                                        <p:cTn id="6" dur="1" fill="hold">
+                                          <p:stCondLst>
+                                            <p:cond delay="0"/>
+                                          </p:stCondLst>
+                                        </p:cTn>
+                                        <p:tgtEl>
+                                          <p:spTgt spid="3"/>
+                                        </p:tgtEl>
+                                        <p:attrNameLst>
+                                          <p:attrName>style.visibility</p:attrName>
+                                        </p:attrNameLst>
+                                      </p:cBhvr>
+                                      <p:to>
+                                        <p:strVal val="visible"/>
+                                      </p:to>
+                                    </p:set>
+                                  </p:childTnLst>
+                                </p:cTn>
+                              </p:par>
+                              <p:par>
+                                <p:cTn id="7" presetID="1" presetClass="entr" presetSubtype="0" fill="hold" grpId="0" nodeType="withEffect">
+                                  <p:stCondLst>
+                                    <p:cond delay="0"/>
+                                  </p:stCondLst>
+                                  <p:childTnLst>
+                                    <p:set>
+                                      <p:cBhvr>
+                                        <p:cTn id="8" dur="1" fill="hold">
+                                          <p:stCondLst>
+                                            <p:cond delay="0"/>
+                                          </p:stCondLst>
+                                        </p:cTn>
+                                        <p:tgtEl>
+                                          <p:spTgt spid="5"/>
+                                        </p:tgtEl>
+                                        <p:attrNameLst>
+                                          <p:attrName>style.visibility</p:attrName>
+                                        </p:attrNameLst>
+                                      </p:cBhvr>
+                                      <p:to>
+                                        <p:strVal val="visible"/>
+                                      </p:to>
+                                    </p:set>
+                                  </p:childTnLst>
+                                </p:cTn>
+                              </p:par>
+                            </p:childTnLst>
+                          </p:cTn>
+                        </p:par>
+                      </p:childTnLst>
+                    </p:cTn>
+                  </p:par>
+                  <p:par>
+                    <p:cTn id="9" fill="hold">
+                      <p:stCondLst>
+                        <p:cond delay="indefinite"/>
+                      </p:stCondLst>
+                      <p:childTnLst>
+                        <p:par>
+                          <p:cTn id="10" fill="hold">
+                            <p:stCondLst>
+                              <p:cond delay="0"/>
+                            </p:stCondLst>
+                            <p:childTnLst>
+                              <p:par>
+                                <p:cTn id="11" presetID="1" presetClass="entr" presetSubtype="0" fill="hold" grpId="0" nodeType="clickEffect">
+                                  <p:stCondLst>
+                                    <p:cond delay="0"/>
+                                  </p:stCondLst>
+                                  <p:childTnLst>
+                                    <p:set>
+                                      <p:cBhvr>
+                                        <p:cTn id="12" dur="1" fill="hold">
+                                          <p:stCondLst>
+                                            <p:cond delay="0"/>
+                                          </p:stCondLst>
+                                        </p:cTn>
+                                        <p:tgtEl>
+                                          <p:spTgt spid="6"/>
+                                        </p:tgtEl>
+                                        <p:attrNameLst>
+                                          <p:attrName>style.visibility</p:attrName>
+                                        </p:attrNameLst>
+                                      </p:cBhvr>
+                                      <p:to>
+                                        <p:strVal val="visible"/>
+                                      </p:to>
+                                    </p:set>
+                                  </p:childTnLst>
+                                </p:cTn>
+                              </p:par>
+                              <p:par>
+                                <p:cTn id="13" presetID="1" presetClass="entr" presetSubtype="0" fill="hold" grpId="0" nodeType="withEffect">
+                                  <p:stCondLst>
+                                    <p:cond delay="0"/>
+                                  </p:stCondLst>
+                                  <p:childTnLst>
+                                    <p:set>
+                                      <p:cBhvr>
+                                        <p:cTn id="14" dur="1" fill="hold">
+                                          <p:stCondLst>
+                                            <p:cond delay="0"/>
+                                          </p:stCondLst>
+                                        </p:cTn>
+                                        <p:tgtEl>
+                                          <p:spTgt spid="8"/>
+                                        </p:tgtEl>
+                                        <p:attrNameLst>
+                                          <p:attrName>style.visibility</p:attrName>
+                                        </p:attrNameLst>
+                                      </p:cBhvr>
+                                      <p:to>
+                                        <p:strVal val="visible"/>
+                                      </p:to>
+                                    </p:set>
+                                  </p:childTnLst>
+                                </p:cTn>
+                              </p:par>
+                            </p:childTnLst>
+                          </p:cTn>
+                        </p:par>
+                      </p:childTnLst>
+                    </p:cTn>
+                  </p:par>
+                </p:childTnLst>
+              </p:cTn>
+              <p:prevCondLst>
+                <p:cond evt="onPrev" delay="0">
+                  <p:tgtEl>
+                    <p:sldTgt/>
+                  </p:tgtEl>
+                </p:cond>
+              </p:prevCondLst>
+              <p:nextCondLst>
+                <p:cond evt="onNext" delay="0">
+                  <p:tgtEl>
+                    <p:sldTgt/>
+                  </p:tgtEl>
+                </p:cond>
+              </p:nextCondLst>
+            </p:seq>
+          </p:childTnLst>
+        </p:cTn>
+      </p:par>
+    </p:tnLst>
+    <p:bldLst>
+      <p:bldP spid="5" grpId="0"/>
+      <p:bldP spid="8" grpId="0"/>
+      <p:bldP spid="6" grpId="0" animBg="1"/>
+    </p:bldLst>
+  </p:timing>
+</p:sld>
+</file>
+
+<file path=ppt/slides/slide17.xml><?xml version="1.0" encoding="utf-8"?>
+<p:sld xmlns:a="http://schemas.openxmlformats.org/drawingml/2006/main" xmlns:r="http://schemas.openxmlformats.org/officeDocument/2006/relationships" xmlns:p="http://schemas.openxmlformats.org/presentationml/2006/main">
+  <p:cSld>
+    <p:spTree>
+      <p:nvGrpSpPr>
+        <p:cNvPr id="1" name=""/>
+        <p:cNvGrpSpPr/>
+        <p:nvPr/>
+      </p:nvGrpSpPr>
+      <p:grpSpPr>
+        <a:xfrm>
+          <a:off x="0" y="0"/>
+          <a:ext cx="0" cy="0"/>
+          <a:chOff x="0" y="0"/>
+          <a:chExt cx="0" cy="0"/>
+        </a:xfrm>
+      </p:grpSpPr>
+      <p:pic>
+        <p:nvPicPr>
+          <p:cNvPr id="2" name="Picture 1"/>
+          <p:cNvPicPr>
+            <a:picLocks noChangeAspect="1"/>
+          </p:cNvPicPr>
+          <p:nvPr/>
+        </p:nvPicPr>
+        <p:blipFill>
+          <a:blip r:embed="rId2">
+            <a:extLst>
+              <a:ext uri="{28A0092B-C50C-407E-A947-70E740481C1C}">
+                <a14:useLocalDpi xmlns:a14="http://schemas.microsoft.com/office/drawing/2010/main" val="0"/>
+              </a:ext>
+            </a:extLst>
+          </a:blip>
+          <a:stretch>
+            <a:fillRect/>
+          </a:stretch>
+        </p:blipFill>
+        <p:spPr>
+          <a:xfrm>
+            <a:off x="2488048" y="1233559"/>
+            <a:ext cx="6777752" cy="2681033"/>
+          </a:xfrm>
+          <a:prstGeom prst="rect">
+            <a:avLst/>
+          </a:prstGeom>
+        </p:spPr>
+      </p:pic>
+      <p:sp>
+        <p:nvSpPr>
+          <p:cNvPr id="12" name="Rectangle 11"/>
+          <p:cNvSpPr/>
+          <p:nvPr/>
+        </p:nvSpPr>
+        <p:spPr>
+          <a:xfrm>
+            <a:off x="457199" y="0"/>
+            <a:ext cx="10839451" cy="628649"/>
+          </a:xfrm>
+          <a:prstGeom prst="rect">
+            <a:avLst/>
+          </a:prstGeom>
+          <a:gradFill flip="none" rotWithShape="1">
+            <a:gsLst>
+              <a:gs pos="52000">
+                <a:schemeClr val="accent1">
+                  <a:lumMod val="60000"/>
+                  <a:lumOff val="40000"/>
+                </a:schemeClr>
+              </a:gs>
+              <a:gs pos="100000">
+                <a:schemeClr val="tx2">
+                  <a:lumMod val="60000"/>
+                  <a:lumOff val="40000"/>
+                </a:schemeClr>
+              </a:gs>
+              <a:gs pos="0">
+                <a:schemeClr val="accent1"/>
+              </a:gs>
+            </a:gsLst>
+            <a:lin ang="10800000" scaled="1"/>
+            <a:tileRect/>
+          </a:gradFill>
+          <a:ln>
+            <a:noFill/>
+          </a:ln>
+        </p:spPr>
+        <p:style>
+          <a:lnRef idx="2">
+            <a:schemeClr val="accent1">
+              <a:shade val="50000"/>
+            </a:schemeClr>
+          </a:lnRef>
+          <a:fillRef idx="1">
+            <a:schemeClr val="accent1"/>
+          </a:fillRef>
+          <a:effectRef idx="0">
+            <a:schemeClr val="accent1"/>
+          </a:effectRef>
+          <a:fontRef idx="minor">
+            <a:schemeClr val="lt1"/>
+          </a:fontRef>
+        </p:style>
+        <p:txBody>
+          <a:bodyPr rtlCol="0" anchor="ctr"/>
+          <a:lstStyle/>
+          <a:p>
+            <a:pPr algn="ctr"/>
+            <a:endParaRPr lang="en-US" sz="3200"/>
+          </a:p>
+        </p:txBody>
+      </p:sp>
+      <p:pic>
+        <p:nvPicPr>
+          <p:cNvPr id="10" name="Picture 9"/>
+          <p:cNvPicPr>
+            <a:picLocks noChangeAspect="1"/>
+          </p:cNvPicPr>
+          <p:nvPr/>
+        </p:nvPicPr>
+        <p:blipFill>
+          <a:blip r:embed="rId3" cstate="print">
+            <a:extLst>
+              <a:ext uri="{28A0092B-C50C-407E-A947-70E740481C1C}">
+                <a14:useLocalDpi xmlns:a14="http://schemas.microsoft.com/office/drawing/2010/main" val="0"/>
+              </a:ext>
+            </a:extLst>
+          </a:blip>
+          <a:stretch>
+            <a:fillRect/>
+          </a:stretch>
+        </p:blipFill>
+        <p:spPr>
+          <a:xfrm>
+            <a:off x="11325199" y="116740"/>
+            <a:ext cx="866801" cy="731428"/>
+          </a:xfrm>
+          <a:prstGeom prst="rect">
+            <a:avLst/>
+          </a:prstGeom>
+        </p:spPr>
+      </p:pic>
+      <p:sp>
+        <p:nvSpPr>
+          <p:cNvPr id="5" name="TextBox 4"/>
+          <p:cNvSpPr txBox="1"/>
+          <p:nvPr/>
+        </p:nvSpPr>
+        <p:spPr>
+          <a:xfrm>
+            <a:off x="1340642" y="0"/>
+            <a:ext cx="9072564" cy="584775"/>
+          </a:xfrm>
+          <a:prstGeom prst="rect">
+            <a:avLst/>
+          </a:prstGeom>
+          <a:noFill/>
+        </p:spPr>
+        <p:txBody>
+          <a:bodyPr wrap="square" rtlCol="0">
+            <a:spAutoFit/>
+          </a:bodyPr>
+          <a:lstStyle/>
+          <a:p>
+            <a:pPr algn="ctr"/>
+            <a:r>
+              <a:rPr lang="en-US" sz="3200" dirty="0" smtClean="0"/>
+              <a:t>Let the hunt begin…</a:t>
+            </a:r>
+            <a:endParaRPr lang="en-US" sz="3200" dirty="0"/>
+          </a:p>
+        </p:txBody>
+      </p:sp>
+      <p:sp>
+        <p:nvSpPr>
+          <p:cNvPr id="6" name="TextBox 5"/>
+          <p:cNvSpPr txBox="1"/>
+          <p:nvPr/>
+        </p:nvSpPr>
+        <p:spPr>
+          <a:xfrm>
+            <a:off x="3944765" y="3411709"/>
+            <a:ext cx="3864318" cy="369332"/>
+          </a:xfrm>
+          <a:prstGeom prst="rect">
+            <a:avLst/>
+          </a:prstGeom>
+          <a:noFill/>
+        </p:spPr>
+        <p:txBody>
+          <a:bodyPr wrap="square" rtlCol="0">
+            <a:spAutoFit/>
+          </a:bodyPr>
+          <a:lstStyle/>
+          <a:p>
+            <a:pPr algn="ctr"/>
+            <a:r>
+              <a:rPr lang="en-US" dirty="0" smtClean="0"/>
+              <a:t>[DEMO BROP GADGET]</a:t>
+            </a:r>
+            <a:endParaRPr lang="en-US" dirty="0"/>
+          </a:p>
+        </p:txBody>
+      </p:sp>
+      <p:sp>
+        <p:nvSpPr>
+          <p:cNvPr id="3" name="TextBox 2"/>
+          <p:cNvSpPr txBox="1"/>
+          <p:nvPr/>
+        </p:nvSpPr>
+        <p:spPr>
+          <a:xfrm>
+            <a:off x="4728519" y="4072858"/>
+            <a:ext cx="3723503" cy="369332"/>
+          </a:xfrm>
+          <a:prstGeom prst="rect">
+            <a:avLst/>
+          </a:prstGeom>
+          <a:noFill/>
+        </p:spPr>
+        <p:txBody>
+          <a:bodyPr wrap="square" rtlCol="0">
+            <a:spAutoFit/>
+          </a:bodyPr>
+          <a:lstStyle/>
+          <a:p>
+            <a:r>
+              <a:rPr lang="en-US" dirty="0" smtClean="0"/>
+              <a:t>No false positive!</a:t>
+            </a:r>
+            <a:endParaRPr lang="en-US" dirty="0"/>
+          </a:p>
+        </p:txBody>
+      </p:sp>
+      <p:sp>
+        <p:nvSpPr>
+          <p:cNvPr id="9" name="TextBox 8"/>
+          <p:cNvSpPr txBox="1"/>
+          <p:nvPr/>
+        </p:nvSpPr>
+        <p:spPr>
+          <a:xfrm>
+            <a:off x="4473143" y="5202192"/>
+            <a:ext cx="5453449" cy="523220"/>
+          </a:xfrm>
+          <a:prstGeom prst="rect">
+            <a:avLst/>
+          </a:prstGeom>
+          <a:noFill/>
+        </p:spPr>
+        <p:txBody>
+          <a:bodyPr wrap="square" rtlCol="0">
+            <a:spAutoFit/>
+          </a:bodyPr>
+          <a:lstStyle/>
+          <a:p>
+            <a:r>
+              <a:rPr lang="en-US" sz="2800" dirty="0" smtClean="0"/>
+              <a:t>We can now control registers!</a:t>
+            </a:r>
+            <a:endParaRPr lang="en-US" sz="2800" dirty="0"/>
+          </a:p>
+        </p:txBody>
+      </p:sp>
+      <p:sp>
+        <p:nvSpPr>
+          <p:cNvPr id="7" name="Right Arrow 6"/>
+          <p:cNvSpPr/>
+          <p:nvPr/>
+        </p:nvSpPr>
+        <p:spPr>
+          <a:xfrm>
+            <a:off x="2783229" y="5220786"/>
+            <a:ext cx="1227438" cy="486032"/>
+          </a:xfrm>
+          <a:prstGeom prst="rightArrow">
+            <a:avLst/>
+          </a:prstGeom>
+          <a:noFill/>
+        </p:spPr>
+        <p:style>
+          <a:lnRef idx="2">
+            <a:schemeClr val="accent1">
+              <a:shade val="50000"/>
+            </a:schemeClr>
+          </a:lnRef>
+          <a:fillRef idx="1">
+            <a:schemeClr val="accent1"/>
+          </a:fillRef>
+          <a:effectRef idx="0">
+            <a:schemeClr val="accent1"/>
+          </a:effectRef>
+          <a:fontRef idx="minor">
+            <a:schemeClr val="lt1"/>
+          </a:fontRef>
+        </p:style>
+        <p:txBody>
+          <a:bodyPr rtlCol="0" anchor="ctr"/>
+          <a:lstStyle/>
+          <a:p>
+            <a:pPr algn="ctr"/>
+            <a:endParaRPr lang="en-US"/>
+          </a:p>
+        </p:txBody>
+      </p:sp>
+    </p:spTree>
+    <p:extLst>
+      <p:ext uri="{BB962C8B-B14F-4D97-AF65-F5344CB8AC3E}">
+        <p14:creationId xmlns:p14="http://schemas.microsoft.com/office/powerpoint/2010/main" val="4238290054"/>
+      </p:ext>
+    </p:extLst>
+  </p:cSld>
+  <p:clrMapOvr>
+    <a:masterClrMapping/>
+  </p:clrMapOvr>
+  <p:timing>
+    <p:tnLst>
+      <p:par>
+        <p:cTn id="1" dur="indefinite" restart="never" nodeType="tmRoot">
+          <p:childTnLst>
+            <p:seq concurrent="1" nextAc="seek">
+              <p:cTn id="2" dur="indefinite" nodeType="mainSeq">
+                <p:childTnLst>
+                  <p:par>
+                    <p:cTn id="3" fill="hold">
+                      <p:stCondLst>
+                        <p:cond delay="indefinite"/>
+                      </p:stCondLst>
+                      <p:childTnLst>
+                        <p:par>
+                          <p:cTn id="4" fill="hold">
+                            <p:stCondLst>
+                              <p:cond delay="0"/>
+                            </p:stCondLst>
+                            <p:childTnLst>
+                              <p:par>
+                                <p:cTn id="5" presetID="1" presetClass="entr" presetSubtype="0" fill="hold" grpId="0" nodeType="clickEffect">
+                                  <p:stCondLst>
+                                    <p:cond delay="0"/>
+                                  </p:stCondLst>
+                                  <p:childTnLst>
+                                    <p:set>
+                                      <p:cBhvr>
+                                        <p:cTn id="6" dur="1" fill="hold">
+                                          <p:stCondLst>
+                                            <p:cond delay="0"/>
+                                          </p:stCondLst>
+                                        </p:cTn>
+                                        <p:tgtEl>
+                                          <p:spTgt spid="6"/>
+                                        </p:tgtEl>
+                                        <p:attrNameLst>
+                                          <p:attrName>style.visibility</p:attrName>
+                                        </p:attrNameLst>
+                                      </p:cBhvr>
+                                      <p:to>
+                                        <p:strVal val="visible"/>
+                                      </p:to>
+                                    </p:set>
+                                  </p:childTnLst>
+                                </p:cTn>
+                              </p:par>
+                            </p:childTnLst>
+                          </p:cTn>
+                        </p:par>
+                      </p:childTnLst>
+                    </p:cTn>
+                  </p:par>
+                  <p:par>
+                    <p:cTn id="7" fill="hold">
+                      <p:stCondLst>
+                        <p:cond delay="indefinite"/>
+                      </p:stCondLst>
+                      <p:childTnLst>
+                        <p:par>
+                          <p:cTn id="8" fill="hold">
+                            <p:stCondLst>
+                              <p:cond delay="0"/>
+                            </p:stCondLst>
+                            <p:childTnLst>
+                              <p:par>
+                                <p:cTn id="9" presetID="1" presetClass="exit" presetSubtype="0" fill="hold" grpId="1" nodeType="clickEffect">
+                                  <p:stCondLst>
+                                    <p:cond delay="0"/>
+                                  </p:stCondLst>
+                                  <p:childTnLst>
+                                    <p:set>
+                                      <p:cBhvr>
+                                        <p:cTn id="10" dur="1" fill="hold">
+                                          <p:stCondLst>
+                                            <p:cond delay="0"/>
+                                          </p:stCondLst>
+                                        </p:cTn>
+                                        <p:tgtEl>
+                                          <p:spTgt spid="6"/>
+                                        </p:tgtEl>
+                                        <p:attrNameLst>
+                                          <p:attrName>style.visibility</p:attrName>
+                                        </p:attrNameLst>
+                                      </p:cBhvr>
+                                      <p:to>
+                                        <p:strVal val="hidden"/>
+                                      </p:to>
+                                    </p:set>
+                                  </p:childTnLst>
+                                </p:cTn>
+                              </p:par>
+                            </p:childTnLst>
+                          </p:cTn>
+                        </p:par>
+                        <p:par>
+                          <p:cTn id="11" fill="hold">
+                            <p:stCondLst>
+                              <p:cond delay="0"/>
+                            </p:stCondLst>
+                            <p:childTnLst>
+                              <p:par>
+                                <p:cTn id="12" presetID="1" presetClass="entr" presetSubtype="0" fill="hold" nodeType="afterEffect">
+                                  <p:stCondLst>
+                                    <p:cond delay="0"/>
+                                  </p:stCondLst>
+                                  <p:childTnLst>
+                                    <p:set>
+                                      <p:cBhvr>
+                                        <p:cTn id="13" dur="1" fill="hold">
+                                          <p:stCondLst>
+                                            <p:cond delay="0"/>
+                                          </p:stCondLst>
+                                        </p:cTn>
+                                        <p:tgtEl>
+                                          <p:spTgt spid="2"/>
+                                        </p:tgtEl>
+                                        <p:attrNameLst>
+                                          <p:attrName>style.visibility</p:attrName>
+                                        </p:attrNameLst>
+                                      </p:cBhvr>
+                                      <p:to>
+                                        <p:strVal val="visible"/>
+                                      </p:to>
+                                    </p:set>
+                                  </p:childTnLst>
+                                </p:cTn>
+                              </p:par>
+                            </p:childTnLst>
+                          </p:cTn>
+                        </p:par>
+                        <p:par>
+                          <p:cTn id="14" fill="hold">
+                            <p:stCondLst>
+                              <p:cond delay="0"/>
+                            </p:stCondLst>
+                            <p:childTnLst>
+                              <p:par>
+                                <p:cTn id="15" presetID="1" presetClass="entr" presetSubtype="0" fill="hold" grpId="0" nodeType="afterEffect">
+                                  <p:stCondLst>
+                                    <p:cond delay="0"/>
+                                  </p:stCondLst>
+                                  <p:childTnLst>
+                                    <p:set>
+                                      <p:cBhvr>
+                                        <p:cTn id="16" dur="1" fill="hold">
+                                          <p:stCondLst>
+                                            <p:cond delay="0"/>
+                                          </p:stCondLst>
+                                        </p:cTn>
+                                        <p:tgtEl>
+                                          <p:spTgt spid="3"/>
+                                        </p:tgtEl>
+                                        <p:attrNameLst>
+                                          <p:attrName>style.visibility</p:attrName>
+                                        </p:attrNameLst>
+                                      </p:cBhvr>
+                                      <p:to>
+                                        <p:strVal val="visible"/>
+                                      </p:to>
+                                    </p:set>
+                                  </p:childTnLst>
+                                </p:cTn>
+                              </p:par>
+                            </p:childTnLst>
+                          </p:cTn>
+                        </p:par>
+                      </p:childTnLst>
+                    </p:cTn>
+                  </p:par>
+                  <p:par>
+                    <p:cTn id="17" fill="hold">
+                      <p:stCondLst>
+                        <p:cond delay="indefinite"/>
+                      </p:stCondLst>
+                      <p:childTnLst>
+                        <p:par>
+                          <p:cTn id="18" fill="hold">
+                            <p:stCondLst>
+                              <p:cond delay="0"/>
+                            </p:stCondLst>
+                            <p:childTnLst>
+                              <p:par>
+                                <p:cTn id="19" presetID="1" presetClass="entr" presetSubtype="0" fill="hold" grpId="0" nodeType="clickEffect">
+                                  <p:stCondLst>
+                                    <p:cond delay="0"/>
+                                  </p:stCondLst>
+                                  <p:childTnLst>
+                                    <p:set>
+                                      <p:cBhvr>
+                                        <p:cTn id="20" dur="1" fill="hold">
+                                          <p:stCondLst>
+                                            <p:cond delay="0"/>
+                                          </p:stCondLst>
+                                        </p:cTn>
+                                        <p:tgtEl>
+                                          <p:spTgt spid="9"/>
+                                        </p:tgtEl>
+                                        <p:attrNameLst>
+                                          <p:attrName>style.visibility</p:attrName>
+                                        </p:attrNameLst>
+                                      </p:cBhvr>
+                                      <p:to>
+                                        <p:strVal val="visible"/>
+                                      </p:to>
+                                    </p:set>
+                                  </p:childTnLst>
+                                </p:cTn>
+                              </p:par>
+                              <p:par>
+                                <p:cTn id="21" presetID="1" presetClass="entr" presetSubtype="0" fill="hold" grpId="0" nodeType="withEffect">
+                                  <p:stCondLst>
+                                    <p:cond delay="0"/>
+                                  </p:stCondLst>
+                                  <p:childTnLst>
+                                    <p:set>
+                                      <p:cBhvr>
+                                        <p:cTn id="22" dur="1" fill="hold">
+                                          <p:stCondLst>
+                                            <p:cond delay="0"/>
+                                          </p:stCondLst>
+                                        </p:cTn>
+                                        <p:tgtEl>
+                                          <p:spTgt spid="7"/>
+                                        </p:tgtEl>
+                                        <p:attrNameLst>
+                                          <p:attrName>style.visibility</p:attrName>
+                                        </p:attrNameLst>
+                                      </p:cBhvr>
+                                      <p:to>
+                                        <p:strVal val="visible"/>
+                                      </p:to>
+                                    </p:set>
+                                  </p:childTnLst>
+                                </p:cTn>
+                              </p:par>
+                            </p:childTnLst>
+                          </p:cTn>
+                        </p:par>
+                      </p:childTnLst>
+                    </p:cTn>
+                  </p:par>
+                </p:childTnLst>
+              </p:cTn>
+              <p:prevCondLst>
+                <p:cond evt="onPrev" delay="0">
+                  <p:tgtEl>
+                    <p:sldTgt/>
+                  </p:tgtEl>
+                </p:cond>
+              </p:prevCondLst>
+              <p:nextCondLst>
+                <p:cond evt="onNext" delay="0">
+                  <p:tgtEl>
+                    <p:sldTgt/>
+                  </p:tgtEl>
+                </p:cond>
+              </p:nextCondLst>
+            </p:seq>
+          </p:childTnLst>
+        </p:cTn>
+      </p:par>
+    </p:tnLst>
+    <p:bldLst>
+      <p:bldP spid="6" grpId="0"/>
+      <p:bldP spid="6" grpId="1"/>
+      <p:bldP spid="3" grpId="0"/>
+      <p:bldP spid="9" grpId="0"/>
+      <p:bldP spid="7" grpId="0" animBg="1"/>
+    </p:bldLst>
+  </p:timing>
+</p:sld>
+</file>
+
+<file path=ppt/slides/slide18.xml><?xml version="1.0" encoding="utf-8"?>
+<p:sld xmlns:a="http://schemas.openxmlformats.org/drawingml/2006/main" xmlns:r="http://schemas.openxmlformats.org/officeDocument/2006/relationships" xmlns:p="http://schemas.openxmlformats.org/presentationml/2006/main">
+  <p:cSld>
+    <p:spTree>
+      <p:nvGrpSpPr>
+        <p:cNvPr id="1" name=""/>
+        <p:cNvGrpSpPr/>
+        <p:nvPr/>
+      </p:nvGrpSpPr>
+      <p:grpSpPr>
+        <a:xfrm>
+          <a:off x="0" y="0"/>
+          <a:ext cx="0" cy="0"/>
+          <a:chOff x="0" y="0"/>
+          <a:chExt cx="0" cy="0"/>
+        </a:xfrm>
+      </p:grpSpPr>
+      <p:sp>
+        <p:nvSpPr>
+          <p:cNvPr id="12" name="Rectangle 11"/>
+          <p:cNvSpPr/>
+          <p:nvPr/>
+        </p:nvSpPr>
+        <p:spPr>
+          <a:xfrm>
+            <a:off x="457199" y="0"/>
+            <a:ext cx="10839451" cy="628649"/>
+          </a:xfrm>
+          <a:prstGeom prst="rect">
+            <a:avLst/>
+          </a:prstGeom>
+          <a:gradFill flip="none" rotWithShape="1">
+            <a:gsLst>
+              <a:gs pos="52000">
+                <a:schemeClr val="accent1">
+                  <a:lumMod val="60000"/>
+                  <a:lumOff val="40000"/>
+                </a:schemeClr>
+              </a:gs>
+              <a:gs pos="100000">
+                <a:schemeClr val="tx2">
+                  <a:lumMod val="60000"/>
+                  <a:lumOff val="40000"/>
+                </a:schemeClr>
+              </a:gs>
+              <a:gs pos="0">
+                <a:schemeClr val="accent1"/>
+              </a:gs>
+            </a:gsLst>
+            <a:lin ang="10800000" scaled="1"/>
+            <a:tileRect/>
+          </a:gradFill>
+          <a:ln>
+            <a:noFill/>
+          </a:ln>
+        </p:spPr>
+        <p:style>
+          <a:lnRef idx="2">
+            <a:schemeClr val="accent1">
+              <a:shade val="50000"/>
+            </a:schemeClr>
+          </a:lnRef>
+          <a:fillRef idx="1">
+            <a:schemeClr val="accent1"/>
+          </a:fillRef>
+          <a:effectRef idx="0">
+            <a:schemeClr val="accent1"/>
+          </a:effectRef>
+          <a:fontRef idx="minor">
+            <a:schemeClr val="lt1"/>
+          </a:fontRef>
+        </p:style>
+        <p:txBody>
+          <a:bodyPr rtlCol="0" anchor="ctr"/>
+          <a:lstStyle/>
+          <a:p>
+            <a:pPr algn="ctr"/>
+            <a:endParaRPr lang="en-US" sz="3200"/>
+          </a:p>
+        </p:txBody>
+      </p:sp>
+      <p:pic>
+        <p:nvPicPr>
+          <p:cNvPr id="10" name="Picture 9"/>
+          <p:cNvPicPr>
+            <a:picLocks noChangeAspect="1"/>
+          </p:cNvPicPr>
+          <p:nvPr/>
+        </p:nvPicPr>
+        <p:blipFill>
+          <a:blip r:embed="rId2" cstate="print">
+            <a:extLst>
+              <a:ext uri="{28A0092B-C50C-407E-A947-70E740481C1C}">
+                <a14:useLocalDpi xmlns:a14="http://schemas.microsoft.com/office/drawing/2010/main" val="0"/>
+              </a:ext>
+            </a:extLst>
+          </a:blip>
+          <a:stretch>
+            <a:fillRect/>
+          </a:stretch>
+        </p:blipFill>
+        <p:spPr>
+          <a:xfrm>
+            <a:off x="11325199" y="116740"/>
+            <a:ext cx="866801" cy="731428"/>
+          </a:xfrm>
+          <a:prstGeom prst="rect">
+            <a:avLst/>
+          </a:prstGeom>
+        </p:spPr>
+      </p:pic>
+      <p:sp>
+        <p:nvSpPr>
+          <p:cNvPr id="4" name="TextBox 3"/>
+          <p:cNvSpPr txBox="1"/>
+          <p:nvPr/>
+        </p:nvSpPr>
+        <p:spPr>
+          <a:xfrm>
+            <a:off x="1340642" y="0"/>
+            <a:ext cx="9072564" cy="584775"/>
+          </a:xfrm>
+          <a:prstGeom prst="rect">
+            <a:avLst/>
+          </a:prstGeom>
+          <a:noFill/>
+        </p:spPr>
+        <p:txBody>
+          <a:bodyPr wrap="square" rtlCol="0">
+            <a:spAutoFit/>
+          </a:bodyPr>
+          <a:lstStyle/>
+          <a:p>
+            <a:pPr algn="ctr"/>
+            <a:r>
+              <a:rPr lang="en-US" sz="3200" dirty="0" smtClean="0"/>
+              <a:t>Here comes </a:t>
+            </a:r>
+            <a:r>
+              <a:rPr lang="en-US" sz="3200" i="1" dirty="0" smtClean="0"/>
+              <a:t>puts</a:t>
+            </a:r>
+            <a:endParaRPr lang="en-US" sz="3200" i="1" dirty="0"/>
+          </a:p>
+        </p:txBody>
+      </p:sp>
+      <p:sp>
+        <p:nvSpPr>
+          <p:cNvPr id="2" name="TextBox 1"/>
+          <p:cNvSpPr txBox="1"/>
+          <p:nvPr/>
+        </p:nvSpPr>
+        <p:spPr>
+          <a:xfrm>
+            <a:off x="1471472" y="896789"/>
+            <a:ext cx="8699931" cy="369332"/>
+          </a:xfrm>
+          <a:prstGeom prst="rect">
+            <a:avLst/>
+          </a:prstGeom>
+          <a:noFill/>
+        </p:spPr>
+        <p:txBody>
+          <a:bodyPr wrap="square" rtlCol="0">
+            <a:spAutoFit/>
+          </a:bodyPr>
+          <a:lstStyle/>
+          <a:p>
+            <a:pPr marL="285750" indent="-285750">
+              <a:buFont typeface="Arial" panose="020B0604020202020204" pitchFamily="34" charset="0"/>
+              <a:buChar char="•"/>
+            </a:pPr>
+            <a:r>
+              <a:rPr lang="en-US" dirty="0" smtClean="0"/>
+              <a:t>Quick reminder: we need to leak an address from the GOT to identify the libc</a:t>
+            </a:r>
+          </a:p>
+        </p:txBody>
+      </p:sp>
+      <p:sp>
+        <p:nvSpPr>
+          <p:cNvPr id="6" name="TextBox 5"/>
+          <p:cNvSpPr txBox="1"/>
+          <p:nvPr/>
+        </p:nvSpPr>
+        <p:spPr>
+          <a:xfrm>
+            <a:off x="1471472" y="1450812"/>
+            <a:ext cx="8592839" cy="646331"/>
+          </a:xfrm>
+          <a:prstGeom prst="rect">
+            <a:avLst/>
+          </a:prstGeom>
+          <a:noFill/>
+        </p:spPr>
+        <p:txBody>
+          <a:bodyPr wrap="square" rtlCol="0">
+            <a:spAutoFit/>
+          </a:bodyPr>
+          <a:lstStyle/>
+          <a:p>
+            <a:pPr marL="285750" indent="-285750">
+              <a:buFont typeface="Arial" panose="020B0604020202020204" pitchFamily="34" charset="0"/>
+              <a:buChar char="•"/>
+            </a:pPr>
+            <a:r>
+              <a:rPr lang="en-US" dirty="0" smtClean="0"/>
+              <a:t>Problem: we have no idea where the relocation table is located in the binary, and even if we knew it, we would have no idea which symbol we leak</a:t>
+            </a:r>
+          </a:p>
+        </p:txBody>
+      </p:sp>
+      <p:sp>
+        <p:nvSpPr>
+          <p:cNvPr id="7" name="TextBox 6"/>
+          <p:cNvSpPr txBox="1"/>
+          <p:nvPr/>
+        </p:nvSpPr>
+        <p:spPr>
+          <a:xfrm>
+            <a:off x="1413228" y="2281834"/>
+            <a:ext cx="8758175" cy="646331"/>
+          </a:xfrm>
+          <a:prstGeom prst="rect">
+            <a:avLst/>
+          </a:prstGeom>
+          <a:noFill/>
+        </p:spPr>
+        <p:txBody>
+          <a:bodyPr wrap="square" rtlCol="0">
+            <a:spAutoFit/>
+          </a:bodyPr>
+          <a:lstStyle/>
+          <a:p>
+            <a:pPr marL="285750" indent="-285750">
+              <a:buFont typeface="Arial" panose="020B0604020202020204" pitchFamily="34" charset="0"/>
+              <a:buChar char="•"/>
+            </a:pPr>
+            <a:r>
+              <a:rPr lang="en-US" dirty="0" smtClean="0"/>
+              <a:t>Solution: we control at least 2 arguments, we know </a:t>
+            </a:r>
+            <a:r>
+              <a:rPr lang="en-US" i="1" dirty="0" smtClean="0"/>
+              <a:t>puts</a:t>
+            </a:r>
+            <a:r>
+              <a:rPr lang="en-US" dirty="0" smtClean="0"/>
+              <a:t> is used, let’s try to leak its address in order to print whatever we want next!</a:t>
+            </a:r>
+          </a:p>
+        </p:txBody>
+      </p:sp>
+      <p:sp>
+        <p:nvSpPr>
+          <p:cNvPr id="9" name="Rectangle 8"/>
+          <p:cNvSpPr/>
+          <p:nvPr/>
+        </p:nvSpPr>
+        <p:spPr>
+          <a:xfrm>
+            <a:off x="2065569" y="3209668"/>
+            <a:ext cx="45719" cy="3364125"/>
+          </a:xfrm>
+          <a:prstGeom prst="rect">
+            <a:avLst/>
+          </a:prstGeom>
+          <a:solidFill>
+            <a:schemeClr val="tx2">
+              <a:lumMod val="20000"/>
+              <a:lumOff val="80000"/>
+            </a:schemeClr>
+          </a:solidFill>
+          <a:ln>
+            <a:solidFill>
+              <a:schemeClr val="accent2"/>
+            </a:solidFill>
+          </a:ln>
+        </p:spPr>
+        <p:style>
+          <a:lnRef idx="2">
+            <a:schemeClr val="accent1">
+              <a:shade val="50000"/>
+            </a:schemeClr>
+          </a:lnRef>
+          <a:fillRef idx="1">
+            <a:schemeClr val="accent1"/>
+          </a:fillRef>
+          <a:effectRef idx="0">
+            <a:schemeClr val="accent1"/>
+          </a:effectRef>
+          <a:fontRef idx="minor">
+            <a:schemeClr val="lt1"/>
+          </a:fontRef>
+        </p:style>
+        <p:txBody>
+          <a:bodyPr rtlCol="0" anchor="ctr"/>
+          <a:lstStyle/>
+          <a:p>
+            <a:pPr algn="ctr"/>
+            <a:endParaRPr lang="en-US"/>
+          </a:p>
+        </p:txBody>
+      </p:sp>
+      <p:pic>
+        <p:nvPicPr>
+          <p:cNvPr id="3" name="Picture 2"/>
+          <p:cNvPicPr>
+            <a:picLocks noChangeAspect="1"/>
+          </p:cNvPicPr>
+          <p:nvPr/>
+        </p:nvPicPr>
+        <p:blipFill>
+          <a:blip r:embed="rId3">
+            <a:extLst>
+              <a:ext uri="{28A0092B-C50C-407E-A947-70E740481C1C}">
+                <a14:useLocalDpi xmlns:a14="http://schemas.microsoft.com/office/drawing/2010/main" val="0"/>
+              </a:ext>
+            </a:extLst>
+          </a:blip>
+          <a:stretch>
+            <a:fillRect/>
+          </a:stretch>
+        </p:blipFill>
+        <p:spPr>
+          <a:xfrm>
+            <a:off x="2441748" y="3209668"/>
+            <a:ext cx="7004410" cy="3364125"/>
+          </a:xfrm>
+          <a:prstGeom prst="rect">
+            <a:avLst/>
+          </a:prstGeom>
+        </p:spPr>
+      </p:pic>
+    </p:spTree>
+    <p:extLst>
+      <p:ext uri="{BB962C8B-B14F-4D97-AF65-F5344CB8AC3E}">
+        <p14:creationId xmlns:p14="http://schemas.microsoft.com/office/powerpoint/2010/main" val="2804995944"/>
+      </p:ext>
+    </p:extLst>
+  </p:cSld>
+  <p:clrMapOvr>
+    <a:masterClrMapping/>
+  </p:clrMapOvr>
+  <p:timing>
+    <p:tnLst>
+      <p:par>
+        <p:cTn id="1" dur="indefinite" restart="never" nodeType="tmRoot">
+          <p:childTnLst>
+            <p:seq concurrent="1" nextAc="seek">
+              <p:cTn id="2" dur="indefinite" nodeType="mainSeq">
+                <p:childTnLst>
+                  <p:par>
+                    <p:cTn id="3" fill="hold">
+                      <p:stCondLst>
+                        <p:cond delay="indefinite"/>
+                      </p:stCondLst>
+                      <p:childTnLst>
+                        <p:par>
+                          <p:cTn id="4" fill="hold">
+                            <p:stCondLst>
+                              <p:cond delay="0"/>
+                            </p:stCondLst>
+                            <p:childTnLst>
+                              <p:par>
+                                <p:cTn id="5" presetID="1" presetClass="entr" presetSubtype="0" fill="hold" grpId="0" nodeType="clickEffect">
+                                  <p:stCondLst>
+                                    <p:cond delay="0"/>
+                                  </p:stCondLst>
+                                  <p:childTnLst>
+                                    <p:set>
+                                      <p:cBhvr>
+                                        <p:cTn id="6" dur="1" fill="hold">
+                                          <p:stCondLst>
+                                            <p:cond delay="0"/>
+                                          </p:stCondLst>
+                                        </p:cTn>
+                                        <p:tgtEl>
+                                          <p:spTgt spid="2"/>
+                                        </p:tgtEl>
+                                        <p:attrNameLst>
+                                          <p:attrName>style.visibility</p:attrName>
+                                        </p:attrNameLst>
+                                      </p:cBhvr>
+                                      <p:to>
+                                        <p:strVal val="visible"/>
+                                      </p:to>
+                                    </p:set>
+                                  </p:childTnLst>
+                                </p:cTn>
+                              </p:par>
+                            </p:childTnLst>
+                          </p:cTn>
+                        </p:par>
+                      </p:childTnLst>
+                    </p:cTn>
+                  </p:par>
+                  <p:par>
+                    <p:cTn id="7" fill="hold">
+                      <p:stCondLst>
+                        <p:cond delay="indefinite"/>
+                      </p:stCondLst>
+                      <p:childTnLst>
+                        <p:par>
+                          <p:cTn id="8" fill="hold">
+                            <p:stCondLst>
+                              <p:cond delay="0"/>
+                            </p:stCondLst>
+                            <p:childTnLst>
+                              <p:par>
+                                <p:cTn id="9" presetID="1" presetClass="entr" presetSubtype="0" fill="hold" grpId="0" nodeType="clickEffect">
+                                  <p:stCondLst>
+                                    <p:cond delay="0"/>
+                                  </p:stCondLst>
+                                  <p:childTnLst>
+                                    <p:set>
+                                      <p:cBhvr>
+                                        <p:cTn id="10" dur="1" fill="hold">
+                                          <p:stCondLst>
+                                            <p:cond delay="0"/>
+                                          </p:stCondLst>
+                                        </p:cTn>
+                                        <p:tgtEl>
+                                          <p:spTgt spid="6"/>
+                                        </p:tgtEl>
+                                        <p:attrNameLst>
+                                          <p:attrName>style.visibility</p:attrName>
+                                        </p:attrNameLst>
+                                      </p:cBhvr>
+                                      <p:to>
+                                        <p:strVal val="visible"/>
+                                      </p:to>
+                                    </p:set>
+                                  </p:childTnLst>
+                                </p:cTn>
+                              </p:par>
+                            </p:childTnLst>
+                          </p:cTn>
+                        </p:par>
+                      </p:childTnLst>
+                    </p:cTn>
+                  </p:par>
+                  <p:par>
+                    <p:cTn id="11" fill="hold">
+                      <p:stCondLst>
+                        <p:cond delay="indefinite"/>
+                      </p:stCondLst>
+                      <p:childTnLst>
+                        <p:par>
+                          <p:cTn id="12" fill="hold">
+                            <p:stCondLst>
+                              <p:cond delay="0"/>
+                            </p:stCondLst>
+                            <p:childTnLst>
+                              <p:par>
+                                <p:cTn id="13" presetID="1" presetClass="entr" presetSubtype="0" fill="hold" grpId="0" nodeType="clickEffect">
+                                  <p:stCondLst>
+                                    <p:cond delay="0"/>
+                                  </p:stCondLst>
+                                  <p:childTnLst>
+                                    <p:set>
+                                      <p:cBhvr>
+                                        <p:cTn id="14" dur="1" fill="hold">
+                                          <p:stCondLst>
+                                            <p:cond delay="0"/>
+                                          </p:stCondLst>
+                                        </p:cTn>
+                                        <p:tgtEl>
+                                          <p:spTgt spid="7"/>
+                                        </p:tgtEl>
+                                        <p:attrNameLst>
+                                          <p:attrName>style.visibility</p:attrName>
+                                        </p:attrNameLst>
+                                      </p:cBhvr>
+                                      <p:to>
+                                        <p:strVal val="visible"/>
+                                      </p:to>
+                                    </p:set>
+                                  </p:childTnLst>
+                                </p:cTn>
+                              </p:par>
+                            </p:childTnLst>
+                          </p:cTn>
+                        </p:par>
+                      </p:childTnLst>
+                    </p:cTn>
+                  </p:par>
+                  <p:par>
+                    <p:cTn id="15" fill="hold">
+                      <p:stCondLst>
+                        <p:cond delay="indefinite"/>
+                      </p:stCondLst>
+                      <p:childTnLst>
+                        <p:par>
+                          <p:cTn id="16" fill="hold">
+                            <p:stCondLst>
+                              <p:cond delay="0"/>
+                            </p:stCondLst>
+                            <p:childTnLst>
+                              <p:par>
+                                <p:cTn id="17" presetID="1" presetClass="entr" presetSubtype="0" fill="hold" grpId="0" nodeType="clickEffect">
+                                  <p:stCondLst>
+                                    <p:cond delay="0"/>
+                                  </p:stCondLst>
+                                  <p:childTnLst>
+                                    <p:set>
+                                      <p:cBhvr>
+                                        <p:cTn id="18" dur="1" fill="hold">
+                                          <p:stCondLst>
+                                            <p:cond delay="0"/>
+                                          </p:stCondLst>
+                                        </p:cTn>
+                                        <p:tgtEl>
+                                          <p:spTgt spid="9"/>
+                                        </p:tgtEl>
+                                        <p:attrNameLst>
+                                          <p:attrName>style.visibility</p:attrName>
+                                        </p:attrNameLst>
+                                      </p:cBhvr>
+                                      <p:to>
+                                        <p:strVal val="visible"/>
+                                      </p:to>
+                                    </p:set>
+                                  </p:childTnLst>
+                                </p:cTn>
+                              </p:par>
+                              <p:par>
+                                <p:cTn id="19" presetID="1" presetClass="entr" presetSubtype="0" fill="hold" nodeType="withEffect">
+                                  <p:stCondLst>
+                                    <p:cond delay="0"/>
+                                  </p:stCondLst>
+                                  <p:childTnLst>
+                                    <p:set>
+                                      <p:cBhvr>
+                                        <p:cTn id="20" dur="1" fill="hold">
+                                          <p:stCondLst>
+                                            <p:cond delay="0"/>
+                                          </p:stCondLst>
+                                        </p:cTn>
+                                        <p:tgtEl>
+                                          <p:spTgt spid="3"/>
+                                        </p:tgtEl>
+                                        <p:attrNameLst>
+                                          <p:attrName>style.visibility</p:attrName>
+                                        </p:attrNameLst>
+                                      </p:cBhvr>
+                                      <p:to>
+                                        <p:strVal val="visible"/>
+                                      </p:to>
+                                    </p:set>
+                                  </p:childTnLst>
+                                </p:cTn>
+                              </p:par>
+                            </p:childTnLst>
+                          </p:cTn>
+                        </p:par>
+                      </p:childTnLst>
+                    </p:cTn>
+                  </p:par>
+                </p:childTnLst>
+              </p:cTn>
+              <p:prevCondLst>
+                <p:cond evt="onPrev" delay="0">
+                  <p:tgtEl>
+                    <p:sldTgt/>
+                  </p:tgtEl>
+                </p:cond>
+              </p:prevCondLst>
+              <p:nextCondLst>
+                <p:cond evt="onNext" delay="0">
+                  <p:tgtEl>
+                    <p:sldTgt/>
+                  </p:tgtEl>
+                </p:cond>
+              </p:nextCondLst>
+            </p:seq>
+          </p:childTnLst>
+        </p:cTn>
+      </p:par>
+    </p:tnLst>
+    <p:bldLst>
+      <p:bldP spid="2" grpId="0"/>
+      <p:bldP spid="6" grpId="0"/>
+      <p:bldP spid="7" grpId="0"/>
+      <p:bldP spid="9" grpId="0" animBg="1"/>
+    </p:bldLst>
+  </p:timing>
+</p:sld>
+</file>
+
+<file path=ppt/slides/slide19.xml><?xml version="1.0" encoding="utf-8"?>
+<p:sld xmlns:a="http://schemas.openxmlformats.org/drawingml/2006/main" xmlns:r="http://schemas.openxmlformats.org/officeDocument/2006/relationships" xmlns:p="http://schemas.openxmlformats.org/presentationml/2006/main">
+  <p:cSld>
+    <p:spTree>
+      <p:nvGrpSpPr>
+        <p:cNvPr id="1" name=""/>
+        <p:cNvGrpSpPr/>
+        <p:nvPr/>
+      </p:nvGrpSpPr>
+      <p:grpSpPr>
+        <a:xfrm>
+          <a:off x="0" y="0"/>
+          <a:ext cx="0" cy="0"/>
+          <a:chOff x="0" y="0"/>
+          <a:chExt cx="0" cy="0"/>
+        </a:xfrm>
+      </p:grpSpPr>
+      <p:pic>
+        <p:nvPicPr>
+          <p:cNvPr id="2" name="Picture 1"/>
+          <p:cNvPicPr>
+            <a:picLocks noChangeAspect="1"/>
+          </p:cNvPicPr>
+          <p:nvPr/>
+        </p:nvPicPr>
+        <p:blipFill>
+          <a:blip r:embed="rId2">
+            <a:extLst>
+              <a:ext uri="{28A0092B-C50C-407E-A947-70E740481C1C}">
+                <a14:useLocalDpi xmlns:a14="http://schemas.microsoft.com/office/drawing/2010/main" val="0"/>
+              </a:ext>
+            </a:extLst>
+          </a:blip>
+          <a:stretch>
+            <a:fillRect/>
+          </a:stretch>
+        </p:blipFill>
+        <p:spPr>
+          <a:xfrm>
+            <a:off x="2767448" y="971619"/>
+            <a:ext cx="6508423" cy="3266825"/>
+          </a:xfrm>
+          <a:prstGeom prst="rect">
+            <a:avLst/>
+          </a:prstGeom>
+        </p:spPr>
+      </p:pic>
+      <p:sp>
+        <p:nvSpPr>
+          <p:cNvPr id="12" name="Rectangle 11"/>
+          <p:cNvSpPr/>
+          <p:nvPr/>
+        </p:nvSpPr>
+        <p:spPr>
+          <a:xfrm>
+            <a:off x="457199" y="0"/>
+            <a:ext cx="10839451" cy="628649"/>
+          </a:xfrm>
+          <a:prstGeom prst="rect">
+            <a:avLst/>
+          </a:prstGeom>
+          <a:gradFill flip="none" rotWithShape="1">
+            <a:gsLst>
+              <a:gs pos="52000">
+                <a:schemeClr val="accent1">
+                  <a:lumMod val="60000"/>
+                  <a:lumOff val="40000"/>
+                </a:schemeClr>
+              </a:gs>
+              <a:gs pos="100000">
+                <a:schemeClr val="tx2">
+                  <a:lumMod val="60000"/>
+                  <a:lumOff val="40000"/>
+                </a:schemeClr>
+              </a:gs>
+              <a:gs pos="0">
+                <a:schemeClr val="accent1"/>
+              </a:gs>
+            </a:gsLst>
+            <a:lin ang="10800000" scaled="1"/>
+            <a:tileRect/>
+          </a:gradFill>
+          <a:ln>
+            <a:noFill/>
+          </a:ln>
+        </p:spPr>
+        <p:style>
+          <a:lnRef idx="2">
+            <a:schemeClr val="accent1">
+              <a:shade val="50000"/>
+            </a:schemeClr>
+          </a:lnRef>
+          <a:fillRef idx="1">
+            <a:schemeClr val="accent1"/>
+          </a:fillRef>
+          <a:effectRef idx="0">
+            <a:schemeClr val="accent1"/>
+          </a:effectRef>
+          <a:fontRef idx="minor">
+            <a:schemeClr val="lt1"/>
+          </a:fontRef>
+        </p:style>
+        <p:txBody>
+          <a:bodyPr rtlCol="0" anchor="ctr"/>
+          <a:lstStyle/>
+          <a:p>
+            <a:pPr algn="ctr"/>
+            <a:endParaRPr lang="en-US" sz="3200"/>
+          </a:p>
+        </p:txBody>
+      </p:sp>
+      <p:pic>
+        <p:nvPicPr>
+          <p:cNvPr id="10" name="Picture 9"/>
+          <p:cNvPicPr>
+            <a:picLocks noChangeAspect="1"/>
+          </p:cNvPicPr>
+          <p:nvPr/>
+        </p:nvPicPr>
+        <p:blipFill>
+          <a:blip r:embed="rId3" cstate="print">
+            <a:extLst>
+              <a:ext uri="{28A0092B-C50C-407E-A947-70E740481C1C}">
+                <a14:useLocalDpi xmlns:a14="http://schemas.microsoft.com/office/drawing/2010/main" val="0"/>
+              </a:ext>
+            </a:extLst>
+          </a:blip>
+          <a:stretch>
+            <a:fillRect/>
+          </a:stretch>
+        </p:blipFill>
+        <p:spPr>
+          <a:xfrm>
+            <a:off x="11325199" y="116740"/>
+            <a:ext cx="866801" cy="731428"/>
+          </a:xfrm>
+          <a:prstGeom prst="rect">
+            <a:avLst/>
+          </a:prstGeom>
+        </p:spPr>
+      </p:pic>
+      <p:sp>
+        <p:nvSpPr>
+          <p:cNvPr id="5" name="TextBox 4"/>
+          <p:cNvSpPr txBox="1"/>
+          <p:nvPr/>
+        </p:nvSpPr>
+        <p:spPr>
+          <a:xfrm>
+            <a:off x="1340642" y="0"/>
+            <a:ext cx="9072564" cy="584775"/>
+          </a:xfrm>
+          <a:prstGeom prst="rect">
+            <a:avLst/>
+          </a:prstGeom>
+          <a:noFill/>
+        </p:spPr>
+        <p:txBody>
+          <a:bodyPr wrap="square" rtlCol="0">
+            <a:spAutoFit/>
+          </a:bodyPr>
+          <a:lstStyle/>
+          <a:p>
+            <a:pPr algn="ctr"/>
+            <a:r>
+              <a:rPr lang="en-US" sz="3200" dirty="0" smtClean="0"/>
+              <a:t>Getting </a:t>
+            </a:r>
+            <a:r>
+              <a:rPr lang="en-US" sz="3200" i="1" dirty="0" smtClean="0"/>
+              <a:t>puts</a:t>
+            </a:r>
+            <a:r>
+              <a:rPr lang="en-US" sz="3200" dirty="0" smtClean="0"/>
+              <a:t> address</a:t>
+            </a:r>
+            <a:endParaRPr lang="en-US" sz="3200" dirty="0"/>
+          </a:p>
+        </p:txBody>
+      </p:sp>
+      <p:sp>
+        <p:nvSpPr>
+          <p:cNvPr id="7" name="TextBox 6"/>
+          <p:cNvSpPr txBox="1"/>
+          <p:nvPr/>
+        </p:nvSpPr>
+        <p:spPr>
+          <a:xfrm>
+            <a:off x="3944765" y="3411709"/>
+            <a:ext cx="3864318" cy="369332"/>
+          </a:xfrm>
+          <a:prstGeom prst="rect">
+            <a:avLst/>
+          </a:prstGeom>
+          <a:noFill/>
+        </p:spPr>
+        <p:txBody>
+          <a:bodyPr wrap="square" rtlCol="0">
+            <a:spAutoFit/>
+          </a:bodyPr>
+          <a:lstStyle/>
+          <a:p>
+            <a:pPr algn="ctr"/>
+            <a:r>
+              <a:rPr lang="en-US" dirty="0" smtClean="0"/>
+              <a:t>[DEMO PUTS ADDRESS]</a:t>
+            </a:r>
+            <a:endParaRPr lang="en-US" dirty="0"/>
+          </a:p>
+        </p:txBody>
+      </p:sp>
+      <p:sp>
+        <p:nvSpPr>
+          <p:cNvPr id="9" name="TextBox 8"/>
+          <p:cNvSpPr txBox="1"/>
+          <p:nvPr/>
+        </p:nvSpPr>
+        <p:spPr>
+          <a:xfrm>
+            <a:off x="3128319" y="4516573"/>
+            <a:ext cx="6337023" cy="369332"/>
+          </a:xfrm>
+          <a:prstGeom prst="rect">
+            <a:avLst/>
+          </a:prstGeom>
+          <a:noFill/>
+        </p:spPr>
+        <p:txBody>
+          <a:bodyPr wrap="square" rtlCol="0">
+            <a:spAutoFit/>
+          </a:bodyPr>
+          <a:lstStyle/>
+          <a:p>
+            <a:r>
+              <a:rPr lang="en-US" dirty="0" smtClean="0"/>
+              <a:t>We can now call </a:t>
+            </a:r>
+            <a:r>
+              <a:rPr lang="en-US" i="1" dirty="0" smtClean="0"/>
+              <a:t>puts </a:t>
+            </a:r>
+            <a:r>
+              <a:rPr lang="en-US" dirty="0" smtClean="0"/>
+              <a:t>with any argument we want!</a:t>
+            </a:r>
+            <a:endParaRPr lang="en-US" i="1" dirty="0" smtClean="0"/>
+          </a:p>
+        </p:txBody>
+      </p:sp>
+      <p:sp>
+        <p:nvSpPr>
+          <p:cNvPr id="11" name="TextBox 10"/>
+          <p:cNvSpPr txBox="1"/>
+          <p:nvPr/>
+        </p:nvSpPr>
+        <p:spPr>
+          <a:xfrm>
+            <a:off x="2069756" y="5401563"/>
+            <a:ext cx="8886568" cy="461665"/>
+          </a:xfrm>
+          <a:prstGeom prst="rect">
+            <a:avLst/>
+          </a:prstGeom>
+          <a:noFill/>
+        </p:spPr>
+        <p:txBody>
+          <a:bodyPr wrap="square" rtlCol="0">
+            <a:spAutoFit/>
+          </a:bodyPr>
+          <a:lstStyle/>
+          <a:p>
+            <a:r>
+              <a:rPr lang="en-US" sz="2400" dirty="0" smtClean="0"/>
+              <a:t>We can leak the whole binary to find interesting addresses!</a:t>
+            </a:r>
+            <a:endParaRPr lang="en-US" sz="2400" i="1" dirty="0" smtClean="0"/>
+          </a:p>
+        </p:txBody>
+      </p:sp>
+      <p:sp>
+        <p:nvSpPr>
+          <p:cNvPr id="13" name="Right Arrow 12"/>
+          <p:cNvSpPr/>
+          <p:nvPr/>
+        </p:nvSpPr>
+        <p:spPr>
+          <a:xfrm>
+            <a:off x="1023551" y="5377196"/>
+            <a:ext cx="755823" cy="486032"/>
+          </a:xfrm>
+          <a:prstGeom prst="rightArrow">
+            <a:avLst/>
+          </a:prstGeom>
+          <a:noFill/>
+        </p:spPr>
+        <p:style>
+          <a:lnRef idx="2">
+            <a:schemeClr val="accent1">
+              <a:shade val="50000"/>
+            </a:schemeClr>
+          </a:lnRef>
+          <a:fillRef idx="1">
+            <a:schemeClr val="accent1"/>
+          </a:fillRef>
+          <a:effectRef idx="0">
+            <a:schemeClr val="accent1"/>
+          </a:effectRef>
+          <a:fontRef idx="minor">
+            <a:schemeClr val="lt1"/>
+          </a:fontRef>
+        </p:style>
+        <p:txBody>
+          <a:bodyPr rtlCol="0" anchor="ctr"/>
+          <a:lstStyle/>
+          <a:p>
+            <a:pPr algn="ctr"/>
+            <a:endParaRPr lang="en-US"/>
+          </a:p>
+        </p:txBody>
+      </p:sp>
+    </p:spTree>
+    <p:extLst>
+      <p:ext uri="{BB962C8B-B14F-4D97-AF65-F5344CB8AC3E}">
+        <p14:creationId xmlns:p14="http://schemas.microsoft.com/office/powerpoint/2010/main" val="2286972671"/>
+      </p:ext>
+    </p:extLst>
+  </p:cSld>
+  <p:clrMapOvr>
+    <a:masterClrMapping/>
+  </p:clrMapOvr>
+  <p:timing>
+    <p:tnLst>
+      <p:par>
+        <p:cTn id="1" dur="indefinite" restart="never" nodeType="tmRoot">
+          <p:childTnLst>
+            <p:seq concurrent="1" nextAc="seek">
+              <p:cTn id="2" dur="indefinite" nodeType="mainSeq">
+                <p:childTnLst>
+                  <p:par>
+                    <p:cTn id="3" fill="hold">
+                      <p:stCondLst>
+                        <p:cond delay="indefinite"/>
+                      </p:stCondLst>
+                      <p:childTnLst>
+                        <p:par>
+                          <p:cTn id="4" fill="hold">
+                            <p:stCondLst>
+                              <p:cond delay="0"/>
+                            </p:stCondLst>
+                            <p:childTnLst>
+                              <p:par>
+                                <p:cTn id="5" presetID="1" presetClass="entr" presetSubtype="0" fill="hold" grpId="0" nodeType="clickEffect">
+                                  <p:stCondLst>
+                                    <p:cond delay="0"/>
+                                  </p:stCondLst>
+                                  <p:childTnLst>
+                                    <p:set>
+                                      <p:cBhvr>
+                                        <p:cTn id="6" dur="1" fill="hold">
+                                          <p:stCondLst>
+                                            <p:cond delay="0"/>
+                                          </p:stCondLst>
+                                        </p:cTn>
+                                        <p:tgtEl>
+                                          <p:spTgt spid="7"/>
+                                        </p:tgtEl>
+                                        <p:attrNameLst>
+                                          <p:attrName>style.visibility</p:attrName>
+                                        </p:attrNameLst>
+                                      </p:cBhvr>
+                                      <p:to>
+                                        <p:strVal val="visible"/>
+                                      </p:to>
+                                    </p:set>
+                                  </p:childTnLst>
+                                </p:cTn>
+                              </p:par>
+                            </p:childTnLst>
+                          </p:cTn>
+                        </p:par>
+                      </p:childTnLst>
+                    </p:cTn>
+                  </p:par>
+                  <p:par>
+                    <p:cTn id="7" fill="hold">
+                      <p:stCondLst>
+                        <p:cond delay="indefinite"/>
+                      </p:stCondLst>
+                      <p:childTnLst>
+                        <p:par>
+                          <p:cTn id="8" fill="hold">
+                            <p:stCondLst>
+                              <p:cond delay="0"/>
+                            </p:stCondLst>
+                            <p:childTnLst>
+                              <p:par>
+                                <p:cTn id="9" presetID="1" presetClass="exit" presetSubtype="0" fill="hold" grpId="1" nodeType="clickEffect">
+                                  <p:stCondLst>
+                                    <p:cond delay="0"/>
+                                  </p:stCondLst>
+                                  <p:childTnLst>
+                                    <p:set>
+                                      <p:cBhvr>
+                                        <p:cTn id="10" dur="1" fill="hold">
+                                          <p:stCondLst>
+                                            <p:cond delay="0"/>
+                                          </p:stCondLst>
+                                        </p:cTn>
+                                        <p:tgtEl>
+                                          <p:spTgt spid="7"/>
+                                        </p:tgtEl>
+                                        <p:attrNameLst>
+                                          <p:attrName>style.visibility</p:attrName>
+                                        </p:attrNameLst>
+                                      </p:cBhvr>
+                                      <p:to>
+                                        <p:strVal val="hidden"/>
+                                      </p:to>
+                                    </p:set>
+                                  </p:childTnLst>
+                                </p:cTn>
+                              </p:par>
+                            </p:childTnLst>
+                          </p:cTn>
+                        </p:par>
+                        <p:par>
+                          <p:cTn id="11" fill="hold">
+                            <p:stCondLst>
+                              <p:cond delay="0"/>
+                            </p:stCondLst>
+                            <p:childTnLst>
+                              <p:par>
+                                <p:cTn id="12" presetID="1" presetClass="entr" presetSubtype="0" fill="hold" nodeType="afterEffect">
+                                  <p:stCondLst>
+                                    <p:cond delay="0"/>
+                                  </p:stCondLst>
+                                  <p:childTnLst>
+                                    <p:set>
+                                      <p:cBhvr>
+                                        <p:cTn id="13" dur="1" fill="hold">
+                                          <p:stCondLst>
+                                            <p:cond delay="0"/>
+                                          </p:stCondLst>
+                                        </p:cTn>
+                                        <p:tgtEl>
+                                          <p:spTgt spid="2"/>
+                                        </p:tgtEl>
+                                        <p:attrNameLst>
+                                          <p:attrName>style.visibility</p:attrName>
+                                        </p:attrNameLst>
+                                      </p:cBhvr>
+                                      <p:to>
+                                        <p:strVal val="visible"/>
+                                      </p:to>
+                                    </p:set>
+                                  </p:childTnLst>
+                                </p:cTn>
+                              </p:par>
+                            </p:childTnLst>
+                          </p:cTn>
+                        </p:par>
+                        <p:par>
+                          <p:cTn id="14" fill="hold">
+                            <p:stCondLst>
+                              <p:cond delay="0"/>
+                            </p:stCondLst>
+                            <p:childTnLst>
+                              <p:par>
+                                <p:cTn id="15" presetID="1" presetClass="entr" presetSubtype="0" fill="hold" grpId="0" nodeType="afterEffect">
+                                  <p:stCondLst>
+                                    <p:cond delay="0"/>
+                                  </p:stCondLst>
+                                  <p:childTnLst>
+                                    <p:set>
+                                      <p:cBhvr>
+                                        <p:cTn id="16" dur="1" fill="hold">
+                                          <p:stCondLst>
+                                            <p:cond delay="0"/>
+                                          </p:stCondLst>
+                                        </p:cTn>
+                                        <p:tgtEl>
+                                          <p:spTgt spid="9"/>
+                                        </p:tgtEl>
+                                        <p:attrNameLst>
+                                          <p:attrName>style.visibility</p:attrName>
+                                        </p:attrNameLst>
+                                      </p:cBhvr>
+                                      <p:to>
+                                        <p:strVal val="visible"/>
+                                      </p:to>
+                                    </p:set>
+                                  </p:childTnLst>
+                                </p:cTn>
+                              </p:par>
+                            </p:childTnLst>
+                          </p:cTn>
+                        </p:par>
+                      </p:childTnLst>
+                    </p:cTn>
+                  </p:par>
+                  <p:par>
+                    <p:cTn id="17" fill="hold">
+                      <p:stCondLst>
+                        <p:cond delay="indefinite"/>
+                      </p:stCondLst>
+                      <p:childTnLst>
+                        <p:par>
+                          <p:cTn id="18" fill="hold">
+                            <p:stCondLst>
+                              <p:cond delay="0"/>
+                            </p:stCondLst>
+                            <p:childTnLst>
+                              <p:par>
+                                <p:cTn id="19" presetID="1" presetClass="entr" presetSubtype="0" fill="hold" grpId="0" nodeType="clickEffect">
+                                  <p:stCondLst>
+                                    <p:cond delay="0"/>
+                                  </p:stCondLst>
+                                  <p:childTnLst>
+                                    <p:set>
+                                      <p:cBhvr>
+                                        <p:cTn id="20" dur="1" fill="hold">
+                                          <p:stCondLst>
+                                            <p:cond delay="0"/>
+                                          </p:stCondLst>
+                                        </p:cTn>
+                                        <p:tgtEl>
+                                          <p:spTgt spid="13"/>
+                                        </p:tgtEl>
+                                        <p:attrNameLst>
+                                          <p:attrName>style.visibility</p:attrName>
+                                        </p:attrNameLst>
+                                      </p:cBhvr>
+                                      <p:to>
+                                        <p:strVal val="visible"/>
+                                      </p:to>
+                                    </p:set>
+                                  </p:childTnLst>
+                                </p:cTn>
+                              </p:par>
+                              <p:par>
+                                <p:cTn id="21" presetID="1" presetClass="entr" presetSubtype="0" fill="hold" grpId="0" nodeType="withEffect">
+                                  <p:stCondLst>
+                                    <p:cond delay="0"/>
+                                  </p:stCondLst>
+                                  <p:childTnLst>
+                                    <p:set>
+                                      <p:cBhvr>
+                                        <p:cTn id="22" dur="1" fill="hold">
+                                          <p:stCondLst>
+                                            <p:cond delay="0"/>
+                                          </p:stCondLst>
+                                        </p:cTn>
+                                        <p:tgtEl>
+                                          <p:spTgt spid="11"/>
+                                        </p:tgtEl>
+                                        <p:attrNameLst>
+                                          <p:attrName>style.visibility</p:attrName>
+                                        </p:attrNameLst>
+                                      </p:cBhvr>
+                                      <p:to>
+                                        <p:strVal val="visible"/>
+                                      </p:to>
+                                    </p:set>
+                                  </p:childTnLst>
+                                </p:cTn>
+                              </p:par>
+                            </p:childTnLst>
+                          </p:cTn>
+                        </p:par>
+                      </p:childTnLst>
+                    </p:cTn>
+                  </p:par>
+                </p:childTnLst>
+              </p:cTn>
+              <p:prevCondLst>
+                <p:cond evt="onPrev" delay="0">
+                  <p:tgtEl>
+                    <p:sldTgt/>
+                  </p:tgtEl>
+                </p:cond>
+              </p:prevCondLst>
+              <p:nextCondLst>
+                <p:cond evt="onNext" delay="0">
+                  <p:tgtEl>
+                    <p:sldTgt/>
+                  </p:tgtEl>
+                </p:cond>
+              </p:nextCondLst>
+            </p:seq>
+          </p:childTnLst>
+        </p:cTn>
+      </p:par>
+    </p:tnLst>
+    <p:bldLst>
+      <p:bldP spid="7" grpId="0"/>
+      <p:bldP spid="7" grpId="1"/>
+      <p:bldP spid="9" grpId="0"/>
+      <p:bldP spid="11" grpId="0"/>
+      <p:bldP spid="13" grpId="0" animBg="1"/>
+    </p:bldLst>
+  </p:timing>
 </p:sld>
 </file>
 
@@ -6085,7 +9531,7 @@
         </p:nvSpPr>
         <p:spPr>
           <a:xfrm>
-            <a:off x="2619361" y="1119693"/>
+            <a:off x="2605085" y="996126"/>
             <a:ext cx="6543676" cy="3046988"/>
           </a:xfrm>
           <a:prstGeom prst="rect">
@@ -6135,7 +9581,7 @@
         </p:nvSpPr>
         <p:spPr>
           <a:xfrm>
-            <a:off x="2619361" y="4657725"/>
+            <a:off x="2605085" y="4583585"/>
             <a:ext cx="6543676" cy="1631216"/>
           </a:xfrm>
           <a:prstGeom prst="rect">
@@ -6159,10 +9605,6 @@
             </a:r>
           </a:p>
           <a:p>
-            <a:pPr marL="285750" indent="-285750">
-              <a:buFont typeface="Arial" panose="020B0604020202020204" pitchFamily="34" charset="0"/>
-              <a:buChar char="•"/>
-            </a:pPr>
             <a:endParaRPr lang="en-US" sz="2000" dirty="0" smtClean="0"/>
           </a:p>
           <a:p>
@@ -6461,6 +9903,4600 @@
       <p:bldP spid="8" grpId="0" animBg="1"/>
       <p:bldP spid="9" grpId="0"/>
     </p:bldLst>
+  </p:timing>
+</p:sld>
+</file>
+
+<file path=ppt/slides/slide20.xml><?xml version="1.0" encoding="utf-8"?>
+<p:sld xmlns:a="http://schemas.openxmlformats.org/drawingml/2006/main" xmlns:r="http://schemas.openxmlformats.org/officeDocument/2006/relationships" xmlns:p="http://schemas.openxmlformats.org/presentationml/2006/main">
+  <p:cSld>
+    <p:spTree>
+      <p:nvGrpSpPr>
+        <p:cNvPr id="1" name=""/>
+        <p:cNvGrpSpPr/>
+        <p:nvPr/>
+      </p:nvGrpSpPr>
+      <p:grpSpPr>
+        <a:xfrm>
+          <a:off x="0" y="0"/>
+          <a:ext cx="0" cy="0"/>
+          <a:chOff x="0" y="0"/>
+          <a:chExt cx="0" cy="0"/>
+        </a:xfrm>
+      </p:grpSpPr>
+      <p:pic>
+        <p:nvPicPr>
+          <p:cNvPr id="2" name="Picture 1"/>
+          <p:cNvPicPr>
+            <a:picLocks noChangeAspect="1"/>
+          </p:cNvPicPr>
+          <p:nvPr/>
+        </p:nvPicPr>
+        <p:blipFill>
+          <a:blip r:embed="rId2">
+            <a:extLst>
+              <a:ext uri="{28A0092B-C50C-407E-A947-70E740481C1C}">
+                <a14:useLocalDpi xmlns:a14="http://schemas.microsoft.com/office/drawing/2010/main" val="0"/>
+              </a:ext>
+            </a:extLst>
+          </a:blip>
+          <a:stretch>
+            <a:fillRect/>
+          </a:stretch>
+        </p:blipFill>
+        <p:spPr>
+          <a:xfrm>
+            <a:off x="2592209" y="3056650"/>
+            <a:ext cx="6569430" cy="3202439"/>
+          </a:xfrm>
+          <a:prstGeom prst="rect">
+            <a:avLst/>
+          </a:prstGeom>
+        </p:spPr>
+      </p:pic>
+      <p:sp>
+        <p:nvSpPr>
+          <p:cNvPr id="12" name="Rectangle 11"/>
+          <p:cNvSpPr/>
+          <p:nvPr/>
+        </p:nvSpPr>
+        <p:spPr>
+          <a:xfrm>
+            <a:off x="457199" y="0"/>
+            <a:ext cx="10839451" cy="628649"/>
+          </a:xfrm>
+          <a:prstGeom prst="rect">
+            <a:avLst/>
+          </a:prstGeom>
+          <a:gradFill flip="none" rotWithShape="1">
+            <a:gsLst>
+              <a:gs pos="52000">
+                <a:schemeClr val="accent1">
+                  <a:lumMod val="60000"/>
+                  <a:lumOff val="40000"/>
+                </a:schemeClr>
+              </a:gs>
+              <a:gs pos="100000">
+                <a:schemeClr val="tx2">
+                  <a:lumMod val="60000"/>
+                  <a:lumOff val="40000"/>
+                </a:schemeClr>
+              </a:gs>
+              <a:gs pos="0">
+                <a:schemeClr val="accent1"/>
+              </a:gs>
+            </a:gsLst>
+            <a:lin ang="10800000" scaled="1"/>
+            <a:tileRect/>
+          </a:gradFill>
+          <a:ln>
+            <a:noFill/>
+          </a:ln>
+        </p:spPr>
+        <p:style>
+          <a:lnRef idx="2">
+            <a:schemeClr val="accent1">
+              <a:shade val="50000"/>
+            </a:schemeClr>
+          </a:lnRef>
+          <a:fillRef idx="1">
+            <a:schemeClr val="accent1"/>
+          </a:fillRef>
+          <a:effectRef idx="0">
+            <a:schemeClr val="accent1"/>
+          </a:effectRef>
+          <a:fontRef idx="minor">
+            <a:schemeClr val="lt1"/>
+          </a:fontRef>
+        </p:style>
+        <p:txBody>
+          <a:bodyPr rtlCol="0" anchor="ctr"/>
+          <a:lstStyle/>
+          <a:p>
+            <a:pPr algn="ctr"/>
+            <a:endParaRPr lang="en-US" sz="3200"/>
+          </a:p>
+        </p:txBody>
+      </p:sp>
+      <p:pic>
+        <p:nvPicPr>
+          <p:cNvPr id="10" name="Picture 9"/>
+          <p:cNvPicPr>
+            <a:picLocks noChangeAspect="1"/>
+          </p:cNvPicPr>
+          <p:nvPr/>
+        </p:nvPicPr>
+        <p:blipFill>
+          <a:blip r:embed="rId3" cstate="print">
+            <a:extLst>
+              <a:ext uri="{28A0092B-C50C-407E-A947-70E740481C1C}">
+                <a14:useLocalDpi xmlns:a14="http://schemas.microsoft.com/office/drawing/2010/main" val="0"/>
+              </a:ext>
+            </a:extLst>
+          </a:blip>
+          <a:stretch>
+            <a:fillRect/>
+          </a:stretch>
+        </p:blipFill>
+        <p:spPr>
+          <a:xfrm>
+            <a:off x="11325199" y="116740"/>
+            <a:ext cx="866801" cy="731428"/>
+          </a:xfrm>
+          <a:prstGeom prst="rect">
+            <a:avLst/>
+          </a:prstGeom>
+        </p:spPr>
+      </p:pic>
+      <p:sp>
+        <p:nvSpPr>
+          <p:cNvPr id="4" name="TextBox 3"/>
+          <p:cNvSpPr txBox="1"/>
+          <p:nvPr/>
+        </p:nvSpPr>
+        <p:spPr>
+          <a:xfrm>
+            <a:off x="1340642" y="0"/>
+            <a:ext cx="9072564" cy="584775"/>
+          </a:xfrm>
+          <a:prstGeom prst="rect">
+            <a:avLst/>
+          </a:prstGeom>
+          <a:noFill/>
+        </p:spPr>
+        <p:txBody>
+          <a:bodyPr wrap="square" rtlCol="0">
+            <a:spAutoFit/>
+          </a:bodyPr>
+          <a:lstStyle/>
+          <a:p>
+            <a:pPr algn="ctr"/>
+            <a:r>
+              <a:rPr lang="en-US" sz="3200" dirty="0" smtClean="0"/>
+              <a:t>Leaking the ELF</a:t>
+            </a:r>
+            <a:endParaRPr lang="en-US" sz="3200" dirty="0"/>
+          </a:p>
+        </p:txBody>
+      </p:sp>
+      <p:sp>
+        <p:nvSpPr>
+          <p:cNvPr id="5" name="TextBox 4"/>
+          <p:cNvSpPr txBox="1"/>
+          <p:nvPr/>
+        </p:nvSpPr>
+        <p:spPr>
+          <a:xfrm>
+            <a:off x="896087" y="1363098"/>
+            <a:ext cx="6337023" cy="923330"/>
+          </a:xfrm>
+          <a:prstGeom prst="rect">
+            <a:avLst/>
+          </a:prstGeom>
+          <a:noFill/>
+        </p:spPr>
+        <p:txBody>
+          <a:bodyPr wrap="square" rtlCol="0">
+            <a:spAutoFit/>
+          </a:bodyPr>
+          <a:lstStyle/>
+          <a:p>
+            <a:r>
+              <a:rPr lang="en-US" dirty="0" smtClean="0"/>
+              <a:t>Actually a very simple part:</a:t>
+            </a:r>
+            <a:endParaRPr lang="en-US" i="1" dirty="0" smtClean="0"/>
+          </a:p>
+          <a:p>
+            <a:pPr marL="742950" lvl="1" indent="-285750">
+              <a:buFontTx/>
+              <a:buChar char="-"/>
+            </a:pPr>
+            <a:r>
+              <a:rPr lang="en-US" dirty="0" smtClean="0"/>
+              <a:t>we can call puts </a:t>
+            </a:r>
+          </a:p>
+          <a:p>
+            <a:pPr marL="742950" lvl="1" indent="-285750">
+              <a:buFontTx/>
+              <a:buChar char="-"/>
+            </a:pPr>
+            <a:r>
+              <a:rPr lang="en-US" dirty="0" smtClean="0"/>
+              <a:t>with any argument we want</a:t>
+            </a:r>
+          </a:p>
+        </p:txBody>
+      </p:sp>
+      <p:sp>
+        <p:nvSpPr>
+          <p:cNvPr id="8" name="TextBox 7"/>
+          <p:cNvSpPr txBox="1"/>
+          <p:nvPr/>
+        </p:nvSpPr>
+        <p:spPr>
+          <a:xfrm>
+            <a:off x="5645352" y="947600"/>
+            <a:ext cx="5216389" cy="1754326"/>
+          </a:xfrm>
+          <a:prstGeom prst="rect">
+            <a:avLst/>
+          </a:prstGeom>
+          <a:noFill/>
+        </p:spPr>
+        <p:txBody>
+          <a:bodyPr wrap="square" rtlCol="0">
+            <a:spAutoFit/>
+          </a:bodyPr>
+          <a:lstStyle/>
+          <a:p>
+            <a:pPr marL="285750" indent="-285750">
+              <a:buFont typeface="Wingdings" panose="05000000000000000000" pitchFamily="2" charset="2"/>
+              <a:buChar char="Ø"/>
+            </a:pPr>
+            <a:r>
+              <a:rPr lang="en-US" dirty="0" smtClean="0"/>
+              <a:t>Loop over the whole ELF addresses and call </a:t>
+            </a:r>
+            <a:r>
+              <a:rPr lang="en-US" i="1" dirty="0" smtClean="0"/>
+              <a:t>puts</a:t>
+            </a:r>
+            <a:r>
+              <a:rPr lang="en-US" dirty="0" smtClean="0"/>
+              <a:t> with the address</a:t>
+            </a:r>
+          </a:p>
+          <a:p>
+            <a:pPr marL="285750" indent="-285750">
+              <a:buFont typeface="Wingdings" panose="05000000000000000000" pitchFamily="2" charset="2"/>
+              <a:buChar char="Ø"/>
+            </a:pPr>
+            <a:endParaRPr lang="en-US" dirty="0"/>
+          </a:p>
+          <a:p>
+            <a:pPr marL="285750" indent="-285750">
+              <a:buFont typeface="Wingdings" panose="05000000000000000000" pitchFamily="2" charset="2"/>
+              <a:buChar char="Ø"/>
+            </a:pPr>
+            <a:r>
+              <a:rPr lang="en-US" dirty="0" smtClean="0"/>
+              <a:t>Parse the output to get the leaked data</a:t>
+            </a:r>
+          </a:p>
+          <a:p>
+            <a:pPr marL="285750" indent="-285750">
+              <a:buFont typeface="Wingdings" panose="05000000000000000000" pitchFamily="2" charset="2"/>
+              <a:buChar char="Ø"/>
+            </a:pPr>
+            <a:endParaRPr lang="en-US" dirty="0"/>
+          </a:p>
+          <a:p>
+            <a:pPr marL="285750" indent="-285750">
+              <a:buFont typeface="Wingdings" panose="05000000000000000000" pitchFamily="2" charset="2"/>
+              <a:buChar char="Ø"/>
+            </a:pPr>
+            <a:r>
+              <a:rPr lang="en-US" dirty="0" smtClean="0"/>
+              <a:t>No data means a null byte at this address</a:t>
+            </a:r>
+          </a:p>
+        </p:txBody>
+      </p:sp>
+      <p:sp>
+        <p:nvSpPr>
+          <p:cNvPr id="9" name="TextBox 8"/>
+          <p:cNvSpPr txBox="1"/>
+          <p:nvPr/>
+        </p:nvSpPr>
+        <p:spPr>
+          <a:xfrm>
+            <a:off x="3944765" y="4657870"/>
+            <a:ext cx="3864318" cy="369332"/>
+          </a:xfrm>
+          <a:prstGeom prst="rect">
+            <a:avLst/>
+          </a:prstGeom>
+          <a:noFill/>
+        </p:spPr>
+        <p:txBody>
+          <a:bodyPr wrap="square" rtlCol="0">
+            <a:spAutoFit/>
+          </a:bodyPr>
+          <a:lstStyle/>
+          <a:p>
+            <a:pPr algn="ctr"/>
+            <a:r>
+              <a:rPr lang="en-US" dirty="0" smtClean="0"/>
+              <a:t>[DEMO BINARY LEAK]</a:t>
+            </a:r>
+            <a:endParaRPr lang="en-US" dirty="0"/>
+          </a:p>
+        </p:txBody>
+      </p:sp>
+      <p:sp>
+        <p:nvSpPr>
+          <p:cNvPr id="11" name="Rectangle 10"/>
+          <p:cNvSpPr/>
+          <p:nvPr/>
+        </p:nvSpPr>
+        <p:spPr>
+          <a:xfrm>
+            <a:off x="5327753" y="1014978"/>
+            <a:ext cx="45719" cy="1619570"/>
+          </a:xfrm>
+          <a:prstGeom prst="rect">
+            <a:avLst/>
+          </a:prstGeom>
+          <a:solidFill>
+            <a:schemeClr val="tx2">
+              <a:lumMod val="20000"/>
+              <a:lumOff val="80000"/>
+            </a:schemeClr>
+          </a:solidFill>
+          <a:ln>
+            <a:solidFill>
+              <a:schemeClr val="accent2"/>
+            </a:solidFill>
+          </a:ln>
+        </p:spPr>
+        <p:style>
+          <a:lnRef idx="2">
+            <a:schemeClr val="accent1">
+              <a:shade val="50000"/>
+            </a:schemeClr>
+          </a:lnRef>
+          <a:fillRef idx="1">
+            <a:schemeClr val="accent1"/>
+          </a:fillRef>
+          <a:effectRef idx="0">
+            <a:schemeClr val="accent1"/>
+          </a:effectRef>
+          <a:fontRef idx="minor">
+            <a:schemeClr val="lt1"/>
+          </a:fontRef>
+        </p:style>
+        <p:txBody>
+          <a:bodyPr rtlCol="0" anchor="ctr"/>
+          <a:lstStyle/>
+          <a:p>
+            <a:pPr algn="ctr"/>
+            <a:endParaRPr lang="en-US"/>
+          </a:p>
+        </p:txBody>
+      </p:sp>
+    </p:spTree>
+    <p:extLst>
+      <p:ext uri="{BB962C8B-B14F-4D97-AF65-F5344CB8AC3E}">
+        <p14:creationId xmlns:p14="http://schemas.microsoft.com/office/powerpoint/2010/main" val="2116694367"/>
+      </p:ext>
+    </p:extLst>
+  </p:cSld>
+  <p:clrMapOvr>
+    <a:masterClrMapping/>
+  </p:clrMapOvr>
+  <p:timing>
+    <p:tnLst>
+      <p:par>
+        <p:cTn id="1" dur="indefinite" restart="never" nodeType="tmRoot">
+          <p:childTnLst>
+            <p:seq concurrent="1" nextAc="seek">
+              <p:cTn id="2" dur="indefinite" nodeType="mainSeq">
+                <p:childTnLst>
+                  <p:par>
+                    <p:cTn id="3" fill="hold">
+                      <p:stCondLst>
+                        <p:cond delay="indefinite"/>
+                      </p:stCondLst>
+                      <p:childTnLst>
+                        <p:par>
+                          <p:cTn id="4" fill="hold">
+                            <p:stCondLst>
+                              <p:cond delay="0"/>
+                            </p:stCondLst>
+                            <p:childTnLst>
+                              <p:par>
+                                <p:cTn id="5" presetID="1" presetClass="entr" presetSubtype="0" fill="hold" grpId="0" nodeType="clickEffect">
+                                  <p:stCondLst>
+                                    <p:cond delay="0"/>
+                                  </p:stCondLst>
+                                  <p:childTnLst>
+                                    <p:set>
+                                      <p:cBhvr>
+                                        <p:cTn id="6" dur="1" fill="hold">
+                                          <p:stCondLst>
+                                            <p:cond delay="0"/>
+                                          </p:stCondLst>
+                                        </p:cTn>
+                                        <p:tgtEl>
+                                          <p:spTgt spid="5"/>
+                                        </p:tgtEl>
+                                        <p:attrNameLst>
+                                          <p:attrName>style.visibility</p:attrName>
+                                        </p:attrNameLst>
+                                      </p:cBhvr>
+                                      <p:to>
+                                        <p:strVal val="visible"/>
+                                      </p:to>
+                                    </p:set>
+                                  </p:childTnLst>
+                                </p:cTn>
+                              </p:par>
+                            </p:childTnLst>
+                          </p:cTn>
+                        </p:par>
+                      </p:childTnLst>
+                    </p:cTn>
+                  </p:par>
+                  <p:par>
+                    <p:cTn id="7" fill="hold">
+                      <p:stCondLst>
+                        <p:cond delay="indefinite"/>
+                      </p:stCondLst>
+                      <p:childTnLst>
+                        <p:par>
+                          <p:cTn id="8" fill="hold">
+                            <p:stCondLst>
+                              <p:cond delay="0"/>
+                            </p:stCondLst>
+                            <p:childTnLst>
+                              <p:par>
+                                <p:cTn id="9" presetID="1" presetClass="entr" presetSubtype="0" fill="hold" grpId="0" nodeType="clickEffect">
+                                  <p:stCondLst>
+                                    <p:cond delay="0"/>
+                                  </p:stCondLst>
+                                  <p:childTnLst>
+                                    <p:set>
+                                      <p:cBhvr>
+                                        <p:cTn id="10" dur="1" fill="hold">
+                                          <p:stCondLst>
+                                            <p:cond delay="0"/>
+                                          </p:stCondLst>
+                                        </p:cTn>
+                                        <p:tgtEl>
+                                          <p:spTgt spid="11"/>
+                                        </p:tgtEl>
+                                        <p:attrNameLst>
+                                          <p:attrName>style.visibility</p:attrName>
+                                        </p:attrNameLst>
+                                      </p:cBhvr>
+                                      <p:to>
+                                        <p:strVal val="visible"/>
+                                      </p:to>
+                                    </p:set>
+                                  </p:childTnLst>
+                                </p:cTn>
+                              </p:par>
+                              <p:par>
+                                <p:cTn id="11" presetID="1" presetClass="entr" presetSubtype="0" fill="hold" grpId="0" nodeType="withEffect">
+                                  <p:stCondLst>
+                                    <p:cond delay="0"/>
+                                  </p:stCondLst>
+                                  <p:childTnLst>
+                                    <p:set>
+                                      <p:cBhvr>
+                                        <p:cTn id="12" dur="1" fill="hold">
+                                          <p:stCondLst>
+                                            <p:cond delay="0"/>
+                                          </p:stCondLst>
+                                        </p:cTn>
+                                        <p:tgtEl>
+                                          <p:spTgt spid="8"/>
+                                        </p:tgtEl>
+                                        <p:attrNameLst>
+                                          <p:attrName>style.visibility</p:attrName>
+                                        </p:attrNameLst>
+                                      </p:cBhvr>
+                                      <p:to>
+                                        <p:strVal val="visible"/>
+                                      </p:to>
+                                    </p:set>
+                                  </p:childTnLst>
+                                </p:cTn>
+                              </p:par>
+                            </p:childTnLst>
+                          </p:cTn>
+                        </p:par>
+                      </p:childTnLst>
+                    </p:cTn>
+                  </p:par>
+                  <p:par>
+                    <p:cTn id="13" fill="hold">
+                      <p:stCondLst>
+                        <p:cond delay="indefinite"/>
+                      </p:stCondLst>
+                      <p:childTnLst>
+                        <p:par>
+                          <p:cTn id="14" fill="hold">
+                            <p:stCondLst>
+                              <p:cond delay="0"/>
+                            </p:stCondLst>
+                            <p:childTnLst>
+                              <p:par>
+                                <p:cTn id="15" presetID="1" presetClass="entr" presetSubtype="0" fill="hold" grpId="0" nodeType="clickEffect">
+                                  <p:stCondLst>
+                                    <p:cond delay="0"/>
+                                  </p:stCondLst>
+                                  <p:childTnLst>
+                                    <p:set>
+                                      <p:cBhvr>
+                                        <p:cTn id="16" dur="1" fill="hold">
+                                          <p:stCondLst>
+                                            <p:cond delay="0"/>
+                                          </p:stCondLst>
+                                        </p:cTn>
+                                        <p:tgtEl>
+                                          <p:spTgt spid="9"/>
+                                        </p:tgtEl>
+                                        <p:attrNameLst>
+                                          <p:attrName>style.visibility</p:attrName>
+                                        </p:attrNameLst>
+                                      </p:cBhvr>
+                                      <p:to>
+                                        <p:strVal val="visible"/>
+                                      </p:to>
+                                    </p:set>
+                                  </p:childTnLst>
+                                </p:cTn>
+                              </p:par>
+                            </p:childTnLst>
+                          </p:cTn>
+                        </p:par>
+                      </p:childTnLst>
+                    </p:cTn>
+                  </p:par>
+                  <p:par>
+                    <p:cTn id="17" fill="hold">
+                      <p:stCondLst>
+                        <p:cond delay="indefinite"/>
+                      </p:stCondLst>
+                      <p:childTnLst>
+                        <p:par>
+                          <p:cTn id="18" fill="hold">
+                            <p:stCondLst>
+                              <p:cond delay="0"/>
+                            </p:stCondLst>
+                            <p:childTnLst>
+                              <p:par>
+                                <p:cTn id="19" presetID="1" presetClass="exit" presetSubtype="0" fill="hold" grpId="1" nodeType="clickEffect">
+                                  <p:stCondLst>
+                                    <p:cond delay="0"/>
+                                  </p:stCondLst>
+                                  <p:childTnLst>
+                                    <p:set>
+                                      <p:cBhvr>
+                                        <p:cTn id="20" dur="1" fill="hold">
+                                          <p:stCondLst>
+                                            <p:cond delay="0"/>
+                                          </p:stCondLst>
+                                        </p:cTn>
+                                        <p:tgtEl>
+                                          <p:spTgt spid="9"/>
+                                        </p:tgtEl>
+                                        <p:attrNameLst>
+                                          <p:attrName>style.visibility</p:attrName>
+                                        </p:attrNameLst>
+                                      </p:cBhvr>
+                                      <p:to>
+                                        <p:strVal val="hidden"/>
+                                      </p:to>
+                                    </p:set>
+                                  </p:childTnLst>
+                                </p:cTn>
+                              </p:par>
+                            </p:childTnLst>
+                          </p:cTn>
+                        </p:par>
+                        <p:par>
+                          <p:cTn id="21" fill="hold">
+                            <p:stCondLst>
+                              <p:cond delay="0"/>
+                            </p:stCondLst>
+                            <p:childTnLst>
+                              <p:par>
+                                <p:cTn id="22" presetID="1" presetClass="entr" presetSubtype="0" fill="hold" nodeType="afterEffect">
+                                  <p:stCondLst>
+                                    <p:cond delay="0"/>
+                                  </p:stCondLst>
+                                  <p:childTnLst>
+                                    <p:set>
+                                      <p:cBhvr>
+                                        <p:cTn id="23" dur="1" fill="hold">
+                                          <p:stCondLst>
+                                            <p:cond delay="0"/>
+                                          </p:stCondLst>
+                                        </p:cTn>
+                                        <p:tgtEl>
+                                          <p:spTgt spid="2"/>
+                                        </p:tgtEl>
+                                        <p:attrNameLst>
+                                          <p:attrName>style.visibility</p:attrName>
+                                        </p:attrNameLst>
+                                      </p:cBhvr>
+                                      <p:to>
+                                        <p:strVal val="visible"/>
+                                      </p:to>
+                                    </p:set>
+                                  </p:childTnLst>
+                                </p:cTn>
+                              </p:par>
+                            </p:childTnLst>
+                          </p:cTn>
+                        </p:par>
+                      </p:childTnLst>
+                    </p:cTn>
+                  </p:par>
+                </p:childTnLst>
+              </p:cTn>
+              <p:prevCondLst>
+                <p:cond evt="onPrev" delay="0">
+                  <p:tgtEl>
+                    <p:sldTgt/>
+                  </p:tgtEl>
+                </p:cond>
+              </p:prevCondLst>
+              <p:nextCondLst>
+                <p:cond evt="onNext" delay="0">
+                  <p:tgtEl>
+                    <p:sldTgt/>
+                  </p:tgtEl>
+                </p:cond>
+              </p:nextCondLst>
+            </p:seq>
+          </p:childTnLst>
+        </p:cTn>
+      </p:par>
+    </p:tnLst>
+    <p:bldLst>
+      <p:bldP spid="5" grpId="0"/>
+      <p:bldP spid="8" grpId="0"/>
+      <p:bldP spid="9" grpId="0"/>
+      <p:bldP spid="9" grpId="1"/>
+      <p:bldP spid="11" grpId="0" animBg="1"/>
+    </p:bldLst>
+  </p:timing>
+</p:sld>
+</file>
+
+<file path=ppt/slides/slide21.xml><?xml version="1.0" encoding="utf-8"?>
+<p:sld xmlns:a="http://schemas.openxmlformats.org/drawingml/2006/main" xmlns:r="http://schemas.openxmlformats.org/officeDocument/2006/relationships" xmlns:p="http://schemas.openxmlformats.org/presentationml/2006/main">
+  <p:cSld>
+    <p:spTree>
+      <p:nvGrpSpPr>
+        <p:cNvPr id="1" name=""/>
+        <p:cNvGrpSpPr/>
+        <p:nvPr/>
+      </p:nvGrpSpPr>
+      <p:grpSpPr>
+        <a:xfrm>
+          <a:off x="0" y="0"/>
+          <a:ext cx="0" cy="0"/>
+          <a:chOff x="0" y="0"/>
+          <a:chExt cx="0" cy="0"/>
+        </a:xfrm>
+      </p:grpSpPr>
+      <p:pic>
+        <p:nvPicPr>
+          <p:cNvPr id="6" name="Picture 5"/>
+          <p:cNvPicPr>
+            <a:picLocks noChangeAspect="1"/>
+          </p:cNvPicPr>
+          <p:nvPr/>
+        </p:nvPicPr>
+        <p:blipFill rotWithShape="1">
+          <a:blip r:embed="rId2">
+            <a:extLst>
+              <a:ext uri="{28A0092B-C50C-407E-A947-70E740481C1C}">
+                <a14:useLocalDpi xmlns:a14="http://schemas.microsoft.com/office/drawing/2010/main" val="0"/>
+              </a:ext>
+            </a:extLst>
+          </a:blip>
+          <a:srcRect t="28261" r="3596" b="24736"/>
+          <a:stretch/>
+        </p:blipFill>
+        <p:spPr>
+          <a:xfrm>
+            <a:off x="686956" y="1286224"/>
+            <a:ext cx="6722910" cy="937992"/>
+          </a:xfrm>
+          <a:prstGeom prst="rect">
+            <a:avLst/>
+          </a:prstGeom>
+        </p:spPr>
+      </p:pic>
+      <p:sp>
+        <p:nvSpPr>
+          <p:cNvPr id="12" name="Rectangle 11"/>
+          <p:cNvSpPr/>
+          <p:nvPr/>
+        </p:nvSpPr>
+        <p:spPr>
+          <a:xfrm>
+            <a:off x="457199" y="0"/>
+            <a:ext cx="10839451" cy="628649"/>
+          </a:xfrm>
+          <a:prstGeom prst="rect">
+            <a:avLst/>
+          </a:prstGeom>
+          <a:gradFill flip="none" rotWithShape="1">
+            <a:gsLst>
+              <a:gs pos="52000">
+                <a:schemeClr val="accent1">
+                  <a:lumMod val="60000"/>
+                  <a:lumOff val="40000"/>
+                </a:schemeClr>
+              </a:gs>
+              <a:gs pos="100000">
+                <a:schemeClr val="tx2">
+                  <a:lumMod val="60000"/>
+                  <a:lumOff val="40000"/>
+                </a:schemeClr>
+              </a:gs>
+              <a:gs pos="0">
+                <a:schemeClr val="accent1"/>
+              </a:gs>
+            </a:gsLst>
+            <a:lin ang="10800000" scaled="1"/>
+            <a:tileRect/>
+          </a:gradFill>
+          <a:ln>
+            <a:noFill/>
+          </a:ln>
+        </p:spPr>
+        <p:style>
+          <a:lnRef idx="2">
+            <a:schemeClr val="accent1">
+              <a:shade val="50000"/>
+            </a:schemeClr>
+          </a:lnRef>
+          <a:fillRef idx="1">
+            <a:schemeClr val="accent1"/>
+          </a:fillRef>
+          <a:effectRef idx="0">
+            <a:schemeClr val="accent1"/>
+          </a:effectRef>
+          <a:fontRef idx="minor">
+            <a:schemeClr val="lt1"/>
+          </a:fontRef>
+        </p:style>
+        <p:txBody>
+          <a:bodyPr rtlCol="0" anchor="ctr"/>
+          <a:lstStyle/>
+          <a:p>
+            <a:pPr algn="ctr"/>
+            <a:endParaRPr lang="en-US" sz="3200"/>
+          </a:p>
+        </p:txBody>
+      </p:sp>
+      <p:pic>
+        <p:nvPicPr>
+          <p:cNvPr id="10" name="Picture 9"/>
+          <p:cNvPicPr>
+            <a:picLocks noChangeAspect="1"/>
+          </p:cNvPicPr>
+          <p:nvPr/>
+        </p:nvPicPr>
+        <p:blipFill>
+          <a:blip r:embed="rId3" cstate="print">
+            <a:extLst>
+              <a:ext uri="{28A0092B-C50C-407E-A947-70E740481C1C}">
+                <a14:useLocalDpi xmlns:a14="http://schemas.microsoft.com/office/drawing/2010/main" val="0"/>
+              </a:ext>
+            </a:extLst>
+          </a:blip>
+          <a:stretch>
+            <a:fillRect/>
+          </a:stretch>
+        </p:blipFill>
+        <p:spPr>
+          <a:xfrm>
+            <a:off x="11325199" y="116740"/>
+            <a:ext cx="866801" cy="731428"/>
+          </a:xfrm>
+          <a:prstGeom prst="rect">
+            <a:avLst/>
+          </a:prstGeom>
+        </p:spPr>
+      </p:pic>
+      <p:sp>
+        <p:nvSpPr>
+          <p:cNvPr id="4" name="TextBox 3"/>
+          <p:cNvSpPr txBox="1"/>
+          <p:nvPr/>
+        </p:nvSpPr>
+        <p:spPr>
+          <a:xfrm>
+            <a:off x="1340642" y="0"/>
+            <a:ext cx="9072564" cy="584775"/>
+          </a:xfrm>
+          <a:prstGeom prst="rect">
+            <a:avLst/>
+          </a:prstGeom>
+          <a:noFill/>
+        </p:spPr>
+        <p:txBody>
+          <a:bodyPr wrap="square" rtlCol="0">
+            <a:spAutoFit/>
+          </a:bodyPr>
+          <a:lstStyle/>
+          <a:p>
+            <a:pPr algn="ctr"/>
+            <a:r>
+              <a:rPr lang="en-US" sz="3200" dirty="0" smtClean="0"/>
+              <a:t>Let’s analyze it! </a:t>
+            </a:r>
+            <a:endParaRPr lang="en-US" sz="3200" dirty="0"/>
+          </a:p>
+        </p:txBody>
+      </p:sp>
+      <p:sp>
+        <p:nvSpPr>
+          <p:cNvPr id="5" name="TextBox 4"/>
+          <p:cNvSpPr txBox="1"/>
+          <p:nvPr/>
+        </p:nvSpPr>
+        <p:spPr>
+          <a:xfrm>
+            <a:off x="7504761" y="1854884"/>
+            <a:ext cx="3718518" cy="369332"/>
+          </a:xfrm>
+          <a:prstGeom prst="rect">
+            <a:avLst/>
+          </a:prstGeom>
+          <a:noFill/>
+        </p:spPr>
+        <p:txBody>
+          <a:bodyPr wrap="square" rtlCol="0">
+            <a:spAutoFit/>
+          </a:bodyPr>
+          <a:lstStyle/>
+          <a:p>
+            <a:r>
+              <a:rPr lang="en-US" dirty="0"/>
+              <a:t>w</a:t>
+            </a:r>
+            <a:r>
+              <a:rPr lang="en-US" dirty="0" smtClean="0"/>
+              <a:t>e correctly dumped the ELF</a:t>
+            </a:r>
+          </a:p>
+        </p:txBody>
+      </p:sp>
+      <p:sp>
+        <p:nvSpPr>
+          <p:cNvPr id="9" name="Bent Arrow 8"/>
+          <p:cNvSpPr/>
+          <p:nvPr/>
+        </p:nvSpPr>
+        <p:spPr>
+          <a:xfrm rot="5400000">
+            <a:off x="8271065" y="791112"/>
+            <a:ext cx="386620" cy="1573427"/>
+          </a:xfrm>
+          <a:prstGeom prst="bentArrow">
+            <a:avLst>
+              <a:gd name="adj1" fmla="val 25000"/>
+              <a:gd name="adj2" fmla="val 25000"/>
+              <a:gd name="adj3" fmla="val 25000"/>
+              <a:gd name="adj4" fmla="val 49384"/>
+            </a:avLst>
+          </a:prstGeom>
+          <a:noFill/>
+        </p:spPr>
+        <p:style>
+          <a:lnRef idx="2">
+            <a:schemeClr val="accent1">
+              <a:shade val="50000"/>
+            </a:schemeClr>
+          </a:lnRef>
+          <a:fillRef idx="1">
+            <a:schemeClr val="accent1"/>
+          </a:fillRef>
+          <a:effectRef idx="0">
+            <a:schemeClr val="accent1"/>
+          </a:effectRef>
+          <a:fontRef idx="minor">
+            <a:schemeClr val="lt1"/>
+          </a:fontRef>
+        </p:style>
+        <p:txBody>
+          <a:bodyPr rtlCol="0" anchor="ctr"/>
+          <a:lstStyle/>
+          <a:p>
+            <a:pPr algn="ctr"/>
+            <a:endParaRPr lang="en-US">
+              <a:solidFill>
+                <a:schemeClr val="tx1"/>
+              </a:solidFill>
+            </a:endParaRPr>
+          </a:p>
+        </p:txBody>
+      </p:sp>
+      <p:sp>
+        <p:nvSpPr>
+          <p:cNvPr id="13" name="TextBox 12"/>
+          <p:cNvSpPr txBox="1"/>
+          <p:nvPr/>
+        </p:nvSpPr>
+        <p:spPr>
+          <a:xfrm>
+            <a:off x="1266501" y="3506571"/>
+            <a:ext cx="3783294" cy="2031325"/>
+          </a:xfrm>
+          <a:prstGeom prst="rect">
+            <a:avLst/>
+          </a:prstGeom>
+          <a:noFill/>
+        </p:spPr>
+        <p:txBody>
+          <a:bodyPr wrap="square" rtlCol="0">
+            <a:spAutoFit/>
+          </a:bodyPr>
+          <a:lstStyle/>
+          <a:p>
+            <a:r>
+              <a:rPr lang="en-US" dirty="0" smtClean="0"/>
+              <a:t>Load binary </a:t>
+            </a:r>
+            <a:r>
+              <a:rPr lang="en-US" dirty="0" smtClean="0"/>
+              <a:t>into Ghidra:</a:t>
+            </a:r>
+          </a:p>
+          <a:p>
+            <a:endParaRPr lang="en-US" dirty="0" smtClean="0"/>
+          </a:p>
+          <a:p>
+            <a:pPr marL="285750" indent="-285750">
+              <a:buFont typeface="Wingdings" panose="05000000000000000000" pitchFamily="2" charset="2"/>
+              <a:buChar char="Ø"/>
+            </a:pPr>
+            <a:r>
+              <a:rPr lang="en-US" dirty="0"/>
+              <a:t>I</a:t>
+            </a:r>
+            <a:r>
+              <a:rPr lang="en-US" dirty="0" smtClean="0"/>
+              <a:t>dentify functions</a:t>
+            </a:r>
+          </a:p>
+          <a:p>
+            <a:pPr marL="285750" indent="-285750">
+              <a:buFont typeface="Wingdings" panose="05000000000000000000" pitchFamily="2" charset="2"/>
+              <a:buChar char="Ø"/>
+            </a:pPr>
+            <a:endParaRPr lang="en-US" dirty="0"/>
+          </a:p>
+          <a:p>
+            <a:pPr marL="285750" indent="-285750">
+              <a:buFont typeface="Wingdings" panose="05000000000000000000" pitchFamily="2" charset="2"/>
+              <a:buChar char="Ø"/>
+            </a:pPr>
+            <a:r>
+              <a:rPr lang="en-US" dirty="0"/>
+              <a:t>F</a:t>
+            </a:r>
+            <a:r>
+              <a:rPr lang="en-US" dirty="0" smtClean="0"/>
+              <a:t>ind </a:t>
+            </a:r>
+            <a:r>
+              <a:rPr lang="en-US" i="1" dirty="0" smtClean="0"/>
+              <a:t>puts</a:t>
+            </a:r>
+            <a:r>
+              <a:rPr lang="en-US" dirty="0" smtClean="0"/>
+              <a:t> call</a:t>
+            </a:r>
+          </a:p>
+          <a:p>
+            <a:pPr marL="285750" indent="-285750">
+              <a:buFont typeface="Wingdings" panose="05000000000000000000" pitchFamily="2" charset="2"/>
+              <a:buChar char="Ø"/>
+            </a:pPr>
+            <a:endParaRPr lang="en-US" dirty="0"/>
+          </a:p>
+          <a:p>
+            <a:pPr marL="285750" indent="-285750">
+              <a:buFont typeface="Wingdings" panose="05000000000000000000" pitchFamily="2" charset="2"/>
+              <a:buChar char="Ø"/>
+            </a:pPr>
+            <a:r>
+              <a:rPr lang="en-US" dirty="0" smtClean="0"/>
+              <a:t>Find </a:t>
+            </a:r>
+            <a:r>
+              <a:rPr lang="en-US" i="1" dirty="0" smtClean="0"/>
+              <a:t>puts</a:t>
+            </a:r>
+            <a:r>
+              <a:rPr lang="en-US" dirty="0" smtClean="0"/>
+              <a:t> GOT entry</a:t>
+            </a:r>
+          </a:p>
+        </p:txBody>
+      </p:sp>
+      <p:pic>
+        <p:nvPicPr>
+          <p:cNvPr id="11" name="Picture 10"/>
+          <p:cNvPicPr>
+            <a:picLocks noChangeAspect="1"/>
+          </p:cNvPicPr>
+          <p:nvPr/>
+        </p:nvPicPr>
+        <p:blipFill>
+          <a:blip r:embed="rId4">
+            <a:extLst>
+              <a:ext uri="{28A0092B-C50C-407E-A947-70E740481C1C}">
+                <a14:useLocalDpi xmlns:a14="http://schemas.microsoft.com/office/drawing/2010/main" val="0"/>
+              </a:ext>
+            </a:extLst>
+          </a:blip>
+          <a:stretch>
+            <a:fillRect/>
+          </a:stretch>
+        </p:blipFill>
+        <p:spPr>
+          <a:xfrm>
+            <a:off x="5344625" y="2997371"/>
+            <a:ext cx="4666072" cy="3277631"/>
+          </a:xfrm>
+          <a:prstGeom prst="rect">
+            <a:avLst/>
+          </a:prstGeom>
+        </p:spPr>
+      </p:pic>
+    </p:spTree>
+    <p:extLst>
+      <p:ext uri="{BB962C8B-B14F-4D97-AF65-F5344CB8AC3E}">
+        <p14:creationId xmlns:p14="http://schemas.microsoft.com/office/powerpoint/2010/main" val="236585776"/>
+      </p:ext>
+    </p:extLst>
+  </p:cSld>
+  <p:clrMapOvr>
+    <a:masterClrMapping/>
+  </p:clrMapOvr>
+  <p:timing>
+    <p:tnLst>
+      <p:par>
+        <p:cTn id="1" dur="indefinite" restart="never" nodeType="tmRoot">
+          <p:childTnLst>
+            <p:seq concurrent="1" nextAc="seek">
+              <p:cTn id="2" dur="indefinite" nodeType="mainSeq">
+                <p:childTnLst>
+                  <p:par>
+                    <p:cTn id="3" fill="hold">
+                      <p:stCondLst>
+                        <p:cond delay="indefinite"/>
+                      </p:stCondLst>
+                      <p:childTnLst>
+                        <p:par>
+                          <p:cTn id="4" fill="hold">
+                            <p:stCondLst>
+                              <p:cond delay="0"/>
+                            </p:stCondLst>
+                            <p:childTnLst>
+                              <p:par>
+                                <p:cTn id="5" presetID="1" presetClass="entr" presetSubtype="0" fill="hold" nodeType="clickEffect">
+                                  <p:stCondLst>
+                                    <p:cond delay="0"/>
+                                  </p:stCondLst>
+                                  <p:childTnLst>
+                                    <p:set>
+                                      <p:cBhvr>
+                                        <p:cTn id="6" dur="1" fill="hold">
+                                          <p:stCondLst>
+                                            <p:cond delay="0"/>
+                                          </p:stCondLst>
+                                        </p:cTn>
+                                        <p:tgtEl>
+                                          <p:spTgt spid="6"/>
+                                        </p:tgtEl>
+                                        <p:attrNameLst>
+                                          <p:attrName>style.visibility</p:attrName>
+                                        </p:attrNameLst>
+                                      </p:cBhvr>
+                                      <p:to>
+                                        <p:strVal val="visible"/>
+                                      </p:to>
+                                    </p:set>
+                                  </p:childTnLst>
+                                </p:cTn>
+                              </p:par>
+                              <p:par>
+                                <p:cTn id="7" presetID="1" presetClass="entr" presetSubtype="0" fill="hold" grpId="0" nodeType="withEffect">
+                                  <p:stCondLst>
+                                    <p:cond delay="0"/>
+                                  </p:stCondLst>
+                                  <p:childTnLst>
+                                    <p:set>
+                                      <p:cBhvr>
+                                        <p:cTn id="8" dur="1" fill="hold">
+                                          <p:stCondLst>
+                                            <p:cond delay="0"/>
+                                          </p:stCondLst>
+                                        </p:cTn>
+                                        <p:tgtEl>
+                                          <p:spTgt spid="5"/>
+                                        </p:tgtEl>
+                                        <p:attrNameLst>
+                                          <p:attrName>style.visibility</p:attrName>
+                                        </p:attrNameLst>
+                                      </p:cBhvr>
+                                      <p:to>
+                                        <p:strVal val="visible"/>
+                                      </p:to>
+                                    </p:set>
+                                  </p:childTnLst>
+                                </p:cTn>
+                              </p:par>
+                              <p:par>
+                                <p:cTn id="9" presetID="1" presetClass="entr" presetSubtype="0" fill="hold" grpId="0" nodeType="withEffect">
+                                  <p:stCondLst>
+                                    <p:cond delay="0"/>
+                                  </p:stCondLst>
+                                  <p:childTnLst>
+                                    <p:set>
+                                      <p:cBhvr>
+                                        <p:cTn id="10" dur="1" fill="hold">
+                                          <p:stCondLst>
+                                            <p:cond delay="0"/>
+                                          </p:stCondLst>
+                                        </p:cTn>
+                                        <p:tgtEl>
+                                          <p:spTgt spid="9"/>
+                                        </p:tgtEl>
+                                        <p:attrNameLst>
+                                          <p:attrName>style.visibility</p:attrName>
+                                        </p:attrNameLst>
+                                      </p:cBhvr>
+                                      <p:to>
+                                        <p:strVal val="visible"/>
+                                      </p:to>
+                                    </p:set>
+                                  </p:childTnLst>
+                                </p:cTn>
+                              </p:par>
+                            </p:childTnLst>
+                          </p:cTn>
+                        </p:par>
+                      </p:childTnLst>
+                    </p:cTn>
+                  </p:par>
+                  <p:par>
+                    <p:cTn id="11" fill="hold">
+                      <p:stCondLst>
+                        <p:cond delay="indefinite"/>
+                      </p:stCondLst>
+                      <p:childTnLst>
+                        <p:par>
+                          <p:cTn id="12" fill="hold">
+                            <p:stCondLst>
+                              <p:cond delay="0"/>
+                            </p:stCondLst>
+                            <p:childTnLst>
+                              <p:par>
+                                <p:cTn id="13" presetID="1" presetClass="entr" presetSubtype="0" fill="hold" grpId="0" nodeType="clickEffect">
+                                  <p:stCondLst>
+                                    <p:cond delay="0"/>
+                                  </p:stCondLst>
+                                  <p:childTnLst>
+                                    <p:set>
+                                      <p:cBhvr>
+                                        <p:cTn id="14" dur="1" fill="hold">
+                                          <p:stCondLst>
+                                            <p:cond delay="0"/>
+                                          </p:stCondLst>
+                                        </p:cTn>
+                                        <p:tgtEl>
+                                          <p:spTgt spid="13"/>
+                                        </p:tgtEl>
+                                        <p:attrNameLst>
+                                          <p:attrName>style.visibility</p:attrName>
+                                        </p:attrNameLst>
+                                      </p:cBhvr>
+                                      <p:to>
+                                        <p:strVal val="visible"/>
+                                      </p:to>
+                                    </p:set>
+                                  </p:childTnLst>
+                                </p:cTn>
+                              </p:par>
+                              <p:par>
+                                <p:cTn id="15" presetID="1" presetClass="entr" presetSubtype="0" fill="hold" nodeType="withEffect">
+                                  <p:stCondLst>
+                                    <p:cond delay="0"/>
+                                  </p:stCondLst>
+                                  <p:childTnLst>
+                                    <p:set>
+                                      <p:cBhvr>
+                                        <p:cTn id="16" dur="1" fill="hold">
+                                          <p:stCondLst>
+                                            <p:cond delay="0"/>
+                                          </p:stCondLst>
+                                        </p:cTn>
+                                        <p:tgtEl>
+                                          <p:spTgt spid="11"/>
+                                        </p:tgtEl>
+                                        <p:attrNameLst>
+                                          <p:attrName>style.visibility</p:attrName>
+                                        </p:attrNameLst>
+                                      </p:cBhvr>
+                                      <p:to>
+                                        <p:strVal val="visible"/>
+                                      </p:to>
+                                    </p:set>
+                                  </p:childTnLst>
+                                </p:cTn>
+                              </p:par>
+                            </p:childTnLst>
+                          </p:cTn>
+                        </p:par>
+                      </p:childTnLst>
+                    </p:cTn>
+                  </p:par>
+                </p:childTnLst>
+              </p:cTn>
+              <p:prevCondLst>
+                <p:cond evt="onPrev" delay="0">
+                  <p:tgtEl>
+                    <p:sldTgt/>
+                  </p:tgtEl>
+                </p:cond>
+              </p:prevCondLst>
+              <p:nextCondLst>
+                <p:cond evt="onNext" delay="0">
+                  <p:tgtEl>
+                    <p:sldTgt/>
+                  </p:tgtEl>
+                </p:cond>
+              </p:nextCondLst>
+            </p:seq>
+          </p:childTnLst>
+        </p:cTn>
+      </p:par>
+    </p:tnLst>
+    <p:bldLst>
+      <p:bldP spid="5" grpId="0"/>
+      <p:bldP spid="9" grpId="0" animBg="1"/>
+      <p:bldP spid="13" grpId="0"/>
+    </p:bldLst>
+  </p:timing>
+</p:sld>
+</file>
+
+<file path=ppt/slides/slide22.xml><?xml version="1.0" encoding="utf-8"?>
+<p:sld xmlns:a="http://schemas.openxmlformats.org/drawingml/2006/main" xmlns:r="http://schemas.openxmlformats.org/officeDocument/2006/relationships" xmlns:p="http://schemas.openxmlformats.org/presentationml/2006/main">
+  <p:cSld>
+    <p:spTree>
+      <p:nvGrpSpPr>
+        <p:cNvPr id="1" name=""/>
+        <p:cNvGrpSpPr/>
+        <p:nvPr/>
+      </p:nvGrpSpPr>
+      <p:grpSpPr>
+        <a:xfrm>
+          <a:off x="0" y="0"/>
+          <a:ext cx="0" cy="0"/>
+          <a:chOff x="0" y="0"/>
+          <a:chExt cx="0" cy="0"/>
+        </a:xfrm>
+      </p:grpSpPr>
+      <p:sp>
+        <p:nvSpPr>
+          <p:cNvPr id="12" name="Rectangle 11"/>
+          <p:cNvSpPr/>
+          <p:nvPr/>
+        </p:nvSpPr>
+        <p:spPr>
+          <a:xfrm>
+            <a:off x="457199" y="0"/>
+            <a:ext cx="10839451" cy="628649"/>
+          </a:xfrm>
+          <a:prstGeom prst="rect">
+            <a:avLst/>
+          </a:prstGeom>
+          <a:gradFill flip="none" rotWithShape="1">
+            <a:gsLst>
+              <a:gs pos="52000">
+                <a:schemeClr val="accent1">
+                  <a:lumMod val="60000"/>
+                  <a:lumOff val="40000"/>
+                </a:schemeClr>
+              </a:gs>
+              <a:gs pos="100000">
+                <a:schemeClr val="tx2">
+                  <a:lumMod val="60000"/>
+                  <a:lumOff val="40000"/>
+                </a:schemeClr>
+              </a:gs>
+              <a:gs pos="0">
+                <a:schemeClr val="accent1"/>
+              </a:gs>
+            </a:gsLst>
+            <a:lin ang="10800000" scaled="1"/>
+            <a:tileRect/>
+          </a:gradFill>
+          <a:ln>
+            <a:noFill/>
+          </a:ln>
+        </p:spPr>
+        <p:style>
+          <a:lnRef idx="2">
+            <a:schemeClr val="accent1">
+              <a:shade val="50000"/>
+            </a:schemeClr>
+          </a:lnRef>
+          <a:fillRef idx="1">
+            <a:schemeClr val="accent1"/>
+          </a:fillRef>
+          <a:effectRef idx="0">
+            <a:schemeClr val="accent1"/>
+          </a:effectRef>
+          <a:fontRef idx="minor">
+            <a:schemeClr val="lt1"/>
+          </a:fontRef>
+        </p:style>
+        <p:txBody>
+          <a:bodyPr rtlCol="0" anchor="ctr"/>
+          <a:lstStyle/>
+          <a:p>
+            <a:pPr algn="ctr"/>
+            <a:endParaRPr lang="en-US" sz="3200"/>
+          </a:p>
+        </p:txBody>
+      </p:sp>
+      <p:pic>
+        <p:nvPicPr>
+          <p:cNvPr id="10" name="Picture 9"/>
+          <p:cNvPicPr>
+            <a:picLocks noChangeAspect="1"/>
+          </p:cNvPicPr>
+          <p:nvPr/>
+        </p:nvPicPr>
+        <p:blipFill>
+          <a:blip r:embed="rId2" cstate="print">
+            <a:extLst>
+              <a:ext uri="{28A0092B-C50C-407E-A947-70E740481C1C}">
+                <a14:useLocalDpi xmlns:a14="http://schemas.microsoft.com/office/drawing/2010/main" val="0"/>
+              </a:ext>
+            </a:extLst>
+          </a:blip>
+          <a:stretch>
+            <a:fillRect/>
+          </a:stretch>
+        </p:blipFill>
+        <p:spPr>
+          <a:xfrm>
+            <a:off x="11325199" y="116740"/>
+            <a:ext cx="866801" cy="731428"/>
+          </a:xfrm>
+          <a:prstGeom prst="rect">
+            <a:avLst/>
+          </a:prstGeom>
+        </p:spPr>
+      </p:pic>
+      <p:sp>
+        <p:nvSpPr>
+          <p:cNvPr id="4" name="TextBox 3"/>
+          <p:cNvSpPr txBox="1"/>
+          <p:nvPr/>
+        </p:nvSpPr>
+        <p:spPr>
+          <a:xfrm>
+            <a:off x="1340642" y="0"/>
+            <a:ext cx="9072564" cy="584775"/>
+          </a:xfrm>
+          <a:prstGeom prst="rect">
+            <a:avLst/>
+          </a:prstGeom>
+          <a:noFill/>
+        </p:spPr>
+        <p:txBody>
+          <a:bodyPr wrap="square" rtlCol="0">
+            <a:spAutoFit/>
+          </a:bodyPr>
+          <a:lstStyle/>
+          <a:p>
+            <a:pPr algn="ctr"/>
+            <a:r>
+              <a:rPr lang="en-US" sz="3200" dirty="0" smtClean="0"/>
+              <a:t>Dissect the binary</a:t>
+            </a:r>
+            <a:endParaRPr lang="en-US" sz="3200" dirty="0"/>
+          </a:p>
+        </p:txBody>
+      </p:sp>
+      <p:sp>
+        <p:nvSpPr>
+          <p:cNvPr id="5" name="TextBox 4"/>
+          <p:cNvSpPr txBox="1"/>
+          <p:nvPr/>
+        </p:nvSpPr>
+        <p:spPr>
+          <a:xfrm>
+            <a:off x="4005004" y="3208011"/>
+            <a:ext cx="3864318" cy="369332"/>
+          </a:xfrm>
+          <a:prstGeom prst="rect">
+            <a:avLst/>
+          </a:prstGeom>
+          <a:noFill/>
+        </p:spPr>
+        <p:txBody>
+          <a:bodyPr wrap="square" rtlCol="0">
+            <a:spAutoFit/>
+          </a:bodyPr>
+          <a:lstStyle/>
+          <a:p>
+            <a:pPr algn="ctr"/>
+            <a:r>
+              <a:rPr lang="en-US" dirty="0" smtClean="0"/>
+              <a:t>[DEMO </a:t>
+            </a:r>
+            <a:r>
+              <a:rPr lang="en-US" dirty="0" smtClean="0"/>
+              <a:t>GHIDRA]</a:t>
+            </a:r>
+            <a:endParaRPr lang="en-US" dirty="0"/>
+          </a:p>
+        </p:txBody>
+      </p:sp>
+      <p:pic>
+        <p:nvPicPr>
+          <p:cNvPr id="2" name="Picture 1"/>
+          <p:cNvPicPr>
+            <a:picLocks noChangeAspect="1"/>
+          </p:cNvPicPr>
+          <p:nvPr/>
+        </p:nvPicPr>
+        <p:blipFill rotWithShape="1">
+          <a:blip r:embed="rId3">
+            <a:extLst>
+              <a:ext uri="{28A0092B-C50C-407E-A947-70E740481C1C}">
+                <a14:useLocalDpi xmlns:a14="http://schemas.microsoft.com/office/drawing/2010/main" val="0"/>
+              </a:ext>
+            </a:extLst>
+          </a:blip>
+          <a:srcRect l="7306"/>
+          <a:stretch/>
+        </p:blipFill>
+        <p:spPr>
+          <a:xfrm>
+            <a:off x="1040541" y="1247864"/>
+            <a:ext cx="3658376" cy="1721714"/>
+          </a:xfrm>
+          <a:prstGeom prst="rect">
+            <a:avLst/>
+          </a:prstGeom>
+        </p:spPr>
+      </p:pic>
+      <p:pic>
+        <p:nvPicPr>
+          <p:cNvPr id="3" name="Picture 2"/>
+          <p:cNvPicPr>
+            <a:picLocks noChangeAspect="1"/>
+          </p:cNvPicPr>
+          <p:nvPr/>
+        </p:nvPicPr>
+        <p:blipFill rotWithShape="1">
+          <a:blip r:embed="rId4">
+            <a:extLst>
+              <a:ext uri="{28A0092B-C50C-407E-A947-70E740481C1C}">
+                <a14:useLocalDpi xmlns:a14="http://schemas.microsoft.com/office/drawing/2010/main" val="0"/>
+              </a:ext>
+            </a:extLst>
+          </a:blip>
+          <a:srcRect l="4827"/>
+          <a:stretch/>
+        </p:blipFill>
+        <p:spPr>
+          <a:xfrm>
+            <a:off x="5985014" y="1015391"/>
+            <a:ext cx="4772361" cy="2186660"/>
+          </a:xfrm>
+          <a:prstGeom prst="rect">
+            <a:avLst/>
+          </a:prstGeom>
+        </p:spPr>
+      </p:pic>
+      <p:cxnSp>
+        <p:nvCxnSpPr>
+          <p:cNvPr id="8" name="Curved Connector 7"/>
+          <p:cNvCxnSpPr/>
+          <p:nvPr/>
+        </p:nvCxnSpPr>
+        <p:spPr>
+          <a:xfrm flipV="1">
+            <a:off x="2648689" y="1100856"/>
+            <a:ext cx="3288474" cy="1053577"/>
+          </a:xfrm>
+          <a:prstGeom prst="curvedConnector3">
+            <a:avLst>
+              <a:gd name="adj1" fmla="val 50000"/>
+            </a:avLst>
+          </a:prstGeom>
+          <a:ln>
+            <a:tailEnd type="triangle"/>
+          </a:ln>
+        </p:spPr>
+        <p:style>
+          <a:lnRef idx="3">
+            <a:schemeClr val="accent1"/>
+          </a:lnRef>
+          <a:fillRef idx="0">
+            <a:schemeClr val="accent1"/>
+          </a:fillRef>
+          <a:effectRef idx="2">
+            <a:schemeClr val="accent1"/>
+          </a:effectRef>
+          <a:fontRef idx="minor">
+            <a:schemeClr val="tx1"/>
+          </a:fontRef>
+        </p:style>
+      </p:cxnSp>
+      <p:pic>
+        <p:nvPicPr>
+          <p:cNvPr id="15" name="Picture 14"/>
+          <p:cNvPicPr>
+            <a:picLocks noChangeAspect="1"/>
+          </p:cNvPicPr>
+          <p:nvPr/>
+        </p:nvPicPr>
+        <p:blipFill>
+          <a:blip r:embed="rId5">
+            <a:extLst>
+              <a:ext uri="{28A0092B-C50C-407E-A947-70E740481C1C}">
+                <a14:useLocalDpi xmlns:a14="http://schemas.microsoft.com/office/drawing/2010/main" val="0"/>
+              </a:ext>
+            </a:extLst>
+          </a:blip>
+          <a:stretch>
+            <a:fillRect/>
+          </a:stretch>
+        </p:blipFill>
+        <p:spPr>
+          <a:xfrm>
+            <a:off x="2051803" y="3937038"/>
+            <a:ext cx="6319391" cy="1766603"/>
+          </a:xfrm>
+          <a:prstGeom prst="rect">
+            <a:avLst/>
+          </a:prstGeom>
+        </p:spPr>
+      </p:pic>
+      <p:cxnSp>
+        <p:nvCxnSpPr>
+          <p:cNvPr id="17" name="Curved Connector 16"/>
+          <p:cNvCxnSpPr/>
+          <p:nvPr/>
+        </p:nvCxnSpPr>
+        <p:spPr>
+          <a:xfrm>
+            <a:off x="1197061" y="2490768"/>
+            <a:ext cx="2582867" cy="2468410"/>
+          </a:xfrm>
+          <a:prstGeom prst="curvedConnector3">
+            <a:avLst>
+              <a:gd name="adj1" fmla="val -14107"/>
+            </a:avLst>
+          </a:prstGeom>
+          <a:ln>
+            <a:tailEnd type="triangle"/>
+          </a:ln>
+        </p:spPr>
+        <p:style>
+          <a:lnRef idx="3">
+            <a:schemeClr val="accent1"/>
+          </a:lnRef>
+          <a:fillRef idx="0">
+            <a:schemeClr val="accent1"/>
+          </a:fillRef>
+          <a:effectRef idx="2">
+            <a:schemeClr val="accent1"/>
+          </a:effectRef>
+          <a:fontRef idx="minor">
+            <a:schemeClr val="tx1"/>
+          </a:fontRef>
+        </p:style>
+      </p:cxnSp>
+      <p:sp>
+        <p:nvSpPr>
+          <p:cNvPr id="28" name="Oval 27"/>
+          <p:cNvSpPr/>
+          <p:nvPr/>
+        </p:nvSpPr>
+        <p:spPr>
+          <a:xfrm>
+            <a:off x="6198174" y="5066270"/>
+            <a:ext cx="1729945" cy="739858"/>
+          </a:xfrm>
+          <a:prstGeom prst="ellipse">
+            <a:avLst/>
+          </a:prstGeom>
+          <a:noFill/>
+          <a:ln w="38100">
+            <a:solidFill>
+              <a:schemeClr val="accent4"/>
+            </a:solidFill>
+          </a:ln>
+        </p:spPr>
+        <p:style>
+          <a:lnRef idx="2">
+            <a:schemeClr val="accent1">
+              <a:shade val="50000"/>
+            </a:schemeClr>
+          </a:lnRef>
+          <a:fillRef idx="1">
+            <a:schemeClr val="accent1"/>
+          </a:fillRef>
+          <a:effectRef idx="0">
+            <a:schemeClr val="accent1"/>
+          </a:effectRef>
+          <a:fontRef idx="minor">
+            <a:schemeClr val="lt1"/>
+          </a:fontRef>
+        </p:style>
+        <p:txBody>
+          <a:bodyPr rtlCol="0" anchor="ctr"/>
+          <a:lstStyle/>
+          <a:p>
+            <a:pPr algn="ctr"/>
+            <a:endParaRPr lang="en-US"/>
+          </a:p>
+        </p:txBody>
+      </p:sp>
+      <p:sp>
+        <p:nvSpPr>
+          <p:cNvPr id="35" name="TextBox 34"/>
+          <p:cNvSpPr txBox="1"/>
+          <p:nvPr/>
+        </p:nvSpPr>
+        <p:spPr>
+          <a:xfrm>
+            <a:off x="9357741" y="4696938"/>
+            <a:ext cx="1938909" cy="369332"/>
+          </a:xfrm>
+          <a:prstGeom prst="rect">
+            <a:avLst/>
+          </a:prstGeom>
+          <a:noFill/>
+        </p:spPr>
+        <p:txBody>
+          <a:bodyPr wrap="square" rtlCol="0">
+            <a:spAutoFit/>
+          </a:bodyPr>
+          <a:lstStyle/>
+          <a:p>
+            <a:r>
+              <a:rPr lang="en-US" i="1" dirty="0" smtClean="0"/>
+              <a:t>puts</a:t>
+            </a:r>
+            <a:r>
+              <a:rPr lang="en-US" dirty="0" smtClean="0"/>
+              <a:t> GOT entry!</a:t>
+            </a:r>
+            <a:endParaRPr lang="en-US" i="1" dirty="0"/>
+          </a:p>
+        </p:txBody>
+      </p:sp>
+      <p:cxnSp>
+        <p:nvCxnSpPr>
+          <p:cNvPr id="39" name="Curved Connector 38"/>
+          <p:cNvCxnSpPr>
+            <a:stCxn id="35" idx="1"/>
+            <a:endCxn id="28" idx="7"/>
+          </p:cNvCxnSpPr>
+          <p:nvPr/>
+        </p:nvCxnSpPr>
+        <p:spPr>
+          <a:xfrm rot="10800000" flipV="1">
+            <a:off x="7674775" y="4881604"/>
+            <a:ext cx="1682967" cy="293016"/>
+          </a:xfrm>
+          <a:prstGeom prst="curvedConnector2">
+            <a:avLst/>
+          </a:prstGeom>
+          <a:ln>
+            <a:tailEnd type="triangle"/>
+          </a:ln>
+        </p:spPr>
+        <p:style>
+          <a:lnRef idx="3">
+            <a:schemeClr val="accent4"/>
+          </a:lnRef>
+          <a:fillRef idx="0">
+            <a:schemeClr val="accent4"/>
+          </a:fillRef>
+          <a:effectRef idx="2">
+            <a:schemeClr val="accent4"/>
+          </a:effectRef>
+          <a:fontRef idx="minor">
+            <a:schemeClr val="tx1"/>
+          </a:fontRef>
+        </p:style>
+      </p:cxnSp>
+      <p:sp>
+        <p:nvSpPr>
+          <p:cNvPr id="42" name="TextBox 41"/>
+          <p:cNvSpPr txBox="1"/>
+          <p:nvPr/>
+        </p:nvSpPr>
+        <p:spPr>
+          <a:xfrm>
+            <a:off x="4221450" y="6156705"/>
+            <a:ext cx="4296474" cy="369332"/>
+          </a:xfrm>
+          <a:prstGeom prst="rect">
+            <a:avLst/>
+          </a:prstGeom>
+          <a:noFill/>
+        </p:spPr>
+        <p:txBody>
+          <a:bodyPr wrap="square" rtlCol="0">
+            <a:spAutoFit/>
+          </a:bodyPr>
+          <a:lstStyle/>
+          <a:p>
+            <a:r>
+              <a:rPr lang="en-US" dirty="0" smtClean="0"/>
+              <a:t>We could do the same with </a:t>
+            </a:r>
+            <a:r>
+              <a:rPr lang="en-US" i="1" dirty="0" err="1" smtClean="0"/>
+              <a:t>printf</a:t>
+            </a:r>
+            <a:endParaRPr lang="en-US" dirty="0"/>
+          </a:p>
+        </p:txBody>
+      </p:sp>
+      <p:sp>
+        <p:nvSpPr>
+          <p:cNvPr id="43" name="Right Arrow 42"/>
+          <p:cNvSpPr/>
+          <p:nvPr/>
+        </p:nvSpPr>
+        <p:spPr>
+          <a:xfrm>
+            <a:off x="2869729" y="6202082"/>
+            <a:ext cx="1135275" cy="271849"/>
+          </a:xfrm>
+          <a:prstGeom prst="rightArrow">
+            <a:avLst/>
+          </a:prstGeom>
+          <a:noFill/>
+        </p:spPr>
+        <p:style>
+          <a:lnRef idx="2">
+            <a:schemeClr val="accent1">
+              <a:shade val="50000"/>
+            </a:schemeClr>
+          </a:lnRef>
+          <a:fillRef idx="1">
+            <a:schemeClr val="accent1"/>
+          </a:fillRef>
+          <a:effectRef idx="0">
+            <a:schemeClr val="accent1"/>
+          </a:effectRef>
+          <a:fontRef idx="minor">
+            <a:schemeClr val="lt1"/>
+          </a:fontRef>
+        </p:style>
+        <p:txBody>
+          <a:bodyPr rtlCol="0" anchor="ctr"/>
+          <a:lstStyle/>
+          <a:p>
+            <a:pPr algn="ctr"/>
+            <a:endParaRPr lang="en-US"/>
+          </a:p>
+        </p:txBody>
+      </p:sp>
+    </p:spTree>
+    <p:extLst>
+      <p:ext uri="{BB962C8B-B14F-4D97-AF65-F5344CB8AC3E}">
+        <p14:creationId xmlns:p14="http://schemas.microsoft.com/office/powerpoint/2010/main" val="575119450"/>
+      </p:ext>
+    </p:extLst>
+  </p:cSld>
+  <p:clrMapOvr>
+    <a:masterClrMapping/>
+  </p:clrMapOvr>
+  <p:timing>
+    <p:tnLst>
+      <p:par>
+        <p:cTn id="1" dur="indefinite" restart="never" nodeType="tmRoot">
+          <p:childTnLst>
+            <p:seq concurrent="1" nextAc="seek">
+              <p:cTn id="2" dur="indefinite" nodeType="mainSeq">
+                <p:childTnLst>
+                  <p:par>
+                    <p:cTn id="3" fill="hold">
+                      <p:stCondLst>
+                        <p:cond delay="indefinite"/>
+                      </p:stCondLst>
+                      <p:childTnLst>
+                        <p:par>
+                          <p:cTn id="4" fill="hold">
+                            <p:stCondLst>
+                              <p:cond delay="0"/>
+                            </p:stCondLst>
+                            <p:childTnLst>
+                              <p:par>
+                                <p:cTn id="5" presetID="1" presetClass="entr" presetSubtype="0" fill="hold" grpId="0" nodeType="clickEffect">
+                                  <p:stCondLst>
+                                    <p:cond delay="0"/>
+                                  </p:stCondLst>
+                                  <p:childTnLst>
+                                    <p:set>
+                                      <p:cBhvr>
+                                        <p:cTn id="6" dur="1" fill="hold">
+                                          <p:stCondLst>
+                                            <p:cond delay="0"/>
+                                          </p:stCondLst>
+                                        </p:cTn>
+                                        <p:tgtEl>
+                                          <p:spTgt spid="5"/>
+                                        </p:tgtEl>
+                                        <p:attrNameLst>
+                                          <p:attrName>style.visibility</p:attrName>
+                                        </p:attrNameLst>
+                                      </p:cBhvr>
+                                      <p:to>
+                                        <p:strVal val="visible"/>
+                                      </p:to>
+                                    </p:set>
+                                  </p:childTnLst>
+                                </p:cTn>
+                              </p:par>
+                            </p:childTnLst>
+                          </p:cTn>
+                        </p:par>
+                      </p:childTnLst>
+                    </p:cTn>
+                  </p:par>
+                  <p:par>
+                    <p:cTn id="7" fill="hold">
+                      <p:stCondLst>
+                        <p:cond delay="indefinite"/>
+                      </p:stCondLst>
+                      <p:childTnLst>
+                        <p:par>
+                          <p:cTn id="8" fill="hold">
+                            <p:stCondLst>
+                              <p:cond delay="0"/>
+                            </p:stCondLst>
+                            <p:childTnLst>
+                              <p:par>
+                                <p:cTn id="9" presetID="1" presetClass="exit" presetSubtype="0" fill="hold" grpId="1" nodeType="clickEffect">
+                                  <p:stCondLst>
+                                    <p:cond delay="0"/>
+                                  </p:stCondLst>
+                                  <p:childTnLst>
+                                    <p:set>
+                                      <p:cBhvr>
+                                        <p:cTn id="10" dur="1" fill="hold">
+                                          <p:stCondLst>
+                                            <p:cond delay="0"/>
+                                          </p:stCondLst>
+                                        </p:cTn>
+                                        <p:tgtEl>
+                                          <p:spTgt spid="5"/>
+                                        </p:tgtEl>
+                                        <p:attrNameLst>
+                                          <p:attrName>style.visibility</p:attrName>
+                                        </p:attrNameLst>
+                                      </p:cBhvr>
+                                      <p:to>
+                                        <p:strVal val="hidden"/>
+                                      </p:to>
+                                    </p:set>
+                                  </p:childTnLst>
+                                </p:cTn>
+                              </p:par>
+                            </p:childTnLst>
+                          </p:cTn>
+                        </p:par>
+                        <p:par>
+                          <p:cTn id="11" fill="hold">
+                            <p:stCondLst>
+                              <p:cond delay="0"/>
+                            </p:stCondLst>
+                            <p:childTnLst>
+                              <p:par>
+                                <p:cTn id="12" presetID="1" presetClass="entr" presetSubtype="0" fill="hold" nodeType="afterEffect">
+                                  <p:stCondLst>
+                                    <p:cond delay="0"/>
+                                  </p:stCondLst>
+                                  <p:childTnLst>
+                                    <p:set>
+                                      <p:cBhvr>
+                                        <p:cTn id="13" dur="1" fill="hold">
+                                          <p:stCondLst>
+                                            <p:cond delay="0"/>
+                                          </p:stCondLst>
+                                        </p:cTn>
+                                        <p:tgtEl>
+                                          <p:spTgt spid="2"/>
+                                        </p:tgtEl>
+                                        <p:attrNameLst>
+                                          <p:attrName>style.visibility</p:attrName>
+                                        </p:attrNameLst>
+                                      </p:cBhvr>
+                                      <p:to>
+                                        <p:strVal val="visible"/>
+                                      </p:to>
+                                    </p:set>
+                                  </p:childTnLst>
+                                </p:cTn>
+                              </p:par>
+                            </p:childTnLst>
+                          </p:cTn>
+                        </p:par>
+                      </p:childTnLst>
+                    </p:cTn>
+                  </p:par>
+                  <p:par>
+                    <p:cTn id="14" fill="hold">
+                      <p:stCondLst>
+                        <p:cond delay="indefinite"/>
+                      </p:stCondLst>
+                      <p:childTnLst>
+                        <p:par>
+                          <p:cTn id="15" fill="hold">
+                            <p:stCondLst>
+                              <p:cond delay="0"/>
+                            </p:stCondLst>
+                            <p:childTnLst>
+                              <p:par>
+                                <p:cTn id="16" presetID="1" presetClass="entr" presetSubtype="0" fill="hold" nodeType="clickEffect">
+                                  <p:stCondLst>
+                                    <p:cond delay="0"/>
+                                  </p:stCondLst>
+                                  <p:childTnLst>
+                                    <p:set>
+                                      <p:cBhvr>
+                                        <p:cTn id="17" dur="1" fill="hold">
+                                          <p:stCondLst>
+                                            <p:cond delay="0"/>
+                                          </p:stCondLst>
+                                        </p:cTn>
+                                        <p:tgtEl>
+                                          <p:spTgt spid="8"/>
+                                        </p:tgtEl>
+                                        <p:attrNameLst>
+                                          <p:attrName>style.visibility</p:attrName>
+                                        </p:attrNameLst>
+                                      </p:cBhvr>
+                                      <p:to>
+                                        <p:strVal val="visible"/>
+                                      </p:to>
+                                    </p:set>
+                                  </p:childTnLst>
+                                </p:cTn>
+                              </p:par>
+                              <p:par>
+                                <p:cTn id="18" presetID="1" presetClass="entr" presetSubtype="0" fill="hold" nodeType="withEffect">
+                                  <p:stCondLst>
+                                    <p:cond delay="0"/>
+                                  </p:stCondLst>
+                                  <p:childTnLst>
+                                    <p:set>
+                                      <p:cBhvr>
+                                        <p:cTn id="19" dur="1" fill="hold">
+                                          <p:stCondLst>
+                                            <p:cond delay="0"/>
+                                          </p:stCondLst>
+                                        </p:cTn>
+                                        <p:tgtEl>
+                                          <p:spTgt spid="3"/>
+                                        </p:tgtEl>
+                                        <p:attrNameLst>
+                                          <p:attrName>style.visibility</p:attrName>
+                                        </p:attrNameLst>
+                                      </p:cBhvr>
+                                      <p:to>
+                                        <p:strVal val="visible"/>
+                                      </p:to>
+                                    </p:set>
+                                  </p:childTnLst>
+                                </p:cTn>
+                              </p:par>
+                            </p:childTnLst>
+                          </p:cTn>
+                        </p:par>
+                      </p:childTnLst>
+                    </p:cTn>
+                  </p:par>
+                  <p:par>
+                    <p:cTn id="20" fill="hold">
+                      <p:stCondLst>
+                        <p:cond delay="indefinite"/>
+                      </p:stCondLst>
+                      <p:childTnLst>
+                        <p:par>
+                          <p:cTn id="21" fill="hold">
+                            <p:stCondLst>
+                              <p:cond delay="0"/>
+                            </p:stCondLst>
+                            <p:childTnLst>
+                              <p:par>
+                                <p:cTn id="22" presetID="1" presetClass="entr" presetSubtype="0" fill="hold" nodeType="clickEffect">
+                                  <p:stCondLst>
+                                    <p:cond delay="0"/>
+                                  </p:stCondLst>
+                                  <p:childTnLst>
+                                    <p:set>
+                                      <p:cBhvr>
+                                        <p:cTn id="23" dur="1" fill="hold">
+                                          <p:stCondLst>
+                                            <p:cond delay="0"/>
+                                          </p:stCondLst>
+                                        </p:cTn>
+                                        <p:tgtEl>
+                                          <p:spTgt spid="17"/>
+                                        </p:tgtEl>
+                                        <p:attrNameLst>
+                                          <p:attrName>style.visibility</p:attrName>
+                                        </p:attrNameLst>
+                                      </p:cBhvr>
+                                      <p:to>
+                                        <p:strVal val="visible"/>
+                                      </p:to>
+                                    </p:set>
+                                  </p:childTnLst>
+                                </p:cTn>
+                              </p:par>
+                              <p:par>
+                                <p:cTn id="24" presetID="1" presetClass="entr" presetSubtype="0" fill="hold" nodeType="withEffect">
+                                  <p:stCondLst>
+                                    <p:cond delay="0"/>
+                                  </p:stCondLst>
+                                  <p:childTnLst>
+                                    <p:set>
+                                      <p:cBhvr>
+                                        <p:cTn id="25" dur="1" fill="hold">
+                                          <p:stCondLst>
+                                            <p:cond delay="0"/>
+                                          </p:stCondLst>
+                                        </p:cTn>
+                                        <p:tgtEl>
+                                          <p:spTgt spid="15"/>
+                                        </p:tgtEl>
+                                        <p:attrNameLst>
+                                          <p:attrName>style.visibility</p:attrName>
+                                        </p:attrNameLst>
+                                      </p:cBhvr>
+                                      <p:to>
+                                        <p:strVal val="visible"/>
+                                      </p:to>
+                                    </p:set>
+                                  </p:childTnLst>
+                                </p:cTn>
+                              </p:par>
+                            </p:childTnLst>
+                          </p:cTn>
+                        </p:par>
+                      </p:childTnLst>
+                    </p:cTn>
+                  </p:par>
+                  <p:par>
+                    <p:cTn id="26" fill="hold">
+                      <p:stCondLst>
+                        <p:cond delay="indefinite"/>
+                      </p:stCondLst>
+                      <p:childTnLst>
+                        <p:par>
+                          <p:cTn id="27" fill="hold">
+                            <p:stCondLst>
+                              <p:cond delay="0"/>
+                            </p:stCondLst>
+                            <p:childTnLst>
+                              <p:par>
+                                <p:cTn id="28" presetID="1" presetClass="entr" presetSubtype="0" fill="hold" nodeType="clickEffect">
+                                  <p:stCondLst>
+                                    <p:cond delay="0"/>
+                                  </p:stCondLst>
+                                  <p:childTnLst>
+                                    <p:set>
+                                      <p:cBhvr>
+                                        <p:cTn id="29" dur="1" fill="hold">
+                                          <p:stCondLst>
+                                            <p:cond delay="0"/>
+                                          </p:stCondLst>
+                                        </p:cTn>
+                                        <p:tgtEl>
+                                          <p:spTgt spid="39"/>
+                                        </p:tgtEl>
+                                        <p:attrNameLst>
+                                          <p:attrName>style.visibility</p:attrName>
+                                        </p:attrNameLst>
+                                      </p:cBhvr>
+                                      <p:to>
+                                        <p:strVal val="visible"/>
+                                      </p:to>
+                                    </p:set>
+                                  </p:childTnLst>
+                                </p:cTn>
+                              </p:par>
+                              <p:par>
+                                <p:cTn id="30" presetID="1" presetClass="entr" presetSubtype="0" fill="hold" grpId="0" nodeType="withEffect">
+                                  <p:stCondLst>
+                                    <p:cond delay="0"/>
+                                  </p:stCondLst>
+                                  <p:childTnLst>
+                                    <p:set>
+                                      <p:cBhvr>
+                                        <p:cTn id="31" dur="1" fill="hold">
+                                          <p:stCondLst>
+                                            <p:cond delay="0"/>
+                                          </p:stCondLst>
+                                        </p:cTn>
+                                        <p:tgtEl>
+                                          <p:spTgt spid="28"/>
+                                        </p:tgtEl>
+                                        <p:attrNameLst>
+                                          <p:attrName>style.visibility</p:attrName>
+                                        </p:attrNameLst>
+                                      </p:cBhvr>
+                                      <p:to>
+                                        <p:strVal val="visible"/>
+                                      </p:to>
+                                    </p:set>
+                                  </p:childTnLst>
+                                </p:cTn>
+                              </p:par>
+                              <p:par>
+                                <p:cTn id="32" presetID="1" presetClass="entr" presetSubtype="0" fill="hold" grpId="0" nodeType="withEffect">
+                                  <p:stCondLst>
+                                    <p:cond delay="0"/>
+                                  </p:stCondLst>
+                                  <p:childTnLst>
+                                    <p:set>
+                                      <p:cBhvr>
+                                        <p:cTn id="33" dur="1" fill="hold">
+                                          <p:stCondLst>
+                                            <p:cond delay="0"/>
+                                          </p:stCondLst>
+                                        </p:cTn>
+                                        <p:tgtEl>
+                                          <p:spTgt spid="35"/>
+                                        </p:tgtEl>
+                                        <p:attrNameLst>
+                                          <p:attrName>style.visibility</p:attrName>
+                                        </p:attrNameLst>
+                                      </p:cBhvr>
+                                      <p:to>
+                                        <p:strVal val="visible"/>
+                                      </p:to>
+                                    </p:set>
+                                  </p:childTnLst>
+                                </p:cTn>
+                              </p:par>
+                            </p:childTnLst>
+                          </p:cTn>
+                        </p:par>
+                      </p:childTnLst>
+                    </p:cTn>
+                  </p:par>
+                  <p:par>
+                    <p:cTn id="34" fill="hold">
+                      <p:stCondLst>
+                        <p:cond delay="indefinite"/>
+                      </p:stCondLst>
+                      <p:childTnLst>
+                        <p:par>
+                          <p:cTn id="35" fill="hold">
+                            <p:stCondLst>
+                              <p:cond delay="0"/>
+                            </p:stCondLst>
+                            <p:childTnLst>
+                              <p:par>
+                                <p:cTn id="36" presetID="1" presetClass="entr" presetSubtype="0" fill="hold" grpId="0" nodeType="clickEffect">
+                                  <p:stCondLst>
+                                    <p:cond delay="0"/>
+                                  </p:stCondLst>
+                                  <p:childTnLst>
+                                    <p:set>
+                                      <p:cBhvr>
+                                        <p:cTn id="37" dur="1" fill="hold">
+                                          <p:stCondLst>
+                                            <p:cond delay="0"/>
+                                          </p:stCondLst>
+                                        </p:cTn>
+                                        <p:tgtEl>
+                                          <p:spTgt spid="42"/>
+                                        </p:tgtEl>
+                                        <p:attrNameLst>
+                                          <p:attrName>style.visibility</p:attrName>
+                                        </p:attrNameLst>
+                                      </p:cBhvr>
+                                      <p:to>
+                                        <p:strVal val="visible"/>
+                                      </p:to>
+                                    </p:set>
+                                  </p:childTnLst>
+                                </p:cTn>
+                              </p:par>
+                              <p:par>
+                                <p:cTn id="38" presetID="1" presetClass="entr" presetSubtype="0" fill="hold" grpId="0" nodeType="withEffect">
+                                  <p:stCondLst>
+                                    <p:cond delay="0"/>
+                                  </p:stCondLst>
+                                  <p:childTnLst>
+                                    <p:set>
+                                      <p:cBhvr>
+                                        <p:cTn id="39" dur="1" fill="hold">
+                                          <p:stCondLst>
+                                            <p:cond delay="0"/>
+                                          </p:stCondLst>
+                                        </p:cTn>
+                                        <p:tgtEl>
+                                          <p:spTgt spid="43"/>
+                                        </p:tgtEl>
+                                        <p:attrNameLst>
+                                          <p:attrName>style.visibility</p:attrName>
+                                        </p:attrNameLst>
+                                      </p:cBhvr>
+                                      <p:to>
+                                        <p:strVal val="visible"/>
+                                      </p:to>
+                                    </p:set>
+                                  </p:childTnLst>
+                                </p:cTn>
+                              </p:par>
+                            </p:childTnLst>
+                          </p:cTn>
+                        </p:par>
+                      </p:childTnLst>
+                    </p:cTn>
+                  </p:par>
+                </p:childTnLst>
+              </p:cTn>
+              <p:prevCondLst>
+                <p:cond evt="onPrev" delay="0">
+                  <p:tgtEl>
+                    <p:sldTgt/>
+                  </p:tgtEl>
+                </p:cond>
+              </p:prevCondLst>
+              <p:nextCondLst>
+                <p:cond evt="onNext" delay="0">
+                  <p:tgtEl>
+                    <p:sldTgt/>
+                  </p:tgtEl>
+                </p:cond>
+              </p:nextCondLst>
+            </p:seq>
+          </p:childTnLst>
+        </p:cTn>
+      </p:par>
+    </p:tnLst>
+    <p:bldLst>
+      <p:bldP spid="5" grpId="0"/>
+      <p:bldP spid="5" grpId="1"/>
+      <p:bldP spid="28" grpId="0" animBg="1"/>
+      <p:bldP spid="35" grpId="0"/>
+      <p:bldP spid="42" grpId="0"/>
+      <p:bldP spid="43" grpId="0" animBg="1"/>
+    </p:bldLst>
+  </p:timing>
+</p:sld>
+</file>
+
+<file path=ppt/slides/slide23.xml><?xml version="1.0" encoding="utf-8"?>
+<p:sld xmlns:a="http://schemas.openxmlformats.org/drawingml/2006/main" xmlns:r="http://schemas.openxmlformats.org/officeDocument/2006/relationships" xmlns:p="http://schemas.openxmlformats.org/presentationml/2006/main">
+  <p:cSld>
+    <p:spTree>
+      <p:nvGrpSpPr>
+        <p:cNvPr id="1" name=""/>
+        <p:cNvGrpSpPr/>
+        <p:nvPr/>
+      </p:nvGrpSpPr>
+      <p:grpSpPr>
+        <a:xfrm>
+          <a:off x="0" y="0"/>
+          <a:ext cx="0" cy="0"/>
+          <a:chOff x="0" y="0"/>
+          <a:chExt cx="0" cy="0"/>
+        </a:xfrm>
+      </p:grpSpPr>
+      <p:pic>
+        <p:nvPicPr>
+          <p:cNvPr id="14" name="Picture 13"/>
+          <p:cNvPicPr>
+            <a:picLocks noChangeAspect="1"/>
+          </p:cNvPicPr>
+          <p:nvPr/>
+        </p:nvPicPr>
+        <p:blipFill rotWithShape="1">
+          <a:blip r:embed="rId2">
+            <a:extLst>
+              <a:ext uri="{28A0092B-C50C-407E-A947-70E740481C1C}">
+                <a14:useLocalDpi xmlns:a14="http://schemas.microsoft.com/office/drawing/2010/main" val="0"/>
+              </a:ext>
+            </a:extLst>
+          </a:blip>
+          <a:srcRect l="1507" t="23523" r="5516" b="3550"/>
+          <a:stretch/>
+        </p:blipFill>
+        <p:spPr>
+          <a:xfrm>
+            <a:off x="980304" y="2374926"/>
+            <a:ext cx="4731640" cy="1933463"/>
+          </a:xfrm>
+          <a:prstGeom prst="rect">
+            <a:avLst/>
+          </a:prstGeom>
+        </p:spPr>
+      </p:pic>
+      <p:sp>
+        <p:nvSpPr>
+          <p:cNvPr id="12" name="Rectangle 11"/>
+          <p:cNvSpPr/>
+          <p:nvPr/>
+        </p:nvSpPr>
+        <p:spPr>
+          <a:xfrm>
+            <a:off x="457199" y="0"/>
+            <a:ext cx="10839451" cy="628649"/>
+          </a:xfrm>
+          <a:prstGeom prst="rect">
+            <a:avLst/>
+          </a:prstGeom>
+          <a:gradFill flip="none" rotWithShape="1">
+            <a:gsLst>
+              <a:gs pos="52000">
+                <a:schemeClr val="accent1">
+                  <a:lumMod val="60000"/>
+                  <a:lumOff val="40000"/>
+                </a:schemeClr>
+              </a:gs>
+              <a:gs pos="100000">
+                <a:schemeClr val="tx2">
+                  <a:lumMod val="60000"/>
+                  <a:lumOff val="40000"/>
+                </a:schemeClr>
+              </a:gs>
+              <a:gs pos="0">
+                <a:schemeClr val="accent1"/>
+              </a:gs>
+            </a:gsLst>
+            <a:lin ang="10800000" scaled="1"/>
+            <a:tileRect/>
+          </a:gradFill>
+          <a:ln>
+            <a:noFill/>
+          </a:ln>
+        </p:spPr>
+        <p:style>
+          <a:lnRef idx="2">
+            <a:schemeClr val="accent1">
+              <a:shade val="50000"/>
+            </a:schemeClr>
+          </a:lnRef>
+          <a:fillRef idx="1">
+            <a:schemeClr val="accent1"/>
+          </a:fillRef>
+          <a:effectRef idx="0">
+            <a:schemeClr val="accent1"/>
+          </a:effectRef>
+          <a:fontRef idx="minor">
+            <a:schemeClr val="lt1"/>
+          </a:fontRef>
+        </p:style>
+        <p:txBody>
+          <a:bodyPr rtlCol="0" anchor="ctr"/>
+          <a:lstStyle/>
+          <a:p>
+            <a:pPr algn="ctr"/>
+            <a:endParaRPr lang="en-US" sz="3200"/>
+          </a:p>
+        </p:txBody>
+      </p:sp>
+      <p:pic>
+        <p:nvPicPr>
+          <p:cNvPr id="10" name="Picture 9"/>
+          <p:cNvPicPr>
+            <a:picLocks noChangeAspect="1"/>
+          </p:cNvPicPr>
+          <p:nvPr/>
+        </p:nvPicPr>
+        <p:blipFill>
+          <a:blip r:embed="rId3" cstate="print">
+            <a:extLst>
+              <a:ext uri="{28A0092B-C50C-407E-A947-70E740481C1C}">
+                <a14:useLocalDpi xmlns:a14="http://schemas.microsoft.com/office/drawing/2010/main" val="0"/>
+              </a:ext>
+            </a:extLst>
+          </a:blip>
+          <a:stretch>
+            <a:fillRect/>
+          </a:stretch>
+        </p:blipFill>
+        <p:spPr>
+          <a:xfrm>
+            <a:off x="11325199" y="116740"/>
+            <a:ext cx="866801" cy="731428"/>
+          </a:xfrm>
+          <a:prstGeom prst="rect">
+            <a:avLst/>
+          </a:prstGeom>
+        </p:spPr>
+      </p:pic>
+      <p:sp>
+        <p:nvSpPr>
+          <p:cNvPr id="4" name="TextBox 3"/>
+          <p:cNvSpPr txBox="1"/>
+          <p:nvPr/>
+        </p:nvSpPr>
+        <p:spPr>
+          <a:xfrm>
+            <a:off x="1340642" y="0"/>
+            <a:ext cx="9072564" cy="584775"/>
+          </a:xfrm>
+          <a:prstGeom prst="rect">
+            <a:avLst/>
+          </a:prstGeom>
+          <a:noFill/>
+        </p:spPr>
+        <p:txBody>
+          <a:bodyPr wrap="square" rtlCol="0">
+            <a:spAutoFit/>
+          </a:bodyPr>
+          <a:lstStyle/>
+          <a:p>
+            <a:pPr algn="ctr"/>
+            <a:r>
+              <a:rPr lang="en-US" sz="3200" dirty="0" smtClean="0"/>
+              <a:t>Leaking the LIBC</a:t>
+            </a:r>
+            <a:endParaRPr lang="en-US" sz="3200" dirty="0"/>
+          </a:p>
+        </p:txBody>
+      </p:sp>
+      <p:sp>
+        <p:nvSpPr>
+          <p:cNvPr id="2" name="TextBox 1"/>
+          <p:cNvSpPr txBox="1"/>
+          <p:nvPr/>
+        </p:nvSpPr>
+        <p:spPr>
+          <a:xfrm>
+            <a:off x="2587260" y="1008364"/>
+            <a:ext cx="7825946" cy="1200329"/>
+          </a:xfrm>
+          <a:prstGeom prst="rect">
+            <a:avLst/>
+          </a:prstGeom>
+          <a:noFill/>
+        </p:spPr>
+        <p:txBody>
+          <a:bodyPr wrap="square" rtlCol="0">
+            <a:spAutoFit/>
+          </a:bodyPr>
+          <a:lstStyle/>
+          <a:p>
+            <a:r>
+              <a:rPr lang="en-US" dirty="0" smtClean="0"/>
+              <a:t>For the functions we know </a:t>
+            </a:r>
+            <a:r>
+              <a:rPr lang="en-US" i="1" dirty="0" smtClean="0"/>
+              <a:t>(puts </a:t>
+            </a:r>
+            <a:r>
+              <a:rPr lang="en-US" dirty="0" smtClean="0"/>
+              <a:t>/</a:t>
+            </a:r>
+            <a:r>
+              <a:rPr lang="en-US" i="1" dirty="0" smtClean="0"/>
+              <a:t> </a:t>
+            </a:r>
+            <a:r>
+              <a:rPr lang="en-US" i="1" dirty="0" err="1" smtClean="0"/>
+              <a:t>printf</a:t>
+            </a:r>
+            <a:r>
+              <a:rPr lang="en-US" dirty="0"/>
+              <a:t>)</a:t>
+            </a:r>
+            <a:r>
+              <a:rPr lang="en-US" i="1" dirty="0" smtClean="0"/>
+              <a:t>:</a:t>
+            </a:r>
+          </a:p>
+          <a:p>
+            <a:pPr marL="285750" indent="-285750">
+              <a:buFontTx/>
+              <a:buChar char="-"/>
+            </a:pPr>
+            <a:r>
+              <a:rPr lang="en-US" dirty="0" smtClean="0"/>
+              <a:t>call </a:t>
+            </a:r>
+            <a:r>
+              <a:rPr lang="en-US" i="1" dirty="0" smtClean="0"/>
+              <a:t>puts(</a:t>
+            </a:r>
+            <a:r>
+              <a:rPr lang="en-US" i="1" dirty="0" err="1" smtClean="0"/>
+              <a:t>function_got</a:t>
+            </a:r>
+            <a:r>
+              <a:rPr lang="en-US" i="1" dirty="0" smtClean="0"/>
+              <a:t>) </a:t>
+            </a:r>
+            <a:r>
+              <a:rPr lang="en-US" dirty="0" smtClean="0"/>
+              <a:t>and return on </a:t>
+            </a:r>
+            <a:r>
+              <a:rPr lang="en-US" i="1" dirty="0" smtClean="0"/>
+              <a:t>main</a:t>
+            </a:r>
+            <a:r>
+              <a:rPr lang="en-US" dirty="0" smtClean="0"/>
+              <a:t> to flush </a:t>
+            </a:r>
+            <a:r>
+              <a:rPr lang="en-US" dirty="0" err="1" smtClean="0"/>
+              <a:t>stdout</a:t>
+            </a:r>
+            <a:endParaRPr lang="en-US" i="1" dirty="0" smtClean="0"/>
+          </a:p>
+          <a:p>
+            <a:pPr marL="285750" indent="-285750">
+              <a:buFontTx/>
+              <a:buChar char="-"/>
+            </a:pPr>
+            <a:r>
+              <a:rPr lang="en-US" dirty="0" smtClean="0"/>
+              <a:t>the output will be the </a:t>
+            </a:r>
+            <a:r>
+              <a:rPr lang="en-US" i="1" dirty="0" smtClean="0"/>
+              <a:t>function</a:t>
+            </a:r>
+            <a:r>
+              <a:rPr lang="en-US" dirty="0"/>
+              <a:t> </a:t>
+            </a:r>
+            <a:r>
+              <a:rPr lang="en-US" dirty="0" smtClean="0"/>
+              <a:t>address in the libc</a:t>
+            </a:r>
+          </a:p>
+          <a:p>
+            <a:pPr marL="285750" indent="-285750">
+              <a:buFontTx/>
+              <a:buChar char="-"/>
+            </a:pPr>
+            <a:r>
+              <a:rPr lang="en-US" dirty="0"/>
+              <a:t>t</a:t>
+            </a:r>
+            <a:r>
+              <a:rPr lang="en-US" dirty="0" smtClean="0"/>
+              <a:t>hen </a:t>
+            </a:r>
+            <a:r>
+              <a:rPr lang="en-US" dirty="0"/>
+              <a:t>use </a:t>
+            </a:r>
+            <a:r>
+              <a:rPr lang="en-US" dirty="0" smtClean="0"/>
+              <a:t>libc.blukat.me to deduce the libc version</a:t>
+            </a:r>
+            <a:endParaRPr lang="en-US" dirty="0"/>
+          </a:p>
+        </p:txBody>
+      </p:sp>
+      <p:pic>
+        <p:nvPicPr>
+          <p:cNvPr id="15" name="Picture 14"/>
+          <p:cNvPicPr>
+            <a:picLocks noChangeAspect="1"/>
+          </p:cNvPicPr>
+          <p:nvPr/>
+        </p:nvPicPr>
+        <p:blipFill rotWithShape="1">
+          <a:blip r:embed="rId4">
+            <a:extLst>
+              <a:ext uri="{28A0092B-C50C-407E-A947-70E740481C1C}">
+                <a14:useLocalDpi xmlns:a14="http://schemas.microsoft.com/office/drawing/2010/main" val="0"/>
+              </a:ext>
+            </a:extLst>
+          </a:blip>
+          <a:srcRect t="24255" r="4943" b="3917"/>
+          <a:stretch/>
+        </p:blipFill>
+        <p:spPr>
+          <a:xfrm>
+            <a:off x="6021924" y="2374926"/>
+            <a:ext cx="4911497" cy="1933463"/>
+          </a:xfrm>
+          <a:prstGeom prst="rect">
+            <a:avLst/>
+          </a:prstGeom>
+        </p:spPr>
+      </p:pic>
+      <p:pic>
+        <p:nvPicPr>
+          <p:cNvPr id="16" name="Picture 15"/>
+          <p:cNvPicPr>
+            <a:picLocks noChangeAspect="1"/>
+          </p:cNvPicPr>
+          <p:nvPr/>
+        </p:nvPicPr>
+        <p:blipFill rotWithShape="1">
+          <a:blip r:embed="rId5">
+            <a:extLst>
+              <a:ext uri="{28A0092B-C50C-407E-A947-70E740481C1C}">
+                <a14:useLocalDpi xmlns:a14="http://schemas.microsoft.com/office/drawing/2010/main" val="0"/>
+              </a:ext>
+            </a:extLst>
+          </a:blip>
+          <a:srcRect t="27393"/>
+          <a:stretch/>
+        </p:blipFill>
+        <p:spPr>
+          <a:xfrm>
+            <a:off x="1254609" y="4581845"/>
+            <a:ext cx="9678812" cy="2112657"/>
+          </a:xfrm>
+          <a:prstGeom prst="rect">
+            <a:avLst/>
+          </a:prstGeom>
+        </p:spPr>
+      </p:pic>
+      <p:sp>
+        <p:nvSpPr>
+          <p:cNvPr id="6" name="TextBox 5"/>
+          <p:cNvSpPr txBox="1"/>
+          <p:nvPr/>
+        </p:nvSpPr>
+        <p:spPr>
+          <a:xfrm>
+            <a:off x="3944765" y="3998844"/>
+            <a:ext cx="3864318" cy="369332"/>
+          </a:xfrm>
+          <a:prstGeom prst="rect">
+            <a:avLst/>
+          </a:prstGeom>
+          <a:noFill/>
+        </p:spPr>
+        <p:txBody>
+          <a:bodyPr wrap="square" rtlCol="0">
+            <a:spAutoFit/>
+          </a:bodyPr>
+          <a:lstStyle/>
+          <a:p>
+            <a:pPr algn="ctr"/>
+            <a:r>
+              <a:rPr lang="en-US" dirty="0" smtClean="0"/>
+              <a:t>[DEMO </a:t>
+            </a:r>
+            <a:r>
+              <a:rPr lang="en-US" dirty="0" smtClean="0"/>
+              <a:t>LIBC LEAK]</a:t>
+            </a:r>
+            <a:endParaRPr lang="en-US" dirty="0"/>
+          </a:p>
+        </p:txBody>
+      </p:sp>
+      <p:sp>
+        <p:nvSpPr>
+          <p:cNvPr id="17" name="Rectangle 16"/>
+          <p:cNvSpPr/>
+          <p:nvPr/>
+        </p:nvSpPr>
+        <p:spPr>
+          <a:xfrm>
+            <a:off x="3944765" y="3832611"/>
+            <a:ext cx="363624" cy="247135"/>
+          </a:xfrm>
+          <a:prstGeom prst="rect">
+            <a:avLst/>
+          </a:prstGeom>
+          <a:noFill/>
+          <a:ln w="28575">
+            <a:solidFill>
+              <a:srgbClr val="FF0000"/>
+            </a:solidFill>
+          </a:ln>
+        </p:spPr>
+        <p:style>
+          <a:lnRef idx="2">
+            <a:schemeClr val="accent1">
+              <a:shade val="50000"/>
+            </a:schemeClr>
+          </a:lnRef>
+          <a:fillRef idx="1">
+            <a:schemeClr val="accent1"/>
+          </a:fillRef>
+          <a:effectRef idx="0">
+            <a:schemeClr val="accent1"/>
+          </a:effectRef>
+          <a:fontRef idx="minor">
+            <a:schemeClr val="lt1"/>
+          </a:fontRef>
+        </p:style>
+        <p:txBody>
+          <a:bodyPr rtlCol="0" anchor="ctr"/>
+          <a:lstStyle/>
+          <a:p>
+            <a:pPr algn="ctr"/>
+            <a:endParaRPr lang="en-US"/>
+          </a:p>
+        </p:txBody>
+      </p:sp>
+      <p:sp>
+        <p:nvSpPr>
+          <p:cNvPr id="18" name="Rectangle 17"/>
+          <p:cNvSpPr/>
+          <p:nvPr/>
+        </p:nvSpPr>
+        <p:spPr>
+          <a:xfrm>
+            <a:off x="9114009" y="3850846"/>
+            <a:ext cx="363624" cy="247135"/>
+          </a:xfrm>
+          <a:prstGeom prst="rect">
+            <a:avLst/>
+          </a:prstGeom>
+          <a:noFill/>
+          <a:ln w="28575">
+            <a:solidFill>
+              <a:srgbClr val="FF0000"/>
+            </a:solidFill>
+          </a:ln>
+        </p:spPr>
+        <p:style>
+          <a:lnRef idx="2">
+            <a:schemeClr val="accent1">
+              <a:shade val="50000"/>
+            </a:schemeClr>
+          </a:lnRef>
+          <a:fillRef idx="1">
+            <a:schemeClr val="accent1"/>
+          </a:fillRef>
+          <a:effectRef idx="0">
+            <a:schemeClr val="accent1"/>
+          </a:effectRef>
+          <a:fontRef idx="minor">
+            <a:schemeClr val="lt1"/>
+          </a:fontRef>
+        </p:style>
+        <p:txBody>
+          <a:bodyPr rtlCol="0" anchor="ctr"/>
+          <a:lstStyle/>
+          <a:p>
+            <a:pPr algn="ctr"/>
+            <a:endParaRPr lang="en-US"/>
+          </a:p>
+        </p:txBody>
+      </p:sp>
+      <p:cxnSp>
+        <p:nvCxnSpPr>
+          <p:cNvPr id="20" name="Straight Arrow Connector 19"/>
+          <p:cNvCxnSpPr>
+            <a:stCxn id="17" idx="2"/>
+          </p:cNvCxnSpPr>
+          <p:nvPr/>
+        </p:nvCxnSpPr>
+        <p:spPr>
+          <a:xfrm>
+            <a:off x="4126577" y="4079746"/>
+            <a:ext cx="255953" cy="1558427"/>
+          </a:xfrm>
+          <a:prstGeom prst="straightConnector1">
+            <a:avLst/>
+          </a:prstGeom>
+          <a:ln w="28575">
+            <a:solidFill>
+              <a:srgbClr val="FF0000"/>
+            </a:solidFill>
+            <a:tailEnd type="triangle"/>
+          </a:ln>
+        </p:spPr>
+        <p:style>
+          <a:lnRef idx="1">
+            <a:schemeClr val="accent1"/>
+          </a:lnRef>
+          <a:fillRef idx="0">
+            <a:schemeClr val="accent1"/>
+          </a:fillRef>
+          <a:effectRef idx="0">
+            <a:schemeClr val="accent1"/>
+          </a:effectRef>
+          <a:fontRef idx="minor">
+            <a:schemeClr val="tx1"/>
+          </a:fontRef>
+        </p:style>
+      </p:cxnSp>
+      <p:cxnSp>
+        <p:nvCxnSpPr>
+          <p:cNvPr id="21" name="Straight Arrow Connector 20"/>
+          <p:cNvCxnSpPr>
+            <a:stCxn id="18" idx="2"/>
+          </p:cNvCxnSpPr>
+          <p:nvPr/>
+        </p:nvCxnSpPr>
+        <p:spPr>
+          <a:xfrm flipH="1">
+            <a:off x="4692510" y="4097981"/>
+            <a:ext cx="4603311" cy="1540192"/>
+          </a:xfrm>
+          <a:prstGeom prst="straightConnector1">
+            <a:avLst/>
+          </a:prstGeom>
+          <a:ln w="28575">
+            <a:solidFill>
+              <a:srgbClr val="FF0000"/>
+            </a:solidFill>
+            <a:tailEnd type="triangle"/>
+          </a:ln>
+        </p:spPr>
+        <p:style>
+          <a:lnRef idx="1">
+            <a:schemeClr val="accent1"/>
+          </a:lnRef>
+          <a:fillRef idx="0">
+            <a:schemeClr val="accent1"/>
+          </a:fillRef>
+          <a:effectRef idx="0">
+            <a:schemeClr val="accent1"/>
+          </a:effectRef>
+          <a:fontRef idx="minor">
+            <a:schemeClr val="tx1"/>
+          </a:fontRef>
+        </p:style>
+      </p:cxnSp>
+      <p:sp>
+        <p:nvSpPr>
+          <p:cNvPr id="24" name="Rectangle 23"/>
+          <p:cNvSpPr/>
+          <p:nvPr/>
+        </p:nvSpPr>
+        <p:spPr>
+          <a:xfrm>
+            <a:off x="6318420" y="5394531"/>
+            <a:ext cx="2034747" cy="342779"/>
+          </a:xfrm>
+          <a:prstGeom prst="rect">
+            <a:avLst/>
+          </a:prstGeom>
+          <a:noFill/>
+          <a:ln w="28575">
+            <a:solidFill>
+              <a:srgbClr val="FF0000"/>
+            </a:solidFill>
+          </a:ln>
+        </p:spPr>
+        <p:style>
+          <a:lnRef idx="2">
+            <a:schemeClr val="accent1">
+              <a:shade val="50000"/>
+            </a:schemeClr>
+          </a:lnRef>
+          <a:fillRef idx="1">
+            <a:schemeClr val="accent1"/>
+          </a:fillRef>
+          <a:effectRef idx="0">
+            <a:schemeClr val="accent1"/>
+          </a:effectRef>
+          <a:fontRef idx="minor">
+            <a:schemeClr val="lt1"/>
+          </a:fontRef>
+        </p:style>
+        <p:txBody>
+          <a:bodyPr rtlCol="0" anchor="ctr"/>
+          <a:lstStyle/>
+          <a:p>
+            <a:pPr algn="ctr"/>
+            <a:endParaRPr lang="en-US"/>
+          </a:p>
+        </p:txBody>
+      </p:sp>
+    </p:spTree>
+    <p:extLst>
+      <p:ext uri="{BB962C8B-B14F-4D97-AF65-F5344CB8AC3E}">
+        <p14:creationId xmlns:p14="http://schemas.microsoft.com/office/powerpoint/2010/main" val="1380505184"/>
+      </p:ext>
+    </p:extLst>
+  </p:cSld>
+  <p:clrMapOvr>
+    <a:masterClrMapping/>
+  </p:clrMapOvr>
+  <p:timing>
+    <p:tnLst>
+      <p:par>
+        <p:cTn id="1" dur="indefinite" restart="never" nodeType="tmRoot">
+          <p:childTnLst>
+            <p:seq concurrent="1" nextAc="seek">
+              <p:cTn id="2" dur="indefinite" nodeType="mainSeq">
+                <p:childTnLst>
+                  <p:par>
+                    <p:cTn id="3" fill="hold">
+                      <p:stCondLst>
+                        <p:cond delay="indefinite"/>
+                      </p:stCondLst>
+                      <p:childTnLst>
+                        <p:par>
+                          <p:cTn id="4" fill="hold">
+                            <p:stCondLst>
+                              <p:cond delay="0"/>
+                            </p:stCondLst>
+                            <p:childTnLst>
+                              <p:par>
+                                <p:cTn id="5" presetID="1" presetClass="entr" presetSubtype="0" fill="hold" grpId="0" nodeType="clickEffect">
+                                  <p:stCondLst>
+                                    <p:cond delay="0"/>
+                                  </p:stCondLst>
+                                  <p:childTnLst>
+                                    <p:set>
+                                      <p:cBhvr>
+                                        <p:cTn id="6" dur="1" fill="hold">
+                                          <p:stCondLst>
+                                            <p:cond delay="0"/>
+                                          </p:stCondLst>
+                                        </p:cTn>
+                                        <p:tgtEl>
+                                          <p:spTgt spid="2"/>
+                                        </p:tgtEl>
+                                        <p:attrNameLst>
+                                          <p:attrName>style.visibility</p:attrName>
+                                        </p:attrNameLst>
+                                      </p:cBhvr>
+                                      <p:to>
+                                        <p:strVal val="visible"/>
+                                      </p:to>
+                                    </p:set>
+                                  </p:childTnLst>
+                                </p:cTn>
+                              </p:par>
+                            </p:childTnLst>
+                          </p:cTn>
+                        </p:par>
+                      </p:childTnLst>
+                    </p:cTn>
+                  </p:par>
+                  <p:par>
+                    <p:cTn id="7" fill="hold">
+                      <p:stCondLst>
+                        <p:cond delay="indefinite"/>
+                      </p:stCondLst>
+                      <p:childTnLst>
+                        <p:par>
+                          <p:cTn id="8" fill="hold">
+                            <p:stCondLst>
+                              <p:cond delay="0"/>
+                            </p:stCondLst>
+                            <p:childTnLst>
+                              <p:par>
+                                <p:cTn id="9" presetID="1" presetClass="entr" presetSubtype="0" fill="hold" grpId="0" nodeType="clickEffect">
+                                  <p:stCondLst>
+                                    <p:cond delay="0"/>
+                                  </p:stCondLst>
+                                  <p:childTnLst>
+                                    <p:set>
+                                      <p:cBhvr>
+                                        <p:cTn id="10" dur="1" fill="hold">
+                                          <p:stCondLst>
+                                            <p:cond delay="0"/>
+                                          </p:stCondLst>
+                                        </p:cTn>
+                                        <p:tgtEl>
+                                          <p:spTgt spid="6"/>
+                                        </p:tgtEl>
+                                        <p:attrNameLst>
+                                          <p:attrName>style.visibility</p:attrName>
+                                        </p:attrNameLst>
+                                      </p:cBhvr>
+                                      <p:to>
+                                        <p:strVal val="visible"/>
+                                      </p:to>
+                                    </p:set>
+                                  </p:childTnLst>
+                                </p:cTn>
+                              </p:par>
+                            </p:childTnLst>
+                          </p:cTn>
+                        </p:par>
+                      </p:childTnLst>
+                    </p:cTn>
+                  </p:par>
+                  <p:par>
+                    <p:cTn id="11" fill="hold">
+                      <p:stCondLst>
+                        <p:cond delay="indefinite"/>
+                      </p:stCondLst>
+                      <p:childTnLst>
+                        <p:par>
+                          <p:cTn id="12" fill="hold">
+                            <p:stCondLst>
+                              <p:cond delay="0"/>
+                            </p:stCondLst>
+                            <p:childTnLst>
+                              <p:par>
+                                <p:cTn id="13" presetID="1" presetClass="exit" presetSubtype="0" fill="hold" grpId="1" nodeType="clickEffect">
+                                  <p:stCondLst>
+                                    <p:cond delay="0"/>
+                                  </p:stCondLst>
+                                  <p:childTnLst>
+                                    <p:set>
+                                      <p:cBhvr>
+                                        <p:cTn id="14" dur="1" fill="hold">
+                                          <p:stCondLst>
+                                            <p:cond delay="0"/>
+                                          </p:stCondLst>
+                                        </p:cTn>
+                                        <p:tgtEl>
+                                          <p:spTgt spid="6"/>
+                                        </p:tgtEl>
+                                        <p:attrNameLst>
+                                          <p:attrName>style.visibility</p:attrName>
+                                        </p:attrNameLst>
+                                      </p:cBhvr>
+                                      <p:to>
+                                        <p:strVal val="hidden"/>
+                                      </p:to>
+                                    </p:set>
+                                  </p:childTnLst>
+                                </p:cTn>
+                              </p:par>
+                            </p:childTnLst>
+                          </p:cTn>
+                        </p:par>
+                      </p:childTnLst>
+                    </p:cTn>
+                  </p:par>
+                  <p:par>
+                    <p:cTn id="15" fill="hold">
+                      <p:stCondLst>
+                        <p:cond delay="indefinite"/>
+                      </p:stCondLst>
+                      <p:childTnLst>
+                        <p:par>
+                          <p:cTn id="16" fill="hold">
+                            <p:stCondLst>
+                              <p:cond delay="0"/>
+                            </p:stCondLst>
+                            <p:childTnLst>
+                              <p:par>
+                                <p:cTn id="17" presetID="1" presetClass="entr" presetSubtype="0" fill="hold" nodeType="clickEffect">
+                                  <p:stCondLst>
+                                    <p:cond delay="0"/>
+                                  </p:stCondLst>
+                                  <p:childTnLst>
+                                    <p:set>
+                                      <p:cBhvr>
+                                        <p:cTn id="18" dur="1" fill="hold">
+                                          <p:stCondLst>
+                                            <p:cond delay="0"/>
+                                          </p:stCondLst>
+                                        </p:cTn>
+                                        <p:tgtEl>
+                                          <p:spTgt spid="14"/>
+                                        </p:tgtEl>
+                                        <p:attrNameLst>
+                                          <p:attrName>style.visibility</p:attrName>
+                                        </p:attrNameLst>
+                                      </p:cBhvr>
+                                      <p:to>
+                                        <p:strVal val="visible"/>
+                                      </p:to>
+                                    </p:set>
+                                  </p:childTnLst>
+                                </p:cTn>
+                              </p:par>
+                              <p:par>
+                                <p:cTn id="19" presetID="1" presetClass="entr" presetSubtype="0" fill="hold" nodeType="withEffect">
+                                  <p:stCondLst>
+                                    <p:cond delay="0"/>
+                                  </p:stCondLst>
+                                  <p:childTnLst>
+                                    <p:set>
+                                      <p:cBhvr>
+                                        <p:cTn id="20" dur="1" fill="hold">
+                                          <p:stCondLst>
+                                            <p:cond delay="0"/>
+                                          </p:stCondLst>
+                                        </p:cTn>
+                                        <p:tgtEl>
+                                          <p:spTgt spid="15"/>
+                                        </p:tgtEl>
+                                        <p:attrNameLst>
+                                          <p:attrName>style.visibility</p:attrName>
+                                        </p:attrNameLst>
+                                      </p:cBhvr>
+                                      <p:to>
+                                        <p:strVal val="visible"/>
+                                      </p:to>
+                                    </p:set>
+                                  </p:childTnLst>
+                                </p:cTn>
+                              </p:par>
+                            </p:childTnLst>
+                          </p:cTn>
+                        </p:par>
+                      </p:childTnLst>
+                    </p:cTn>
+                  </p:par>
+                  <p:par>
+                    <p:cTn id="21" fill="hold">
+                      <p:stCondLst>
+                        <p:cond delay="indefinite"/>
+                      </p:stCondLst>
+                      <p:childTnLst>
+                        <p:par>
+                          <p:cTn id="22" fill="hold">
+                            <p:stCondLst>
+                              <p:cond delay="0"/>
+                            </p:stCondLst>
+                            <p:childTnLst>
+                              <p:par>
+                                <p:cTn id="23" presetID="1" presetClass="entr" presetSubtype="0" fill="hold" nodeType="clickEffect">
+                                  <p:stCondLst>
+                                    <p:cond delay="0"/>
+                                  </p:stCondLst>
+                                  <p:childTnLst>
+                                    <p:set>
+                                      <p:cBhvr>
+                                        <p:cTn id="24" dur="1" fill="hold">
+                                          <p:stCondLst>
+                                            <p:cond delay="0"/>
+                                          </p:stCondLst>
+                                        </p:cTn>
+                                        <p:tgtEl>
+                                          <p:spTgt spid="21"/>
+                                        </p:tgtEl>
+                                        <p:attrNameLst>
+                                          <p:attrName>style.visibility</p:attrName>
+                                        </p:attrNameLst>
+                                      </p:cBhvr>
+                                      <p:to>
+                                        <p:strVal val="visible"/>
+                                      </p:to>
+                                    </p:set>
+                                  </p:childTnLst>
+                                </p:cTn>
+                              </p:par>
+                              <p:par>
+                                <p:cTn id="25" presetID="1" presetClass="entr" presetSubtype="0" fill="hold" grpId="0" nodeType="withEffect">
+                                  <p:stCondLst>
+                                    <p:cond delay="0"/>
+                                  </p:stCondLst>
+                                  <p:childTnLst>
+                                    <p:set>
+                                      <p:cBhvr>
+                                        <p:cTn id="26" dur="1" fill="hold">
+                                          <p:stCondLst>
+                                            <p:cond delay="0"/>
+                                          </p:stCondLst>
+                                        </p:cTn>
+                                        <p:tgtEl>
+                                          <p:spTgt spid="18"/>
+                                        </p:tgtEl>
+                                        <p:attrNameLst>
+                                          <p:attrName>style.visibility</p:attrName>
+                                        </p:attrNameLst>
+                                      </p:cBhvr>
+                                      <p:to>
+                                        <p:strVal val="visible"/>
+                                      </p:to>
+                                    </p:set>
+                                  </p:childTnLst>
+                                </p:cTn>
+                              </p:par>
+                              <p:par>
+                                <p:cTn id="27" presetID="1" presetClass="entr" presetSubtype="0" fill="hold" grpId="0" nodeType="withEffect">
+                                  <p:stCondLst>
+                                    <p:cond delay="0"/>
+                                  </p:stCondLst>
+                                  <p:childTnLst>
+                                    <p:set>
+                                      <p:cBhvr>
+                                        <p:cTn id="28" dur="1" fill="hold">
+                                          <p:stCondLst>
+                                            <p:cond delay="0"/>
+                                          </p:stCondLst>
+                                        </p:cTn>
+                                        <p:tgtEl>
+                                          <p:spTgt spid="17"/>
+                                        </p:tgtEl>
+                                        <p:attrNameLst>
+                                          <p:attrName>style.visibility</p:attrName>
+                                        </p:attrNameLst>
+                                      </p:cBhvr>
+                                      <p:to>
+                                        <p:strVal val="visible"/>
+                                      </p:to>
+                                    </p:set>
+                                  </p:childTnLst>
+                                </p:cTn>
+                              </p:par>
+                              <p:par>
+                                <p:cTn id="29" presetID="1" presetClass="entr" presetSubtype="0" fill="hold" nodeType="withEffect">
+                                  <p:stCondLst>
+                                    <p:cond delay="0"/>
+                                  </p:stCondLst>
+                                  <p:childTnLst>
+                                    <p:set>
+                                      <p:cBhvr>
+                                        <p:cTn id="30" dur="1" fill="hold">
+                                          <p:stCondLst>
+                                            <p:cond delay="0"/>
+                                          </p:stCondLst>
+                                        </p:cTn>
+                                        <p:tgtEl>
+                                          <p:spTgt spid="20"/>
+                                        </p:tgtEl>
+                                        <p:attrNameLst>
+                                          <p:attrName>style.visibility</p:attrName>
+                                        </p:attrNameLst>
+                                      </p:cBhvr>
+                                      <p:to>
+                                        <p:strVal val="visible"/>
+                                      </p:to>
+                                    </p:set>
+                                  </p:childTnLst>
+                                </p:cTn>
+                              </p:par>
+                              <p:par>
+                                <p:cTn id="31" presetID="1" presetClass="entr" presetSubtype="0" fill="hold" nodeType="withEffect">
+                                  <p:stCondLst>
+                                    <p:cond delay="0"/>
+                                  </p:stCondLst>
+                                  <p:childTnLst>
+                                    <p:set>
+                                      <p:cBhvr>
+                                        <p:cTn id="32" dur="1" fill="hold">
+                                          <p:stCondLst>
+                                            <p:cond delay="0"/>
+                                          </p:stCondLst>
+                                        </p:cTn>
+                                        <p:tgtEl>
+                                          <p:spTgt spid="16"/>
+                                        </p:tgtEl>
+                                        <p:attrNameLst>
+                                          <p:attrName>style.visibility</p:attrName>
+                                        </p:attrNameLst>
+                                      </p:cBhvr>
+                                      <p:to>
+                                        <p:strVal val="visible"/>
+                                      </p:to>
+                                    </p:set>
+                                  </p:childTnLst>
+                                </p:cTn>
+                              </p:par>
+                            </p:childTnLst>
+                          </p:cTn>
+                        </p:par>
+                      </p:childTnLst>
+                    </p:cTn>
+                  </p:par>
+                  <p:par>
+                    <p:cTn id="33" fill="hold">
+                      <p:stCondLst>
+                        <p:cond delay="indefinite"/>
+                      </p:stCondLst>
+                      <p:childTnLst>
+                        <p:par>
+                          <p:cTn id="34" fill="hold">
+                            <p:stCondLst>
+                              <p:cond delay="0"/>
+                            </p:stCondLst>
+                            <p:childTnLst>
+                              <p:par>
+                                <p:cTn id="35" presetID="1" presetClass="entr" presetSubtype="0" fill="hold" grpId="0" nodeType="clickEffect">
+                                  <p:stCondLst>
+                                    <p:cond delay="0"/>
+                                  </p:stCondLst>
+                                  <p:childTnLst>
+                                    <p:set>
+                                      <p:cBhvr>
+                                        <p:cTn id="36" dur="1" fill="hold">
+                                          <p:stCondLst>
+                                            <p:cond delay="0"/>
+                                          </p:stCondLst>
+                                        </p:cTn>
+                                        <p:tgtEl>
+                                          <p:spTgt spid="24"/>
+                                        </p:tgtEl>
+                                        <p:attrNameLst>
+                                          <p:attrName>style.visibility</p:attrName>
+                                        </p:attrNameLst>
+                                      </p:cBhvr>
+                                      <p:to>
+                                        <p:strVal val="visible"/>
+                                      </p:to>
+                                    </p:set>
+                                  </p:childTnLst>
+                                </p:cTn>
+                              </p:par>
+                            </p:childTnLst>
+                          </p:cTn>
+                        </p:par>
+                      </p:childTnLst>
+                    </p:cTn>
+                  </p:par>
+                </p:childTnLst>
+              </p:cTn>
+              <p:prevCondLst>
+                <p:cond evt="onPrev" delay="0">
+                  <p:tgtEl>
+                    <p:sldTgt/>
+                  </p:tgtEl>
+                </p:cond>
+              </p:prevCondLst>
+              <p:nextCondLst>
+                <p:cond evt="onNext" delay="0">
+                  <p:tgtEl>
+                    <p:sldTgt/>
+                  </p:tgtEl>
+                </p:cond>
+              </p:nextCondLst>
+            </p:seq>
+          </p:childTnLst>
+        </p:cTn>
+      </p:par>
+    </p:tnLst>
+    <p:bldLst>
+      <p:bldP spid="2" grpId="0"/>
+      <p:bldP spid="6" grpId="0"/>
+      <p:bldP spid="6" grpId="1"/>
+      <p:bldP spid="17" grpId="0" animBg="1"/>
+      <p:bldP spid="18" grpId="0" animBg="1"/>
+      <p:bldP spid="24" grpId="0" animBg="1"/>
+    </p:bldLst>
+  </p:timing>
+</p:sld>
+</file>
+
+<file path=ppt/slides/slide24.xml><?xml version="1.0" encoding="utf-8"?>
+<p:sld xmlns:a="http://schemas.openxmlformats.org/drawingml/2006/main" xmlns:r="http://schemas.openxmlformats.org/officeDocument/2006/relationships" xmlns:p="http://schemas.openxmlformats.org/presentationml/2006/main">
+  <p:cSld>
+    <p:spTree>
+      <p:nvGrpSpPr>
+        <p:cNvPr id="1" name=""/>
+        <p:cNvGrpSpPr/>
+        <p:nvPr/>
+      </p:nvGrpSpPr>
+      <p:grpSpPr>
+        <a:xfrm>
+          <a:off x="0" y="0"/>
+          <a:ext cx="0" cy="0"/>
+          <a:chOff x="0" y="0"/>
+          <a:chExt cx="0" cy="0"/>
+        </a:xfrm>
+      </p:grpSpPr>
+      <p:sp>
+        <p:nvSpPr>
+          <p:cNvPr id="12" name="Rectangle 11"/>
+          <p:cNvSpPr/>
+          <p:nvPr/>
+        </p:nvSpPr>
+        <p:spPr>
+          <a:xfrm>
+            <a:off x="457199" y="0"/>
+            <a:ext cx="10839451" cy="628649"/>
+          </a:xfrm>
+          <a:prstGeom prst="rect">
+            <a:avLst/>
+          </a:prstGeom>
+          <a:gradFill flip="none" rotWithShape="1">
+            <a:gsLst>
+              <a:gs pos="52000">
+                <a:schemeClr val="accent1">
+                  <a:lumMod val="60000"/>
+                  <a:lumOff val="40000"/>
+                </a:schemeClr>
+              </a:gs>
+              <a:gs pos="100000">
+                <a:schemeClr val="tx2">
+                  <a:lumMod val="60000"/>
+                  <a:lumOff val="40000"/>
+                </a:schemeClr>
+              </a:gs>
+              <a:gs pos="0">
+                <a:schemeClr val="accent1"/>
+              </a:gs>
+            </a:gsLst>
+            <a:lin ang="10800000" scaled="1"/>
+            <a:tileRect/>
+          </a:gradFill>
+          <a:ln>
+            <a:noFill/>
+          </a:ln>
+        </p:spPr>
+        <p:style>
+          <a:lnRef idx="2">
+            <a:schemeClr val="accent1">
+              <a:shade val="50000"/>
+            </a:schemeClr>
+          </a:lnRef>
+          <a:fillRef idx="1">
+            <a:schemeClr val="accent1"/>
+          </a:fillRef>
+          <a:effectRef idx="0">
+            <a:schemeClr val="accent1"/>
+          </a:effectRef>
+          <a:fontRef idx="minor">
+            <a:schemeClr val="lt1"/>
+          </a:fontRef>
+        </p:style>
+        <p:txBody>
+          <a:bodyPr rtlCol="0" anchor="ctr"/>
+          <a:lstStyle/>
+          <a:p>
+            <a:pPr algn="ctr"/>
+            <a:endParaRPr lang="en-US" sz="3200"/>
+          </a:p>
+        </p:txBody>
+      </p:sp>
+      <p:pic>
+        <p:nvPicPr>
+          <p:cNvPr id="10" name="Picture 9"/>
+          <p:cNvPicPr>
+            <a:picLocks noChangeAspect="1"/>
+          </p:cNvPicPr>
+          <p:nvPr/>
+        </p:nvPicPr>
+        <p:blipFill>
+          <a:blip r:embed="rId2" cstate="print">
+            <a:extLst>
+              <a:ext uri="{28A0092B-C50C-407E-A947-70E740481C1C}">
+                <a14:useLocalDpi xmlns:a14="http://schemas.microsoft.com/office/drawing/2010/main" val="0"/>
+              </a:ext>
+            </a:extLst>
+          </a:blip>
+          <a:stretch>
+            <a:fillRect/>
+          </a:stretch>
+        </p:blipFill>
+        <p:spPr>
+          <a:xfrm>
+            <a:off x="11325199" y="116740"/>
+            <a:ext cx="866801" cy="731428"/>
+          </a:xfrm>
+          <a:prstGeom prst="rect">
+            <a:avLst/>
+          </a:prstGeom>
+        </p:spPr>
+      </p:pic>
+      <p:sp>
+        <p:nvSpPr>
+          <p:cNvPr id="4" name="TextBox 3"/>
+          <p:cNvSpPr txBox="1"/>
+          <p:nvPr/>
+        </p:nvSpPr>
+        <p:spPr>
+          <a:xfrm>
+            <a:off x="1340642" y="0"/>
+            <a:ext cx="9072564" cy="584775"/>
+          </a:xfrm>
+          <a:prstGeom prst="rect">
+            <a:avLst/>
+          </a:prstGeom>
+          <a:noFill/>
+        </p:spPr>
+        <p:txBody>
+          <a:bodyPr wrap="square" rtlCol="0">
+            <a:spAutoFit/>
+          </a:bodyPr>
+          <a:lstStyle/>
+          <a:p>
+            <a:pPr algn="ctr"/>
+            <a:r>
+              <a:rPr lang="en-US" sz="3200" dirty="0" smtClean="0"/>
+              <a:t>The final strike</a:t>
+            </a:r>
+            <a:endParaRPr lang="en-US" sz="3200" dirty="0"/>
+          </a:p>
+        </p:txBody>
+      </p:sp>
+      <p:pic>
+        <p:nvPicPr>
+          <p:cNvPr id="2" name="Picture 1"/>
+          <p:cNvPicPr>
+            <a:picLocks noChangeAspect="1"/>
+          </p:cNvPicPr>
+          <p:nvPr/>
+        </p:nvPicPr>
+        <p:blipFill>
+          <a:blip r:embed="rId3">
+            <a:extLst>
+              <a:ext uri="{28A0092B-C50C-407E-A947-70E740481C1C}">
+                <a14:useLocalDpi xmlns:a14="http://schemas.microsoft.com/office/drawing/2010/main" val="0"/>
+              </a:ext>
+            </a:extLst>
+          </a:blip>
+          <a:stretch>
+            <a:fillRect/>
+          </a:stretch>
+        </p:blipFill>
+        <p:spPr>
+          <a:xfrm>
+            <a:off x="2355553" y="2505200"/>
+            <a:ext cx="7211917" cy="1550388"/>
+          </a:xfrm>
+          <a:prstGeom prst="rect">
+            <a:avLst/>
+          </a:prstGeom>
+        </p:spPr>
+      </p:pic>
+      <p:sp>
+        <p:nvSpPr>
+          <p:cNvPr id="3" name="TextBox 2"/>
+          <p:cNvSpPr txBox="1"/>
+          <p:nvPr/>
+        </p:nvSpPr>
+        <p:spPr>
+          <a:xfrm>
+            <a:off x="3251264" y="1220589"/>
+            <a:ext cx="5420497" cy="923330"/>
+          </a:xfrm>
+          <a:prstGeom prst="rect">
+            <a:avLst/>
+          </a:prstGeom>
+          <a:noFill/>
+        </p:spPr>
+        <p:txBody>
+          <a:bodyPr wrap="square" rtlCol="0">
+            <a:spAutoFit/>
+          </a:bodyPr>
+          <a:lstStyle/>
+          <a:p>
+            <a:pPr marL="285750" indent="-285750">
+              <a:buFont typeface="Arial" panose="020B0604020202020204" pitchFamily="34" charset="0"/>
+              <a:buChar char="•"/>
+            </a:pPr>
+            <a:r>
+              <a:rPr lang="en-US" dirty="0" smtClean="0"/>
+              <a:t>Compute the libc base</a:t>
+            </a:r>
+          </a:p>
+          <a:p>
+            <a:pPr marL="285750" indent="-285750">
+              <a:buFont typeface="Arial" panose="020B0604020202020204" pitchFamily="34" charset="0"/>
+              <a:buChar char="•"/>
+            </a:pPr>
+            <a:endParaRPr lang="en-US" dirty="0"/>
+          </a:p>
+          <a:p>
+            <a:pPr marL="285750" indent="-285750">
+              <a:buFont typeface="Arial" panose="020B0604020202020204" pitchFamily="34" charset="0"/>
+              <a:buChar char="•"/>
+            </a:pPr>
+            <a:r>
+              <a:rPr lang="en-US" dirty="0" smtClean="0"/>
+              <a:t>Compute the interesting functions addresses</a:t>
+            </a:r>
+          </a:p>
+        </p:txBody>
+      </p:sp>
+      <p:sp>
+        <p:nvSpPr>
+          <p:cNvPr id="7" name="TextBox 6"/>
+          <p:cNvSpPr txBox="1"/>
+          <p:nvPr/>
+        </p:nvSpPr>
+        <p:spPr>
+          <a:xfrm>
+            <a:off x="3004129" y="5030284"/>
+            <a:ext cx="7474402" cy="523220"/>
+          </a:xfrm>
+          <a:prstGeom prst="rect">
+            <a:avLst/>
+          </a:prstGeom>
+          <a:noFill/>
+        </p:spPr>
+        <p:txBody>
+          <a:bodyPr wrap="square" rtlCol="0">
+            <a:spAutoFit/>
+          </a:bodyPr>
+          <a:lstStyle/>
+          <a:p>
+            <a:r>
+              <a:rPr lang="en-US" sz="2800" dirty="0" smtClean="0"/>
+              <a:t>We can FINALLY call </a:t>
+            </a:r>
+            <a:r>
+              <a:rPr lang="en-US" sz="2800" i="1" dirty="0" smtClean="0"/>
+              <a:t>system(“/bin/</a:t>
+            </a:r>
+            <a:r>
+              <a:rPr lang="en-US" sz="2800" i="1" dirty="0" err="1" smtClean="0"/>
+              <a:t>sh</a:t>
+            </a:r>
+            <a:r>
+              <a:rPr lang="en-US" sz="2800" i="1" dirty="0" smtClean="0"/>
+              <a:t>”)</a:t>
+            </a:r>
+            <a:r>
+              <a:rPr lang="en-US" sz="2800" dirty="0" smtClean="0"/>
+              <a:t> !</a:t>
+            </a:r>
+            <a:endParaRPr lang="en-US" sz="2800" dirty="0"/>
+          </a:p>
+        </p:txBody>
+      </p:sp>
+      <p:sp>
+        <p:nvSpPr>
+          <p:cNvPr id="8" name="Right Arrow 7"/>
+          <p:cNvSpPr/>
+          <p:nvPr/>
+        </p:nvSpPr>
+        <p:spPr>
+          <a:xfrm>
+            <a:off x="1918948" y="4972924"/>
+            <a:ext cx="873211" cy="637940"/>
+          </a:xfrm>
+          <a:prstGeom prst="rightArrow">
+            <a:avLst/>
+          </a:prstGeom>
+          <a:noFill/>
+        </p:spPr>
+        <p:style>
+          <a:lnRef idx="2">
+            <a:schemeClr val="accent1">
+              <a:shade val="50000"/>
+            </a:schemeClr>
+          </a:lnRef>
+          <a:fillRef idx="1">
+            <a:schemeClr val="accent1"/>
+          </a:fillRef>
+          <a:effectRef idx="0">
+            <a:schemeClr val="accent1"/>
+          </a:effectRef>
+          <a:fontRef idx="minor">
+            <a:schemeClr val="lt1"/>
+          </a:fontRef>
+        </p:style>
+        <p:txBody>
+          <a:bodyPr rtlCol="0" anchor="ctr"/>
+          <a:lstStyle/>
+          <a:p>
+            <a:pPr algn="ctr"/>
+            <a:endParaRPr lang="en-US"/>
+          </a:p>
+        </p:txBody>
+      </p:sp>
+    </p:spTree>
+    <p:extLst>
+      <p:ext uri="{BB962C8B-B14F-4D97-AF65-F5344CB8AC3E}">
+        <p14:creationId xmlns:p14="http://schemas.microsoft.com/office/powerpoint/2010/main" val="2372227558"/>
+      </p:ext>
+    </p:extLst>
+  </p:cSld>
+  <p:clrMapOvr>
+    <a:masterClrMapping/>
+  </p:clrMapOvr>
+  <p:timing>
+    <p:tnLst>
+      <p:par>
+        <p:cTn id="1" dur="indefinite" restart="never" nodeType="tmRoot">
+          <p:childTnLst>
+            <p:seq concurrent="1" nextAc="seek">
+              <p:cTn id="2" dur="indefinite" nodeType="mainSeq">
+                <p:childTnLst>
+                  <p:par>
+                    <p:cTn id="3" fill="hold">
+                      <p:stCondLst>
+                        <p:cond delay="indefinite"/>
+                      </p:stCondLst>
+                      <p:childTnLst>
+                        <p:par>
+                          <p:cTn id="4" fill="hold">
+                            <p:stCondLst>
+                              <p:cond delay="0"/>
+                            </p:stCondLst>
+                            <p:childTnLst>
+                              <p:par>
+                                <p:cTn id="5" presetID="1" presetClass="entr" presetSubtype="0" fill="hold" grpId="0" nodeType="clickEffect">
+                                  <p:stCondLst>
+                                    <p:cond delay="0"/>
+                                  </p:stCondLst>
+                                  <p:childTnLst>
+                                    <p:set>
+                                      <p:cBhvr>
+                                        <p:cTn id="6" dur="1" fill="hold">
+                                          <p:stCondLst>
+                                            <p:cond delay="0"/>
+                                          </p:stCondLst>
+                                        </p:cTn>
+                                        <p:tgtEl>
+                                          <p:spTgt spid="3"/>
+                                        </p:tgtEl>
+                                        <p:attrNameLst>
+                                          <p:attrName>style.visibility</p:attrName>
+                                        </p:attrNameLst>
+                                      </p:cBhvr>
+                                      <p:to>
+                                        <p:strVal val="visible"/>
+                                      </p:to>
+                                    </p:set>
+                                  </p:childTnLst>
+                                </p:cTn>
+                              </p:par>
+                              <p:par>
+                                <p:cTn id="7" presetID="1" presetClass="entr" presetSubtype="0" fill="hold" nodeType="withEffect">
+                                  <p:stCondLst>
+                                    <p:cond delay="0"/>
+                                  </p:stCondLst>
+                                  <p:childTnLst>
+                                    <p:set>
+                                      <p:cBhvr>
+                                        <p:cTn id="8" dur="1" fill="hold">
+                                          <p:stCondLst>
+                                            <p:cond delay="0"/>
+                                          </p:stCondLst>
+                                        </p:cTn>
+                                        <p:tgtEl>
+                                          <p:spTgt spid="2"/>
+                                        </p:tgtEl>
+                                        <p:attrNameLst>
+                                          <p:attrName>style.visibility</p:attrName>
+                                        </p:attrNameLst>
+                                      </p:cBhvr>
+                                      <p:to>
+                                        <p:strVal val="visible"/>
+                                      </p:to>
+                                    </p:set>
+                                  </p:childTnLst>
+                                </p:cTn>
+                              </p:par>
+                            </p:childTnLst>
+                          </p:cTn>
+                        </p:par>
+                      </p:childTnLst>
+                    </p:cTn>
+                  </p:par>
+                  <p:par>
+                    <p:cTn id="9" fill="hold">
+                      <p:stCondLst>
+                        <p:cond delay="indefinite"/>
+                      </p:stCondLst>
+                      <p:childTnLst>
+                        <p:par>
+                          <p:cTn id="10" fill="hold">
+                            <p:stCondLst>
+                              <p:cond delay="0"/>
+                            </p:stCondLst>
+                            <p:childTnLst>
+                              <p:par>
+                                <p:cTn id="11" presetID="1" presetClass="entr" presetSubtype="0" fill="hold" grpId="0" nodeType="clickEffect">
+                                  <p:stCondLst>
+                                    <p:cond delay="0"/>
+                                  </p:stCondLst>
+                                  <p:childTnLst>
+                                    <p:set>
+                                      <p:cBhvr>
+                                        <p:cTn id="12" dur="1" fill="hold">
+                                          <p:stCondLst>
+                                            <p:cond delay="0"/>
+                                          </p:stCondLst>
+                                        </p:cTn>
+                                        <p:tgtEl>
+                                          <p:spTgt spid="7"/>
+                                        </p:tgtEl>
+                                        <p:attrNameLst>
+                                          <p:attrName>style.visibility</p:attrName>
+                                        </p:attrNameLst>
+                                      </p:cBhvr>
+                                      <p:to>
+                                        <p:strVal val="visible"/>
+                                      </p:to>
+                                    </p:set>
+                                  </p:childTnLst>
+                                </p:cTn>
+                              </p:par>
+                              <p:par>
+                                <p:cTn id="13" presetID="1" presetClass="entr" presetSubtype="0" fill="hold" grpId="0" nodeType="withEffect">
+                                  <p:stCondLst>
+                                    <p:cond delay="0"/>
+                                  </p:stCondLst>
+                                  <p:childTnLst>
+                                    <p:set>
+                                      <p:cBhvr>
+                                        <p:cTn id="14" dur="1" fill="hold">
+                                          <p:stCondLst>
+                                            <p:cond delay="0"/>
+                                          </p:stCondLst>
+                                        </p:cTn>
+                                        <p:tgtEl>
+                                          <p:spTgt spid="8"/>
+                                        </p:tgtEl>
+                                        <p:attrNameLst>
+                                          <p:attrName>style.visibility</p:attrName>
+                                        </p:attrNameLst>
+                                      </p:cBhvr>
+                                      <p:to>
+                                        <p:strVal val="visible"/>
+                                      </p:to>
+                                    </p:set>
+                                  </p:childTnLst>
+                                </p:cTn>
+                              </p:par>
+                            </p:childTnLst>
+                          </p:cTn>
+                        </p:par>
+                      </p:childTnLst>
+                    </p:cTn>
+                  </p:par>
+                </p:childTnLst>
+              </p:cTn>
+              <p:prevCondLst>
+                <p:cond evt="onPrev" delay="0">
+                  <p:tgtEl>
+                    <p:sldTgt/>
+                  </p:tgtEl>
+                </p:cond>
+              </p:prevCondLst>
+              <p:nextCondLst>
+                <p:cond evt="onNext" delay="0">
+                  <p:tgtEl>
+                    <p:sldTgt/>
+                  </p:tgtEl>
+                </p:cond>
+              </p:nextCondLst>
+            </p:seq>
+          </p:childTnLst>
+        </p:cTn>
+      </p:par>
+    </p:tnLst>
+    <p:bldLst>
+      <p:bldP spid="3" grpId="0"/>
+      <p:bldP spid="7" grpId="0"/>
+      <p:bldP spid="8" grpId="0" animBg="1"/>
+    </p:bldLst>
+  </p:timing>
+</p:sld>
+</file>
+
+<file path=ppt/slides/slide25.xml><?xml version="1.0" encoding="utf-8"?>
+<p:sld xmlns:a="http://schemas.openxmlformats.org/drawingml/2006/main" xmlns:r="http://schemas.openxmlformats.org/officeDocument/2006/relationships" xmlns:p="http://schemas.openxmlformats.org/presentationml/2006/main">
+  <p:cSld>
+    <p:spTree>
+      <p:nvGrpSpPr>
+        <p:cNvPr id="1" name=""/>
+        <p:cNvGrpSpPr/>
+        <p:nvPr/>
+      </p:nvGrpSpPr>
+      <p:grpSpPr>
+        <a:xfrm>
+          <a:off x="0" y="0"/>
+          <a:ext cx="0" cy="0"/>
+          <a:chOff x="0" y="0"/>
+          <a:chExt cx="0" cy="0"/>
+        </a:xfrm>
+      </p:grpSpPr>
+      <p:sp>
+        <p:nvSpPr>
+          <p:cNvPr id="12" name="Rectangle 11"/>
+          <p:cNvSpPr/>
+          <p:nvPr/>
+        </p:nvSpPr>
+        <p:spPr>
+          <a:xfrm>
+            <a:off x="457199" y="0"/>
+            <a:ext cx="10839451" cy="628649"/>
+          </a:xfrm>
+          <a:prstGeom prst="rect">
+            <a:avLst/>
+          </a:prstGeom>
+          <a:gradFill flip="none" rotWithShape="1">
+            <a:gsLst>
+              <a:gs pos="52000">
+                <a:schemeClr val="accent1">
+                  <a:lumMod val="60000"/>
+                  <a:lumOff val="40000"/>
+                </a:schemeClr>
+              </a:gs>
+              <a:gs pos="100000">
+                <a:schemeClr val="tx2">
+                  <a:lumMod val="60000"/>
+                  <a:lumOff val="40000"/>
+                </a:schemeClr>
+              </a:gs>
+              <a:gs pos="0">
+                <a:schemeClr val="accent1"/>
+              </a:gs>
+            </a:gsLst>
+            <a:lin ang="10800000" scaled="1"/>
+            <a:tileRect/>
+          </a:gradFill>
+          <a:ln>
+            <a:noFill/>
+          </a:ln>
+        </p:spPr>
+        <p:style>
+          <a:lnRef idx="2">
+            <a:schemeClr val="accent1">
+              <a:shade val="50000"/>
+            </a:schemeClr>
+          </a:lnRef>
+          <a:fillRef idx="1">
+            <a:schemeClr val="accent1"/>
+          </a:fillRef>
+          <a:effectRef idx="0">
+            <a:schemeClr val="accent1"/>
+          </a:effectRef>
+          <a:fontRef idx="minor">
+            <a:schemeClr val="lt1"/>
+          </a:fontRef>
+        </p:style>
+        <p:txBody>
+          <a:bodyPr rtlCol="0" anchor="ctr"/>
+          <a:lstStyle/>
+          <a:p>
+            <a:pPr algn="ctr"/>
+            <a:endParaRPr lang="en-US" sz="3200"/>
+          </a:p>
+        </p:txBody>
+      </p:sp>
+      <p:pic>
+        <p:nvPicPr>
+          <p:cNvPr id="10" name="Picture 9"/>
+          <p:cNvPicPr>
+            <a:picLocks noChangeAspect="1"/>
+          </p:cNvPicPr>
+          <p:nvPr/>
+        </p:nvPicPr>
+        <p:blipFill>
+          <a:blip r:embed="rId2" cstate="print">
+            <a:extLst>
+              <a:ext uri="{28A0092B-C50C-407E-A947-70E740481C1C}">
+                <a14:useLocalDpi xmlns:a14="http://schemas.microsoft.com/office/drawing/2010/main" val="0"/>
+              </a:ext>
+            </a:extLst>
+          </a:blip>
+          <a:stretch>
+            <a:fillRect/>
+          </a:stretch>
+        </p:blipFill>
+        <p:spPr>
+          <a:xfrm>
+            <a:off x="11325199" y="116740"/>
+            <a:ext cx="866801" cy="731428"/>
+          </a:xfrm>
+          <a:prstGeom prst="rect">
+            <a:avLst/>
+          </a:prstGeom>
+        </p:spPr>
+      </p:pic>
+      <p:sp>
+        <p:nvSpPr>
+          <p:cNvPr id="4" name="TextBox 3"/>
+          <p:cNvSpPr txBox="1"/>
+          <p:nvPr/>
+        </p:nvSpPr>
+        <p:spPr>
+          <a:xfrm>
+            <a:off x="1340642" y="0"/>
+            <a:ext cx="9072564" cy="584775"/>
+          </a:xfrm>
+          <a:prstGeom prst="rect">
+            <a:avLst/>
+          </a:prstGeom>
+          <a:noFill/>
+        </p:spPr>
+        <p:txBody>
+          <a:bodyPr wrap="square" rtlCol="0">
+            <a:spAutoFit/>
+          </a:bodyPr>
+          <a:lstStyle/>
+          <a:p>
+            <a:pPr algn="ctr"/>
+            <a:r>
+              <a:rPr lang="en-US" sz="3200" dirty="0" smtClean="0"/>
+              <a:t>I am (g)root</a:t>
+            </a:r>
+            <a:endParaRPr lang="en-US" sz="3200" dirty="0"/>
+          </a:p>
+        </p:txBody>
+      </p:sp>
+      <p:pic>
+        <p:nvPicPr>
+          <p:cNvPr id="2" name="Picture 1"/>
+          <p:cNvPicPr>
+            <a:picLocks noChangeAspect="1"/>
+          </p:cNvPicPr>
+          <p:nvPr/>
+        </p:nvPicPr>
+        <p:blipFill>
+          <a:blip r:embed="rId3">
+            <a:extLst>
+              <a:ext uri="{28A0092B-C50C-407E-A947-70E740481C1C}">
+                <a14:useLocalDpi xmlns:a14="http://schemas.microsoft.com/office/drawing/2010/main" val="0"/>
+              </a:ext>
+            </a:extLst>
+          </a:blip>
+          <a:stretch>
+            <a:fillRect/>
+          </a:stretch>
+        </p:blipFill>
+        <p:spPr>
+          <a:xfrm>
+            <a:off x="2811385" y="1195472"/>
+            <a:ext cx="6131077" cy="5177115"/>
+          </a:xfrm>
+          <a:prstGeom prst="rect">
+            <a:avLst/>
+          </a:prstGeom>
+        </p:spPr>
+      </p:pic>
+      <p:sp>
+        <p:nvSpPr>
+          <p:cNvPr id="6" name="TextBox 5"/>
+          <p:cNvSpPr txBox="1"/>
+          <p:nvPr/>
+        </p:nvSpPr>
+        <p:spPr>
+          <a:xfrm>
+            <a:off x="3944765" y="3998844"/>
+            <a:ext cx="3864318" cy="369332"/>
+          </a:xfrm>
+          <a:prstGeom prst="rect">
+            <a:avLst/>
+          </a:prstGeom>
+          <a:noFill/>
+        </p:spPr>
+        <p:txBody>
+          <a:bodyPr wrap="square" rtlCol="0">
+            <a:spAutoFit/>
+          </a:bodyPr>
+          <a:lstStyle/>
+          <a:p>
+            <a:pPr algn="ctr"/>
+            <a:r>
+              <a:rPr lang="en-US" dirty="0" smtClean="0"/>
+              <a:t>[DEMO </a:t>
+            </a:r>
+            <a:r>
+              <a:rPr lang="en-US" dirty="0" smtClean="0"/>
+              <a:t>FULL EXPLOIT]</a:t>
+            </a:r>
+            <a:endParaRPr lang="en-US" dirty="0"/>
+          </a:p>
+        </p:txBody>
+      </p:sp>
+    </p:spTree>
+    <p:extLst>
+      <p:ext uri="{BB962C8B-B14F-4D97-AF65-F5344CB8AC3E}">
+        <p14:creationId xmlns:p14="http://schemas.microsoft.com/office/powerpoint/2010/main" val="3949336636"/>
+      </p:ext>
+    </p:extLst>
+  </p:cSld>
+  <p:clrMapOvr>
+    <a:masterClrMapping/>
+  </p:clrMapOvr>
+  <p:timing>
+    <p:tnLst>
+      <p:par>
+        <p:cTn id="1" dur="indefinite" restart="never" nodeType="tmRoot">
+          <p:childTnLst>
+            <p:seq concurrent="1" nextAc="seek">
+              <p:cTn id="2" dur="indefinite" nodeType="mainSeq">
+                <p:childTnLst>
+                  <p:par>
+                    <p:cTn id="3" fill="hold">
+                      <p:stCondLst>
+                        <p:cond delay="indefinite"/>
+                      </p:stCondLst>
+                      <p:childTnLst>
+                        <p:par>
+                          <p:cTn id="4" fill="hold">
+                            <p:stCondLst>
+                              <p:cond delay="0"/>
+                            </p:stCondLst>
+                            <p:childTnLst>
+                              <p:par>
+                                <p:cTn id="5" presetID="1" presetClass="entr" presetSubtype="0" fill="hold" grpId="0" nodeType="clickEffect">
+                                  <p:stCondLst>
+                                    <p:cond delay="0"/>
+                                  </p:stCondLst>
+                                  <p:childTnLst>
+                                    <p:set>
+                                      <p:cBhvr>
+                                        <p:cTn id="6" dur="1" fill="hold">
+                                          <p:stCondLst>
+                                            <p:cond delay="0"/>
+                                          </p:stCondLst>
+                                        </p:cTn>
+                                        <p:tgtEl>
+                                          <p:spTgt spid="6"/>
+                                        </p:tgtEl>
+                                        <p:attrNameLst>
+                                          <p:attrName>style.visibility</p:attrName>
+                                        </p:attrNameLst>
+                                      </p:cBhvr>
+                                      <p:to>
+                                        <p:strVal val="visible"/>
+                                      </p:to>
+                                    </p:set>
+                                  </p:childTnLst>
+                                </p:cTn>
+                              </p:par>
+                            </p:childTnLst>
+                          </p:cTn>
+                        </p:par>
+                      </p:childTnLst>
+                    </p:cTn>
+                  </p:par>
+                  <p:par>
+                    <p:cTn id="7" fill="hold">
+                      <p:stCondLst>
+                        <p:cond delay="indefinite"/>
+                      </p:stCondLst>
+                      <p:childTnLst>
+                        <p:par>
+                          <p:cTn id="8" fill="hold">
+                            <p:stCondLst>
+                              <p:cond delay="0"/>
+                            </p:stCondLst>
+                            <p:childTnLst>
+                              <p:par>
+                                <p:cTn id="9" presetID="1" presetClass="exit" presetSubtype="0" fill="hold" grpId="1" nodeType="clickEffect">
+                                  <p:stCondLst>
+                                    <p:cond delay="0"/>
+                                  </p:stCondLst>
+                                  <p:childTnLst>
+                                    <p:set>
+                                      <p:cBhvr>
+                                        <p:cTn id="10" dur="1" fill="hold">
+                                          <p:stCondLst>
+                                            <p:cond delay="0"/>
+                                          </p:stCondLst>
+                                        </p:cTn>
+                                        <p:tgtEl>
+                                          <p:spTgt spid="6"/>
+                                        </p:tgtEl>
+                                        <p:attrNameLst>
+                                          <p:attrName>style.visibility</p:attrName>
+                                        </p:attrNameLst>
+                                      </p:cBhvr>
+                                      <p:to>
+                                        <p:strVal val="hidden"/>
+                                      </p:to>
+                                    </p:set>
+                                  </p:childTnLst>
+                                </p:cTn>
+                              </p:par>
+                            </p:childTnLst>
+                          </p:cTn>
+                        </p:par>
+                        <p:par>
+                          <p:cTn id="11" fill="hold">
+                            <p:stCondLst>
+                              <p:cond delay="0"/>
+                            </p:stCondLst>
+                            <p:childTnLst>
+                              <p:par>
+                                <p:cTn id="12" presetID="1" presetClass="entr" presetSubtype="0" fill="hold" nodeType="afterEffect">
+                                  <p:stCondLst>
+                                    <p:cond delay="0"/>
+                                  </p:stCondLst>
+                                  <p:childTnLst>
+                                    <p:set>
+                                      <p:cBhvr>
+                                        <p:cTn id="13" dur="1" fill="hold">
+                                          <p:stCondLst>
+                                            <p:cond delay="0"/>
+                                          </p:stCondLst>
+                                        </p:cTn>
+                                        <p:tgtEl>
+                                          <p:spTgt spid="2"/>
+                                        </p:tgtEl>
+                                        <p:attrNameLst>
+                                          <p:attrName>style.visibility</p:attrName>
+                                        </p:attrNameLst>
+                                      </p:cBhvr>
+                                      <p:to>
+                                        <p:strVal val="visible"/>
+                                      </p:to>
+                                    </p:set>
+                                  </p:childTnLst>
+                                </p:cTn>
+                              </p:par>
+                            </p:childTnLst>
+                          </p:cTn>
+                        </p:par>
+                      </p:childTnLst>
+                    </p:cTn>
+                  </p:par>
+                </p:childTnLst>
+              </p:cTn>
+              <p:prevCondLst>
+                <p:cond evt="onPrev" delay="0">
+                  <p:tgtEl>
+                    <p:sldTgt/>
+                  </p:tgtEl>
+                </p:cond>
+              </p:prevCondLst>
+              <p:nextCondLst>
+                <p:cond evt="onNext" delay="0">
+                  <p:tgtEl>
+                    <p:sldTgt/>
+                  </p:tgtEl>
+                </p:cond>
+              </p:nextCondLst>
+            </p:seq>
+          </p:childTnLst>
+        </p:cTn>
+      </p:par>
+    </p:tnLst>
+    <p:bldLst>
+      <p:bldP spid="6" grpId="0"/>
+      <p:bldP spid="6" grpId="1"/>
+    </p:bldLst>
+  </p:timing>
+</p:sld>
+</file>
+
+<file path=ppt/slides/slide26.xml><?xml version="1.0" encoding="utf-8"?>
+<p:sld xmlns:a="http://schemas.openxmlformats.org/drawingml/2006/main" xmlns:r="http://schemas.openxmlformats.org/officeDocument/2006/relationships" xmlns:p="http://schemas.openxmlformats.org/presentationml/2006/main">
+  <p:cSld>
+    <p:bg>
+      <p:bgPr>
+        <a:solidFill>
+          <a:schemeClr val="bg2"/>
+        </a:solidFill>
+        <a:effectLst/>
+      </p:bgPr>
+    </p:bg>
+    <p:spTree>
+      <p:nvGrpSpPr>
+        <p:cNvPr id="1" name=""/>
+        <p:cNvGrpSpPr/>
+        <p:nvPr/>
+      </p:nvGrpSpPr>
+      <p:grpSpPr>
+        <a:xfrm>
+          <a:off x="0" y="0"/>
+          <a:ext cx="0" cy="0"/>
+          <a:chOff x="0" y="0"/>
+          <a:chExt cx="0" cy="0"/>
+        </a:xfrm>
+      </p:grpSpPr>
+      <p:sp>
+        <p:nvSpPr>
+          <p:cNvPr id="6" name="TextBox 5"/>
+          <p:cNvSpPr txBox="1"/>
+          <p:nvPr/>
+        </p:nvSpPr>
+        <p:spPr>
+          <a:xfrm>
+            <a:off x="4972659" y="536044"/>
+            <a:ext cx="5496616" cy="1384995"/>
+          </a:xfrm>
+          <a:prstGeom prst="rect">
+            <a:avLst/>
+          </a:prstGeom>
+          <a:noFill/>
+        </p:spPr>
+        <p:txBody>
+          <a:bodyPr wrap="square" rtlCol="0">
+            <a:spAutoFit/>
+          </a:bodyPr>
+          <a:lstStyle/>
+          <a:p>
+            <a:pPr algn="ctr"/>
+            <a:r>
+              <a:rPr lang="en-US" sz="2800" dirty="0" smtClean="0"/>
+              <a:t>Blind Date,</a:t>
+            </a:r>
+          </a:p>
+          <a:p>
+            <a:pPr algn="ctr"/>
+            <a:r>
+              <a:rPr lang="en-US" sz="2800" dirty="0"/>
+              <a:t>a</a:t>
+            </a:r>
+            <a:r>
+              <a:rPr lang="en-US" sz="2800" dirty="0" smtClean="0"/>
+              <a:t> journey into Blind ROP exploitation technique</a:t>
+            </a:r>
+          </a:p>
+        </p:txBody>
+      </p:sp>
+      <p:sp>
+        <p:nvSpPr>
+          <p:cNvPr id="7" name="TextBox 6"/>
+          <p:cNvSpPr txBox="1"/>
+          <p:nvPr/>
+        </p:nvSpPr>
+        <p:spPr>
+          <a:xfrm>
+            <a:off x="5830254" y="2196859"/>
+            <a:ext cx="3781425" cy="461665"/>
+          </a:xfrm>
+          <a:prstGeom prst="rect">
+            <a:avLst/>
+          </a:prstGeom>
+          <a:noFill/>
+        </p:spPr>
+        <p:txBody>
+          <a:bodyPr wrap="square" rtlCol="0">
+            <a:spAutoFit/>
+          </a:bodyPr>
+          <a:lstStyle/>
+          <a:p>
+            <a:pPr algn="ctr"/>
+            <a:r>
+              <a:rPr lang="en-US" sz="2400" i="1" dirty="0" smtClean="0"/>
+              <a:t>Thomas Berlioz</a:t>
+            </a:r>
+          </a:p>
+        </p:txBody>
+      </p:sp>
+      <p:sp>
+        <p:nvSpPr>
+          <p:cNvPr id="9" name="TextBox 8"/>
+          <p:cNvSpPr txBox="1"/>
+          <p:nvPr/>
+        </p:nvSpPr>
+        <p:spPr>
+          <a:xfrm>
+            <a:off x="926387" y="1925893"/>
+            <a:ext cx="3853632" cy="707886"/>
+          </a:xfrm>
+          <a:prstGeom prst="rect">
+            <a:avLst/>
+          </a:prstGeom>
+          <a:noFill/>
+        </p:spPr>
+        <p:txBody>
+          <a:bodyPr wrap="square" rtlCol="0">
+            <a:spAutoFit/>
+          </a:bodyPr>
+          <a:lstStyle/>
+          <a:p>
+            <a:pPr algn="ctr"/>
+            <a:r>
+              <a:rPr lang="en-US" sz="2000" b="1" dirty="0" smtClean="0"/>
+              <a:t>LSE Winter Days</a:t>
+            </a:r>
+          </a:p>
+          <a:p>
+            <a:pPr algn="ctr"/>
+            <a:r>
+              <a:rPr lang="en-US" sz="2000" b="1" dirty="0" smtClean="0"/>
+              <a:t>Nov. 6/7 2021</a:t>
+            </a:r>
+          </a:p>
+        </p:txBody>
+      </p:sp>
+      <p:sp>
+        <p:nvSpPr>
+          <p:cNvPr id="14" name="Rectangle 13"/>
+          <p:cNvSpPr/>
+          <p:nvPr/>
+        </p:nvSpPr>
+        <p:spPr>
+          <a:xfrm rot="16200000">
+            <a:off x="3754186" y="1536371"/>
+            <a:ext cx="2198588" cy="45719"/>
+          </a:xfrm>
+          <a:prstGeom prst="rect">
+            <a:avLst/>
+          </a:prstGeom>
+        </p:spPr>
+        <p:style>
+          <a:lnRef idx="2">
+            <a:schemeClr val="accent1">
+              <a:shade val="50000"/>
+            </a:schemeClr>
+          </a:lnRef>
+          <a:fillRef idx="1">
+            <a:schemeClr val="accent1"/>
+          </a:fillRef>
+          <a:effectRef idx="0">
+            <a:schemeClr val="accent1"/>
+          </a:effectRef>
+          <a:fontRef idx="minor">
+            <a:schemeClr val="lt1"/>
+          </a:fontRef>
+        </p:style>
+        <p:txBody>
+          <a:bodyPr rtlCol="0" anchor="ctr"/>
+          <a:lstStyle/>
+          <a:p>
+            <a:pPr algn="ctr"/>
+            <a:endParaRPr lang="en-US"/>
+          </a:p>
+        </p:txBody>
+      </p:sp>
+      <p:pic>
+        <p:nvPicPr>
+          <p:cNvPr id="4" name="Picture 3"/>
+          <p:cNvPicPr>
+            <a:picLocks noChangeAspect="1"/>
+          </p:cNvPicPr>
+          <p:nvPr/>
+        </p:nvPicPr>
+        <p:blipFill>
+          <a:blip r:embed="rId2">
+            <a:extLst>
+              <a:ext uri="{28A0092B-C50C-407E-A947-70E740481C1C}">
+                <a14:useLocalDpi xmlns:a14="http://schemas.microsoft.com/office/drawing/2010/main" val="0"/>
+              </a:ext>
+            </a:extLst>
+          </a:blip>
+          <a:stretch>
+            <a:fillRect/>
+          </a:stretch>
+        </p:blipFill>
+        <p:spPr>
+          <a:xfrm>
+            <a:off x="2088065" y="361903"/>
+            <a:ext cx="1577774" cy="1331365"/>
+          </a:xfrm>
+          <a:prstGeom prst="rect">
+            <a:avLst/>
+          </a:prstGeom>
+        </p:spPr>
+      </p:pic>
+      <p:sp>
+        <p:nvSpPr>
+          <p:cNvPr id="8" name="TextBox 7"/>
+          <p:cNvSpPr txBox="1"/>
+          <p:nvPr/>
+        </p:nvSpPr>
+        <p:spPr>
+          <a:xfrm>
+            <a:off x="1618735" y="4485760"/>
+            <a:ext cx="9073977" cy="369332"/>
+          </a:xfrm>
+          <a:prstGeom prst="rect">
+            <a:avLst/>
+          </a:prstGeom>
+          <a:noFill/>
+        </p:spPr>
+        <p:txBody>
+          <a:bodyPr wrap="square" rtlCol="0">
+            <a:spAutoFit/>
+          </a:bodyPr>
+          <a:lstStyle/>
+          <a:p>
+            <a:r>
+              <a:rPr lang="en-US" dirty="0" smtClean="0"/>
+              <a:t>All files (including original challenge) are available on github.com/</a:t>
+            </a:r>
+            <a:r>
+              <a:rPr lang="en-US" dirty="0" err="1" smtClean="0"/>
+              <a:t>Ewael</a:t>
+            </a:r>
+            <a:r>
+              <a:rPr lang="en-US" dirty="0" smtClean="0"/>
+              <a:t>/LSE</a:t>
+            </a:r>
+            <a:endParaRPr lang="en-US" dirty="0"/>
+          </a:p>
+        </p:txBody>
+      </p:sp>
+      <p:sp>
+        <p:nvSpPr>
+          <p:cNvPr id="10" name="TextBox 9"/>
+          <p:cNvSpPr txBox="1"/>
+          <p:nvPr/>
+        </p:nvSpPr>
+        <p:spPr>
+          <a:xfrm>
+            <a:off x="1238242" y="5463109"/>
+            <a:ext cx="9834962" cy="646331"/>
+          </a:xfrm>
+          <a:prstGeom prst="rect">
+            <a:avLst/>
+          </a:prstGeom>
+          <a:noFill/>
+        </p:spPr>
+        <p:txBody>
+          <a:bodyPr wrap="square" rtlCol="0">
+            <a:spAutoFit/>
+          </a:bodyPr>
+          <a:lstStyle/>
+          <a:p>
+            <a:r>
+              <a:rPr lang="en-US" sz="3600" dirty="0" smtClean="0"/>
+              <a:t>Thank</a:t>
+            </a:r>
+            <a:r>
+              <a:rPr lang="en-US" sz="3600" dirty="0"/>
+              <a:t> </a:t>
+            </a:r>
+            <a:r>
+              <a:rPr lang="en-US" sz="3600" dirty="0" smtClean="0"/>
+              <a:t>you for your attention, any question?</a:t>
+            </a:r>
+            <a:endParaRPr lang="en-US" sz="3600" dirty="0"/>
+          </a:p>
+        </p:txBody>
+      </p:sp>
+      <p:sp>
+        <p:nvSpPr>
+          <p:cNvPr id="11" name="TextBox 10"/>
+          <p:cNvSpPr txBox="1"/>
+          <p:nvPr/>
+        </p:nvSpPr>
+        <p:spPr>
+          <a:xfrm>
+            <a:off x="2683478" y="3178525"/>
+            <a:ext cx="7253416" cy="523220"/>
+          </a:xfrm>
+          <a:prstGeom prst="rect">
+            <a:avLst/>
+          </a:prstGeom>
+          <a:noFill/>
+        </p:spPr>
+        <p:txBody>
+          <a:bodyPr wrap="square" rtlCol="0">
+            <a:spAutoFit/>
+          </a:bodyPr>
+          <a:lstStyle/>
+          <a:p>
+            <a:r>
+              <a:rPr lang="en-US" sz="2800" i="1" dirty="0" smtClean="0">
+                <a:solidFill>
+                  <a:schemeClr val="bg1"/>
+                </a:solidFill>
+              </a:rPr>
+              <a:t>La root est longue mais la voie est libre</a:t>
+            </a:r>
+            <a:endParaRPr lang="en-US" sz="2800" i="1" dirty="0">
+              <a:solidFill>
+                <a:schemeClr val="bg1"/>
+              </a:solidFill>
+            </a:endParaRPr>
+          </a:p>
+        </p:txBody>
+      </p:sp>
+    </p:spTree>
+    <p:extLst>
+      <p:ext uri="{BB962C8B-B14F-4D97-AF65-F5344CB8AC3E}">
+        <p14:creationId xmlns:p14="http://schemas.microsoft.com/office/powerpoint/2010/main" val="3242186432"/>
+      </p:ext>
+    </p:extLst>
+  </p:cSld>
+  <p:clrMapOvr>
+    <a:masterClrMapping/>
+  </p:clrMapOvr>
+  <mc:AlternateContent xmlns:mc="http://schemas.openxmlformats.org/markup-compatibility/2006" xmlns:p14="http://schemas.microsoft.com/office/powerpoint/2010/main">
+    <mc:Choice Requires="p14">
+      <p:transition p14:dur="0"/>
+    </mc:Choice>
+    <mc:Fallback xmlns="">
+      <p:transition/>
+    </mc:Fallback>
+  </mc:AlternateContent>
+  <p:timing>
+    <p:tnLst>
+      <p:par>
+        <p:cTn id="1" dur="indefinite" restart="never" nodeType="tmRoot"/>
+      </p:par>
+    </p:tnLst>
   </p:timing>
 </p:sld>
 </file>
@@ -7516,12 +15552,7 @@
           <a:prstGeom prst="rightArrow">
             <a:avLst/>
           </a:prstGeom>
-          <a:solidFill>
-            <a:schemeClr val="tx2">
-              <a:lumMod val="20000"/>
-              <a:lumOff val="80000"/>
-            </a:schemeClr>
-          </a:solidFill>
+          <a:noFill/>
           <a:ln>
             <a:solidFill>
               <a:schemeClr val="accent2"/>
@@ -7578,11 +15609,7 @@
             <a:pPr algn="ctr"/>
             <a:r>
               <a:rPr lang="en-US" dirty="0" smtClean="0"/>
-              <a:t>[DEMO </a:t>
-            </a:r>
-            <a:r>
-              <a:rPr lang="en-US" dirty="0" smtClean="0"/>
-              <a:t>FMT]</a:t>
+              <a:t>[DEMO FMT]</a:t>
             </a:r>
             <a:endParaRPr lang="en-US" dirty="0"/>
           </a:p>
@@ -8748,12 +16775,7 @@
           <a:prstGeom prst="rightArrow">
             <a:avLst/>
           </a:prstGeom>
-          <a:solidFill>
-            <a:schemeClr val="tx2">
-              <a:lumMod val="20000"/>
-              <a:lumOff val="80000"/>
-            </a:schemeClr>
-          </a:solidFill>
+          <a:noFill/>
           <a:ln>
             <a:solidFill>
               <a:schemeClr val="accent2"/>
@@ -8810,11 +16832,7 @@
             <a:pPr algn="ctr"/>
             <a:r>
               <a:rPr lang="en-US" dirty="0" smtClean="0"/>
-              <a:t>[DEMO </a:t>
-            </a:r>
-            <a:r>
-              <a:rPr lang="en-US" dirty="0" smtClean="0"/>
-              <a:t>PADDING + DEMO LEAKADDR]</a:t>
+              <a:t>[DEMO PADDING + DEMO LEAKADDR]</a:t>
             </a:r>
             <a:endParaRPr lang="en-US" dirty="0"/>
           </a:p>
@@ -9477,7 +17495,11 @@
           <a:p>
             <a:r>
               <a:rPr lang="en-US" i="1" dirty="0" smtClean="0"/>
-              <a:t>Ok cool bro, but what’s next?</a:t>
+              <a:t>Ok cool bro, </a:t>
+            </a:r>
+            <a:r>
+              <a:rPr lang="en-US" i="1" dirty="0" smtClean="0"/>
+              <a:t>so what?</a:t>
             </a:r>
             <a:endParaRPr lang="en-US" i="1" dirty="0"/>
           </a:p>
@@ -9860,7 +17882,15 @@
             </a:r>
             <a:r>
               <a:rPr lang="en-US" dirty="0" smtClean="0"/>
-              <a:t> to execute instructions sequences from the binary itself and jump somewhere else using RET</a:t>
+              <a:t> to execute instructions sequences from the binary itself and jump somewhere else using </a:t>
+            </a:r>
+            <a:r>
+              <a:rPr lang="en-US" i="1" dirty="0" smtClean="0"/>
+              <a:t>ret</a:t>
+            </a:r>
+            <a:r>
+              <a:rPr lang="en-US" dirty="0" smtClean="0"/>
+              <a:t> instruction</a:t>
             </a:r>
             <a:endParaRPr lang="en-US" i="1" dirty="0" smtClean="0"/>
           </a:p>
@@ -9937,7 +17967,15 @@
           <a:p>
             <a:r>
               <a:rPr lang="en-US" dirty="0" smtClean="0"/>
-              <a:t>For instance, this gadgets allows the attacker to control RDI, which is the first argument in the x64 calling convention.</a:t>
+              <a:t>For instance, this </a:t>
+            </a:r>
+            <a:r>
+              <a:rPr lang="en-US" dirty="0" smtClean="0"/>
+              <a:t>gadget </a:t>
+            </a:r>
+            <a:r>
+              <a:rPr lang="en-US" dirty="0" smtClean="0"/>
+              <a:t>allows the attacker to control RDI, which is the first argument in the x64 calling convention.</a:t>
             </a:r>
             <a:endParaRPr lang="en-US" dirty="0"/>
           </a:p>
